--- a/PsychoPy-Part2/PsychoPy-part2.pptx
+++ b/PsychoPy-Part2/PsychoPy-part2.pptx
@@ -223,7 +223,7 @@
           <a:p>
             <a:fld id="{A71BFCC6-2EC9-4EC2-A3C4-9B645E93EB78}" type="datetimeFigureOut">
               <a:rPr lang="en-US" smtClean="0"/>
-              <a:t>10/15/2015</a:t>
+              <a:t>5/17/2016</a:t>
             </a:fld>
             <a:endParaRPr lang="en-US"/>
           </a:p>
@@ -1983,7 +1983,7 @@
             <a:fld id="{B61BEF0D-F0BB-DE4B-95CE-6DB70DBA9567}" type="datetimeFigureOut">
               <a:rPr lang="en-US" smtClean="0"/>
               <a:pPr/>
-              <a:t>10/15/2015</a:t>
+              <a:t>5/17/2016</a:t>
             </a:fld>
             <a:endParaRPr lang="en-US" dirty="0"/>
           </a:p>
@@ -2236,7 +2236,7 @@
             <a:fld id="{B61BEF0D-F0BB-DE4B-95CE-6DB70DBA9567}" type="datetimeFigureOut">
               <a:rPr lang="en-US" smtClean="0"/>
               <a:pPr/>
-              <a:t>10/15/2015</a:t>
+              <a:t>5/17/2016</a:t>
             </a:fld>
             <a:endParaRPr lang="en-US" dirty="0"/>
           </a:p>
@@ -2552,7 +2552,7 @@
             <a:fld id="{B61BEF0D-F0BB-DE4B-95CE-6DB70DBA9567}" type="datetimeFigureOut">
               <a:rPr lang="en-US" smtClean="0"/>
               <a:pPr/>
-              <a:t>10/15/2015</a:t>
+              <a:t>5/17/2016</a:t>
             </a:fld>
             <a:endParaRPr lang="en-US" dirty="0"/>
           </a:p>
@@ -2887,7 +2887,7 @@
             <a:fld id="{B61BEF0D-F0BB-DE4B-95CE-6DB70DBA9567}" type="datetimeFigureOut">
               <a:rPr lang="en-US" smtClean="0"/>
               <a:pPr/>
-              <a:t>10/15/2015</a:t>
+              <a:t>5/17/2016</a:t>
             </a:fld>
             <a:endParaRPr lang="en-US" dirty="0"/>
           </a:p>
@@ -3203,7 +3203,7 @@
             <a:fld id="{B61BEF0D-F0BB-DE4B-95CE-6DB70DBA9567}" type="datetimeFigureOut">
               <a:rPr lang="en-US" smtClean="0"/>
               <a:pPr/>
-              <a:t>10/15/2015</a:t>
+              <a:t>5/17/2016</a:t>
             </a:fld>
             <a:endParaRPr lang="en-US" dirty="0"/>
           </a:p>
@@ -3598,7 +3598,7 @@
             <a:fld id="{B61BEF0D-F0BB-DE4B-95CE-6DB70DBA9567}" type="datetimeFigureOut">
               <a:rPr lang="en-US" smtClean="0"/>
               <a:pPr/>
-              <a:t>10/15/2015</a:t>
+              <a:t>5/17/2016</a:t>
             </a:fld>
             <a:endParaRPr lang="en-US" dirty="0"/>
           </a:p>
@@ -3769,7 +3769,7 @@
           <a:p>
             <a:fld id="{55C6B4A9-1611-4792-9094-5F34BCA07E0B}" type="datetimeFigureOut">
               <a:rPr lang="en-US" smtClean="0"/>
-              <a:t>10/15/2015</a:t>
+              <a:t>5/17/2016</a:t>
             </a:fld>
             <a:endParaRPr lang="en-US" dirty="0"/>
           </a:p>
@@ -3950,7 +3950,7 @@
             <a:fld id="{B61BEF0D-F0BB-DE4B-95CE-6DB70DBA9567}" type="datetimeFigureOut">
               <a:rPr lang="en-US" smtClean="0"/>
               <a:pPr/>
-              <a:t>10/15/2015</a:t>
+              <a:t>5/17/2016</a:t>
             </a:fld>
             <a:endParaRPr lang="en-US" dirty="0"/>
           </a:p>
@@ -4322,7 +4322,7 @@
             <a:fld id="{B61BEF0D-F0BB-DE4B-95CE-6DB70DBA9567}" type="datetimeFigureOut">
               <a:rPr lang="en-US" smtClean="0"/>
               <a:pPr/>
-              <a:t>10/15/2015</a:t>
+              <a:t>5/17/2016</a:t>
             </a:fld>
             <a:endParaRPr lang="en-US" dirty="0"/>
           </a:p>
@@ -4571,7 +4571,7 @@
             <a:fld id="{B61BEF0D-F0BB-DE4B-95CE-6DB70DBA9567}" type="datetimeFigureOut">
               <a:rPr lang="en-US" smtClean="0"/>
               <a:pPr/>
-              <a:t>10/15/2015</a:t>
+              <a:t>5/17/2016</a:t>
             </a:fld>
             <a:endParaRPr lang="en-US" dirty="0"/>
           </a:p>
@@ -4869,7 +4869,7 @@
           <a:p>
             <a:fld id="{EB712588-04B1-427B-82EE-E8DB90309F08}" type="datetimeFigureOut">
               <a:rPr lang="en-US" smtClean="0"/>
-              <a:t>10/15/2015</a:t>
+              <a:t>5/17/2016</a:t>
             </a:fld>
             <a:endParaRPr lang="en-US" dirty="0"/>
           </a:p>
@@ -5249,7 +5249,7 @@
             <a:fld id="{B61BEF0D-F0BB-DE4B-95CE-6DB70DBA9567}" type="datetimeFigureOut">
               <a:rPr lang="en-US" smtClean="0"/>
               <a:pPr/>
-              <a:t>10/15/2015</a:t>
+              <a:t>5/17/2016</a:t>
             </a:fld>
             <a:endParaRPr lang="en-US" dirty="0"/>
           </a:p>
@@ -5374,7 +5374,7 @@
             <a:fld id="{B61BEF0D-F0BB-DE4B-95CE-6DB70DBA9567}" type="datetimeFigureOut">
               <a:rPr lang="en-US" smtClean="0"/>
               <a:pPr/>
-              <a:t>10/15/2015</a:t>
+              <a:t>5/17/2016</a:t>
             </a:fld>
             <a:endParaRPr lang="en-US" dirty="0"/>
           </a:p>
@@ -5471,7 +5471,7 @@
             <a:fld id="{B61BEF0D-F0BB-DE4B-95CE-6DB70DBA9567}" type="datetimeFigureOut">
               <a:rPr lang="en-US" smtClean="0"/>
               <a:pPr/>
-              <a:t>10/15/2015</a:t>
+              <a:t>5/17/2016</a:t>
             </a:fld>
             <a:endParaRPr lang="en-US" dirty="0"/>
           </a:p>
@@ -5727,7 +5727,7 @@
           <a:p>
             <a:fld id="{42A54C80-263E-416B-A8E0-580EDEADCBDC}" type="datetimeFigureOut">
               <a:rPr lang="en-US" smtClean="0"/>
-              <a:t>10/15/2015</a:t>
+              <a:t>5/17/2016</a:t>
             </a:fld>
             <a:endParaRPr lang="en-US" dirty="0"/>
           </a:p>
@@ -5991,7 +5991,7 @@
             <a:fld id="{B61BEF0D-F0BB-DE4B-95CE-6DB70DBA9567}" type="datetimeFigureOut">
               <a:rPr lang="en-US" smtClean="0"/>
               <a:pPr/>
-              <a:t>10/15/2015</a:t>
+              <a:t>5/17/2016</a:t>
             </a:fld>
             <a:endParaRPr lang="en-US" dirty="0"/>
           </a:p>
@@ -6808,7 +6808,7 @@
             <a:fld id="{B61BEF0D-F0BB-DE4B-95CE-6DB70DBA9567}" type="datetimeFigureOut">
               <a:rPr lang="en-US" smtClean="0"/>
               <a:pPr/>
-              <a:t>10/15/2015</a:t>
+              <a:t>5/17/2016</a:t>
             </a:fld>
             <a:endParaRPr lang="en-US" dirty="0"/>
           </a:p>
@@ -10327,7 +10327,6 @@
               <a:rPr lang="en-GB" dirty="0" smtClean="0"/>
               <a:t>A “container” of reusable code that does “something”</a:t>
             </a:r>
-            <a:endParaRPr lang="en-GB" dirty="0" smtClean="0"/>
           </a:p>
           <a:p>
             <a:r>
@@ -10368,7 +10367,6 @@
               <a:rPr lang="en-GB" dirty="0" smtClean="0"/>
               <a:t>Only runs when called</a:t>
             </a:r>
-            <a:endParaRPr lang="en-GB" dirty="0" smtClean="0"/>
           </a:p>
           <a:p>
             <a:r>
@@ -10685,18 +10683,7 @@
                   </a:schemeClr>
                 </a:solidFill>
               </a:rPr>
-              <a:t>Adding </a:t>
-            </a:r>
-            <a:r>
-              <a:rPr lang="en" sz="3000" dirty="0" smtClean="0">
-                <a:solidFill>
-                  <a:schemeClr val="accent1">
-                    <a:lumMod val="60000"/>
-                    <a:lumOff val="40000"/>
-                  </a:schemeClr>
-                </a:solidFill>
-              </a:rPr>
-              <a:t>functions to your experiment</a:t>
+              <a:t>Adding functions to your experiment</a:t>
             </a:r>
             <a:endParaRPr lang="en" sz="3000" dirty="0">
               <a:solidFill>
@@ -11108,29 +11095,16 @@
             </a:r>
             <a:r>
               <a:rPr lang="en-GB" sz="1600" dirty="0" smtClean="0"/>
-              <a:t>with the header </a:t>
-            </a:r>
+              <a:t>with the header from the </a:t>
+            </a:r>
+          </a:p>
+          <a:p>
+            <a:pPr marL="400050" lvl="2" indent="0">
+              <a:buNone/>
+            </a:pPr>
             <a:r>
               <a:rPr lang="en-GB" sz="1600" dirty="0" smtClean="0"/>
-              <a:t>from </a:t>
-            </a:r>
-            <a:r>
-              <a:rPr lang="en-GB" sz="1600" dirty="0" smtClean="0"/>
-              <a:t>the </a:t>
-            </a:r>
-            <a:endParaRPr lang="en-GB" sz="1600" dirty="0" smtClean="0"/>
-          </a:p>
-          <a:p>
-            <a:pPr marL="400050" lvl="2" indent="0">
-              <a:buNone/>
-            </a:pPr>
-            <a:r>
-              <a:rPr lang="en-GB" sz="1600" dirty="0" smtClean="0"/>
-              <a:t>Excel </a:t>
-            </a:r>
-            <a:r>
-              <a:rPr lang="en-GB" sz="1600" dirty="0" smtClean="0"/>
-              <a:t>file</a:t>
+              <a:t>Excel file</a:t>
             </a:r>
             <a:endParaRPr lang="en" sz="1600" dirty="0" smtClean="0"/>
           </a:p>
@@ -12224,7 +12198,21 @@
           <a:p>
             <a:r>
               <a:rPr lang="en-GB" dirty="0" smtClean="0"/>
-              <a:t>Check your data output and ensure its solid</a:t>
+              <a:t>Watch out for memory leaks – from video stimuli </a:t>
+            </a:r>
+            <a:r>
+              <a:rPr lang="en-GB" smtClean="0"/>
+              <a:t>in particular!</a:t>
+            </a:r>
+          </a:p>
+          <a:p>
+            <a:r>
+              <a:rPr lang="en-GB" dirty="0" smtClean="0"/>
+              <a:t>Check </a:t>
+            </a:r>
+            <a:r>
+              <a:rPr lang="en-GB" dirty="0" smtClean="0"/>
+              <a:t>your data output and ensure its solid</a:t>
             </a:r>
           </a:p>
           <a:p>
@@ -12267,8 +12255,18 @@
             </a:pPr>
             <a:r>
               <a:rPr lang="en-GB" dirty="0" smtClean="0"/>
-              <a:t>Basically do some quick analysis early to make sure!</a:t>
-            </a:r>
+              <a:t>Basically do some quick analysis early to make sure</a:t>
+            </a:r>
+            <a:r>
+              <a:rPr lang="en-GB" dirty="0" smtClean="0"/>
+              <a:t>!</a:t>
+            </a:r>
+          </a:p>
+          <a:p>
+            <a:pPr>
+              <a:buFont typeface="Courier New" panose="02070309020205020404" pitchFamily="49" charset="0"/>
+              <a:buChar char="o"/>
+            </a:pPr>
             <a:endParaRPr lang="en" dirty="0" smtClean="0"/>
           </a:p>
           <a:p>

--- a/PsychoPy-Part2/PsychoPy-part2.pptx
+++ b/PsychoPy-Part2/PsychoPy-part2.pptx
@@ -223,7 +223,7 @@
           <a:p>
             <a:fld id="{A71BFCC6-2EC9-4EC2-A3C4-9B645E93EB78}" type="datetimeFigureOut">
               <a:rPr lang="en-US" smtClean="0"/>
-              <a:t>5/17/2016</a:t>
+              <a:t>9/20/2016</a:t>
             </a:fld>
             <a:endParaRPr lang="en-US"/>
           </a:p>
@@ -1983,7 +1983,7 @@
             <a:fld id="{B61BEF0D-F0BB-DE4B-95CE-6DB70DBA9567}" type="datetimeFigureOut">
               <a:rPr lang="en-US" smtClean="0"/>
               <a:pPr/>
-              <a:t>5/17/2016</a:t>
+              <a:t>9/20/2016</a:t>
             </a:fld>
             <a:endParaRPr lang="en-US" dirty="0"/>
           </a:p>
@@ -2236,7 +2236,7 @@
             <a:fld id="{B61BEF0D-F0BB-DE4B-95CE-6DB70DBA9567}" type="datetimeFigureOut">
               <a:rPr lang="en-US" smtClean="0"/>
               <a:pPr/>
-              <a:t>5/17/2016</a:t>
+              <a:t>9/20/2016</a:t>
             </a:fld>
             <a:endParaRPr lang="en-US" dirty="0"/>
           </a:p>
@@ -2552,7 +2552,7 @@
             <a:fld id="{B61BEF0D-F0BB-DE4B-95CE-6DB70DBA9567}" type="datetimeFigureOut">
               <a:rPr lang="en-US" smtClean="0"/>
               <a:pPr/>
-              <a:t>5/17/2016</a:t>
+              <a:t>9/20/2016</a:t>
             </a:fld>
             <a:endParaRPr lang="en-US" dirty="0"/>
           </a:p>
@@ -2887,7 +2887,7 @@
             <a:fld id="{B61BEF0D-F0BB-DE4B-95CE-6DB70DBA9567}" type="datetimeFigureOut">
               <a:rPr lang="en-US" smtClean="0"/>
               <a:pPr/>
-              <a:t>5/17/2016</a:t>
+              <a:t>9/20/2016</a:t>
             </a:fld>
             <a:endParaRPr lang="en-US" dirty="0"/>
           </a:p>
@@ -3203,7 +3203,7 @@
             <a:fld id="{B61BEF0D-F0BB-DE4B-95CE-6DB70DBA9567}" type="datetimeFigureOut">
               <a:rPr lang="en-US" smtClean="0"/>
               <a:pPr/>
-              <a:t>5/17/2016</a:t>
+              <a:t>9/20/2016</a:t>
             </a:fld>
             <a:endParaRPr lang="en-US" dirty="0"/>
           </a:p>
@@ -3598,7 +3598,7 @@
             <a:fld id="{B61BEF0D-F0BB-DE4B-95CE-6DB70DBA9567}" type="datetimeFigureOut">
               <a:rPr lang="en-US" smtClean="0"/>
               <a:pPr/>
-              <a:t>5/17/2016</a:t>
+              <a:t>9/20/2016</a:t>
             </a:fld>
             <a:endParaRPr lang="en-US" dirty="0"/>
           </a:p>
@@ -3769,7 +3769,7 @@
           <a:p>
             <a:fld id="{55C6B4A9-1611-4792-9094-5F34BCA07E0B}" type="datetimeFigureOut">
               <a:rPr lang="en-US" smtClean="0"/>
-              <a:t>5/17/2016</a:t>
+              <a:t>9/20/2016</a:t>
             </a:fld>
             <a:endParaRPr lang="en-US" dirty="0"/>
           </a:p>
@@ -3950,7 +3950,7 @@
             <a:fld id="{B61BEF0D-F0BB-DE4B-95CE-6DB70DBA9567}" type="datetimeFigureOut">
               <a:rPr lang="en-US" smtClean="0"/>
               <a:pPr/>
-              <a:t>5/17/2016</a:t>
+              <a:t>9/20/2016</a:t>
             </a:fld>
             <a:endParaRPr lang="en-US" dirty="0"/>
           </a:p>
@@ -4322,7 +4322,7 @@
             <a:fld id="{B61BEF0D-F0BB-DE4B-95CE-6DB70DBA9567}" type="datetimeFigureOut">
               <a:rPr lang="en-US" smtClean="0"/>
               <a:pPr/>
-              <a:t>5/17/2016</a:t>
+              <a:t>9/20/2016</a:t>
             </a:fld>
             <a:endParaRPr lang="en-US" dirty="0"/>
           </a:p>
@@ -4571,7 +4571,7 @@
             <a:fld id="{B61BEF0D-F0BB-DE4B-95CE-6DB70DBA9567}" type="datetimeFigureOut">
               <a:rPr lang="en-US" smtClean="0"/>
               <a:pPr/>
-              <a:t>5/17/2016</a:t>
+              <a:t>9/20/2016</a:t>
             </a:fld>
             <a:endParaRPr lang="en-US" dirty="0"/>
           </a:p>
@@ -4869,7 +4869,7 @@
           <a:p>
             <a:fld id="{EB712588-04B1-427B-82EE-E8DB90309F08}" type="datetimeFigureOut">
               <a:rPr lang="en-US" smtClean="0"/>
-              <a:t>5/17/2016</a:t>
+              <a:t>9/20/2016</a:t>
             </a:fld>
             <a:endParaRPr lang="en-US" dirty="0"/>
           </a:p>
@@ -5249,7 +5249,7 @@
             <a:fld id="{B61BEF0D-F0BB-DE4B-95CE-6DB70DBA9567}" type="datetimeFigureOut">
               <a:rPr lang="en-US" smtClean="0"/>
               <a:pPr/>
-              <a:t>5/17/2016</a:t>
+              <a:t>9/20/2016</a:t>
             </a:fld>
             <a:endParaRPr lang="en-US" dirty="0"/>
           </a:p>
@@ -5374,7 +5374,7 @@
             <a:fld id="{B61BEF0D-F0BB-DE4B-95CE-6DB70DBA9567}" type="datetimeFigureOut">
               <a:rPr lang="en-US" smtClean="0"/>
               <a:pPr/>
-              <a:t>5/17/2016</a:t>
+              <a:t>9/20/2016</a:t>
             </a:fld>
             <a:endParaRPr lang="en-US" dirty="0"/>
           </a:p>
@@ -5471,7 +5471,7 @@
             <a:fld id="{B61BEF0D-F0BB-DE4B-95CE-6DB70DBA9567}" type="datetimeFigureOut">
               <a:rPr lang="en-US" smtClean="0"/>
               <a:pPr/>
-              <a:t>5/17/2016</a:t>
+              <a:t>9/20/2016</a:t>
             </a:fld>
             <a:endParaRPr lang="en-US" dirty="0"/>
           </a:p>
@@ -5727,7 +5727,7 @@
           <a:p>
             <a:fld id="{42A54C80-263E-416B-A8E0-580EDEADCBDC}" type="datetimeFigureOut">
               <a:rPr lang="en-US" smtClean="0"/>
-              <a:t>5/17/2016</a:t>
+              <a:t>9/20/2016</a:t>
             </a:fld>
             <a:endParaRPr lang="en-US" dirty="0"/>
           </a:p>
@@ -5991,7 +5991,7 @@
             <a:fld id="{B61BEF0D-F0BB-DE4B-95CE-6DB70DBA9567}" type="datetimeFigureOut">
               <a:rPr lang="en-US" smtClean="0"/>
               <a:pPr/>
-              <a:t>5/17/2016</a:t>
+              <a:t>9/20/2016</a:t>
             </a:fld>
             <a:endParaRPr lang="en-US" dirty="0"/>
           </a:p>
@@ -6808,7 +6808,7 @@
             <a:fld id="{B61BEF0D-F0BB-DE4B-95CE-6DB70DBA9567}" type="datetimeFigureOut">
               <a:rPr lang="en-US" smtClean="0"/>
               <a:pPr/>
-              <a:t>5/17/2016</a:t>
+              <a:t>9/20/2016</a:t>
             </a:fld>
             <a:endParaRPr lang="en-US" dirty="0"/>
           </a:p>
@@ -7358,8 +7358,8 @@
               <a:t> </a:t>
             </a:r>
             <a:r>
-              <a:rPr lang="en-GB" dirty="0" err="1" smtClean="0"/>
-              <a:t>Intemediate</a:t>
+              <a:rPr lang="en-GB" dirty="0" smtClean="0"/>
+              <a:t>Intermediate</a:t>
             </a:r>
             <a:endParaRPr lang="en-US" dirty="0"/>
           </a:p>
@@ -8169,7 +8169,11 @@
           <a:p>
             <a:r>
               <a:rPr lang="en-GB" dirty="0" smtClean="0"/>
-              <a:t>Variables and data types</a:t>
+              <a:t>Variables/attributes &amp; </a:t>
+            </a:r>
+            <a:r>
+              <a:rPr lang="en-GB" dirty="0" smtClean="0"/>
+              <a:t>data types</a:t>
             </a:r>
             <a:endParaRPr lang="en-US" dirty="0"/>
           </a:p>
@@ -8221,7 +8225,11 @@
           <a:p>
             <a:r>
               <a:rPr lang="en-GB" dirty="0" smtClean="0"/>
-              <a:t>Or otherwise known as variables</a:t>
+              <a:t>Or otherwise known as </a:t>
+            </a:r>
+            <a:r>
+              <a:rPr lang="en-GB" b="1" dirty="0" smtClean="0"/>
+              <a:t>variables / attributes</a:t>
             </a:r>
           </a:p>
           <a:p>
@@ -8230,18 +8238,11 @@
               <a:buChar char="o"/>
             </a:pPr>
             <a:r>
-              <a:rPr lang="en-GB" sz="1800" dirty="0">
-                <a:latin typeface="Courier New" panose="02070309020205020404" pitchFamily="49" charset="0"/>
-                <a:cs typeface="Courier New" panose="02070309020205020404" pitchFamily="49" charset="0"/>
-              </a:rPr>
-              <a:t>a</a:t>
-            </a:r>
-            <a:r>
               <a:rPr lang="en-GB" sz="1800" dirty="0" smtClean="0">
                 <a:latin typeface="Courier New" panose="02070309020205020404" pitchFamily="49" charset="0"/>
                 <a:cs typeface="Courier New" panose="02070309020205020404" pitchFamily="49" charset="0"/>
               </a:rPr>
-              <a:t>ge = 10</a:t>
+              <a:t>age = 10</a:t>
             </a:r>
           </a:p>
           <a:p>
@@ -8250,18 +8251,18 @@
               <a:buChar char="o"/>
             </a:pPr>
             <a:r>
-              <a:rPr lang="en-GB" sz="1800" dirty="0">
-                <a:latin typeface="Courier New" panose="02070309020205020404" pitchFamily="49" charset="0"/>
-                <a:cs typeface="Courier New" panose="02070309020205020404" pitchFamily="49" charset="0"/>
-              </a:rPr>
-              <a:t>a</a:t>
-            </a:r>
-            <a:r>
               <a:rPr lang="en-GB" sz="1800" dirty="0" smtClean="0">
                 <a:latin typeface="Courier New" panose="02070309020205020404" pitchFamily="49" charset="0"/>
                 <a:cs typeface="Courier New" panose="02070309020205020404" pitchFamily="49" charset="0"/>
               </a:rPr>
-              <a:t>ge = 15</a:t>
+              <a:t>age </a:t>
+            </a:r>
+            <a:r>
+              <a:rPr lang="en-GB" sz="1800" dirty="0" smtClean="0">
+                <a:latin typeface="Courier New" panose="02070309020205020404" pitchFamily="49" charset="0"/>
+                <a:cs typeface="Courier New" panose="02070309020205020404" pitchFamily="49" charset="0"/>
+              </a:rPr>
+              <a:t>= 15</a:t>
             </a:r>
           </a:p>
           <a:p>
@@ -8553,7 +8554,14 @@
                 <a:latin typeface="Courier New" panose="02070309020205020404" pitchFamily="49" charset="0"/>
                 <a:cs typeface="Courier New" panose="02070309020205020404" pitchFamily="49" charset="0"/>
               </a:rPr>
-              <a:t>ge = 10</a:t>
+              <a:t>ge = </a:t>
+            </a:r>
+            <a:r>
+              <a:rPr lang="en" sz="1800" b="1" dirty="0" smtClean="0">
+                <a:latin typeface="Courier New" panose="02070309020205020404" pitchFamily="49" charset="0"/>
+                <a:cs typeface="Courier New" panose="02070309020205020404" pitchFamily="49" charset="0"/>
+              </a:rPr>
+              <a:t>10</a:t>
             </a:r>
           </a:p>
           <a:p>
@@ -8579,7 +8587,14 @@
                 <a:latin typeface="Courier New" panose="02070309020205020404" pitchFamily="49" charset="0"/>
                 <a:cs typeface="Courier New" panose="02070309020205020404" pitchFamily="49" charset="0"/>
               </a:rPr>
-              <a:t>i = 3.14</a:t>
+              <a:t>i = </a:t>
+            </a:r>
+            <a:r>
+              <a:rPr lang="en" sz="1800" b="1" dirty="0" smtClean="0">
+                <a:latin typeface="Courier New" panose="02070309020205020404" pitchFamily="49" charset="0"/>
+                <a:cs typeface="Courier New" panose="02070309020205020404" pitchFamily="49" charset="0"/>
+              </a:rPr>
+              <a:t>3.14</a:t>
             </a:r>
           </a:p>
           <a:p>
@@ -8605,7 +8620,14 @@
                 <a:latin typeface="Courier New" panose="02070309020205020404" pitchFamily="49" charset="0"/>
                 <a:cs typeface="Courier New" panose="02070309020205020404" pitchFamily="49" charset="0"/>
               </a:rPr>
-              <a:t>ilingual = True</a:t>
+              <a:t>ilingual = </a:t>
+            </a:r>
+            <a:r>
+              <a:rPr lang="en" sz="1800" b="1" dirty="0" smtClean="0">
+                <a:latin typeface="Courier New" panose="02070309020205020404" pitchFamily="49" charset="0"/>
+                <a:cs typeface="Courier New" panose="02070309020205020404" pitchFamily="49" charset="0"/>
+              </a:rPr>
+              <a:t>True</a:t>
             </a:r>
           </a:p>
           <a:p>
@@ -8618,7 +8640,21 @@
                 <a:latin typeface="Courier New" panose="02070309020205020404" pitchFamily="49" charset="0"/>
                 <a:cs typeface="Courier New" panose="02070309020205020404" pitchFamily="49" charset="0"/>
               </a:rPr>
-              <a:t>or bilingual = 1 </a:t>
+              <a:t>or bilingual = </a:t>
+            </a:r>
+            <a:r>
+              <a:rPr lang="en" sz="1800" b="1" dirty="0" smtClean="0">
+                <a:latin typeface="Courier New" panose="02070309020205020404" pitchFamily="49" charset="0"/>
+                <a:cs typeface="Courier New" panose="02070309020205020404" pitchFamily="49" charset="0"/>
+              </a:rPr>
+              <a:t>1</a:t>
+            </a:r>
+            <a:r>
+              <a:rPr lang="en" sz="1800" dirty="0" smtClean="0">
+                <a:latin typeface="Courier New" panose="02070309020205020404" pitchFamily="49" charset="0"/>
+                <a:cs typeface="Courier New" panose="02070309020205020404" pitchFamily="49" charset="0"/>
+              </a:rPr>
+              <a:t> </a:t>
             </a:r>
             <a:r>
               <a:rPr lang="en" sz="1800" dirty="0" smtClean="0"/>
@@ -8659,7 +8695,7 @@
               <a:t>= </a:t>
             </a:r>
             <a:r>
-              <a:rPr lang="en" sz="1800" dirty="0">
+              <a:rPr lang="en" sz="1800" b="1" dirty="0">
                 <a:latin typeface="Courier New"/>
                 <a:ea typeface="Courier New"/>
                 <a:cs typeface="Courier New"/>
@@ -8667,6 +8703,87 @@
               </a:rPr>
               <a:t>"</a:t>
             </a:r>
+            <a:r>
+              <a:rPr lang="en" sz="1800" b="1" dirty="0" smtClean="0">
+                <a:latin typeface="Courier New" panose="02070309020205020404" pitchFamily="49" charset="0"/>
+                <a:ea typeface="Courier New"/>
+                <a:cs typeface="Courier New" panose="02070309020205020404" pitchFamily="49" charset="0"/>
+                <a:sym typeface="Courier New"/>
+              </a:rPr>
+              <a:t>M</a:t>
+            </a:r>
+            <a:r>
+              <a:rPr lang="en" sz="1800" b="1" dirty="0">
+                <a:latin typeface="Courier New"/>
+                <a:ea typeface="Courier New"/>
+                <a:cs typeface="Courier New"/>
+                <a:sym typeface="Courier New"/>
+              </a:rPr>
+              <a:t>"</a:t>
+            </a:r>
+            <a:r>
+              <a:rPr lang="en" sz="1800" b="1" dirty="0" smtClean="0">
+                <a:latin typeface="Courier New" panose="02070309020205020404" pitchFamily="49" charset="0"/>
+                <a:ea typeface="Courier New"/>
+                <a:cs typeface="Courier New" panose="02070309020205020404" pitchFamily="49" charset="0"/>
+                <a:sym typeface="Courier New"/>
+              </a:rPr>
+              <a:t>  </a:t>
+            </a:r>
+            <a:r>
+              <a:rPr lang="en" sz="1800" dirty="0">
+                <a:latin typeface="Courier New" panose="02070309020205020404" pitchFamily="49" charset="0"/>
+                <a:ea typeface="Courier New"/>
+                <a:cs typeface="Courier New" panose="02070309020205020404" pitchFamily="49" charset="0"/>
+                <a:sym typeface="Courier New"/>
+              </a:rPr>
+              <a:t>… number = </a:t>
+            </a:r>
+            <a:r>
+              <a:rPr lang="en" sz="1800" b="1" dirty="0">
+                <a:latin typeface="Courier New"/>
+                <a:ea typeface="Courier New"/>
+                <a:cs typeface="Courier New"/>
+                <a:sym typeface="Courier New"/>
+              </a:rPr>
+              <a:t>"</a:t>
+            </a:r>
+            <a:r>
+              <a:rPr lang="en" sz="1800" b="1" dirty="0" smtClean="0">
+                <a:latin typeface="Courier New" panose="02070309020205020404" pitchFamily="49" charset="0"/>
+                <a:ea typeface="Courier New"/>
+                <a:cs typeface="Courier New" panose="02070309020205020404" pitchFamily="49" charset="0"/>
+                <a:sym typeface="Courier New"/>
+              </a:rPr>
+              <a:t>1</a:t>
+            </a:r>
+            <a:r>
+              <a:rPr lang="en" sz="1800" b="1" dirty="0">
+                <a:latin typeface="Courier New"/>
+                <a:ea typeface="Courier New"/>
+                <a:cs typeface="Courier New"/>
+                <a:sym typeface="Courier New"/>
+              </a:rPr>
+              <a:t>"</a:t>
+            </a:r>
+            <a:endParaRPr lang="en" sz="1800" b="1" dirty="0" smtClean="0">
+              <a:latin typeface="Courier New" panose="02070309020205020404" pitchFamily="49" charset="0"/>
+              <a:ea typeface="Courier New"/>
+              <a:cs typeface="Courier New" panose="02070309020205020404" pitchFamily="49" charset="0"/>
+              <a:sym typeface="Courier New"/>
+            </a:endParaRPr>
+          </a:p>
+          <a:p>
+            <a:r>
+              <a:rPr lang="en-GB" b="1" dirty="0" smtClean="0"/>
+              <a:t>String</a:t>
+            </a:r>
+          </a:p>
+          <a:p>
+            <a:pPr lvl="1">
+              <a:buFont typeface="Courier New" panose="02070309020205020404" pitchFamily="49" charset="0"/>
+              <a:buChar char="o"/>
+            </a:pPr>
             <a:r>
               <a:rPr lang="en" sz="1800" dirty="0" smtClean="0">
                 <a:latin typeface="Courier New" panose="02070309020205020404" pitchFamily="49" charset="0"/>
@@ -8674,10 +8791,19 @@
                 <a:cs typeface="Courier New" panose="02070309020205020404" pitchFamily="49" charset="0"/>
                 <a:sym typeface="Courier New"/>
               </a:rPr>
-              <a:t>M</a:t>
+              <a:t>first_name </a:t>
             </a:r>
             <a:r>
               <a:rPr lang="en" sz="1800" dirty="0">
+                <a:latin typeface="Courier New" panose="02070309020205020404" pitchFamily="49" charset="0"/>
+                <a:ea typeface="Courier New"/>
+                <a:cs typeface="Courier New" panose="02070309020205020404" pitchFamily="49" charset="0"/>
+                <a:sym typeface="Courier New"/>
+              </a:rPr>
+              <a:t>= </a:t>
+            </a:r>
+            <a:r>
+              <a:rPr lang="en" sz="1800" b="1" dirty="0">
                 <a:latin typeface="Courier New"/>
                 <a:ea typeface="Courier New"/>
                 <a:cs typeface="Courier New"/>
@@ -8685,6 +8811,36 @@
               </a:rPr>
               <a:t>"</a:t>
             </a:r>
+            <a:r>
+              <a:rPr lang="en" sz="1800" b="1" dirty="0" smtClean="0">
+                <a:latin typeface="Courier New" panose="02070309020205020404" pitchFamily="49" charset="0"/>
+                <a:ea typeface="Courier New"/>
+                <a:cs typeface="Courier New" panose="02070309020205020404" pitchFamily="49" charset="0"/>
+                <a:sym typeface="Courier New"/>
+              </a:rPr>
+              <a:t>John</a:t>
+            </a:r>
+            <a:r>
+              <a:rPr lang="en" sz="1800" b="1" dirty="0">
+                <a:latin typeface="Courier New"/>
+                <a:ea typeface="Courier New"/>
+                <a:cs typeface="Courier New"/>
+                <a:sym typeface="Courier New"/>
+              </a:rPr>
+              <a:t>"</a:t>
+            </a:r>
+            <a:endParaRPr lang="en" sz="1800" b="1" dirty="0" smtClean="0">
+              <a:latin typeface="Courier New" panose="02070309020205020404" pitchFamily="49" charset="0"/>
+              <a:ea typeface="Courier New"/>
+              <a:cs typeface="Courier New" panose="02070309020205020404" pitchFamily="49" charset="0"/>
+              <a:sym typeface="Courier New"/>
+            </a:endParaRPr>
+          </a:p>
+          <a:p>
+            <a:pPr lvl="1">
+              <a:buFont typeface="Courier New" panose="02070309020205020404" pitchFamily="49" charset="0"/>
+              <a:buChar char="o"/>
+            </a:pPr>
             <a:r>
               <a:rPr lang="en" sz="1800" dirty="0" smtClean="0">
                 <a:latin typeface="Courier New" panose="02070309020205020404" pitchFamily="49" charset="0"/>
@@ -8692,7 +8848,7 @@
                 <a:cs typeface="Courier New" panose="02070309020205020404" pitchFamily="49" charset="0"/>
                 <a:sym typeface="Courier New"/>
               </a:rPr>
-              <a:t>  </a:t>
+              <a:t>phone_number </a:t>
             </a:r>
             <a:r>
               <a:rPr lang="en" sz="1800" dirty="0">
@@ -8701,10 +8857,10 @@
                 <a:cs typeface="Courier New" panose="02070309020205020404" pitchFamily="49" charset="0"/>
                 <a:sym typeface="Courier New"/>
               </a:rPr>
-              <a:t>… number = </a:t>
-            </a:r>
-            <a:r>
-              <a:rPr lang="en" sz="1800" dirty="0">
+              <a:t>= </a:t>
+            </a:r>
+            <a:r>
+              <a:rPr lang="en" sz="1800" b="1" dirty="0">
                 <a:latin typeface="Courier New"/>
                 <a:ea typeface="Courier New"/>
                 <a:cs typeface="Courier New"/>
@@ -8713,16 +8869,34 @@
               <a:t>"</a:t>
             </a:r>
             <a:r>
-              <a:rPr lang="en" sz="1800" dirty="0" smtClean="0">
+              <a:rPr lang="en" sz="1800" b="1" dirty="0" smtClean="0">
                 <a:latin typeface="Courier New" panose="02070309020205020404" pitchFamily="49" charset="0"/>
                 <a:ea typeface="Courier New"/>
                 <a:cs typeface="Courier New" panose="02070309020205020404" pitchFamily="49" charset="0"/>
                 <a:sym typeface="Courier New"/>
               </a:rPr>
-              <a:t>1</a:t>
-            </a:r>
-            <a:r>
-              <a:rPr lang="en" sz="1800" dirty="0">
+              <a:t>+</a:t>
+            </a:r>
+            <a:r>
+              <a:rPr lang="en" sz="1800" b="1" dirty="0">
+                <a:latin typeface="Courier New" panose="02070309020205020404" pitchFamily="49" charset="0"/>
+                <a:ea typeface="Courier New"/>
+                <a:cs typeface="Courier New" panose="02070309020205020404" pitchFamily="49" charset="0"/>
+                <a:sym typeface="Courier New"/>
+              </a:rPr>
+              <a:t>44 01227 </a:t>
+            </a:r>
+            <a:r>
+              <a:rPr lang="en" sz="1800" b="1" dirty="0" smtClean="0">
+                <a:latin typeface="Courier New" panose="02070309020205020404" pitchFamily="49" charset="0"/>
+                <a:ea typeface="Courier New"/>
+                <a:cs typeface="Courier New" panose="02070309020205020404" pitchFamily="49" charset="0"/>
+                <a:sym typeface="Courier New"/>
+              </a:rPr>
+              <a:t>888999</a:t>
+            </a:r>
+            <a:r>
+              <a:rPr lang="en" sz="1800" b="1" dirty="0">
                 <a:latin typeface="Courier New"/>
                 <a:ea typeface="Courier New"/>
                 <a:cs typeface="Courier New"/>
@@ -8730,154 +8904,16 @@
               </a:rPr>
               <a:t>"</a:t>
             </a:r>
-            <a:endParaRPr lang="en" sz="1800" dirty="0" smtClean="0">
-              <a:latin typeface="Courier New" panose="02070309020205020404" pitchFamily="49" charset="0"/>
-              <a:ea typeface="Courier New"/>
-              <a:cs typeface="Courier New" panose="02070309020205020404" pitchFamily="49" charset="0"/>
-              <a:sym typeface="Courier New"/>
-            </a:endParaRPr>
-          </a:p>
-          <a:p>
-            <a:r>
-              <a:rPr lang="en-GB" b="1" dirty="0" smtClean="0"/>
-              <a:t>String</a:t>
-            </a:r>
-          </a:p>
-          <a:p>
-            <a:pPr lvl="1">
-              <a:buFont typeface="Courier New" panose="02070309020205020404" pitchFamily="49" charset="0"/>
-              <a:buChar char="o"/>
-            </a:pPr>
-            <a:r>
-              <a:rPr lang="en" sz="1800" dirty="0" smtClean="0">
+            <a:r>
+              <a:rPr lang="en" sz="1800" b="1" dirty="0" smtClean="0">
                 <a:latin typeface="Courier New" panose="02070309020205020404" pitchFamily="49" charset="0"/>
                 <a:ea typeface="Courier New"/>
                 <a:cs typeface="Courier New" panose="02070309020205020404" pitchFamily="49" charset="0"/>
                 <a:sym typeface="Courier New"/>
               </a:rPr>
-              <a:t>first_name </a:t>
-            </a:r>
-            <a:r>
-              <a:rPr lang="en" sz="1800" dirty="0">
-                <a:latin typeface="Courier New" panose="02070309020205020404" pitchFamily="49" charset="0"/>
-                <a:ea typeface="Courier New"/>
-                <a:cs typeface="Courier New" panose="02070309020205020404" pitchFamily="49" charset="0"/>
-                <a:sym typeface="Courier New"/>
-              </a:rPr>
-              <a:t>= </a:t>
-            </a:r>
-            <a:r>
-              <a:rPr lang="en" sz="1800" dirty="0">
-                <a:latin typeface="Courier New"/>
-                <a:ea typeface="Courier New"/>
-                <a:cs typeface="Courier New"/>
-                <a:sym typeface="Courier New"/>
-              </a:rPr>
-              <a:t>"</a:t>
-            </a:r>
-            <a:r>
-              <a:rPr lang="en" sz="1800" dirty="0" smtClean="0">
-                <a:latin typeface="Courier New" panose="02070309020205020404" pitchFamily="49" charset="0"/>
-                <a:ea typeface="Courier New"/>
-                <a:cs typeface="Courier New" panose="02070309020205020404" pitchFamily="49" charset="0"/>
-                <a:sym typeface="Courier New"/>
-              </a:rPr>
-              <a:t>John</a:t>
-            </a:r>
-            <a:r>
-              <a:rPr lang="en" sz="1800" dirty="0">
-                <a:latin typeface="Courier New"/>
-                <a:ea typeface="Courier New"/>
-                <a:cs typeface="Courier New"/>
-                <a:sym typeface="Courier New"/>
-              </a:rPr>
-              <a:t>"</a:t>
-            </a:r>
-            <a:endParaRPr lang="en" sz="1800" dirty="0" smtClean="0">
-              <a:latin typeface="Courier New" panose="02070309020205020404" pitchFamily="49" charset="0"/>
-              <a:ea typeface="Courier New"/>
-              <a:cs typeface="Courier New" panose="02070309020205020404" pitchFamily="49" charset="0"/>
-              <a:sym typeface="Courier New"/>
-            </a:endParaRPr>
-          </a:p>
-          <a:p>
-            <a:pPr lvl="1">
-              <a:buFont typeface="Courier New" panose="02070309020205020404" pitchFamily="49" charset="0"/>
-              <a:buChar char="o"/>
-            </a:pPr>
-            <a:r>
-              <a:rPr lang="en" sz="1800" dirty="0" smtClean="0">
-                <a:latin typeface="Courier New" panose="02070309020205020404" pitchFamily="49" charset="0"/>
-                <a:ea typeface="Courier New"/>
-                <a:cs typeface="Courier New" panose="02070309020205020404" pitchFamily="49" charset="0"/>
-                <a:sym typeface="Courier New"/>
-              </a:rPr>
-              <a:t>phone_number </a:t>
-            </a:r>
-            <a:r>
-              <a:rPr lang="en" sz="1800" dirty="0">
-                <a:latin typeface="Courier New" panose="02070309020205020404" pitchFamily="49" charset="0"/>
-                <a:ea typeface="Courier New"/>
-                <a:cs typeface="Courier New" panose="02070309020205020404" pitchFamily="49" charset="0"/>
-                <a:sym typeface="Courier New"/>
-              </a:rPr>
-              <a:t>= </a:t>
-            </a:r>
-            <a:r>
-              <a:rPr lang="en" sz="1800" dirty="0">
-                <a:latin typeface="Courier New"/>
-                <a:ea typeface="Courier New"/>
-                <a:cs typeface="Courier New"/>
-                <a:sym typeface="Courier New"/>
-              </a:rPr>
-              <a:t>"</a:t>
-            </a:r>
-            <a:r>
-              <a:rPr lang="en" sz="1800" dirty="0" smtClean="0">
-                <a:latin typeface="Courier New" panose="02070309020205020404" pitchFamily="49" charset="0"/>
-                <a:ea typeface="Courier New"/>
-                <a:cs typeface="Courier New" panose="02070309020205020404" pitchFamily="49" charset="0"/>
-                <a:sym typeface="Courier New"/>
-              </a:rPr>
-              <a:t>+</a:t>
-            </a:r>
-            <a:r>
-              <a:rPr lang="en" sz="1800" dirty="0">
-                <a:latin typeface="Courier New" panose="02070309020205020404" pitchFamily="49" charset="0"/>
-                <a:ea typeface="Courier New"/>
-                <a:cs typeface="Courier New" panose="02070309020205020404" pitchFamily="49" charset="0"/>
-                <a:sym typeface="Courier New"/>
-              </a:rPr>
-              <a:t>44 01227 </a:t>
-            </a:r>
-            <a:r>
-              <a:rPr lang="en" sz="1800" dirty="0" smtClean="0">
-                <a:latin typeface="Courier New" panose="02070309020205020404" pitchFamily="49" charset="0"/>
-                <a:ea typeface="Courier New"/>
-                <a:cs typeface="Courier New" panose="02070309020205020404" pitchFamily="49" charset="0"/>
-                <a:sym typeface="Courier New"/>
-              </a:rPr>
-              <a:t>888999</a:t>
-            </a:r>
-            <a:r>
-              <a:rPr lang="en" sz="1800" dirty="0">
-                <a:latin typeface="Courier New"/>
-                <a:ea typeface="Courier New"/>
-                <a:cs typeface="Courier New"/>
-                <a:sym typeface="Courier New"/>
-              </a:rPr>
-              <a:t>"</a:t>
-            </a:r>
-            <a:r>
-              <a:rPr lang="en" sz="1800" dirty="0" smtClean="0">
-                <a:latin typeface="Courier New" panose="02070309020205020404" pitchFamily="49" charset="0"/>
-                <a:ea typeface="Courier New"/>
-                <a:cs typeface="Courier New" panose="02070309020205020404" pitchFamily="49" charset="0"/>
-                <a:sym typeface="Courier New"/>
-              </a:rPr>
               <a:t> </a:t>
             </a:r>
-            <a:endParaRPr lang="en" sz="1800" dirty="0">
+            <a:endParaRPr lang="en" sz="1800" b="1" dirty="0">
               <a:latin typeface="Courier New" panose="02070309020205020404" pitchFamily="49" charset="0"/>
               <a:ea typeface="Courier New"/>
               <a:cs typeface="Courier New" panose="02070309020205020404" pitchFamily="49" charset="0"/>
@@ -9230,8 +9266,9 @@
           <a:p>
             <a:r>
               <a:rPr lang="en" dirty="0" smtClean="0"/>
-              <a:t>Making decisions</a:t>
-            </a:r>
+              <a:t>Used to help make decisions in your experiment</a:t>
+            </a:r>
+            <a:endParaRPr lang="en" dirty="0" smtClean="0"/>
           </a:p>
           <a:p>
             <a:pPr lvl="1">
@@ -9805,7 +9842,7 @@
             </a:r>
             <a:r>
               <a:rPr lang="en-GB" b="1" dirty="0" smtClean="0"/>
-              <a:t>gender based </a:t>
+              <a:t>gender-based </a:t>
             </a:r>
             <a:r>
               <a:rPr lang="en-GB" dirty="0" smtClean="0"/>
@@ -9929,101 +9966,26 @@
             </a:r>
           </a:p>
           <a:p>
-            <a:r>
-              <a:rPr lang="en-GB" dirty="0" smtClean="0"/>
-              <a:t>Allow “undisclosed” as another gender option.</a:t>
-            </a:r>
-          </a:p>
-          <a:p>
             <a:pPr lvl="1">
               <a:buFont typeface="Courier New" panose="02070309020205020404" pitchFamily="49" charset="0"/>
               <a:buChar char="o"/>
             </a:pPr>
             <a:r>
               <a:rPr lang="en-GB" dirty="0" smtClean="0"/>
-              <a:t>Via entering </a:t>
+              <a:t>Try and add </a:t>
             </a:r>
             <a:r>
               <a:rPr lang="en-GB" dirty="0" smtClean="0">
                 <a:latin typeface="Courier New" panose="02070309020205020404" pitchFamily="49" charset="0"/>
                 <a:cs typeface="Courier New" panose="02070309020205020404" pitchFamily="49" charset="0"/>
               </a:rPr>
-              <a:t>“u” </a:t>
-            </a:r>
-            <a:r>
-              <a:rPr lang="en-GB" dirty="0" smtClean="0"/>
-              <a:t>or </a:t>
-            </a:r>
-            <a:r>
-              <a:rPr lang="en-GB" dirty="0" smtClean="0">
-                <a:latin typeface="Courier New" panose="02070309020205020404" pitchFamily="49" charset="0"/>
-                <a:cs typeface="Courier New" panose="02070309020205020404" pitchFamily="49" charset="0"/>
-              </a:rPr>
-              <a:t>“undisclosed” </a:t>
-            </a:r>
-            <a:r>
-              <a:rPr lang="en-GB" dirty="0" smtClean="0"/>
-              <a:t>for gender</a:t>
-            </a:r>
-          </a:p>
-          <a:p>
-            <a:pPr lvl="1">
-              <a:buFont typeface="Courier New" panose="02070309020205020404" pitchFamily="49" charset="0"/>
-              <a:buChar char="o"/>
-            </a:pPr>
-            <a:r>
-              <a:rPr lang="en-GB" dirty="0" smtClean="0"/>
-              <a:t>Create a copy of one of the excel sheets and create a mixture of</a:t>
-            </a:r>
-          </a:p>
-          <a:p>
-            <a:pPr marL="457200" lvl="1" indent="0">
-              <a:buNone/>
-            </a:pPr>
-            <a:r>
-              <a:rPr lang="en-GB" dirty="0"/>
-              <a:t>m</a:t>
-            </a:r>
-            <a:r>
-              <a:rPr lang="en-GB" dirty="0" smtClean="0"/>
-              <a:t>ale and female names to list.</a:t>
-            </a:r>
-          </a:p>
-          <a:p>
-            <a:pPr lvl="1">
-              <a:buFont typeface="Courier New" panose="02070309020205020404" pitchFamily="49" charset="0"/>
-              <a:buChar char="o"/>
-            </a:pPr>
-            <a:r>
-              <a:rPr lang="en-GB" dirty="0" smtClean="0"/>
-              <a:t>Have a go at updating the </a:t>
-            </a:r>
-            <a:r>
-              <a:rPr lang="en-GB" dirty="0" smtClean="0">
-                <a:latin typeface="Courier New" panose="02070309020205020404" pitchFamily="49" charset="0"/>
-                <a:cs typeface="Courier New" panose="02070309020205020404" pitchFamily="49" charset="0"/>
-              </a:rPr>
-              <a:t>“setup” </a:t>
-            </a:r>
-            <a:r>
-              <a:rPr lang="en-GB" dirty="0" smtClean="0"/>
-              <a:t>code block to include this </a:t>
-            </a:r>
-          </a:p>
-          <a:p>
-            <a:pPr marL="457200" lvl="1" indent="0">
-              <a:buNone/>
-            </a:pPr>
-            <a:r>
-              <a:rPr lang="en-GB" dirty="0" smtClean="0"/>
-              <a:t>option to set the correct data file.  We’ll help if you get stuck.</a:t>
-            </a:r>
-          </a:p>
-          <a:p>
-            <a:pPr marL="457200" lvl="1" indent="0">
-              <a:buNone/>
-            </a:pPr>
-            <a:endParaRPr lang="en-GB" dirty="0"/>
+              <a:t>“Colour” </a:t>
+            </a:r>
+            <a:r>
+              <a:rPr lang="en-GB" dirty="0" smtClean="0"/>
+              <a:t>as a new option</a:t>
+            </a:r>
+            <a:endParaRPr lang="en-GB" dirty="0" smtClean="0"/>
           </a:p>
         </p:txBody>
       </p:sp>
@@ -10226,11 +10188,11 @@
             </a:r>
             <a:r>
               <a:rPr lang="en-GB" sz="1800" dirty="0" smtClean="0"/>
-              <a:t> (either our own or written</a:t>
-            </a:r>
-            <a:r>
-              <a:rPr lang="en-GB" sz="1800" dirty="0"/>
-              <a:t>)</a:t>
+              <a:t> (either our own or </a:t>
+            </a:r>
+            <a:r>
+              <a:rPr lang="en-GB" sz="1800" dirty="0" smtClean="0"/>
+              <a:t>outsourced)</a:t>
             </a:r>
             <a:endParaRPr lang="en-GB" sz="1800" dirty="0" smtClean="0"/>
           </a:p>
@@ -10325,7 +10287,19 @@
           <a:p>
             <a:r>
               <a:rPr lang="en-GB" dirty="0" smtClean="0"/>
-              <a:t>A “container” of reusable code that does “something”</a:t>
+              <a:t>A </a:t>
+            </a:r>
+            <a:r>
+              <a:rPr lang="en-GB" b="1" dirty="0" smtClean="0"/>
+              <a:t>“container” </a:t>
+            </a:r>
+            <a:r>
+              <a:rPr lang="en-GB" dirty="0" smtClean="0"/>
+              <a:t>of reusable code that does </a:t>
+            </a:r>
+            <a:r>
+              <a:rPr lang="en-GB" b="1" dirty="0" smtClean="0"/>
+              <a:t>“something”</a:t>
             </a:r>
           </a:p>
           <a:p>
@@ -10396,39 +10370,39 @@
           </a:p>
           <a:p>
             <a:r>
-              <a:rPr lang="en-GB" dirty="0" err="1" smtClean="0">
+              <a:rPr lang="en-GB" b="1" dirty="0" err="1" smtClean="0">
                 <a:latin typeface="Courier New" panose="02070309020205020404" pitchFamily="49" charset="0"/>
                 <a:cs typeface="Courier New" panose="02070309020205020404" pitchFamily="49" charset="0"/>
               </a:rPr>
               <a:t>int</a:t>
             </a:r>
             <a:r>
-              <a:rPr lang="en-GB" dirty="0" smtClean="0">
+              <a:rPr lang="en-GB" b="1" dirty="0" smtClean="0">
                 <a:latin typeface="Courier New" panose="02070309020205020404" pitchFamily="49" charset="0"/>
                 <a:cs typeface="Courier New" panose="02070309020205020404" pitchFamily="49" charset="0"/>
               </a:rPr>
               <a:t>() </a:t>
             </a:r>
             <a:r>
-              <a:rPr lang="en-GB" dirty="0" smtClean="0"/>
+              <a:rPr lang="en-GB" b="1" dirty="0" smtClean="0"/>
               <a:t>and </a:t>
             </a:r>
             <a:r>
-              <a:rPr lang="en-GB" dirty="0" err="1" smtClean="0">
+              <a:rPr lang="en-GB" b="1" dirty="0" err="1" smtClean="0">
                 <a:latin typeface="Courier New" panose="02070309020205020404" pitchFamily="49" charset="0"/>
                 <a:cs typeface="Courier New" panose="02070309020205020404" pitchFamily="49" charset="0"/>
               </a:rPr>
               <a:t>str</a:t>
             </a:r>
             <a:r>
-              <a:rPr lang="en-GB" dirty="0" smtClean="0">
+              <a:rPr lang="en-GB" b="1" dirty="0" smtClean="0">
                 <a:latin typeface="Courier New" panose="02070309020205020404" pitchFamily="49" charset="0"/>
                 <a:cs typeface="Courier New" panose="02070309020205020404" pitchFamily="49" charset="0"/>
               </a:rPr>
               <a:t>() </a:t>
             </a:r>
             <a:r>
-              <a:rPr lang="en-GB" dirty="0" smtClean="0"/>
+              <a:rPr lang="en-GB" b="1" dirty="0" smtClean="0"/>
               <a:t>are Python functions!</a:t>
             </a:r>
           </a:p>
@@ -11229,7 +11203,11 @@
           <a:p>
             <a:r>
               <a:rPr lang="en-GB" dirty="0" smtClean="0"/>
-              <a:t>Conditionals in a Code block come in handy here!</a:t>
+              <a:t>Conditionals in a Code block come in handy </a:t>
+            </a:r>
+            <a:r>
+              <a:rPr lang="en-GB" smtClean="0"/>
+              <a:t>for this!</a:t>
             </a:r>
             <a:endParaRPr lang="en-GB" dirty="0"/>
           </a:p>
@@ -11999,6 +11977,10 @@
           </p:nvPr>
         </p:nvSpPr>
         <p:spPr>
+          <a:xfrm>
+            <a:off x="457200" y="1600199"/>
+            <a:ext cx="8229600" cy="5133109"/>
+          </a:xfrm>
           <a:prstGeom prst="rect">
             <a:avLst/>
           </a:prstGeom>
@@ -12011,7 +11993,17 @@
           <a:p>
             <a:r>
               <a:rPr lang="en-GB" dirty="0" smtClean="0"/>
-              <a:t>Label your routines/loops and components clearly</a:t>
+              <a:t>When lab testing, ensure you test your experiment in there 24 hours before</a:t>
+            </a:r>
+          </a:p>
+          <a:p>
+            <a:r>
+              <a:rPr lang="en-GB" dirty="0" smtClean="0"/>
+              <a:t>Label </a:t>
+            </a:r>
+            <a:r>
+              <a:rPr lang="en-GB" dirty="0" smtClean="0"/>
+              <a:t>your routines/loops and components clearly</a:t>
             </a:r>
           </a:p>
           <a:p>
@@ -12198,21 +12190,13 @@
           <a:p>
             <a:r>
               <a:rPr lang="en-GB" dirty="0" smtClean="0"/>
-              <a:t>Watch out for memory leaks – from video stimuli </a:t>
-            </a:r>
-            <a:r>
-              <a:rPr lang="en-GB" smtClean="0"/>
-              <a:t>in particular!</a:t>
-            </a:r>
-          </a:p>
-          <a:p>
-            <a:r>
-              <a:rPr lang="en-GB" dirty="0" smtClean="0"/>
-              <a:t>Check </a:t>
-            </a:r>
-            <a:r>
-              <a:rPr lang="en-GB" dirty="0" smtClean="0"/>
-              <a:t>your data output and ensure its solid</a:t>
+              <a:t>Watch out for memory leaks – from video stimuli in particular!</a:t>
+            </a:r>
+          </a:p>
+          <a:p>
+            <a:r>
+              <a:rPr lang="en-GB" dirty="0" smtClean="0"/>
+              <a:t>Check your data output and ensure its solid</a:t>
             </a:r>
           </a:p>
           <a:p>
@@ -12255,11 +12239,7 @@
             </a:pPr>
             <a:r>
               <a:rPr lang="en-GB" dirty="0" smtClean="0"/>
-              <a:t>Basically do some quick analysis early to make sure</a:t>
-            </a:r>
-            <a:r>
-              <a:rPr lang="en-GB" dirty="0" smtClean="0"/>
-              <a:t>!</a:t>
+              <a:t>Basically do some quick analysis early to make sure!</a:t>
             </a:r>
           </a:p>
           <a:p>
@@ -12444,8 +12424,35 @@
               <a:buChar char="o"/>
             </a:pPr>
             <a:r>
+              <a:rPr lang="en-GB" sz="1800" b="1" dirty="0" err="1" smtClean="0"/>
+              <a:t>PsychoPy</a:t>
+            </a:r>
+            <a:r>
+              <a:rPr lang="en-GB" sz="1800" b="1" dirty="0"/>
+              <a:t> </a:t>
+            </a:r>
+            <a:r>
+              <a:rPr lang="en-GB" sz="1800" b="1" dirty="0" smtClean="0"/>
+              <a:t>discourse </a:t>
+            </a:r>
+            <a:r>
               <a:rPr lang="en-GB" sz="1800" dirty="0" smtClean="0"/>
-              <a:t>Google groups forum – </a:t>
+              <a:t>(Main support forum) </a:t>
+            </a:r>
+            <a:r>
+              <a:rPr lang="en-GB" sz="1800" dirty="0"/>
+              <a:t>- </a:t>
+            </a:r>
+            <a:r>
+              <a:rPr lang="en-GB" sz="1800" u="sng" dirty="0">
+                <a:solidFill>
+                  <a:schemeClr val="accent1">
+                    <a:lumMod val="60000"/>
+                    <a:lumOff val="40000"/>
+                  </a:schemeClr>
+                </a:solidFill>
+              </a:rPr>
+              <a:t>http://discourse.psychopy.org</a:t>
             </a:r>
             <a:r>
               <a:rPr lang="en-GB" sz="1800" u="sng" dirty="0" smtClean="0">
@@ -12456,6 +12463,43 @@
                   </a:schemeClr>
                 </a:solidFill>
               </a:rPr>
+              <a:t>/</a:t>
+            </a:r>
+            <a:endParaRPr lang="en-GB" sz="1800" u="sng" dirty="0" smtClean="0">
+              <a:solidFill>
+                <a:schemeClr val="accent1">
+                  <a:lumMod val="60000"/>
+                  <a:lumOff val="40000"/>
+                </a:schemeClr>
+              </a:solidFill>
+            </a:endParaRPr>
+          </a:p>
+          <a:p>
+            <a:pPr lvl="1">
+              <a:buFont typeface="Courier New" panose="02070309020205020404" pitchFamily="49" charset="0"/>
+              <a:buChar char="o"/>
+            </a:pPr>
+            <a:r>
+              <a:rPr lang="en-GB" sz="1800" dirty="0" smtClean="0"/>
+              <a:t>Google </a:t>
+            </a:r>
+            <a:r>
+              <a:rPr lang="en-GB" sz="1800" dirty="0" smtClean="0"/>
+              <a:t>groups forum </a:t>
+            </a:r>
+            <a:r>
+              <a:rPr lang="en-GB" sz="1800" dirty="0" smtClean="0"/>
+              <a:t>(mostly replaced by Discourse site) – </a:t>
+            </a:r>
+            <a:r>
+              <a:rPr lang="en-GB" sz="1800" u="sng" dirty="0" smtClean="0">
+                <a:solidFill>
+                  <a:schemeClr val="accent1">
+                    <a:lumMod val="60000"/>
+                    <a:lumOff val="40000"/>
+                  </a:schemeClr>
+                </a:solidFill>
+              </a:rPr>
               <a:t>https://groups.google.com/forum/#!forum/psychopy-users</a:t>
             </a:r>
           </a:p>
@@ -12537,7 +12581,15 @@
             </a:pPr>
             <a:r>
               <a:rPr lang="en-GB" sz="1800" dirty="0" smtClean="0"/>
-              <a:t>Psychology Technical Team (A1.6)</a:t>
+              <a:t>Psychology Technical Team </a:t>
+            </a:r>
+            <a:r>
+              <a:rPr lang="en-GB" sz="1800" dirty="0" smtClean="0"/>
+              <a:t>(A1.2 or A1.6</a:t>
+            </a:r>
+            <a:r>
+              <a:rPr lang="en-GB" sz="1800" dirty="0" smtClean="0"/>
+              <a:t>)</a:t>
             </a:r>
           </a:p>
           <a:p>
@@ -12809,7 +12861,11 @@
             </a:pPr>
             <a:r>
               <a:rPr lang="en-GB" dirty="0" smtClean="0"/>
-              <a:t>So far.</a:t>
+              <a:t>so </a:t>
+            </a:r>
+            <a:r>
+              <a:rPr lang="en-GB" dirty="0" smtClean="0"/>
+              <a:t>far.</a:t>
             </a:r>
             <a:endParaRPr lang="en" dirty="0" smtClean="0"/>
           </a:p>
@@ -13428,7 +13484,15 @@
             </a:pPr>
             <a:r>
               <a:rPr lang="en" sz="2000" dirty="0"/>
-              <a:t>PsychoPy has concept of a ‘Monitor’</a:t>
+              <a:t>PsychoPy has concept of a ‘</a:t>
+            </a:r>
+            <a:r>
+              <a:rPr lang="en" sz="2000" b="1" dirty="0"/>
+              <a:t>Monitor</a:t>
+            </a:r>
+            <a:r>
+              <a:rPr lang="en" sz="2000" dirty="0"/>
+              <a:t>’</a:t>
             </a:r>
           </a:p>
           <a:p>
@@ -13533,7 +13597,7 @@
               <a:buChar char="§"/>
             </a:pPr>
             <a:r>
-              <a:rPr lang="en" sz="2000" dirty="0"/>
+              <a:rPr lang="en" sz="2000" b="1" dirty="0"/>
               <a:t>pixels</a:t>
             </a:r>
           </a:p>
@@ -13547,7 +13611,7 @@
               <a:buChar char="§"/>
             </a:pPr>
             <a:r>
-              <a:rPr lang="en" sz="2000" dirty="0"/>
+              <a:rPr lang="en" sz="2000" b="1" dirty="0"/>
               <a:t>cm of screen</a:t>
             </a:r>
           </a:p>
@@ -13561,11 +13625,11 @@
               <a:buChar char="§"/>
             </a:pPr>
             <a:r>
-              <a:rPr lang="en" sz="2000" dirty="0"/>
+              <a:rPr lang="en" sz="2000" b="1" dirty="0"/>
               <a:t>degrees of visual </a:t>
             </a:r>
             <a:r>
-              <a:rPr lang="en" sz="2000" dirty="0" smtClean="0"/>
+              <a:rPr lang="en" sz="2000" b="1" dirty="0" smtClean="0"/>
               <a:t>angle</a:t>
             </a:r>
           </a:p>
@@ -14549,28 +14613,24 @@
           <a:p>
             <a:pPr lvl="1"/>
             <a:r>
-              <a:rPr lang="en-GB" dirty="0" smtClean="0"/>
-              <a:t>Right click the item in the flow and use the move options.</a:t>
-            </a:r>
-          </a:p>
-          <a:p>
-            <a:r>
-              <a:rPr lang="en-GB" dirty="0" smtClean="0"/>
-              <a:t>Also try playing with positioning using what we have shown you on</a:t>
-            </a:r>
-          </a:p>
-          <a:p>
-            <a:pPr marL="0" indent="0">
-              <a:buNone/>
-            </a:pPr>
-            <a:r>
-              <a:rPr lang="en-GB" dirty="0"/>
-              <a:t>t</a:t>
-            </a:r>
-            <a:r>
-              <a:rPr lang="en-GB" dirty="0" smtClean="0"/>
-              <a:t>he previous slide.</a:t>
-            </a:r>
+              <a:rPr lang="en-GB" b="1" dirty="0" smtClean="0"/>
+              <a:t>Right click </a:t>
+            </a:r>
+            <a:r>
+              <a:rPr lang="en-GB" dirty="0" smtClean="0"/>
+              <a:t>the item in the flow and use the move options.</a:t>
+            </a:r>
+          </a:p>
+          <a:p>
+            <a:r>
+              <a:rPr lang="en-GB" dirty="0" smtClean="0"/>
+              <a:t>Also try playing with </a:t>
+            </a:r>
+            <a:r>
+              <a:rPr lang="en-GB" b="1" dirty="0" smtClean="0"/>
+              <a:t>positioning</a:t>
+            </a:r>
+            <a:endParaRPr lang="en-GB" b="1" dirty="0" smtClean="0"/>
           </a:p>
           <a:p>
             <a:r>
@@ -14956,7 +15016,7 @@
         <p:spPr>
           <a:xfrm>
             <a:off x="2443622" y="4730698"/>
-            <a:ext cx="1354858" cy="646331"/>
+            <a:ext cx="1446230" cy="646331"/>
           </a:xfrm>
           <a:prstGeom prst="rect">
             <a:avLst/>
@@ -14983,7 +15043,17 @@
                   </a:schemeClr>
                 </a:solidFill>
               </a:rPr>
-              <a:t>(runs first)</a:t>
+              <a:t>(Starts </a:t>
+            </a:r>
+            <a:r>
+              <a:rPr lang="en-GB" dirty="0" smtClean="0">
+                <a:solidFill>
+                  <a:schemeClr val="bg1">
+                    <a:lumMod val="50000"/>
+                  </a:schemeClr>
+                </a:solidFill>
+              </a:rPr>
+              <a:t>first)</a:t>
             </a:r>
             <a:endParaRPr lang="en-US" dirty="0">
               <a:solidFill>
@@ -15004,7 +15074,7 @@
         <p:spPr>
           <a:xfrm>
             <a:off x="4430044" y="4730697"/>
-            <a:ext cx="2502608" cy="646331"/>
+            <a:ext cx="2752677" cy="923330"/>
           </a:xfrm>
           <a:prstGeom prst="rect">
             <a:avLst/>
@@ -15031,7 +15101,59 @@
                   </a:schemeClr>
                 </a:solidFill>
               </a:rPr>
-              <a:t>(runs second, repeats)</a:t>
+              <a:t>(Starts </a:t>
+            </a:r>
+            <a:r>
+              <a:rPr lang="en-GB" dirty="0" smtClean="0">
+                <a:solidFill>
+                  <a:schemeClr val="bg1">
+                    <a:lumMod val="50000"/>
+                  </a:schemeClr>
+                </a:solidFill>
+              </a:rPr>
+              <a:t>second, </a:t>
+            </a:r>
+            <a:r>
+              <a:rPr lang="en-GB" dirty="0" smtClean="0">
+                <a:solidFill>
+                  <a:schemeClr val="bg1">
+                    <a:lumMod val="50000"/>
+                  </a:schemeClr>
+                </a:solidFill>
+              </a:rPr>
+              <a:t>runs and </a:t>
+            </a:r>
+          </a:p>
+          <a:p>
+            <a:r>
+              <a:rPr lang="en-GB" smtClean="0">
+                <a:solidFill>
+                  <a:schemeClr val="bg1">
+                    <a:lumMod val="50000"/>
+                  </a:schemeClr>
+                </a:solidFill>
+              </a:rPr>
+              <a:t>Completes each </a:t>
+            </a:r>
+            <a:r>
+              <a:rPr lang="en-GB" dirty="0" smtClean="0">
+                <a:solidFill>
+                  <a:schemeClr val="bg1">
+                    <a:lumMod val="50000"/>
+                  </a:schemeClr>
+                </a:solidFill>
+              </a:rPr>
+              <a:t>time</a:t>
+            </a:r>
+            <a:r>
+              <a:rPr lang="en-GB" dirty="0" smtClean="0">
+                <a:solidFill>
+                  <a:schemeClr val="bg1">
+                    <a:lumMod val="50000"/>
+                  </a:schemeClr>
+                </a:solidFill>
+              </a:rPr>
+              <a:t>)</a:t>
             </a:r>
             <a:endParaRPr lang="en-US" dirty="0">
               <a:solidFill>
@@ -15248,7 +15370,15 @@
                   <a:srgbClr val="FF0000"/>
                 </a:solidFill>
               </a:rPr>
-              <a:t>(DEMO)</a:t>
+              <a:t>(CARD GAME DEMO</a:t>
+            </a:r>
+            <a:r>
+              <a:rPr lang="en-US" dirty="0" smtClean="0">
+                <a:solidFill>
+                  <a:srgbClr val="FF0000"/>
+                </a:solidFill>
+              </a:rPr>
+              <a:t>)</a:t>
             </a:r>
           </a:p>
           <a:p>
@@ -15461,7 +15591,15 @@
           <a:p>
             <a:r>
               <a:rPr lang="en-GB" dirty="0" smtClean="0"/>
-              <a:t>Using code in builder</a:t>
+              <a:t>Using </a:t>
+            </a:r>
+            <a:r>
+              <a:rPr lang="en-GB" dirty="0" smtClean="0"/>
+              <a:t>Python code </a:t>
+            </a:r>
+            <a:r>
+              <a:rPr lang="en-GB" dirty="0" smtClean="0"/>
+              <a:t>in builder</a:t>
             </a:r>
             <a:endParaRPr lang="en-US" dirty="0"/>
           </a:p>
@@ -15511,8 +15649,13 @@
             </a:pPr>
             <a:r>
               <a:rPr lang="en-GB" dirty="0" smtClean="0"/>
-              <a:t>to dip into code</a:t>
-            </a:r>
+              <a:t>to dip into </a:t>
+            </a:r>
+            <a:r>
+              <a:rPr lang="en-GB" dirty="0" smtClean="0"/>
+              <a:t>Python code</a:t>
+            </a:r>
+            <a:endParaRPr lang="en-GB" dirty="0" smtClean="0"/>
           </a:p>
           <a:p>
             <a:pPr lvl="1">

--- a/PsychoPy-Part2/PsychoPy-part2.pptx
+++ b/PsychoPy-Part2/PsychoPy-part2.pptx
@@ -223,7 +223,7 @@
           <a:p>
             <a:fld id="{A71BFCC6-2EC9-4EC2-A3C4-9B645E93EB78}" type="datetimeFigureOut">
               <a:rPr lang="en-US" smtClean="0"/>
-              <a:t>9/20/2016</a:t>
+              <a:t>10/3/2017</a:t>
             </a:fld>
             <a:endParaRPr lang="en-US"/>
           </a:p>
@@ -1983,7 +1983,7 @@
             <a:fld id="{B61BEF0D-F0BB-DE4B-95CE-6DB70DBA9567}" type="datetimeFigureOut">
               <a:rPr lang="en-US" smtClean="0"/>
               <a:pPr/>
-              <a:t>9/20/2016</a:t>
+              <a:t>10/3/2017</a:t>
             </a:fld>
             <a:endParaRPr lang="en-US" dirty="0"/>
           </a:p>
@@ -2236,7 +2236,7 @@
             <a:fld id="{B61BEF0D-F0BB-DE4B-95CE-6DB70DBA9567}" type="datetimeFigureOut">
               <a:rPr lang="en-US" smtClean="0"/>
               <a:pPr/>
-              <a:t>9/20/2016</a:t>
+              <a:t>10/3/2017</a:t>
             </a:fld>
             <a:endParaRPr lang="en-US" dirty="0"/>
           </a:p>
@@ -2552,7 +2552,7 @@
             <a:fld id="{B61BEF0D-F0BB-DE4B-95CE-6DB70DBA9567}" type="datetimeFigureOut">
               <a:rPr lang="en-US" smtClean="0"/>
               <a:pPr/>
-              <a:t>9/20/2016</a:t>
+              <a:t>10/3/2017</a:t>
             </a:fld>
             <a:endParaRPr lang="en-US" dirty="0"/>
           </a:p>
@@ -2887,7 +2887,7 @@
             <a:fld id="{B61BEF0D-F0BB-DE4B-95CE-6DB70DBA9567}" type="datetimeFigureOut">
               <a:rPr lang="en-US" smtClean="0"/>
               <a:pPr/>
-              <a:t>9/20/2016</a:t>
+              <a:t>10/3/2017</a:t>
             </a:fld>
             <a:endParaRPr lang="en-US" dirty="0"/>
           </a:p>
@@ -3203,7 +3203,7 @@
             <a:fld id="{B61BEF0D-F0BB-DE4B-95CE-6DB70DBA9567}" type="datetimeFigureOut">
               <a:rPr lang="en-US" smtClean="0"/>
               <a:pPr/>
-              <a:t>9/20/2016</a:t>
+              <a:t>10/3/2017</a:t>
             </a:fld>
             <a:endParaRPr lang="en-US" dirty="0"/>
           </a:p>
@@ -3598,7 +3598,7 @@
             <a:fld id="{B61BEF0D-F0BB-DE4B-95CE-6DB70DBA9567}" type="datetimeFigureOut">
               <a:rPr lang="en-US" smtClean="0"/>
               <a:pPr/>
-              <a:t>9/20/2016</a:t>
+              <a:t>10/3/2017</a:t>
             </a:fld>
             <a:endParaRPr lang="en-US" dirty="0"/>
           </a:p>
@@ -3769,7 +3769,7 @@
           <a:p>
             <a:fld id="{55C6B4A9-1611-4792-9094-5F34BCA07E0B}" type="datetimeFigureOut">
               <a:rPr lang="en-US" smtClean="0"/>
-              <a:t>9/20/2016</a:t>
+              <a:t>10/3/2017</a:t>
             </a:fld>
             <a:endParaRPr lang="en-US" dirty="0"/>
           </a:p>
@@ -3950,7 +3950,7 @@
             <a:fld id="{B61BEF0D-F0BB-DE4B-95CE-6DB70DBA9567}" type="datetimeFigureOut">
               <a:rPr lang="en-US" smtClean="0"/>
               <a:pPr/>
-              <a:t>9/20/2016</a:t>
+              <a:t>10/3/2017</a:t>
             </a:fld>
             <a:endParaRPr lang="en-US" dirty="0"/>
           </a:p>
@@ -4322,7 +4322,7 @@
             <a:fld id="{B61BEF0D-F0BB-DE4B-95CE-6DB70DBA9567}" type="datetimeFigureOut">
               <a:rPr lang="en-US" smtClean="0"/>
               <a:pPr/>
-              <a:t>9/20/2016</a:t>
+              <a:t>10/3/2017</a:t>
             </a:fld>
             <a:endParaRPr lang="en-US" dirty="0"/>
           </a:p>
@@ -4571,7 +4571,7 @@
             <a:fld id="{B61BEF0D-F0BB-DE4B-95CE-6DB70DBA9567}" type="datetimeFigureOut">
               <a:rPr lang="en-US" smtClean="0"/>
               <a:pPr/>
-              <a:t>9/20/2016</a:t>
+              <a:t>10/3/2017</a:t>
             </a:fld>
             <a:endParaRPr lang="en-US" dirty="0"/>
           </a:p>
@@ -4869,7 +4869,7 @@
           <a:p>
             <a:fld id="{EB712588-04B1-427B-82EE-E8DB90309F08}" type="datetimeFigureOut">
               <a:rPr lang="en-US" smtClean="0"/>
-              <a:t>9/20/2016</a:t>
+              <a:t>10/3/2017</a:t>
             </a:fld>
             <a:endParaRPr lang="en-US" dirty="0"/>
           </a:p>
@@ -5249,7 +5249,7 @@
             <a:fld id="{B61BEF0D-F0BB-DE4B-95CE-6DB70DBA9567}" type="datetimeFigureOut">
               <a:rPr lang="en-US" smtClean="0"/>
               <a:pPr/>
-              <a:t>9/20/2016</a:t>
+              <a:t>10/3/2017</a:t>
             </a:fld>
             <a:endParaRPr lang="en-US" dirty="0"/>
           </a:p>
@@ -5374,7 +5374,7 @@
             <a:fld id="{B61BEF0D-F0BB-DE4B-95CE-6DB70DBA9567}" type="datetimeFigureOut">
               <a:rPr lang="en-US" smtClean="0"/>
               <a:pPr/>
-              <a:t>9/20/2016</a:t>
+              <a:t>10/3/2017</a:t>
             </a:fld>
             <a:endParaRPr lang="en-US" dirty="0"/>
           </a:p>
@@ -5471,7 +5471,7 @@
             <a:fld id="{B61BEF0D-F0BB-DE4B-95CE-6DB70DBA9567}" type="datetimeFigureOut">
               <a:rPr lang="en-US" smtClean="0"/>
               <a:pPr/>
-              <a:t>9/20/2016</a:t>
+              <a:t>10/3/2017</a:t>
             </a:fld>
             <a:endParaRPr lang="en-US" dirty="0"/>
           </a:p>
@@ -5727,7 +5727,7 @@
           <a:p>
             <a:fld id="{42A54C80-263E-416B-A8E0-580EDEADCBDC}" type="datetimeFigureOut">
               <a:rPr lang="en-US" smtClean="0"/>
-              <a:t>9/20/2016</a:t>
+              <a:t>10/3/2017</a:t>
             </a:fld>
             <a:endParaRPr lang="en-US" dirty="0"/>
           </a:p>
@@ -5991,7 +5991,7 @@
             <a:fld id="{B61BEF0D-F0BB-DE4B-95CE-6DB70DBA9567}" type="datetimeFigureOut">
               <a:rPr lang="en-US" smtClean="0"/>
               <a:pPr/>
-              <a:t>9/20/2016</a:t>
+              <a:t>10/3/2017</a:t>
             </a:fld>
             <a:endParaRPr lang="en-US" dirty="0"/>
           </a:p>
@@ -6808,7 +6808,7 @@
             <a:fld id="{B61BEF0D-F0BB-DE4B-95CE-6DB70DBA9567}" type="datetimeFigureOut">
               <a:rPr lang="en-US" smtClean="0"/>
               <a:pPr/>
-              <a:t>9/20/2016</a:t>
+              <a:t>10/3/2017</a:t>
             </a:fld>
             <a:endParaRPr lang="en-US" dirty="0"/>
           </a:p>
@@ -7355,11 +7355,7 @@
             </a:r>
             <a:r>
               <a:rPr lang="en-GB" dirty="0" smtClean="0"/>
-              <a:t> </a:t>
-            </a:r>
-            <a:r>
-              <a:rPr lang="en-GB" dirty="0" smtClean="0"/>
-              <a:t>Intermediate</a:t>
+              <a:t> Intermediate</a:t>
             </a:r>
             <a:endParaRPr lang="en-US" dirty="0"/>
           </a:p>
@@ -8169,11 +8165,7 @@
           <a:p>
             <a:r>
               <a:rPr lang="en-GB" dirty="0" smtClean="0"/>
-              <a:t>Variables/attributes &amp; </a:t>
-            </a:r>
-            <a:r>
-              <a:rPr lang="en-GB" dirty="0" smtClean="0"/>
-              <a:t>data types</a:t>
+              <a:t>Variables/attributes &amp; data types</a:t>
             </a:r>
             <a:endParaRPr lang="en-US" dirty="0"/>
           </a:p>
@@ -8255,14 +8247,7 @@
                 <a:latin typeface="Courier New" panose="02070309020205020404" pitchFamily="49" charset="0"/>
                 <a:cs typeface="Courier New" panose="02070309020205020404" pitchFamily="49" charset="0"/>
               </a:rPr>
-              <a:t>age </a:t>
-            </a:r>
-            <a:r>
-              <a:rPr lang="en-GB" sz="1800" dirty="0" smtClean="0">
-                <a:latin typeface="Courier New" panose="02070309020205020404" pitchFamily="49" charset="0"/>
-                <a:cs typeface="Courier New" panose="02070309020205020404" pitchFamily="49" charset="0"/>
-              </a:rPr>
-              <a:t>= 15</a:t>
+              <a:t>age = 15</a:t>
             </a:r>
           </a:p>
           <a:p>
@@ -9268,7 +9253,6 @@
               <a:rPr lang="en" dirty="0" smtClean="0"/>
               <a:t>Used to help make decisions in your experiment</a:t>
             </a:r>
-            <a:endParaRPr lang="en" dirty="0" smtClean="0"/>
           </a:p>
           <a:p>
             <a:pPr lvl="1">
@@ -9906,7 +9890,7 @@
             </a:pPr>
             <a:r>
               <a:rPr lang="en-GB" dirty="0" smtClean="0"/>
-              <a:t>Read the comments (in green) and see what is happening.</a:t>
+              <a:t>Read the comments (in green/red) and see what is happening.</a:t>
             </a:r>
           </a:p>
           <a:p>
@@ -9985,7 +9969,6 @@
               <a:rPr lang="en-GB" dirty="0" smtClean="0"/>
               <a:t>as a new option</a:t>
             </a:r>
-            <a:endParaRPr lang="en-GB" dirty="0" smtClean="0"/>
           </a:p>
         </p:txBody>
       </p:sp>
@@ -10188,13 +10171,8 @@
             </a:r>
             <a:r>
               <a:rPr lang="en-GB" sz="1800" dirty="0" smtClean="0"/>
-              <a:t> (either our own or </a:t>
-            </a:r>
-            <a:r>
-              <a:rPr lang="en-GB" sz="1800" dirty="0" smtClean="0"/>
-              <a:t>outsourced)</a:t>
-            </a:r>
-            <a:endParaRPr lang="en-GB" sz="1800" dirty="0" smtClean="0"/>
+              <a:t> (either our own or outsourced)</a:t>
+            </a:r>
           </a:p>
         </p:txBody>
       </p:sp>
@@ -10843,7 +10821,7 @@
             </a:pPr>
             <a:r>
               <a:rPr lang="en" sz="1600" dirty="0" smtClean="0"/>
-              <a:t>Read the comments in green.</a:t>
+              <a:t>Read the comments in green/red.</a:t>
             </a:r>
           </a:p>
           <a:p>
@@ -11859,7 +11837,15 @@
             </a:pPr>
             <a:r>
               <a:rPr lang="en-GB" dirty="0" smtClean="0"/>
-              <a:t>(Offices - Frank – A1.6, John – A1.2)</a:t>
+              <a:t>(Offices - Frank – </a:t>
+            </a:r>
+            <a:r>
+              <a:rPr lang="en-GB" dirty="0" smtClean="0"/>
+              <a:t>A1.5, </a:t>
+            </a:r>
+            <a:r>
+              <a:rPr lang="en-GB" dirty="0" smtClean="0"/>
+              <a:t>John – A1.2)</a:t>
             </a:r>
           </a:p>
           <a:p>
@@ -11999,11 +11985,7 @@
           <a:p>
             <a:r>
               <a:rPr lang="en-GB" dirty="0" smtClean="0"/>
-              <a:t>Label </a:t>
-            </a:r>
-            <a:r>
-              <a:rPr lang="en-GB" dirty="0" smtClean="0"/>
-              <a:t>your routines/loops and components clearly</a:t>
+              <a:t>Label your routines/loops and components clearly</a:t>
             </a:r>
           </a:p>
           <a:p>
@@ -12465,14 +12447,6 @@
               </a:rPr>
               <a:t>/</a:t>
             </a:r>
-            <a:endParaRPr lang="en-GB" sz="1800" u="sng" dirty="0" smtClean="0">
-              <a:solidFill>
-                <a:schemeClr val="accent1">
-                  <a:lumMod val="60000"/>
-                  <a:lumOff val="40000"/>
-                </a:schemeClr>
-              </a:solidFill>
-            </a:endParaRPr>
           </a:p>
           <a:p>
             <a:pPr lvl="1">
@@ -12481,15 +12455,7 @@
             </a:pPr>
             <a:r>
               <a:rPr lang="en-GB" sz="1800" dirty="0" smtClean="0"/>
-              <a:t>Google </a:t>
-            </a:r>
-            <a:r>
-              <a:rPr lang="en-GB" sz="1800" dirty="0" smtClean="0"/>
-              <a:t>groups forum </a:t>
-            </a:r>
-            <a:r>
-              <a:rPr lang="en-GB" sz="1800" dirty="0" smtClean="0"/>
-              <a:t>(mostly replaced by Discourse site) – </a:t>
+              <a:t>Google groups forum (mostly replaced by Discourse site) – </a:t>
             </a:r>
             <a:r>
               <a:rPr lang="en-GB" sz="1800" u="sng" dirty="0" smtClean="0">
@@ -12581,15 +12547,7 @@
             </a:pPr>
             <a:r>
               <a:rPr lang="en-GB" sz="1800" dirty="0" smtClean="0"/>
-              <a:t>Psychology Technical Team </a:t>
-            </a:r>
-            <a:r>
-              <a:rPr lang="en-GB" sz="1800" dirty="0" smtClean="0"/>
-              <a:t>(A1.2 or A1.6</a:t>
-            </a:r>
-            <a:r>
-              <a:rPr lang="en-GB" sz="1800" dirty="0" smtClean="0"/>
-              <a:t>)</a:t>
+              <a:t>Psychology Technical Team (A1.2 or A1.6)</a:t>
             </a:r>
           </a:p>
           <a:p>
@@ -12861,11 +12819,7 @@
             </a:pPr>
             <a:r>
               <a:rPr lang="en-GB" dirty="0" smtClean="0"/>
-              <a:t>so </a:t>
-            </a:r>
-            <a:r>
-              <a:rPr lang="en-GB" dirty="0" smtClean="0"/>
-              <a:t>far.</a:t>
+              <a:t>so far.</a:t>
             </a:r>
             <a:endParaRPr lang="en" dirty="0" smtClean="0"/>
           </a:p>
@@ -14630,7 +14584,6 @@
               <a:rPr lang="en-GB" b="1" dirty="0" smtClean="0"/>
               <a:t>positioning</a:t>
             </a:r>
-            <a:endParaRPr lang="en-GB" b="1" dirty="0" smtClean="0"/>
           </a:p>
           <a:p>
             <a:r>
@@ -15043,17 +14996,7 @@
                   </a:schemeClr>
                 </a:solidFill>
               </a:rPr>
-              <a:t>(Starts </a:t>
-            </a:r>
-            <a:r>
-              <a:rPr lang="en-GB" dirty="0" smtClean="0">
-                <a:solidFill>
-                  <a:schemeClr val="bg1">
-                    <a:lumMod val="50000"/>
-                  </a:schemeClr>
-                </a:solidFill>
-              </a:rPr>
-              <a:t>first)</a:t>
+              <a:t>(Starts first)</a:t>
             </a:r>
             <a:endParaRPr lang="en-US" dirty="0">
               <a:solidFill>
@@ -15101,7 +15044,19 @@
                   </a:schemeClr>
                 </a:solidFill>
               </a:rPr>
-              <a:t>(Starts </a:t>
+              <a:t>(Starts second, runs and </a:t>
+            </a:r>
+          </a:p>
+          <a:p>
+            <a:r>
+              <a:rPr lang="en-GB" smtClean="0">
+                <a:solidFill>
+                  <a:schemeClr val="bg1">
+                    <a:lumMod val="50000"/>
+                  </a:schemeClr>
+                </a:solidFill>
+              </a:rPr>
+              <a:t>Completes each </a:t>
             </a:r>
             <a:r>
               <a:rPr lang="en-GB" dirty="0" smtClean="0">
@@ -15111,49 +15066,7 @@
                   </a:schemeClr>
                 </a:solidFill>
               </a:rPr>
-              <a:t>second, </a:t>
-            </a:r>
-            <a:r>
-              <a:rPr lang="en-GB" dirty="0" smtClean="0">
-                <a:solidFill>
-                  <a:schemeClr val="bg1">
-                    <a:lumMod val="50000"/>
-                  </a:schemeClr>
-                </a:solidFill>
-              </a:rPr>
-              <a:t>runs and </a:t>
-            </a:r>
-          </a:p>
-          <a:p>
-            <a:r>
-              <a:rPr lang="en-GB" smtClean="0">
-                <a:solidFill>
-                  <a:schemeClr val="bg1">
-                    <a:lumMod val="50000"/>
-                  </a:schemeClr>
-                </a:solidFill>
-              </a:rPr>
-              <a:t>Completes each </a:t>
-            </a:r>
-            <a:r>
-              <a:rPr lang="en-GB" dirty="0" smtClean="0">
-                <a:solidFill>
-                  <a:schemeClr val="bg1">
-                    <a:lumMod val="50000"/>
-                  </a:schemeClr>
-                </a:solidFill>
-              </a:rPr>
-              <a:t>time</a:t>
-            </a:r>
-            <a:r>
-              <a:rPr lang="en-GB" dirty="0" smtClean="0">
-                <a:solidFill>
-                  <a:schemeClr val="bg1">
-                    <a:lumMod val="50000"/>
-                  </a:schemeClr>
-                </a:solidFill>
-              </a:rPr>
-              <a:t>)</a:t>
+              <a:t>time)</a:t>
             </a:r>
             <a:endParaRPr lang="en-US" dirty="0">
               <a:solidFill>
@@ -15370,15 +15283,7 @@
                   <a:srgbClr val="FF0000"/>
                 </a:solidFill>
               </a:rPr>
-              <a:t>(CARD GAME DEMO</a:t>
-            </a:r>
-            <a:r>
-              <a:rPr lang="en-US" dirty="0" smtClean="0">
-                <a:solidFill>
-                  <a:srgbClr val="FF0000"/>
-                </a:solidFill>
-              </a:rPr>
-              <a:t>)</a:t>
+              <a:t>(CARD GAME DEMO)</a:t>
             </a:r>
           </a:p>
           <a:p>
@@ -15591,15 +15496,7 @@
           <a:p>
             <a:r>
               <a:rPr lang="en-GB" dirty="0" smtClean="0"/>
-              <a:t>Using </a:t>
-            </a:r>
-            <a:r>
-              <a:rPr lang="en-GB" dirty="0" smtClean="0"/>
-              <a:t>Python code </a:t>
-            </a:r>
-            <a:r>
-              <a:rPr lang="en-GB" dirty="0" smtClean="0"/>
-              <a:t>in builder</a:t>
+              <a:t>Using Python code in builder</a:t>
             </a:r>
             <a:endParaRPr lang="en-US" dirty="0"/>
           </a:p>
@@ -15649,13 +15546,8 @@
             </a:pPr>
             <a:r>
               <a:rPr lang="en-GB" dirty="0" smtClean="0"/>
-              <a:t>to dip into </a:t>
-            </a:r>
-            <a:r>
-              <a:rPr lang="en-GB" dirty="0" smtClean="0"/>
-              <a:t>Python code</a:t>
-            </a:r>
-            <a:endParaRPr lang="en-GB" dirty="0" smtClean="0"/>
+              <a:t>to dip into Python code</a:t>
+            </a:r>
           </a:p>
           <a:p>
             <a:pPr lvl="1">

--- a/PsychoPy-Part2/PsychoPy-part2.pptx
+++ b/PsychoPy-Part2/PsychoPy-part2.pptx
@@ -9,32 +9,32 @@
   </p:notesMasterIdLst>
   <p:sldIdLst>
     <p:sldId id="256" r:id="rId2"/>
-    <p:sldId id="270" r:id="rId3"/>
-    <p:sldId id="271" r:id="rId4"/>
-    <p:sldId id="279" r:id="rId5"/>
+    <p:sldId id="304" r:id="rId3"/>
+    <p:sldId id="270" r:id="rId4"/>
+    <p:sldId id="271" r:id="rId5"/>
     <p:sldId id="272" r:id="rId6"/>
     <p:sldId id="273" r:id="rId7"/>
     <p:sldId id="297" r:id="rId8"/>
-    <p:sldId id="277" r:id="rId9"/>
-    <p:sldId id="278" r:id="rId10"/>
-    <p:sldId id="301" r:id="rId11"/>
-    <p:sldId id="283" r:id="rId12"/>
-    <p:sldId id="296" r:id="rId13"/>
-    <p:sldId id="286" r:id="rId14"/>
-    <p:sldId id="287" r:id="rId15"/>
-    <p:sldId id="284" r:id="rId16"/>
-    <p:sldId id="257" r:id="rId17"/>
-    <p:sldId id="285" r:id="rId18"/>
-    <p:sldId id="288" r:id="rId19"/>
-    <p:sldId id="302" r:id="rId20"/>
-    <p:sldId id="258" r:id="rId21"/>
-    <p:sldId id="290" r:id="rId22"/>
-    <p:sldId id="291" r:id="rId23"/>
-    <p:sldId id="299" r:id="rId24"/>
-    <p:sldId id="263" r:id="rId25"/>
-    <p:sldId id="292" r:id="rId26"/>
-    <p:sldId id="293" r:id="rId27"/>
-    <p:sldId id="269" r:id="rId28"/>
+    <p:sldId id="278" r:id="rId9"/>
+    <p:sldId id="283" r:id="rId10"/>
+    <p:sldId id="287" r:id="rId11"/>
+    <p:sldId id="286" r:id="rId12"/>
+    <p:sldId id="284" r:id="rId13"/>
+    <p:sldId id="257" r:id="rId14"/>
+    <p:sldId id="285" r:id="rId15"/>
+    <p:sldId id="302" r:id="rId16"/>
+    <p:sldId id="258" r:id="rId17"/>
+    <p:sldId id="290" r:id="rId18"/>
+    <p:sldId id="291" r:id="rId19"/>
+    <p:sldId id="299" r:id="rId20"/>
+    <p:sldId id="263" r:id="rId21"/>
+    <p:sldId id="292" r:id="rId22"/>
+    <p:sldId id="293" r:id="rId23"/>
+    <p:sldId id="269" r:id="rId24"/>
+    <p:sldId id="303" r:id="rId25"/>
+    <p:sldId id="277" r:id="rId26"/>
+    <p:sldId id="301" r:id="rId27"/>
+    <p:sldId id="279" r:id="rId28"/>
   </p:sldIdLst>
   <p:sldSz cx="9144000" cy="6858000" type="screen4x3"/>
   <p:notesSz cx="6858000" cy="9144000"/>
@@ -223,7 +223,7 @@
           <a:p>
             <a:fld id="{A71BFCC6-2EC9-4EC2-A3C4-9B645E93EB78}" type="datetimeFigureOut">
               <a:rPr lang="en-US" smtClean="0"/>
-              <a:t>10/3/2017</a:t>
+              <a:t>10/12/2017</a:t>
             </a:fld>
             <a:endParaRPr lang="en-US"/>
           </a:p>
@@ -1983,7 +1983,7 @@
             <a:fld id="{B61BEF0D-F0BB-DE4B-95CE-6DB70DBA9567}" type="datetimeFigureOut">
               <a:rPr lang="en-US" smtClean="0"/>
               <a:pPr/>
-              <a:t>10/3/2017</a:t>
+              <a:t>10/12/2017</a:t>
             </a:fld>
             <a:endParaRPr lang="en-US" dirty="0"/>
           </a:p>
@@ -2236,7 +2236,7 @@
             <a:fld id="{B61BEF0D-F0BB-DE4B-95CE-6DB70DBA9567}" type="datetimeFigureOut">
               <a:rPr lang="en-US" smtClean="0"/>
               <a:pPr/>
-              <a:t>10/3/2017</a:t>
+              <a:t>10/12/2017</a:t>
             </a:fld>
             <a:endParaRPr lang="en-US" dirty="0"/>
           </a:p>
@@ -2552,7 +2552,7 @@
             <a:fld id="{B61BEF0D-F0BB-DE4B-95CE-6DB70DBA9567}" type="datetimeFigureOut">
               <a:rPr lang="en-US" smtClean="0"/>
               <a:pPr/>
-              <a:t>10/3/2017</a:t>
+              <a:t>10/12/2017</a:t>
             </a:fld>
             <a:endParaRPr lang="en-US" dirty="0"/>
           </a:p>
@@ -2887,7 +2887,7 @@
             <a:fld id="{B61BEF0D-F0BB-DE4B-95CE-6DB70DBA9567}" type="datetimeFigureOut">
               <a:rPr lang="en-US" smtClean="0"/>
               <a:pPr/>
-              <a:t>10/3/2017</a:t>
+              <a:t>10/12/2017</a:t>
             </a:fld>
             <a:endParaRPr lang="en-US" dirty="0"/>
           </a:p>
@@ -3203,7 +3203,7 @@
             <a:fld id="{B61BEF0D-F0BB-DE4B-95CE-6DB70DBA9567}" type="datetimeFigureOut">
               <a:rPr lang="en-US" smtClean="0"/>
               <a:pPr/>
-              <a:t>10/3/2017</a:t>
+              <a:t>10/12/2017</a:t>
             </a:fld>
             <a:endParaRPr lang="en-US" dirty="0"/>
           </a:p>
@@ -3598,7 +3598,7 @@
             <a:fld id="{B61BEF0D-F0BB-DE4B-95CE-6DB70DBA9567}" type="datetimeFigureOut">
               <a:rPr lang="en-US" smtClean="0"/>
               <a:pPr/>
-              <a:t>10/3/2017</a:t>
+              <a:t>10/12/2017</a:t>
             </a:fld>
             <a:endParaRPr lang="en-US" dirty="0"/>
           </a:p>
@@ -3769,7 +3769,7 @@
           <a:p>
             <a:fld id="{55C6B4A9-1611-4792-9094-5F34BCA07E0B}" type="datetimeFigureOut">
               <a:rPr lang="en-US" smtClean="0"/>
-              <a:t>10/3/2017</a:t>
+              <a:t>10/12/2017</a:t>
             </a:fld>
             <a:endParaRPr lang="en-US" dirty="0"/>
           </a:p>
@@ -3950,7 +3950,7 @@
             <a:fld id="{B61BEF0D-F0BB-DE4B-95CE-6DB70DBA9567}" type="datetimeFigureOut">
               <a:rPr lang="en-US" smtClean="0"/>
               <a:pPr/>
-              <a:t>10/3/2017</a:t>
+              <a:t>10/12/2017</a:t>
             </a:fld>
             <a:endParaRPr lang="en-US" dirty="0"/>
           </a:p>
@@ -4322,7 +4322,7 @@
             <a:fld id="{B61BEF0D-F0BB-DE4B-95CE-6DB70DBA9567}" type="datetimeFigureOut">
               <a:rPr lang="en-US" smtClean="0"/>
               <a:pPr/>
-              <a:t>10/3/2017</a:t>
+              <a:t>10/12/2017</a:t>
             </a:fld>
             <a:endParaRPr lang="en-US" dirty="0"/>
           </a:p>
@@ -4571,7 +4571,7 @@
             <a:fld id="{B61BEF0D-F0BB-DE4B-95CE-6DB70DBA9567}" type="datetimeFigureOut">
               <a:rPr lang="en-US" smtClean="0"/>
               <a:pPr/>
-              <a:t>10/3/2017</a:t>
+              <a:t>10/12/2017</a:t>
             </a:fld>
             <a:endParaRPr lang="en-US" dirty="0"/>
           </a:p>
@@ -4869,7 +4869,7 @@
           <a:p>
             <a:fld id="{EB712588-04B1-427B-82EE-E8DB90309F08}" type="datetimeFigureOut">
               <a:rPr lang="en-US" smtClean="0"/>
-              <a:t>10/3/2017</a:t>
+              <a:t>10/12/2017</a:t>
             </a:fld>
             <a:endParaRPr lang="en-US" dirty="0"/>
           </a:p>
@@ -5249,7 +5249,7 @@
             <a:fld id="{B61BEF0D-F0BB-DE4B-95CE-6DB70DBA9567}" type="datetimeFigureOut">
               <a:rPr lang="en-US" smtClean="0"/>
               <a:pPr/>
-              <a:t>10/3/2017</a:t>
+              <a:t>10/12/2017</a:t>
             </a:fld>
             <a:endParaRPr lang="en-US" dirty="0"/>
           </a:p>
@@ -5374,7 +5374,7 @@
             <a:fld id="{B61BEF0D-F0BB-DE4B-95CE-6DB70DBA9567}" type="datetimeFigureOut">
               <a:rPr lang="en-US" smtClean="0"/>
               <a:pPr/>
-              <a:t>10/3/2017</a:t>
+              <a:t>10/12/2017</a:t>
             </a:fld>
             <a:endParaRPr lang="en-US" dirty="0"/>
           </a:p>
@@ -5471,7 +5471,7 @@
             <a:fld id="{B61BEF0D-F0BB-DE4B-95CE-6DB70DBA9567}" type="datetimeFigureOut">
               <a:rPr lang="en-US" smtClean="0"/>
               <a:pPr/>
-              <a:t>10/3/2017</a:t>
+              <a:t>10/12/2017</a:t>
             </a:fld>
             <a:endParaRPr lang="en-US" dirty="0"/>
           </a:p>
@@ -5727,7 +5727,7 @@
           <a:p>
             <a:fld id="{42A54C80-263E-416B-A8E0-580EDEADCBDC}" type="datetimeFigureOut">
               <a:rPr lang="en-US" smtClean="0"/>
-              <a:t>10/3/2017</a:t>
+              <a:t>10/12/2017</a:t>
             </a:fld>
             <a:endParaRPr lang="en-US" dirty="0"/>
           </a:p>
@@ -5991,7 +5991,7 @@
             <a:fld id="{B61BEF0D-F0BB-DE4B-95CE-6DB70DBA9567}" type="datetimeFigureOut">
               <a:rPr lang="en-US" smtClean="0"/>
               <a:pPr/>
-              <a:t>10/3/2017</a:t>
+              <a:t>10/12/2017</a:t>
             </a:fld>
             <a:endParaRPr lang="en-US" dirty="0"/>
           </a:p>
@@ -6808,7 +6808,7 @@
             <a:fld id="{B61BEF0D-F0BB-DE4B-95CE-6DB70DBA9567}" type="datetimeFigureOut">
               <a:rPr lang="en-US" smtClean="0"/>
               <a:pPr/>
-              <a:t>10/3/2017</a:t>
+              <a:t>10/12/2017</a:t>
             </a:fld>
             <a:endParaRPr lang="en-US" dirty="0"/>
           </a:p>
@@ -7438,12 +7438,8 @@
           <a:lstStyle/>
           <a:p>
             <a:r>
-              <a:rPr lang="en-GB" b="1" dirty="0" smtClean="0"/>
-              <a:t>Tip: </a:t>
-            </a:r>
-            <a:r>
               <a:rPr lang="en-GB" dirty="0" smtClean="0"/>
-              <a:t>Testing simple Python code</a:t>
+              <a:t>Simple data types and variables</a:t>
             </a:r>
             <a:endParaRPr lang="en-US" dirty="0"/>
           </a:p>
@@ -7462,151 +7458,457 @@
         <p:spPr/>
         <p:txBody>
           <a:bodyPr>
-            <a:normAutofit/>
+            <a:normAutofit fontScale="92500" lnSpcReduction="10000"/>
           </a:bodyPr>
           <a:lstStyle/>
           <a:p>
-            <a:r>
-              <a:rPr lang="en-GB" dirty="0" smtClean="0"/>
-              <a:t>You can also test bits of Python code via the “Shell” tab</a:t>
-            </a:r>
-          </a:p>
-          <a:p>
-            <a:r>
-              <a:rPr lang="en-GB" dirty="0" smtClean="0"/>
-              <a:t>In the coder view…</a:t>
-            </a:r>
-          </a:p>
-          <a:p>
-            <a:endParaRPr lang="en-GB" b="1" dirty="0"/>
-          </a:p>
-          <a:p>
             <a:pPr marL="0" indent="0">
               <a:buNone/>
             </a:pPr>
             <a:r>
-              <a:rPr lang="en-GB" b="1" dirty="0" smtClean="0">
-                <a:solidFill>
-                  <a:srgbClr val="FF0000"/>
-                </a:solidFill>
-              </a:rPr>
-              <a:t>Demo</a:t>
-            </a:r>
+              <a:rPr lang="en-GB" sz="2400" dirty="0"/>
+              <a:t>Variables are Containers for data </a:t>
+            </a:r>
+            <a:endParaRPr lang="en-GB" sz="2400" dirty="0" smtClean="0"/>
           </a:p>
           <a:p>
             <a:pPr marL="0" indent="0">
               <a:buNone/>
             </a:pPr>
-            <a:endParaRPr lang="en-GB" b="1" dirty="0"/>
-          </a:p>
-          <a:p>
-            <a:pPr marL="0" indent="0">
-              <a:buNone/>
-            </a:pPr>
-            <a:r>
-              <a:rPr lang="en-GB" dirty="0" err="1">
+            <a:r>
+              <a:rPr lang="en-GB" sz="2400" dirty="0" smtClean="0"/>
+              <a:t>(</a:t>
+            </a:r>
+            <a:r>
+              <a:rPr lang="en-GB" sz="2400" dirty="0"/>
+              <a:t>i.e. </a:t>
+            </a:r>
+            <a:r>
+              <a:rPr lang="en-GB" sz="2400" dirty="0">
                 <a:latin typeface="Courier New" panose="02070309020205020404" pitchFamily="49" charset="0"/>
                 <a:cs typeface="Courier New" panose="02070309020205020404" pitchFamily="49" charset="0"/>
               </a:rPr>
-              <a:t>f</a:t>
-            </a:r>
-            <a:r>
-              <a:rPr lang="en-GB" dirty="0" err="1" smtClean="0">
+              <a:t>“answer” </a:t>
+            </a:r>
+            <a:r>
+              <a:rPr lang="en-GB" sz="2400" dirty="0"/>
+              <a:t>in the </a:t>
+            </a:r>
+            <a:r>
+              <a:rPr lang="en-GB" sz="2400" dirty="0" smtClean="0"/>
+              <a:t>previous </a:t>
+            </a:r>
+            <a:r>
+              <a:rPr lang="en-GB" sz="2400" dirty="0"/>
+              <a:t>exercise</a:t>
+            </a:r>
+            <a:r>
+              <a:rPr lang="en-GB" sz="2400" dirty="0" smtClean="0"/>
+              <a:t>)</a:t>
+            </a:r>
+            <a:endParaRPr lang="en-GB" sz="2400" dirty="0"/>
+          </a:p>
+          <a:p>
+            <a:pPr marL="0" indent="0">
+              <a:buNone/>
+            </a:pPr>
+            <a:endParaRPr lang="en" sz="2400" b="1" dirty="0" smtClean="0"/>
+          </a:p>
+          <a:p>
+            <a:r>
+              <a:rPr lang="en" sz="2400" b="1" dirty="0" smtClean="0"/>
+              <a:t>Integer</a:t>
+            </a:r>
+          </a:p>
+          <a:p>
+            <a:pPr lvl="1">
+              <a:buFont typeface="Courier New" panose="02070309020205020404" pitchFamily="49" charset="0"/>
+              <a:buChar char="o"/>
+            </a:pPr>
+            <a:r>
+              <a:rPr lang="en-US" sz="2400" dirty="0">
                 <a:latin typeface="Courier New" panose="02070309020205020404" pitchFamily="49" charset="0"/>
                 <a:cs typeface="Courier New" panose="02070309020205020404" pitchFamily="49" charset="0"/>
               </a:rPr>
-              <a:t>irstname</a:t>
-            </a:r>
-            <a:r>
-              <a:rPr lang="en-GB" dirty="0" smtClean="0">
+              <a:t>a</a:t>
+            </a:r>
+            <a:r>
+              <a:rPr lang="en" sz="2400" dirty="0" smtClean="0">
                 <a:latin typeface="Courier New" panose="02070309020205020404" pitchFamily="49" charset="0"/>
                 <a:cs typeface="Courier New" panose="02070309020205020404" pitchFamily="49" charset="0"/>
               </a:rPr>
-              <a:t>  </a:t>
-            </a:r>
-            <a:r>
-              <a:rPr lang="en-GB" dirty="0">
+              <a:t>ge = </a:t>
+            </a:r>
+            <a:r>
+              <a:rPr lang="en" sz="2400" b="1" dirty="0" smtClean="0">
                 <a:latin typeface="Courier New" panose="02070309020205020404" pitchFamily="49" charset="0"/>
                 <a:cs typeface="Courier New" panose="02070309020205020404" pitchFamily="49" charset="0"/>
               </a:rPr>
-              <a:t>= "</a:t>
-            </a:r>
-            <a:r>
-              <a:rPr lang="en-GB" dirty="0" smtClean="0">
+              <a:t>10</a:t>
+            </a:r>
+          </a:p>
+          <a:p>
+            <a:r>
+              <a:rPr lang="en" sz="2400" b="1" dirty="0" smtClean="0"/>
+              <a:t>Float</a:t>
+            </a:r>
+          </a:p>
+          <a:p>
+            <a:pPr lvl="1">
+              <a:buFont typeface="Courier New" panose="02070309020205020404" pitchFamily="49" charset="0"/>
+              <a:buChar char="o"/>
+            </a:pPr>
+            <a:r>
+              <a:rPr lang="en-US" sz="2400" dirty="0">
                 <a:latin typeface="Courier New" panose="02070309020205020404" pitchFamily="49" charset="0"/>
                 <a:cs typeface="Courier New" panose="02070309020205020404" pitchFamily="49" charset="0"/>
               </a:rPr>
-              <a:t>John"</a:t>
-            </a:r>
-          </a:p>
-          <a:p>
-            <a:pPr marL="0" indent="0">
-              <a:buNone/>
-            </a:pPr>
-            <a:r>
-              <a:rPr lang="en-GB" dirty="0" err="1" smtClean="0">
+              <a:t>p</a:t>
+            </a:r>
+            <a:r>
+              <a:rPr lang="en" sz="2400" dirty="0" smtClean="0">
                 <a:latin typeface="Courier New" panose="02070309020205020404" pitchFamily="49" charset="0"/>
                 <a:cs typeface="Courier New" panose="02070309020205020404" pitchFamily="49" charset="0"/>
               </a:rPr>
-              <a:t>firstname.upper</a:t>
-            </a:r>
-            <a:r>
-              <a:rPr lang="en-GB" dirty="0" smtClean="0">
+              <a:t>i = </a:t>
+            </a:r>
+            <a:r>
+              <a:rPr lang="en" sz="2400" b="1" dirty="0" smtClean="0">
                 <a:latin typeface="Courier New" panose="02070309020205020404" pitchFamily="49" charset="0"/>
                 <a:cs typeface="Courier New" panose="02070309020205020404" pitchFamily="49" charset="0"/>
               </a:rPr>
-              <a:t>()</a:t>
-            </a:r>
-          </a:p>
-          <a:p>
-            <a:pPr marL="0" indent="0">
-              <a:buNone/>
-            </a:pPr>
-            <a:r>
-              <a:rPr lang="en-GB" dirty="0" err="1" smtClean="0">
+              <a:t>3.14</a:t>
+            </a:r>
+          </a:p>
+          <a:p>
+            <a:r>
+              <a:rPr lang="en" sz="2400" b="1" dirty="0" smtClean="0"/>
+              <a:t>Boolean</a:t>
+            </a:r>
+          </a:p>
+          <a:p>
+            <a:pPr lvl="1">
+              <a:buFont typeface="Courier New" panose="02070309020205020404" pitchFamily="49" charset="0"/>
+              <a:buChar char="o"/>
+            </a:pPr>
+            <a:r>
+              <a:rPr lang="en-US" sz="2400" dirty="0" smtClean="0">
                 <a:latin typeface="Courier New" panose="02070309020205020404" pitchFamily="49" charset="0"/>
                 <a:cs typeface="Courier New" panose="02070309020205020404" pitchFamily="49" charset="0"/>
               </a:rPr>
-              <a:t>firstname.lower</a:t>
-            </a:r>
-            <a:r>
-              <a:rPr lang="en-GB" dirty="0" smtClean="0">
+              <a:t>b</a:t>
+            </a:r>
+            <a:r>
+              <a:rPr lang="en" sz="2400" dirty="0" smtClean="0">
                 <a:latin typeface="Courier New" panose="02070309020205020404" pitchFamily="49" charset="0"/>
                 <a:cs typeface="Courier New" panose="02070309020205020404" pitchFamily="49" charset="0"/>
               </a:rPr>
-              <a:t>()</a:t>
-            </a:r>
-          </a:p>
-        </p:txBody>
-      </p:sp>
-      <p:pic>
-        <p:nvPicPr>
-          <p:cNvPr id="6" name="Picture 5"/>
-          <p:cNvPicPr>
-            <a:picLocks noChangeAspect="1"/>
-          </p:cNvPicPr>
-          <p:nvPr/>
-        </p:nvPicPr>
-        <p:blipFill>
-          <a:blip r:embed="rId2"/>
-          <a:stretch>
-            <a:fillRect/>
-          </a:stretch>
-        </p:blipFill>
-        <p:spPr>
-          <a:xfrm>
-            <a:off x="3883239" y="2574840"/>
-            <a:ext cx="3305175" cy="1790700"/>
-          </a:xfrm>
-          <a:prstGeom prst="rect">
-            <a:avLst/>
-          </a:prstGeom>
-        </p:spPr>
-      </p:pic>
+              <a:t>ilingual = </a:t>
+            </a:r>
+            <a:r>
+              <a:rPr lang="en" sz="2400" b="1" dirty="0" smtClean="0">
+                <a:latin typeface="Courier New" panose="02070309020205020404" pitchFamily="49" charset="0"/>
+                <a:cs typeface="Courier New" panose="02070309020205020404" pitchFamily="49" charset="0"/>
+              </a:rPr>
+              <a:t>True</a:t>
+            </a:r>
+          </a:p>
+          <a:p>
+            <a:pPr lvl="1">
+              <a:buFont typeface="Courier New" panose="02070309020205020404" pitchFamily="49" charset="0"/>
+              <a:buChar char="o"/>
+            </a:pPr>
+            <a:r>
+              <a:rPr lang="en" sz="2400" dirty="0" smtClean="0">
+                <a:latin typeface="Courier New" panose="02070309020205020404" pitchFamily="49" charset="0"/>
+                <a:cs typeface="Courier New" panose="02070309020205020404" pitchFamily="49" charset="0"/>
+              </a:rPr>
+              <a:t>or bilingual = </a:t>
+            </a:r>
+            <a:r>
+              <a:rPr lang="en" sz="2400" b="1" dirty="0" smtClean="0">
+                <a:latin typeface="Courier New" panose="02070309020205020404" pitchFamily="49" charset="0"/>
+                <a:cs typeface="Courier New" panose="02070309020205020404" pitchFamily="49" charset="0"/>
+              </a:rPr>
+              <a:t>1</a:t>
+            </a:r>
+            <a:r>
+              <a:rPr lang="en" sz="2400" dirty="0" smtClean="0">
+                <a:latin typeface="Courier New" panose="02070309020205020404" pitchFamily="49" charset="0"/>
+                <a:cs typeface="Courier New" panose="02070309020205020404" pitchFamily="49" charset="0"/>
+              </a:rPr>
+              <a:t> </a:t>
+            </a:r>
+            <a:r>
+              <a:rPr lang="en" sz="2400" dirty="0" smtClean="0"/>
+              <a:t>(in some languages </a:t>
+            </a:r>
+            <a:r>
+              <a:rPr lang="en-US" sz="2400" dirty="0" smtClean="0"/>
+              <a:t>is valid)</a:t>
+            </a:r>
+          </a:p>
+          <a:p>
+            <a:r>
+              <a:rPr lang="en-GB" sz="2400" b="1" dirty="0" smtClean="0"/>
+              <a:t>Char</a:t>
+            </a:r>
+          </a:p>
+          <a:p>
+            <a:pPr lvl="1">
+              <a:buFont typeface="Courier New" panose="02070309020205020404" pitchFamily="49" charset="0"/>
+              <a:buChar char="o"/>
+            </a:pPr>
+            <a:r>
+              <a:rPr lang="en" sz="2400" dirty="0" smtClean="0">
+                <a:latin typeface="Courier New" panose="02070309020205020404" pitchFamily="49" charset="0"/>
+                <a:ea typeface="Courier New"/>
+                <a:cs typeface="Courier New" panose="02070309020205020404" pitchFamily="49" charset="0"/>
+                <a:sym typeface="Courier New"/>
+              </a:rPr>
+              <a:t>initial </a:t>
+            </a:r>
+            <a:r>
+              <a:rPr lang="en" sz="2400" dirty="0">
+                <a:latin typeface="Courier New" panose="02070309020205020404" pitchFamily="49" charset="0"/>
+                <a:ea typeface="Courier New"/>
+                <a:cs typeface="Courier New" panose="02070309020205020404" pitchFamily="49" charset="0"/>
+                <a:sym typeface="Courier New"/>
+              </a:rPr>
+              <a:t>= </a:t>
+            </a:r>
+            <a:r>
+              <a:rPr lang="en" sz="2400" b="1" dirty="0">
+                <a:latin typeface="Courier New"/>
+                <a:ea typeface="Courier New"/>
+                <a:cs typeface="Courier New"/>
+                <a:sym typeface="Courier New"/>
+              </a:rPr>
+              <a:t>"</a:t>
+            </a:r>
+            <a:r>
+              <a:rPr lang="en" sz="2400" b="1" dirty="0" smtClean="0">
+                <a:latin typeface="Courier New" panose="02070309020205020404" pitchFamily="49" charset="0"/>
+                <a:ea typeface="Courier New"/>
+                <a:cs typeface="Courier New" panose="02070309020205020404" pitchFamily="49" charset="0"/>
+                <a:sym typeface="Courier New"/>
+              </a:rPr>
+              <a:t>M</a:t>
+            </a:r>
+            <a:r>
+              <a:rPr lang="en" sz="2400" b="1" dirty="0">
+                <a:latin typeface="Courier New"/>
+                <a:ea typeface="Courier New"/>
+                <a:cs typeface="Courier New"/>
+                <a:sym typeface="Courier New"/>
+              </a:rPr>
+              <a:t>"</a:t>
+            </a:r>
+            <a:r>
+              <a:rPr lang="en" sz="2400" b="1" dirty="0" smtClean="0">
+                <a:latin typeface="Courier New" panose="02070309020205020404" pitchFamily="49" charset="0"/>
+                <a:ea typeface="Courier New"/>
+                <a:cs typeface="Courier New" panose="02070309020205020404" pitchFamily="49" charset="0"/>
+                <a:sym typeface="Courier New"/>
+              </a:rPr>
+              <a:t>  </a:t>
+            </a:r>
+            <a:r>
+              <a:rPr lang="en" sz="2400" dirty="0">
+                <a:latin typeface="Courier New" panose="02070309020205020404" pitchFamily="49" charset="0"/>
+                <a:ea typeface="Courier New"/>
+                <a:cs typeface="Courier New" panose="02070309020205020404" pitchFamily="49" charset="0"/>
+                <a:sym typeface="Courier New"/>
+              </a:rPr>
+              <a:t>… number = </a:t>
+            </a:r>
+            <a:r>
+              <a:rPr lang="en" sz="2400" b="1" dirty="0">
+                <a:latin typeface="Courier New"/>
+                <a:ea typeface="Courier New"/>
+                <a:cs typeface="Courier New"/>
+                <a:sym typeface="Courier New"/>
+              </a:rPr>
+              <a:t>"</a:t>
+            </a:r>
+            <a:r>
+              <a:rPr lang="en" sz="2400" b="1" dirty="0" smtClean="0">
+                <a:latin typeface="Courier New" panose="02070309020205020404" pitchFamily="49" charset="0"/>
+                <a:ea typeface="Courier New"/>
+                <a:cs typeface="Courier New" panose="02070309020205020404" pitchFamily="49" charset="0"/>
+                <a:sym typeface="Courier New"/>
+              </a:rPr>
+              <a:t>1</a:t>
+            </a:r>
+            <a:r>
+              <a:rPr lang="en" sz="2400" b="1" dirty="0">
+                <a:latin typeface="Courier New"/>
+                <a:ea typeface="Courier New"/>
+                <a:cs typeface="Courier New"/>
+                <a:sym typeface="Courier New"/>
+              </a:rPr>
+              <a:t>"</a:t>
+            </a:r>
+            <a:endParaRPr lang="en" sz="2400" b="1" dirty="0" smtClean="0">
+              <a:latin typeface="Courier New" panose="02070309020205020404" pitchFamily="49" charset="0"/>
+              <a:ea typeface="Courier New"/>
+              <a:cs typeface="Courier New" panose="02070309020205020404" pitchFamily="49" charset="0"/>
+              <a:sym typeface="Courier New"/>
+            </a:endParaRPr>
+          </a:p>
+          <a:p>
+            <a:r>
+              <a:rPr lang="en-GB" sz="2400" b="1" dirty="0" smtClean="0"/>
+              <a:t>String</a:t>
+            </a:r>
+          </a:p>
+          <a:p>
+            <a:pPr lvl="1">
+              <a:buFont typeface="Courier New" panose="02070309020205020404" pitchFamily="49" charset="0"/>
+              <a:buChar char="o"/>
+            </a:pPr>
+            <a:r>
+              <a:rPr lang="en" sz="2400" dirty="0" smtClean="0">
+                <a:latin typeface="Courier New" panose="02070309020205020404" pitchFamily="49" charset="0"/>
+                <a:ea typeface="Courier New"/>
+                <a:cs typeface="Courier New" panose="02070309020205020404" pitchFamily="49" charset="0"/>
+                <a:sym typeface="Courier New"/>
+              </a:rPr>
+              <a:t>first_name </a:t>
+            </a:r>
+            <a:r>
+              <a:rPr lang="en" sz="2400" dirty="0">
+                <a:latin typeface="Courier New" panose="02070309020205020404" pitchFamily="49" charset="0"/>
+                <a:ea typeface="Courier New"/>
+                <a:cs typeface="Courier New" panose="02070309020205020404" pitchFamily="49" charset="0"/>
+                <a:sym typeface="Courier New"/>
+              </a:rPr>
+              <a:t>= </a:t>
+            </a:r>
+            <a:r>
+              <a:rPr lang="en" sz="2400" b="1" dirty="0">
+                <a:latin typeface="Courier New"/>
+                <a:ea typeface="Courier New"/>
+                <a:cs typeface="Courier New"/>
+                <a:sym typeface="Courier New"/>
+              </a:rPr>
+              <a:t>"</a:t>
+            </a:r>
+            <a:r>
+              <a:rPr lang="en" sz="2400" b="1" dirty="0" smtClean="0">
+                <a:latin typeface="Courier New" panose="02070309020205020404" pitchFamily="49" charset="0"/>
+                <a:ea typeface="Courier New"/>
+                <a:cs typeface="Courier New" panose="02070309020205020404" pitchFamily="49" charset="0"/>
+                <a:sym typeface="Courier New"/>
+              </a:rPr>
+              <a:t>John</a:t>
+            </a:r>
+            <a:r>
+              <a:rPr lang="en" sz="2400" b="1" dirty="0">
+                <a:latin typeface="Courier New"/>
+                <a:ea typeface="Courier New"/>
+                <a:cs typeface="Courier New"/>
+                <a:sym typeface="Courier New"/>
+              </a:rPr>
+              <a:t>"</a:t>
+            </a:r>
+            <a:endParaRPr lang="en" sz="2400" b="1" dirty="0" smtClean="0">
+              <a:latin typeface="Courier New" panose="02070309020205020404" pitchFamily="49" charset="0"/>
+              <a:ea typeface="Courier New"/>
+              <a:cs typeface="Courier New" panose="02070309020205020404" pitchFamily="49" charset="0"/>
+              <a:sym typeface="Courier New"/>
+            </a:endParaRPr>
+          </a:p>
+          <a:p>
+            <a:pPr lvl="1">
+              <a:buFont typeface="Courier New" panose="02070309020205020404" pitchFamily="49" charset="0"/>
+              <a:buChar char="o"/>
+            </a:pPr>
+            <a:r>
+              <a:rPr lang="en" sz="2400" dirty="0" smtClean="0">
+                <a:latin typeface="Courier New" panose="02070309020205020404" pitchFamily="49" charset="0"/>
+                <a:ea typeface="Courier New"/>
+                <a:cs typeface="Courier New" panose="02070309020205020404" pitchFamily="49" charset="0"/>
+                <a:sym typeface="Courier New"/>
+              </a:rPr>
+              <a:t>phone_number </a:t>
+            </a:r>
+            <a:r>
+              <a:rPr lang="en" sz="2400" dirty="0">
+                <a:latin typeface="Courier New" panose="02070309020205020404" pitchFamily="49" charset="0"/>
+                <a:ea typeface="Courier New"/>
+                <a:cs typeface="Courier New" panose="02070309020205020404" pitchFamily="49" charset="0"/>
+                <a:sym typeface="Courier New"/>
+              </a:rPr>
+              <a:t>= </a:t>
+            </a:r>
+            <a:r>
+              <a:rPr lang="en" sz="2400" b="1" dirty="0">
+                <a:latin typeface="Courier New"/>
+                <a:ea typeface="Courier New"/>
+                <a:cs typeface="Courier New"/>
+                <a:sym typeface="Courier New"/>
+              </a:rPr>
+              <a:t>"</a:t>
+            </a:r>
+            <a:r>
+              <a:rPr lang="en" sz="2400" b="1" dirty="0" smtClean="0">
+                <a:latin typeface="Courier New" panose="02070309020205020404" pitchFamily="49" charset="0"/>
+                <a:ea typeface="Courier New"/>
+                <a:cs typeface="Courier New" panose="02070309020205020404" pitchFamily="49" charset="0"/>
+                <a:sym typeface="Courier New"/>
+              </a:rPr>
+              <a:t>+</a:t>
+            </a:r>
+            <a:r>
+              <a:rPr lang="en" sz="2400" b="1" dirty="0">
+                <a:latin typeface="Courier New" panose="02070309020205020404" pitchFamily="49" charset="0"/>
+                <a:ea typeface="Courier New"/>
+                <a:cs typeface="Courier New" panose="02070309020205020404" pitchFamily="49" charset="0"/>
+                <a:sym typeface="Courier New"/>
+              </a:rPr>
+              <a:t>44 01227 </a:t>
+            </a:r>
+            <a:r>
+              <a:rPr lang="en" sz="2400" b="1" dirty="0" smtClean="0">
+                <a:latin typeface="Courier New" panose="02070309020205020404" pitchFamily="49" charset="0"/>
+                <a:ea typeface="Courier New"/>
+                <a:cs typeface="Courier New" panose="02070309020205020404" pitchFamily="49" charset="0"/>
+                <a:sym typeface="Courier New"/>
+              </a:rPr>
+              <a:t>888999</a:t>
+            </a:r>
+            <a:r>
+              <a:rPr lang="en" sz="2400" b="1" dirty="0">
+                <a:latin typeface="Courier New"/>
+                <a:ea typeface="Courier New"/>
+                <a:cs typeface="Courier New"/>
+                <a:sym typeface="Courier New"/>
+              </a:rPr>
+              <a:t>"</a:t>
+            </a:r>
+            <a:r>
+              <a:rPr lang="en" sz="2400" b="1" dirty="0" smtClean="0">
+                <a:latin typeface="Courier New" panose="02070309020205020404" pitchFamily="49" charset="0"/>
+                <a:ea typeface="Courier New"/>
+                <a:cs typeface="Courier New" panose="02070309020205020404" pitchFamily="49" charset="0"/>
+                <a:sym typeface="Courier New"/>
+              </a:rPr>
+              <a:t> </a:t>
+            </a:r>
+            <a:endParaRPr lang="en" sz="2400" b="1" dirty="0">
+              <a:latin typeface="Courier New" panose="02070309020205020404" pitchFamily="49" charset="0"/>
+              <a:ea typeface="Courier New"/>
+              <a:cs typeface="Courier New" panose="02070309020205020404" pitchFamily="49" charset="0"/>
+              <a:sym typeface="Courier New"/>
+            </a:endParaRPr>
+          </a:p>
+        </p:txBody>
+      </p:sp>
     </p:spTree>
     <p:extLst>
       <p:ext uri="{BB962C8B-B14F-4D97-AF65-F5344CB8AC3E}">
-        <p14:creationId xmlns:p14="http://schemas.microsoft.com/office/powerpoint/2010/main" val="1244969016"/>
+        <p14:creationId xmlns:p14="http://schemas.microsoft.com/office/powerpoint/2010/main" val="1563197427"/>
       </p:ext>
     </p:extLst>
   </p:cSld>
@@ -7652,37 +7954,14 @@
         </p:nvSpPr>
         <p:spPr/>
         <p:txBody>
-          <a:bodyPr>
-            <a:normAutofit fontScale="90000"/>
-          </a:bodyPr>
+          <a:bodyPr/>
           <a:lstStyle/>
           <a:p>
             <a:r>
               <a:rPr lang="en-GB" dirty="0" smtClean="0"/>
-              <a:t>Exercise 2:</a:t>
-            </a:r>
-            <a:br>
-              <a:rPr lang="en-GB" dirty="0" smtClean="0"/>
-            </a:br>
-            <a:r>
-              <a:rPr lang="en-GB" dirty="0" smtClean="0">
-                <a:solidFill>
-                  <a:schemeClr val="accent1">
-                    <a:lumMod val="60000"/>
-                    <a:lumOff val="40000"/>
-                  </a:schemeClr>
-                </a:solidFill>
-              </a:rPr>
-              <a:t>Using snippets of code in Builder</a:t>
-            </a:r>
-            <a:endParaRPr lang="en-US" dirty="0">
-              <a:solidFill>
-                <a:schemeClr val="accent1">
-                  <a:lumMod val="60000"/>
-                  <a:lumOff val="40000"/>
-                </a:schemeClr>
-              </a:solidFill>
-            </a:endParaRPr>
+              <a:t>Working with variables</a:t>
+            </a:r>
+            <a:endParaRPr lang="en-US" dirty="0"/>
           </a:p>
         </p:txBody>
       </p:sp>
@@ -7699,35 +7978,182 @@
         <p:spPr/>
         <p:txBody>
           <a:bodyPr>
-            <a:normAutofit fontScale="92500" lnSpcReduction="10000"/>
+            <a:normAutofit/>
           </a:bodyPr>
           <a:lstStyle/>
           <a:p>
-            <a:pPr marL="0" indent="0">
-              <a:buNone/>
-            </a:pPr>
+            <a:pPr marL="88900" lvl="0" indent="0">
+              <a:buClr>
+                <a:schemeClr val="dk1"/>
+              </a:buClr>
+              <a:buSzPct val="166666"/>
+              <a:buNone/>
+            </a:pPr>
+            <a:endParaRPr lang="en" dirty="0" smtClean="0"/>
+          </a:p>
+          <a:p>
             <a:r>
               <a:rPr lang="en-GB" dirty="0" smtClean="0"/>
-              <a:t>Open up </a:t>
-            </a:r>
-            <a:r>
-              <a:rPr lang="en-GB" dirty="0" smtClean="0">
+              <a:t>You can change the contents of a variable:</a:t>
+            </a:r>
+            <a:endParaRPr lang="en-GB" b="1" dirty="0" smtClean="0"/>
+          </a:p>
+          <a:p>
+            <a:pPr lvl="1">
+              <a:buFont typeface="Courier New" panose="02070309020205020404" pitchFamily="49" charset="0"/>
+              <a:buChar char="o"/>
+            </a:pPr>
+            <a:r>
+              <a:rPr lang="en-GB" sz="1800" dirty="0" smtClean="0">
                 <a:latin typeface="Courier New" panose="02070309020205020404" pitchFamily="49" charset="0"/>
                 <a:cs typeface="Courier New" panose="02070309020205020404" pitchFamily="49" charset="0"/>
               </a:rPr>
-              <a:t>ex2-code-blocks/</a:t>
-            </a:r>
-            <a:r>
-              <a:rPr lang="en-GB" dirty="0" err="1" smtClean="0">
+              <a:t>age = 10</a:t>
+            </a:r>
+          </a:p>
+          <a:p>
+            <a:pPr lvl="1">
+              <a:buFont typeface="Courier New" panose="02070309020205020404" pitchFamily="49" charset="0"/>
+              <a:buChar char="o"/>
+            </a:pPr>
+            <a:r>
+              <a:rPr lang="en-GB" sz="1800" dirty="0" smtClean="0">
                 <a:latin typeface="Courier New" panose="02070309020205020404" pitchFamily="49" charset="0"/>
                 <a:cs typeface="Courier New" panose="02070309020205020404" pitchFamily="49" charset="0"/>
               </a:rPr>
-              <a:t>experiment.psyexp</a:t>
-            </a:r>
+              <a:t>age = 15</a:t>
+            </a:r>
+          </a:p>
+          <a:p>
             <a:r>
               <a:rPr lang="en-GB" dirty="0" smtClean="0"/>
-              <a:t> and spend </a:t>
-            </a:r>
+              <a:t>Can use in calculations, concatenations (joining), loops and more…</a:t>
+            </a:r>
+          </a:p>
+          <a:p>
+            <a:pPr lvl="1">
+              <a:buFont typeface="Courier New" panose="02070309020205020404" pitchFamily="49" charset="0"/>
+              <a:buChar char="o"/>
+            </a:pPr>
+            <a:r>
+              <a:rPr lang="en-GB" sz="1800" dirty="0">
+                <a:latin typeface="Courier New" panose="02070309020205020404" pitchFamily="49" charset="0"/>
+                <a:cs typeface="Courier New" panose="02070309020205020404" pitchFamily="49" charset="0"/>
+              </a:rPr>
+              <a:t>a</a:t>
+            </a:r>
+            <a:r>
+              <a:rPr lang="en-GB" sz="1800" dirty="0" smtClean="0">
+                <a:latin typeface="Courier New" panose="02070309020205020404" pitchFamily="49" charset="0"/>
+                <a:cs typeface="Courier New" panose="02070309020205020404" pitchFamily="49" charset="0"/>
+              </a:rPr>
+              <a:t>ge = age + 5</a:t>
+            </a:r>
+          </a:p>
+          <a:p>
+            <a:pPr lvl="1">
+              <a:buFont typeface="Courier New" panose="02070309020205020404" pitchFamily="49" charset="0"/>
+              <a:buChar char="o"/>
+            </a:pPr>
+            <a:r>
+              <a:rPr lang="en-GB" sz="1800" dirty="0" err="1">
+                <a:latin typeface="Courier New" panose="02070309020205020404" pitchFamily="49" charset="0"/>
+                <a:cs typeface="Courier New" panose="02070309020205020404" pitchFamily="49" charset="0"/>
+              </a:rPr>
+              <a:t>f</a:t>
+            </a:r>
+            <a:r>
+              <a:rPr lang="en-GB" sz="1800" dirty="0" err="1" smtClean="0">
+                <a:latin typeface="Courier New" panose="02070309020205020404" pitchFamily="49" charset="0"/>
+                <a:cs typeface="Courier New" panose="02070309020205020404" pitchFamily="49" charset="0"/>
+              </a:rPr>
+              <a:t>irst_name</a:t>
+            </a:r>
+            <a:r>
+              <a:rPr lang="en-GB" sz="1800" dirty="0" smtClean="0">
+                <a:latin typeface="Courier New" panose="02070309020205020404" pitchFamily="49" charset="0"/>
+                <a:cs typeface="Courier New" panose="02070309020205020404" pitchFamily="49" charset="0"/>
+              </a:rPr>
+              <a:t> = </a:t>
+            </a:r>
+            <a:r>
+              <a:rPr lang="en-GB" sz="1800" dirty="0">
+                <a:latin typeface="Courier New" panose="02070309020205020404" pitchFamily="49" charset="0"/>
+                <a:cs typeface="Courier New" panose="02070309020205020404" pitchFamily="49" charset="0"/>
+              </a:rPr>
+              <a:t>"Frank</a:t>
+            </a:r>
+            <a:r>
+              <a:rPr lang="en-GB" sz="1800" dirty="0" smtClean="0">
+                <a:latin typeface="Courier New" panose="02070309020205020404" pitchFamily="49" charset="0"/>
+                <a:cs typeface="Courier New" panose="02070309020205020404" pitchFamily="49" charset="0"/>
+              </a:rPr>
+              <a:t>"</a:t>
+            </a:r>
+          </a:p>
+          <a:p>
+            <a:pPr lvl="1">
+              <a:buFont typeface="Courier New" panose="02070309020205020404" pitchFamily="49" charset="0"/>
+              <a:buChar char="o"/>
+            </a:pPr>
+            <a:r>
+              <a:rPr lang="en-GB" sz="1800" dirty="0" err="1" smtClean="0">
+                <a:latin typeface="Courier New" panose="02070309020205020404" pitchFamily="49" charset="0"/>
+                <a:cs typeface="Courier New" panose="02070309020205020404" pitchFamily="49" charset="0"/>
+              </a:rPr>
+              <a:t>Full_name</a:t>
+            </a:r>
+            <a:r>
+              <a:rPr lang="en-GB" sz="1800" dirty="0" smtClean="0">
+                <a:latin typeface="Courier New" panose="02070309020205020404" pitchFamily="49" charset="0"/>
+                <a:cs typeface="Courier New" panose="02070309020205020404" pitchFamily="49" charset="0"/>
+              </a:rPr>
+              <a:t> = </a:t>
+            </a:r>
+            <a:r>
+              <a:rPr lang="en-GB" sz="1800" dirty="0" err="1" smtClean="0">
+                <a:latin typeface="Courier New" panose="02070309020205020404" pitchFamily="49" charset="0"/>
+                <a:cs typeface="Courier New" panose="02070309020205020404" pitchFamily="49" charset="0"/>
+              </a:rPr>
+              <a:t>first_name</a:t>
+            </a:r>
+            <a:r>
+              <a:rPr lang="en-GB" sz="1800" dirty="0" smtClean="0">
+                <a:latin typeface="Courier New" panose="02070309020205020404" pitchFamily="49" charset="0"/>
+                <a:cs typeface="Courier New" panose="02070309020205020404" pitchFamily="49" charset="0"/>
+              </a:rPr>
+              <a:t> </a:t>
+            </a:r>
+            <a:r>
+              <a:rPr lang="en-GB" sz="1800" dirty="0">
+                <a:latin typeface="Courier New" panose="02070309020205020404" pitchFamily="49" charset="0"/>
+                <a:cs typeface="Courier New" panose="02070309020205020404" pitchFamily="49" charset="0"/>
+              </a:rPr>
+              <a:t>+ " </a:t>
+            </a:r>
+            <a:r>
+              <a:rPr lang="en-GB" sz="1800" dirty="0" err="1" smtClean="0">
+                <a:latin typeface="Courier New" panose="02070309020205020404" pitchFamily="49" charset="0"/>
+                <a:cs typeface="Courier New" panose="02070309020205020404" pitchFamily="49" charset="0"/>
+              </a:rPr>
+              <a:t>Gasking</a:t>
+            </a:r>
+            <a:r>
+              <a:rPr lang="en-GB" sz="1800" dirty="0" smtClean="0">
+                <a:latin typeface="Courier New" panose="02070309020205020404" pitchFamily="49" charset="0"/>
+                <a:cs typeface="Courier New" panose="02070309020205020404" pitchFamily="49" charset="0"/>
+              </a:rPr>
+              <a:t>“</a:t>
+            </a:r>
+          </a:p>
+          <a:p>
+            <a:pPr marL="0" indent="0">
+              <a:buNone/>
+            </a:pPr>
+            <a:endParaRPr lang="en-GB" sz="2000" dirty="0" smtClean="0">
+              <a:latin typeface="Courier New" panose="02070309020205020404" pitchFamily="49" charset="0"/>
+              <a:cs typeface="Courier New" panose="02070309020205020404" pitchFamily="49" charset="0"/>
+            </a:endParaRPr>
           </a:p>
           <a:p>
             <a:pPr marL="0" indent="0">
@@ -7739,259 +8165,65 @@
                   <a:srgbClr val="FF0000"/>
                 </a:solidFill>
               </a:rPr>
-              <a:t>5 minutes </a:t>
-            </a:r>
+              <a:t>Important:</a:t>
+            </a:r>
+          </a:p>
+          <a:p>
+            <a:pPr marL="0" indent="0">
+              <a:buNone/>
+            </a:pPr>
+            <a:endParaRPr lang="en-GB" dirty="0" smtClean="0">
+              <a:solidFill>
+                <a:srgbClr val="FF0000"/>
+              </a:solidFill>
+            </a:endParaRPr>
+          </a:p>
+          <a:p>
             <a:r>
               <a:rPr lang="en-GB" dirty="0" smtClean="0"/>
-              <a:t>by doing the following:</a:t>
-            </a:r>
-          </a:p>
-          <a:p>
-            <a:pPr marL="0" indent="0">
-              <a:buNone/>
-            </a:pPr>
-            <a:endParaRPr lang="en-GB" dirty="0"/>
+              <a:t>Give variables meaningful names</a:t>
+            </a:r>
           </a:p>
           <a:p>
             <a:r>
               <a:rPr lang="en-GB" dirty="0" smtClean="0"/>
-              <a:t>Run it first and see what happens</a:t>
-            </a:r>
-          </a:p>
-          <a:p>
-            <a:pPr marL="0" indent="0">
-              <a:buNone/>
-            </a:pPr>
-            <a:endParaRPr lang="en-GB" dirty="0" smtClean="0"/>
-          </a:p>
-          <a:p>
-            <a:pPr marL="0" indent="0">
-              <a:buNone/>
-            </a:pPr>
-            <a:r>
-              <a:rPr lang="en-GB" b="1" dirty="0" smtClean="0"/>
-              <a:t>Where are the numbers coming from for the calculation?</a:t>
-            </a:r>
-          </a:p>
-          <a:p>
-            <a:pPr marL="0" indent="0">
-              <a:buNone/>
-            </a:pPr>
-            <a:endParaRPr lang="en-GB" dirty="0" smtClean="0"/>
-          </a:p>
-          <a:p>
-            <a:r>
-              <a:rPr lang="en-GB" dirty="0" smtClean="0"/>
-              <a:t>Look at the </a:t>
-            </a:r>
-            <a:r>
-              <a:rPr lang="en-GB" dirty="0" smtClean="0">
+              <a:t>No spaces in variables (ever!) – use </a:t>
+            </a:r>
+            <a:r>
+              <a:rPr lang="en-GB" dirty="0">
                 <a:latin typeface="Courier New" panose="02070309020205020404" pitchFamily="49" charset="0"/>
                 <a:cs typeface="Courier New" panose="02070309020205020404" pitchFamily="49" charset="0"/>
               </a:rPr>
-              <a:t>“trial” </a:t>
+              <a:t>"_"</a:t>
             </a:r>
             <a:r>
               <a:rPr lang="en-GB" dirty="0" smtClean="0"/>
-              <a:t>routine</a:t>
-            </a:r>
-          </a:p>
-          <a:p>
-            <a:pPr lvl="1">
-              <a:buFont typeface="Courier New" panose="02070309020205020404" pitchFamily="49" charset="0"/>
-              <a:buChar char="o"/>
-            </a:pPr>
-            <a:r>
-              <a:rPr lang="en-GB" sz="1800" dirty="0" smtClean="0"/>
-              <a:t>Click onto the code block called </a:t>
-            </a:r>
-            <a:r>
-              <a:rPr lang="en-GB" sz="1800" dirty="0" smtClean="0">
+              <a:t> or </a:t>
+            </a:r>
+            <a:r>
+              <a:rPr lang="en-GB" dirty="0">
                 <a:latin typeface="Courier New" panose="02070309020205020404" pitchFamily="49" charset="0"/>
                 <a:cs typeface="Courier New" panose="02070309020205020404" pitchFamily="49" charset="0"/>
               </a:rPr>
-              <a:t>“calculation”</a:t>
-            </a:r>
-          </a:p>
-          <a:p>
-            <a:pPr lvl="1">
-              <a:buFont typeface="Courier New" panose="02070309020205020404" pitchFamily="49" charset="0"/>
-              <a:buChar char="o"/>
-            </a:pPr>
-            <a:r>
-              <a:rPr lang="en-GB" sz="1800" dirty="0"/>
-              <a:t>T</a:t>
-            </a:r>
-            <a:r>
-              <a:rPr lang="en-GB" sz="1800" dirty="0" smtClean="0"/>
-              <a:t>hen the </a:t>
-            </a:r>
-            <a:r>
-              <a:rPr lang="en-GB" sz="1800" dirty="0" smtClean="0">
-                <a:latin typeface="Courier New" panose="02070309020205020404" pitchFamily="49" charset="0"/>
-                <a:cs typeface="Courier New" panose="02070309020205020404" pitchFamily="49" charset="0"/>
-              </a:rPr>
-              <a:t>“Begin routine” </a:t>
-            </a:r>
-            <a:r>
-              <a:rPr lang="en-GB" sz="1800" dirty="0" smtClean="0"/>
-              <a:t>tab</a:t>
-            </a:r>
-          </a:p>
-          <a:p>
-            <a:pPr lvl="1">
-              <a:buFont typeface="Courier New" panose="02070309020205020404" pitchFamily="49" charset="0"/>
-              <a:buChar char="o"/>
-            </a:pPr>
-            <a:r>
-              <a:rPr lang="en-GB" sz="1800" dirty="0" smtClean="0"/>
-              <a:t>See how the calculation is being done</a:t>
-            </a:r>
-          </a:p>
-          <a:p>
-            <a:pPr lvl="1">
-              <a:buFont typeface="Courier New" panose="02070309020205020404" pitchFamily="49" charset="0"/>
-              <a:buChar char="o"/>
-            </a:pPr>
-            <a:r>
-              <a:rPr lang="en-GB" sz="1800" dirty="0" smtClean="0"/>
-              <a:t>What is </a:t>
-            </a:r>
-            <a:r>
-              <a:rPr lang="en-GB" sz="1800" dirty="0" err="1" smtClean="0">
-                <a:latin typeface="Courier New" panose="02070309020205020404" pitchFamily="49" charset="0"/>
-                <a:cs typeface="Courier New" panose="02070309020205020404" pitchFamily="49" charset="0"/>
-              </a:rPr>
-              <a:t>int</a:t>
-            </a:r>
-            <a:r>
-              <a:rPr lang="en-GB" sz="1800" dirty="0" smtClean="0">
-                <a:latin typeface="Courier New" panose="02070309020205020404" pitchFamily="49" charset="0"/>
-                <a:cs typeface="Courier New" panose="02070309020205020404" pitchFamily="49" charset="0"/>
-              </a:rPr>
-              <a:t>() </a:t>
-            </a:r>
-            <a:r>
-              <a:rPr lang="en-GB" sz="1800" dirty="0" smtClean="0"/>
-              <a:t>doing, and why do we use it?</a:t>
-            </a:r>
-          </a:p>
-          <a:p>
+              <a:t>"–"</a:t>
+            </a:r>
             <a:r>
               <a:rPr lang="en-GB" dirty="0" smtClean="0"/>
-              <a:t>How do we then print that calculation in the Text component?</a:t>
-            </a:r>
-          </a:p>
-          <a:p>
-            <a:pPr lvl="1">
-              <a:buFont typeface="Courier New" panose="02070309020205020404" pitchFamily="49" charset="0"/>
-              <a:buChar char="o"/>
-            </a:pPr>
-            <a:r>
-              <a:rPr lang="en-GB" sz="1800" dirty="0" smtClean="0"/>
-              <a:t>Open up the Text component - what is </a:t>
-            </a:r>
-            <a:r>
-              <a:rPr lang="en-GB" sz="1800" dirty="0" err="1" smtClean="0">
-                <a:latin typeface="Courier New" panose="02070309020205020404" pitchFamily="49" charset="0"/>
-                <a:cs typeface="Courier New" panose="02070309020205020404" pitchFamily="49" charset="0"/>
-              </a:rPr>
-              <a:t>str</a:t>
-            </a:r>
-            <a:r>
-              <a:rPr lang="en-GB" sz="1800" dirty="0" smtClean="0">
-                <a:latin typeface="Courier New" panose="02070309020205020404" pitchFamily="49" charset="0"/>
-                <a:cs typeface="Courier New" panose="02070309020205020404" pitchFamily="49" charset="0"/>
-              </a:rPr>
-              <a:t>() </a:t>
-            </a:r>
-            <a:r>
-              <a:rPr lang="en-GB" sz="1800" dirty="0" smtClean="0"/>
-              <a:t>doing?</a:t>
-            </a:r>
-          </a:p>
-          <a:p>
-            <a:pPr lvl="1">
-              <a:buFont typeface="Courier New" panose="02070309020205020404" pitchFamily="49" charset="0"/>
-              <a:buChar char="o"/>
-            </a:pPr>
-            <a:r>
-              <a:rPr lang="en-GB" sz="1800" dirty="0" smtClean="0"/>
-              <a:t>Remember why “text” is </a:t>
-            </a:r>
-            <a:r>
-              <a:rPr lang="en-GB" sz="1800" b="1" dirty="0" smtClean="0">
-                <a:cs typeface="Courier New" panose="02070309020205020404" pitchFamily="49" charset="0"/>
-              </a:rPr>
-              <a:t>“set every repeat”</a:t>
-            </a:r>
-            <a:r>
-              <a:rPr lang="en-GB" sz="1800" dirty="0" smtClean="0"/>
-              <a:t>?</a:t>
-            </a:r>
-          </a:p>
-          <a:p>
-            <a:pPr lvl="1"/>
-            <a:endParaRPr lang="en-GB" sz="1800" dirty="0"/>
-          </a:p>
-          <a:p>
-            <a:pPr marL="57150" indent="0">
-              <a:buNone/>
-            </a:pPr>
-            <a:r>
-              <a:rPr lang="en-GB" dirty="0" smtClean="0">
-                <a:solidFill>
-                  <a:srgbClr val="FF0000"/>
-                </a:solidFill>
-              </a:rPr>
-              <a:t>A number of new concepts we have just thrown at you there</a:t>
-            </a:r>
-          </a:p>
-          <a:p>
-            <a:pPr marL="57150" indent="0">
-              <a:buNone/>
-            </a:pPr>
-            <a:r>
-              <a:rPr lang="en-GB" dirty="0" smtClean="0">
-                <a:solidFill>
-                  <a:srgbClr val="FF0000"/>
-                </a:solidFill>
-              </a:rPr>
-              <a:t>- without warning!</a:t>
-            </a:r>
-          </a:p>
-          <a:p>
-            <a:pPr marL="57150" indent="0">
+              <a:t> if you must.</a:t>
+            </a:r>
+          </a:p>
+          <a:p>
+            <a:pPr marL="0" indent="0">
               <a:buNone/>
             </a:pPr>
             <a:endParaRPr lang="en-GB" dirty="0" smtClean="0"/>
-          </a:p>
-          <a:p>
-            <a:pPr marL="57150" indent="0">
-              <a:buNone/>
-            </a:pPr>
-            <a:r>
-              <a:rPr lang="en-GB" b="1" dirty="0" smtClean="0"/>
-              <a:t>Lets cover them briefly and some more!....</a:t>
-            </a:r>
-            <a:endParaRPr lang="en-GB" b="1" dirty="0"/>
-          </a:p>
-          <a:p>
-            <a:pPr lvl="1"/>
-            <a:endParaRPr lang="en-GB" dirty="0" smtClean="0"/>
-          </a:p>
-          <a:p>
-            <a:pPr marL="0" indent="0">
-              <a:buNone/>
-            </a:pPr>
-            <a:endParaRPr lang="en-GB" dirty="0"/>
           </a:p>
         </p:txBody>
       </p:sp>
     </p:spTree>
     <p:extLst>
       <p:ext uri="{BB962C8B-B14F-4D97-AF65-F5344CB8AC3E}">
-        <p14:creationId xmlns:p14="http://schemas.microsoft.com/office/powerpoint/2010/main" val="3769705882"/>
+        <p14:creationId xmlns:p14="http://schemas.microsoft.com/office/powerpoint/2010/main" val="1417207490"/>
       </p:ext>
     </p:extLst>
   </p:cSld>
@@ -8037,21 +8269,12 @@
         </p:nvSpPr>
         <p:spPr/>
         <p:txBody>
-          <a:bodyPr>
-            <a:normAutofit fontScale="90000"/>
-          </a:bodyPr>
+          <a:bodyPr/>
           <a:lstStyle/>
           <a:p>
             <a:r>
               <a:rPr lang="en-GB" dirty="0" smtClean="0"/>
-              <a:t>A whistle stop tour of </a:t>
-            </a:r>
-            <a:br>
-              <a:rPr lang="en-GB" dirty="0" smtClean="0"/>
-            </a:br>
-            <a:r>
-              <a:rPr lang="en-GB" dirty="0" smtClean="0"/>
-              <a:t>simple programming concepts…</a:t>
+              <a:t>Operators</a:t>
             </a:r>
             <a:endParaRPr lang="en-US" dirty="0"/>
           </a:p>
@@ -8069,59 +8292,182 @@
         </p:nvSpPr>
         <p:spPr/>
         <p:txBody>
-          <a:bodyPr/>
+          <a:bodyPr>
+            <a:normAutofit/>
+          </a:bodyPr>
           <a:lstStyle/>
           <a:p>
-            <a:pPr marL="0" indent="0">
-              <a:buNone/>
-            </a:pPr>
-            <a:r>
-              <a:rPr lang="en-GB" dirty="0" smtClean="0"/>
-              <a:t>Will give a bit of context for the use of </a:t>
-            </a:r>
-            <a:r>
-              <a:rPr lang="en-GB" dirty="0" err="1" smtClean="0">
+            <a:pPr marL="38100" lvl="0" indent="0">
+              <a:buClr>
+                <a:schemeClr val="dk1"/>
+              </a:buClr>
+              <a:buSzPct val="166666"/>
+              <a:buNone/>
+            </a:pPr>
+            <a:endParaRPr lang="en" dirty="0" smtClean="0"/>
+          </a:p>
+          <a:p>
+            <a:r>
+              <a:rPr lang="en" sz="2000" b="1" dirty="0" smtClean="0"/>
+              <a:t>Math</a:t>
+            </a:r>
+          </a:p>
+          <a:p>
+            <a:pPr lvl="1">
+              <a:buFont typeface="Courier New" panose="02070309020205020404" pitchFamily="49" charset="0"/>
+              <a:buChar char="o"/>
+            </a:pPr>
+            <a:r>
+              <a:rPr lang="en" sz="2000" dirty="0" smtClean="0">
                 <a:latin typeface="Courier New" panose="02070309020205020404" pitchFamily="49" charset="0"/>
                 <a:cs typeface="Courier New" panose="02070309020205020404" pitchFamily="49" charset="0"/>
               </a:rPr>
-              <a:t>int</a:t>
-            </a:r>
-            <a:r>
-              <a:rPr lang="en-GB" dirty="0" smtClean="0">
+              <a:t>+, -, *, /, mod</a:t>
+            </a:r>
+          </a:p>
+          <a:p>
+            <a:pPr lvl="1">
+              <a:buFont typeface="Courier New" panose="02070309020205020404" pitchFamily="49" charset="0"/>
+              <a:buChar char="o"/>
+            </a:pPr>
+            <a:r>
+              <a:rPr lang="en-US" sz="2000" dirty="0">
                 <a:latin typeface="Courier New" panose="02070309020205020404" pitchFamily="49" charset="0"/>
                 <a:cs typeface="Courier New" panose="02070309020205020404" pitchFamily="49" charset="0"/>
               </a:rPr>
-              <a:t>()</a:t>
-            </a:r>
-            <a:r>
-              <a:rPr lang="en-GB" dirty="0" smtClean="0"/>
-              <a:t>and </a:t>
-            </a:r>
-            <a:r>
-              <a:rPr lang="en-GB" dirty="0" err="1" smtClean="0">
+              <a:t>t</a:t>
+            </a:r>
+            <a:r>
+              <a:rPr lang="en" sz="2000" dirty="0" smtClean="0">
                 <a:latin typeface="Courier New" panose="02070309020205020404" pitchFamily="49" charset="0"/>
                 <a:cs typeface="Courier New" panose="02070309020205020404" pitchFamily="49" charset="0"/>
               </a:rPr>
-              <a:t>str</a:t>
-            </a:r>
-            <a:r>
-              <a:rPr lang="en-GB" dirty="0" smtClean="0">
+              <a:t>otal = number1 * number2</a:t>
+            </a:r>
+          </a:p>
+          <a:p>
+            <a:r>
+              <a:rPr lang="en" sz="2000" b="1" dirty="0" smtClean="0"/>
+              <a:t>Boolean (Logic)</a:t>
+            </a:r>
+          </a:p>
+          <a:p>
+            <a:pPr lvl="1">
+              <a:buFont typeface="Courier New" panose="02070309020205020404" pitchFamily="49" charset="0"/>
+              <a:buChar char="o"/>
+            </a:pPr>
+            <a:r>
+              <a:rPr lang="en" sz="2000" dirty="0" smtClean="0">
                 <a:latin typeface="Courier New" panose="02070309020205020404" pitchFamily="49" charset="0"/>
                 <a:cs typeface="Courier New" panose="02070309020205020404" pitchFamily="49" charset="0"/>
               </a:rPr>
-              <a:t>()</a:t>
-            </a:r>
-            <a:endParaRPr lang="en-US" dirty="0">
-              <a:latin typeface="Courier New" panose="02070309020205020404" pitchFamily="49" charset="0"/>
-              <a:cs typeface="Courier New" panose="02070309020205020404" pitchFamily="49" charset="0"/>
-            </a:endParaRPr>
+              <a:t>AND, OR, NOT </a:t>
+            </a:r>
+          </a:p>
+          <a:p>
+            <a:r>
+              <a:rPr lang="en" sz="2000" b="1" dirty="0" smtClean="0"/>
+              <a:t>Comparison</a:t>
+            </a:r>
+          </a:p>
+          <a:p>
+            <a:pPr lvl="1">
+              <a:buFont typeface="Courier New" panose="02070309020205020404" pitchFamily="49" charset="0"/>
+              <a:buChar char="o"/>
+            </a:pPr>
+            <a:r>
+              <a:rPr lang="en" sz="2000" dirty="0" smtClean="0">
+                <a:latin typeface="Courier New" panose="02070309020205020404" pitchFamily="49" charset="0"/>
+                <a:cs typeface="Courier New" panose="02070309020205020404" pitchFamily="49" charset="0"/>
+              </a:rPr>
+              <a:t>=, == </a:t>
+            </a:r>
+            <a:r>
+              <a:rPr lang="en" sz="2000" dirty="0" smtClean="0"/>
+              <a:t>(equivalence)</a:t>
+            </a:r>
+          </a:p>
+          <a:p>
+            <a:pPr lvl="1">
+              <a:buFont typeface="Courier New" panose="02070309020205020404" pitchFamily="49" charset="0"/>
+              <a:buChar char="o"/>
+            </a:pPr>
+            <a:r>
+              <a:rPr lang="en" sz="2000" dirty="0" smtClean="0">
+                <a:latin typeface="Courier New" panose="02070309020205020404" pitchFamily="49" charset="0"/>
+                <a:cs typeface="Courier New" panose="02070309020205020404" pitchFamily="49" charset="0"/>
+              </a:rPr>
+              <a:t>===</a:t>
+            </a:r>
+            <a:r>
+              <a:rPr lang="en" sz="2000" dirty="0" smtClean="0"/>
+              <a:t> (exact equivalence)</a:t>
+            </a:r>
+          </a:p>
+          <a:p>
+            <a:pPr lvl="1">
+              <a:buFont typeface="Courier New" panose="02070309020205020404" pitchFamily="49" charset="0"/>
+              <a:buChar char="o"/>
+            </a:pPr>
+            <a:r>
+              <a:rPr lang="en" sz="2000" dirty="0" smtClean="0">
+                <a:latin typeface="Courier New" panose="02070309020205020404" pitchFamily="49" charset="0"/>
+                <a:cs typeface="Courier New" panose="02070309020205020404" pitchFamily="49" charset="0"/>
+              </a:rPr>
+              <a:t>&lt;&gt;, != </a:t>
+            </a:r>
+            <a:r>
+              <a:rPr lang="en" sz="2000" dirty="0" smtClean="0"/>
+              <a:t>(not equivalance)</a:t>
+            </a:r>
+          </a:p>
+          <a:p>
+            <a:pPr lvl="1">
+              <a:buFont typeface="Courier New" panose="02070309020205020404" pitchFamily="49" charset="0"/>
+              <a:buChar char="o"/>
+            </a:pPr>
+            <a:r>
+              <a:rPr lang="en" sz="2000" dirty="0" smtClean="0">
+                <a:latin typeface="Courier New" panose="02070309020205020404" pitchFamily="49" charset="0"/>
+                <a:cs typeface="Courier New" panose="02070309020205020404" pitchFamily="49" charset="0"/>
+              </a:rPr>
+              <a:t>&lt;, &gt;, &lt;=, &gt;=</a:t>
+            </a:r>
+          </a:p>
+          <a:p>
+            <a:r>
+              <a:rPr lang="en" sz="2000" b="1" dirty="0" smtClean="0"/>
+              <a:t>BIDMAS/BODMAS</a:t>
+            </a:r>
+          </a:p>
+          <a:p>
+            <a:pPr lvl="1">
+              <a:buFont typeface="Courier New" panose="02070309020205020404" pitchFamily="49" charset="0"/>
+              <a:buChar char="o"/>
+            </a:pPr>
+            <a:r>
+              <a:rPr lang="en" sz="2000" dirty="0" smtClean="0">
+                <a:latin typeface="Courier New" panose="02070309020205020404" pitchFamily="49" charset="0"/>
+                <a:cs typeface="Courier New" panose="02070309020205020404" pitchFamily="49" charset="0"/>
+              </a:rPr>
+              <a:t>((1+1)+(2+2)) * 2</a:t>
+            </a:r>
+          </a:p>
+          <a:p>
+            <a:pPr marL="457200" lvl="1" indent="0">
+              <a:buNone/>
+            </a:pPr>
+            <a:endParaRPr lang="en" sz="2200" dirty="0" smtClean="0"/>
+          </a:p>
+          <a:p>
+            <a:endParaRPr lang="en-US" dirty="0"/>
           </a:p>
         </p:txBody>
       </p:sp>
     </p:spTree>
     <p:extLst>
       <p:ext uri="{BB962C8B-B14F-4D97-AF65-F5344CB8AC3E}">
-        <p14:creationId xmlns:p14="http://schemas.microsoft.com/office/powerpoint/2010/main" val="533510164"/>
+        <p14:creationId xmlns:p14="http://schemas.microsoft.com/office/powerpoint/2010/main" val="3961745253"/>
       </p:ext>
     </p:extLst>
   </p:cSld>
@@ -8136,7 +8482,7 @@
   <p:cSld>
     <p:spTree>
       <p:nvGrpSpPr>
-        <p:cNvPr id="1" name=""/>
+        <p:cNvPr id="1" name="Shape 178"/>
         <p:cNvGrpSpPr/>
         <p:nvPr/>
       </p:nvGrpSpPr>
@@ -8150,306 +8496,466 @@
       </p:grpSpPr>
       <p:sp>
         <p:nvSpPr>
-          <p:cNvPr id="2" name="Title 1"/>
-          <p:cNvSpPr>
+          <p:cNvPr id="179" name="Shape 179"/>
+          <p:cNvSpPr txBox="1">
             <a:spLocks noGrp="1"/>
           </p:cNvSpPr>
           <p:nvPr>
             <p:ph type="title"/>
           </p:nvPr>
         </p:nvSpPr>
-        <p:spPr/>
-        <p:txBody>
-          <a:bodyPr/>
-          <a:lstStyle/>
-          <a:p>
-            <a:r>
-              <a:rPr lang="en-GB" dirty="0" smtClean="0"/>
-              <a:t>Variables/attributes &amp; data types</a:t>
-            </a:r>
-            <a:endParaRPr lang="en-US" dirty="0"/>
-          </a:p>
-        </p:txBody>
-      </p:sp>
-      <p:sp>
-        <p:nvSpPr>
-          <p:cNvPr id="3" name="Text Placeholder 2"/>
-          <p:cNvSpPr>
-            <a:spLocks noGrp="1"/>
-          </p:cNvSpPr>
-          <p:nvPr>
-            <p:ph type="body" idx="1"/>
-          </p:nvPr>
-        </p:nvSpPr>
-        <p:spPr/>
-        <p:txBody>
-          <a:bodyPr>
-            <a:normAutofit/>
+        <p:spPr>
+          <a:prstGeom prst="rect">
+            <a:avLst/>
+          </a:prstGeom>
+        </p:spPr>
+        <p:txBody>
+          <a:bodyPr lIns="91425" tIns="91425" rIns="91425" bIns="91425" anchor="b" anchorCtr="0">
+            <a:noAutofit/>
           </a:bodyPr>
           <a:lstStyle/>
           <a:p>
-            <a:pPr marL="88900" lvl="0" indent="0">
+            <a:pPr lvl="0" rtl="0">
+              <a:spcBef>
+                <a:spcPts val="0"/>
+              </a:spcBef>
+              <a:buNone/>
+            </a:pPr>
+            <a:r>
+              <a:rPr lang="en" dirty="0"/>
+              <a:t>Conditional statements</a:t>
+            </a:r>
+          </a:p>
+        </p:txBody>
+      </p:sp>
+      <p:sp>
+        <p:nvSpPr>
+          <p:cNvPr id="180" name="Shape 180"/>
+          <p:cNvSpPr txBox="1">
+            <a:spLocks noGrp="1"/>
+          </p:cNvSpPr>
+          <p:nvPr>
+            <p:ph type="body" idx="1"/>
+          </p:nvPr>
+        </p:nvSpPr>
+        <p:spPr>
+          <a:prstGeom prst="rect">
+            <a:avLst/>
+          </a:prstGeom>
+        </p:spPr>
+        <p:txBody>
+          <a:bodyPr lIns="91425" tIns="91425" rIns="91425" bIns="91425" anchor="t" anchorCtr="0">
+            <a:noAutofit/>
+          </a:bodyPr>
+          <a:lstStyle/>
+          <a:p>
+            <a:r>
+              <a:rPr lang="en" dirty="0" smtClean="0"/>
+              <a:t>Used to help make decisions in your experiment</a:t>
+            </a:r>
+          </a:p>
+          <a:p>
+            <a:pPr lvl="1">
+              <a:buFont typeface="Courier New" panose="02070309020205020404" pitchFamily="49" charset="0"/>
+              <a:buChar char="o"/>
+            </a:pPr>
+            <a:r>
+              <a:rPr lang="en" dirty="0" smtClean="0"/>
+              <a:t>E.g. </a:t>
+            </a:r>
+            <a:r>
+              <a:rPr lang="en" dirty="0" smtClean="0">
+                <a:latin typeface="Courier New" panose="02070309020205020404" pitchFamily="49" charset="0"/>
+                <a:cs typeface="Courier New" panose="02070309020205020404" pitchFamily="49" charset="0"/>
+              </a:rPr>
+              <a:t>if … then … else</a:t>
+            </a:r>
+          </a:p>
+          <a:p>
+            <a:r>
+              <a:rPr lang="en" dirty="0" smtClean="0"/>
+              <a:t>Uses data types, variables and operators</a:t>
+            </a:r>
+          </a:p>
+          <a:p>
+            <a:endParaRPr lang="en" dirty="0"/>
+          </a:p>
+          <a:p>
+            <a:pPr marL="0" lvl="0" indent="457200" rtl="0">
+              <a:spcBef>
+                <a:spcPts val="0"/>
+              </a:spcBef>
+              <a:buNone/>
+            </a:pPr>
+            <a:r>
+              <a:rPr lang="en" sz="1800" dirty="0" smtClean="0">
+                <a:latin typeface="Courier New"/>
+                <a:ea typeface="Courier New"/>
+                <a:cs typeface="Courier New"/>
+                <a:sym typeface="Courier New"/>
+              </a:rPr>
+              <a:t>if </a:t>
+            </a:r>
+            <a:r>
+              <a:rPr lang="en" sz="1800" dirty="0">
+                <a:latin typeface="Courier New"/>
+                <a:ea typeface="Courier New"/>
+                <a:cs typeface="Courier New"/>
+                <a:sym typeface="Courier New"/>
+              </a:rPr>
+              <a:t>age &lt; 18:</a:t>
+            </a:r>
+          </a:p>
+          <a:p>
+            <a:pPr marL="0" lvl="0" indent="0">
+              <a:buNone/>
+            </a:pPr>
+            <a:r>
+              <a:rPr lang="en" sz="1800" dirty="0">
+                <a:latin typeface="Courier New"/>
+                <a:ea typeface="Courier New"/>
+                <a:cs typeface="Courier New"/>
+                <a:sym typeface="Courier New"/>
+              </a:rPr>
+              <a:t>	</a:t>
+            </a:r>
+            <a:r>
+              <a:rPr lang="en" sz="1800" dirty="0" smtClean="0">
+                <a:latin typeface="Courier New"/>
+                <a:ea typeface="Courier New"/>
+                <a:cs typeface="Courier New"/>
+                <a:sym typeface="Courier New"/>
+              </a:rPr>
+              <a:t>	print("Sorry</a:t>
+            </a:r>
+            <a:r>
+              <a:rPr lang="en" sz="1800" dirty="0">
+                <a:latin typeface="Courier New"/>
+                <a:ea typeface="Courier New"/>
+                <a:cs typeface="Courier New"/>
+                <a:sym typeface="Courier New"/>
+              </a:rPr>
+              <a:t>, you’re too young to drink</a:t>
+            </a:r>
+            <a:r>
+              <a:rPr lang="en" dirty="0" smtClean="0">
+                <a:latin typeface="Courier New"/>
+                <a:ea typeface="Courier New"/>
+                <a:cs typeface="Courier New"/>
+                <a:sym typeface="Courier New"/>
+              </a:rPr>
+              <a:t>!")</a:t>
+            </a:r>
+          </a:p>
+          <a:p>
+            <a:pPr marL="0" lvl="0" indent="0">
+              <a:buNone/>
+            </a:pPr>
+            <a:r>
+              <a:rPr lang="en" sz="1800" dirty="0">
+                <a:latin typeface="Courier New"/>
+                <a:ea typeface="Courier New"/>
+                <a:cs typeface="Courier New"/>
+                <a:sym typeface="Courier New"/>
+              </a:rPr>
+              <a:t>	</a:t>
+            </a:r>
+            <a:r>
+              <a:rPr lang="en" sz="1800" dirty="0" smtClean="0">
+                <a:latin typeface="Courier New"/>
+                <a:ea typeface="Courier New"/>
+                <a:cs typeface="Courier New"/>
+                <a:sym typeface="Courier New"/>
+              </a:rPr>
+              <a:t>elif age &lt; 100:</a:t>
+            </a:r>
+          </a:p>
+          <a:p>
+            <a:pPr marL="0" lvl="0" indent="0">
+              <a:buNone/>
+            </a:pPr>
+            <a:r>
+              <a:rPr lang="en" dirty="0">
+                <a:latin typeface="Courier New"/>
+                <a:ea typeface="Courier New"/>
+                <a:cs typeface="Courier New"/>
+                <a:sym typeface="Courier New"/>
+              </a:rPr>
+              <a:t>		</a:t>
+            </a:r>
+            <a:r>
+              <a:rPr lang="en" dirty="0" smtClean="0">
+                <a:latin typeface="Courier New"/>
+                <a:ea typeface="Courier New"/>
+                <a:cs typeface="Courier New"/>
+                <a:sym typeface="Courier New"/>
+              </a:rPr>
+              <a:t>print(</a:t>
+            </a:r>
+            <a:r>
+              <a:rPr lang="en" dirty="0">
+                <a:latin typeface="Courier New"/>
+                <a:ea typeface="Courier New"/>
+                <a:cs typeface="Courier New"/>
+                <a:sym typeface="Courier New"/>
+              </a:rPr>
+              <a:t>"</a:t>
+            </a:r>
+            <a:r>
+              <a:rPr lang="en" dirty="0" smtClean="0">
+                <a:latin typeface="Courier New"/>
+                <a:ea typeface="Courier New"/>
+                <a:cs typeface="Courier New"/>
+                <a:sym typeface="Courier New"/>
+              </a:rPr>
+              <a:t>Have a drink on us!")</a:t>
+            </a:r>
+            <a:endParaRPr lang="en" sz="1800" dirty="0" smtClean="0">
+              <a:latin typeface="Courier New"/>
+              <a:ea typeface="Courier New"/>
+              <a:cs typeface="Courier New"/>
+              <a:sym typeface="Courier New"/>
+            </a:endParaRPr>
+          </a:p>
+          <a:p>
+            <a:pPr marL="0" lvl="0" indent="457200" rtl="0">
+              <a:spcBef>
+                <a:spcPts val="0"/>
+              </a:spcBef>
+              <a:buNone/>
+            </a:pPr>
+            <a:r>
+              <a:rPr lang="en" sz="1800" dirty="0" smtClean="0">
+                <a:latin typeface="Courier New"/>
+                <a:ea typeface="Courier New"/>
+                <a:cs typeface="Courier New"/>
+                <a:sym typeface="Courier New"/>
+              </a:rPr>
+              <a:t>else:</a:t>
+            </a:r>
+          </a:p>
+          <a:p>
+            <a:pPr marL="0" lvl="0" indent="457200">
+              <a:buNone/>
+            </a:pPr>
+            <a:r>
+              <a:rPr lang="en" sz="1800" dirty="0">
+                <a:latin typeface="Courier New"/>
+                <a:ea typeface="Courier New"/>
+                <a:cs typeface="Courier New"/>
+                <a:sym typeface="Courier New"/>
+              </a:rPr>
+              <a:t>	</a:t>
+            </a:r>
+            <a:r>
+              <a:rPr lang="en" sz="1800" dirty="0" smtClean="0">
+                <a:latin typeface="Courier New"/>
+                <a:ea typeface="Courier New"/>
+                <a:cs typeface="Courier New"/>
+                <a:sym typeface="Courier New"/>
+              </a:rPr>
+              <a:t>print(</a:t>
+            </a:r>
+            <a:r>
+              <a:rPr lang="en" dirty="0" smtClean="0">
+                <a:latin typeface="Courier New"/>
+                <a:ea typeface="Courier New"/>
+                <a:cs typeface="Courier New"/>
+                <a:sym typeface="Courier New"/>
+              </a:rPr>
+              <a:t>“Wow, have two drinks </a:t>
+            </a:r>
+            <a:r>
+              <a:rPr lang="en" sz="1800" dirty="0" smtClean="0">
+                <a:latin typeface="Courier New"/>
+                <a:ea typeface="Courier New"/>
+                <a:cs typeface="Courier New"/>
+                <a:sym typeface="Courier New"/>
+              </a:rPr>
+              <a:t>on </a:t>
+            </a:r>
+            <a:r>
+              <a:rPr lang="en" sz="1800" dirty="0">
+                <a:latin typeface="Courier New"/>
+                <a:ea typeface="Courier New"/>
+                <a:cs typeface="Courier New"/>
+                <a:sym typeface="Courier New"/>
+              </a:rPr>
+              <a:t>us</a:t>
+            </a:r>
+            <a:r>
+              <a:rPr lang="en" sz="1800" dirty="0" smtClean="0">
+                <a:latin typeface="Courier New"/>
+                <a:ea typeface="Courier New"/>
+                <a:cs typeface="Courier New"/>
+                <a:sym typeface="Courier New"/>
+              </a:rPr>
+              <a:t>!</a:t>
+            </a:r>
+            <a:r>
+              <a:rPr lang="en" dirty="0" smtClean="0">
+                <a:latin typeface="Courier New"/>
+                <a:ea typeface="Courier New"/>
+                <a:cs typeface="Courier New"/>
+                <a:sym typeface="Courier New"/>
+              </a:rPr>
+              <a:t>"</a:t>
+            </a:r>
+            <a:r>
+              <a:rPr lang="en" sz="1800" dirty="0" smtClean="0">
+                <a:latin typeface="Courier New"/>
+                <a:ea typeface="Courier New"/>
+                <a:cs typeface="Courier New"/>
+                <a:sym typeface="Courier New"/>
+              </a:rPr>
+              <a:t>)</a:t>
+            </a:r>
+            <a:endParaRPr lang="en" sz="1800" dirty="0">
+              <a:latin typeface="Courier New"/>
+              <a:ea typeface="Courier New"/>
+              <a:cs typeface="Courier New"/>
+              <a:sym typeface="Courier New"/>
+            </a:endParaRPr>
+          </a:p>
+          <a:p>
+            <a:pPr marL="0" indent="0" rtl="0">
+              <a:spcBef>
+                <a:spcPts val="0"/>
+              </a:spcBef>
+              <a:buNone/>
+            </a:pPr>
+            <a:endParaRPr sz="2200" dirty="0"/>
+          </a:p>
+          <a:p>
+            <a:pPr marL="38100" lvl="0" indent="0" rtl="0">
+              <a:spcBef>
+                <a:spcPts val="0"/>
+              </a:spcBef>
               <a:buClr>
                 <a:schemeClr val="dk1"/>
               </a:buClr>
-              <a:buSzPct val="166666"/>
-              <a:buNone/>
-            </a:pPr>
-            <a:endParaRPr lang="en" dirty="0" smtClean="0"/>
-          </a:p>
-          <a:p>
-            <a:r>
-              <a:rPr lang="en-GB" dirty="0" smtClean="0"/>
-              <a:t>Containers for data (i.e. </a:t>
-            </a:r>
-            <a:r>
-              <a:rPr lang="en-GB" dirty="0" smtClean="0">
-                <a:latin typeface="Courier New" panose="02070309020205020404" pitchFamily="49" charset="0"/>
-                <a:cs typeface="Courier New" panose="02070309020205020404" pitchFamily="49" charset="0"/>
-              </a:rPr>
-              <a:t>“answer” </a:t>
-            </a:r>
-            <a:r>
-              <a:rPr lang="en-GB" dirty="0" smtClean="0"/>
-              <a:t>in the last exercise)</a:t>
-            </a:r>
-          </a:p>
-          <a:p>
-            <a:r>
-              <a:rPr lang="en-GB" dirty="0" smtClean="0"/>
-              <a:t>Or otherwise known as </a:t>
-            </a:r>
-            <a:r>
-              <a:rPr lang="en-GB" b="1" dirty="0" smtClean="0"/>
-              <a:t>variables / attributes</a:t>
-            </a:r>
-          </a:p>
-          <a:p>
-            <a:pPr lvl="1">
-              <a:buFont typeface="Courier New" panose="02070309020205020404" pitchFamily="49" charset="0"/>
-              <a:buChar char="o"/>
-            </a:pPr>
-            <a:r>
-              <a:rPr lang="en-GB" sz="1800" dirty="0" smtClean="0">
-                <a:latin typeface="Courier New" panose="02070309020205020404" pitchFamily="49" charset="0"/>
-                <a:cs typeface="Courier New" panose="02070309020205020404" pitchFamily="49" charset="0"/>
-              </a:rPr>
-              <a:t>age = 10</a:t>
-            </a:r>
-          </a:p>
-          <a:p>
-            <a:pPr lvl="1">
-              <a:buFont typeface="Courier New" panose="02070309020205020404" pitchFamily="49" charset="0"/>
-              <a:buChar char="o"/>
-            </a:pPr>
-            <a:r>
-              <a:rPr lang="en-GB" sz="1800" dirty="0" smtClean="0">
-                <a:latin typeface="Courier New" panose="02070309020205020404" pitchFamily="49" charset="0"/>
-                <a:cs typeface="Courier New" panose="02070309020205020404" pitchFamily="49" charset="0"/>
-              </a:rPr>
-              <a:t>age = 15</a:t>
-            </a:r>
-          </a:p>
-          <a:p>
-            <a:r>
-              <a:rPr lang="en-GB" dirty="0" smtClean="0"/>
-              <a:t>Can use in calculations, concatenations (joining), loops and more…</a:t>
-            </a:r>
-          </a:p>
-          <a:p>
-            <a:pPr lvl="1">
-              <a:buFont typeface="Courier New" panose="02070309020205020404" pitchFamily="49" charset="0"/>
-              <a:buChar char="o"/>
-            </a:pPr>
-            <a:r>
-              <a:rPr lang="en-GB" sz="1800" dirty="0">
-                <a:latin typeface="Courier New" panose="02070309020205020404" pitchFamily="49" charset="0"/>
-                <a:cs typeface="Courier New" panose="02070309020205020404" pitchFamily="49" charset="0"/>
-              </a:rPr>
-              <a:t>a</a:t>
-            </a:r>
-            <a:r>
-              <a:rPr lang="en-GB" sz="1800" dirty="0" smtClean="0">
-                <a:latin typeface="Courier New" panose="02070309020205020404" pitchFamily="49" charset="0"/>
-                <a:cs typeface="Courier New" panose="02070309020205020404" pitchFamily="49" charset="0"/>
-              </a:rPr>
-              <a:t>ge = age + 5</a:t>
-            </a:r>
-          </a:p>
-          <a:p>
-            <a:pPr lvl="1">
-              <a:buFont typeface="Courier New" panose="02070309020205020404" pitchFamily="49" charset="0"/>
-              <a:buChar char="o"/>
-            </a:pPr>
-            <a:r>
-              <a:rPr lang="en-GB" sz="1800" dirty="0" err="1">
-                <a:latin typeface="Courier New" panose="02070309020205020404" pitchFamily="49" charset="0"/>
-                <a:cs typeface="Courier New" panose="02070309020205020404" pitchFamily="49" charset="0"/>
-              </a:rPr>
-              <a:t>f</a:t>
-            </a:r>
-            <a:r>
-              <a:rPr lang="en-GB" sz="1800" dirty="0" err="1" smtClean="0">
-                <a:latin typeface="Courier New" panose="02070309020205020404" pitchFamily="49" charset="0"/>
-                <a:cs typeface="Courier New" panose="02070309020205020404" pitchFamily="49" charset="0"/>
-              </a:rPr>
-              <a:t>irst_name</a:t>
-            </a:r>
-            <a:r>
-              <a:rPr lang="en-GB" sz="1800" dirty="0" smtClean="0">
-                <a:latin typeface="Courier New" panose="02070309020205020404" pitchFamily="49" charset="0"/>
-                <a:cs typeface="Courier New" panose="02070309020205020404" pitchFamily="49" charset="0"/>
-              </a:rPr>
-              <a:t> = </a:t>
-            </a:r>
-            <a:r>
-              <a:rPr lang="en-GB" sz="1800" dirty="0">
-                <a:latin typeface="Courier New" panose="02070309020205020404" pitchFamily="49" charset="0"/>
-                <a:cs typeface="Courier New" panose="02070309020205020404" pitchFamily="49" charset="0"/>
-              </a:rPr>
-              <a:t>"Frank</a:t>
-            </a:r>
-            <a:r>
-              <a:rPr lang="en-GB" sz="1800" dirty="0" smtClean="0">
-                <a:latin typeface="Courier New" panose="02070309020205020404" pitchFamily="49" charset="0"/>
-                <a:cs typeface="Courier New" panose="02070309020205020404" pitchFamily="49" charset="0"/>
-              </a:rPr>
-              <a:t>"</a:t>
-            </a:r>
-          </a:p>
-          <a:p>
-            <a:pPr lvl="1">
-              <a:buFont typeface="Courier New" panose="02070309020205020404" pitchFamily="49" charset="0"/>
-              <a:buChar char="o"/>
-            </a:pPr>
-            <a:r>
-              <a:rPr lang="en-GB" sz="1800" dirty="0" err="1" smtClean="0">
-                <a:latin typeface="Courier New" panose="02070309020205020404" pitchFamily="49" charset="0"/>
-                <a:cs typeface="Courier New" panose="02070309020205020404" pitchFamily="49" charset="0"/>
-              </a:rPr>
-              <a:t>Full_name</a:t>
-            </a:r>
-            <a:r>
-              <a:rPr lang="en-GB" sz="1800" dirty="0" smtClean="0">
-                <a:latin typeface="Courier New" panose="02070309020205020404" pitchFamily="49" charset="0"/>
-                <a:cs typeface="Courier New" panose="02070309020205020404" pitchFamily="49" charset="0"/>
-              </a:rPr>
-              <a:t> = </a:t>
-            </a:r>
-            <a:r>
-              <a:rPr lang="en-GB" sz="1800" dirty="0" err="1" smtClean="0">
-                <a:latin typeface="Courier New" panose="02070309020205020404" pitchFamily="49" charset="0"/>
-                <a:cs typeface="Courier New" panose="02070309020205020404" pitchFamily="49" charset="0"/>
-              </a:rPr>
-              <a:t>first_name</a:t>
-            </a:r>
-            <a:r>
-              <a:rPr lang="en-GB" sz="1800" dirty="0" smtClean="0">
-                <a:latin typeface="Courier New" panose="02070309020205020404" pitchFamily="49" charset="0"/>
-                <a:cs typeface="Courier New" panose="02070309020205020404" pitchFamily="49" charset="0"/>
-              </a:rPr>
-              <a:t> </a:t>
-            </a:r>
-            <a:r>
-              <a:rPr lang="en-GB" sz="1800" dirty="0">
-                <a:latin typeface="Courier New" panose="02070309020205020404" pitchFamily="49" charset="0"/>
-                <a:cs typeface="Courier New" panose="02070309020205020404" pitchFamily="49" charset="0"/>
-              </a:rPr>
-              <a:t>+ " </a:t>
-            </a:r>
-            <a:r>
-              <a:rPr lang="en-GB" sz="1800" dirty="0" err="1">
-                <a:latin typeface="Courier New" panose="02070309020205020404" pitchFamily="49" charset="0"/>
-                <a:cs typeface="Courier New" panose="02070309020205020404" pitchFamily="49" charset="0"/>
-              </a:rPr>
-              <a:t>Gasking</a:t>
-            </a:r>
-            <a:r>
-              <a:rPr lang="en-GB" sz="1800" dirty="0">
-                <a:latin typeface="Courier New" panose="02070309020205020404" pitchFamily="49" charset="0"/>
-                <a:cs typeface="Courier New" panose="02070309020205020404" pitchFamily="49" charset="0"/>
-              </a:rPr>
-              <a:t>"</a:t>
-            </a:r>
-            <a:endParaRPr lang="en-GB" sz="1800" dirty="0" smtClean="0">
-              <a:latin typeface="Courier New" panose="02070309020205020404" pitchFamily="49" charset="0"/>
-              <a:cs typeface="Courier New" panose="02070309020205020404" pitchFamily="49" charset="0"/>
+              <a:buSzPct val="100000"/>
+              <a:buNone/>
+            </a:pPr>
+            <a:endParaRPr lang="en" b="1" dirty="0" smtClean="0"/>
+          </a:p>
+          <a:p>
+            <a:pPr marL="38100" lvl="0" indent="0" rtl="0">
+              <a:spcBef>
+                <a:spcPts val="0"/>
+              </a:spcBef>
+              <a:buClr>
+                <a:schemeClr val="dk1"/>
+              </a:buClr>
+              <a:buSzPct val="100000"/>
+              <a:buNone/>
+            </a:pPr>
+            <a:r>
+              <a:rPr lang="en" sz="2400" b="1" dirty="0" smtClean="0">
+                <a:solidFill>
+                  <a:schemeClr val="accent1">
+                    <a:lumMod val="60000"/>
+                    <a:lumOff val="40000"/>
+                  </a:schemeClr>
+                </a:solidFill>
+              </a:rPr>
+              <a:t>Question</a:t>
+            </a:r>
+            <a:r>
+              <a:rPr lang="en" sz="2400" dirty="0" smtClean="0">
+                <a:solidFill>
+                  <a:schemeClr val="accent1">
+                    <a:lumMod val="60000"/>
+                    <a:lumOff val="40000"/>
+                  </a:schemeClr>
+                </a:solidFill>
+              </a:rPr>
+              <a:t> - How </a:t>
+            </a:r>
+            <a:r>
+              <a:rPr lang="en" sz="2400" dirty="0">
+                <a:solidFill>
+                  <a:schemeClr val="accent1">
+                    <a:lumMod val="60000"/>
+                    <a:lumOff val="40000"/>
+                  </a:schemeClr>
+                </a:solidFill>
+              </a:rPr>
+              <a:t>do we make decisions in </a:t>
+            </a:r>
+            <a:r>
+              <a:rPr lang="en" sz="2400" dirty="0" smtClean="0">
+                <a:solidFill>
+                  <a:schemeClr val="accent1">
+                    <a:lumMod val="60000"/>
+                    <a:lumOff val="40000"/>
+                  </a:schemeClr>
+                </a:solidFill>
+              </a:rPr>
+              <a:t>PsychoPy?</a:t>
+            </a:r>
+          </a:p>
+          <a:p>
+            <a:pPr marL="38100" lvl="0" indent="0" rtl="0">
+              <a:spcBef>
+                <a:spcPts val="0"/>
+              </a:spcBef>
+              <a:buClr>
+                <a:schemeClr val="dk1"/>
+              </a:buClr>
+              <a:buSzPct val="100000"/>
+              <a:buNone/>
+            </a:pPr>
+            <a:endParaRPr lang="en" sz="2400" dirty="0"/>
+          </a:p>
+          <a:p>
+            <a:pPr marL="38100" lvl="0" indent="0" rtl="0">
+              <a:spcBef>
+                <a:spcPts val="0"/>
+              </a:spcBef>
+              <a:buClr>
+                <a:schemeClr val="dk1"/>
+              </a:buClr>
+              <a:buSzPct val="100000"/>
+              <a:buNone/>
+            </a:pPr>
+            <a:r>
+              <a:rPr lang="en" sz="2400" b="1" dirty="0" smtClean="0">
+                <a:solidFill>
+                  <a:srgbClr val="FF0000"/>
+                </a:solidFill>
+              </a:rPr>
+              <a:t>Answer</a:t>
+            </a:r>
+            <a:r>
+              <a:rPr lang="en" sz="2400" dirty="0" smtClean="0">
+                <a:solidFill>
+                  <a:srgbClr val="FF0000"/>
+                </a:solidFill>
+              </a:rPr>
+              <a:t> - Using code blocks!</a:t>
+            </a:r>
+            <a:endParaRPr lang="en" sz="2400" dirty="0">
+              <a:solidFill>
+                <a:srgbClr val="FF0000"/>
+              </a:solidFill>
             </a:endParaRPr>
-          </a:p>
-          <a:p>
-            <a:r>
-              <a:rPr lang="en-GB" dirty="0" smtClean="0"/>
-              <a:t>Should give meaningful names for reference</a:t>
-            </a:r>
-          </a:p>
-          <a:p>
-            <a:r>
-              <a:rPr lang="en-GB" dirty="0" smtClean="0"/>
-              <a:t>No spaces in variables (ever!) – use </a:t>
-            </a:r>
-            <a:r>
-              <a:rPr lang="en-GB" dirty="0">
-                <a:latin typeface="Courier New" panose="02070309020205020404" pitchFamily="49" charset="0"/>
-                <a:cs typeface="Courier New" panose="02070309020205020404" pitchFamily="49" charset="0"/>
-              </a:rPr>
-              <a:t>"_"</a:t>
-            </a:r>
-            <a:r>
-              <a:rPr lang="en-GB" dirty="0" smtClean="0"/>
-              <a:t> or </a:t>
-            </a:r>
-            <a:r>
-              <a:rPr lang="en-GB" dirty="0">
-                <a:latin typeface="Courier New" panose="02070309020205020404" pitchFamily="49" charset="0"/>
-                <a:cs typeface="Courier New" panose="02070309020205020404" pitchFamily="49" charset="0"/>
-              </a:rPr>
-              <a:t>"–"</a:t>
-            </a:r>
-            <a:r>
-              <a:rPr lang="en-GB" dirty="0" smtClean="0"/>
-              <a:t> if you must have</a:t>
-            </a:r>
-          </a:p>
-          <a:p>
-            <a:pPr marL="0" indent="0">
-              <a:buNone/>
-            </a:pPr>
-            <a:r>
-              <a:rPr lang="en-GB" dirty="0"/>
-              <a:t>s</a:t>
-            </a:r>
-            <a:r>
-              <a:rPr lang="en-GB" dirty="0" smtClean="0"/>
-              <a:t>ome spaces.</a:t>
-            </a:r>
-          </a:p>
-          <a:p>
-            <a:pPr marL="0" indent="0">
-              <a:buNone/>
-            </a:pPr>
-            <a:endParaRPr lang="en-GB" dirty="0" smtClean="0"/>
-          </a:p>
-          <a:p>
-            <a:pPr marL="0" indent="0">
-              <a:buNone/>
-            </a:pPr>
-            <a:r>
-              <a:rPr lang="en-GB" dirty="0" smtClean="0"/>
-              <a:t>Variables store different data types – which we’ll cover now…</a:t>
-            </a:r>
           </a:p>
         </p:txBody>
       </p:sp>
     </p:spTree>
     <p:extLst>
       <p:ext uri="{BB962C8B-B14F-4D97-AF65-F5344CB8AC3E}">
-        <p14:creationId xmlns:p14="http://schemas.microsoft.com/office/powerpoint/2010/main" val="1417207490"/>
+        <p14:creationId xmlns:p14="http://schemas.microsoft.com/office/powerpoint/2010/main" val="3083786256"/>
       </p:ext>
     </p:extLst>
   </p:cSld>
   <p:clrMapOvr>
     <a:masterClrMapping/>
   </p:clrMapOvr>
+  <p:transition spd="slow">
+    <p:cut/>
+  </p:transition>
   <p:timing>
     <p:tnLst>
       <p:par>
@@ -8489,1212 +8995,6 @@
         </p:nvSpPr>
         <p:spPr/>
         <p:txBody>
-          <a:bodyPr/>
-          <a:lstStyle/>
-          <a:p>
-            <a:r>
-              <a:rPr lang="en-GB" dirty="0" smtClean="0"/>
-              <a:t>Simple data types</a:t>
-            </a:r>
-            <a:endParaRPr lang="en-US" dirty="0"/>
-          </a:p>
-        </p:txBody>
-      </p:sp>
-      <p:sp>
-        <p:nvSpPr>
-          <p:cNvPr id="3" name="Text Placeholder 2"/>
-          <p:cNvSpPr>
-            <a:spLocks noGrp="1"/>
-          </p:cNvSpPr>
-          <p:nvPr>
-            <p:ph type="body" idx="1"/>
-          </p:nvPr>
-        </p:nvSpPr>
-        <p:spPr/>
-        <p:txBody>
-          <a:bodyPr>
-            <a:normAutofit/>
-          </a:bodyPr>
-          <a:lstStyle/>
-          <a:p>
-            <a:r>
-              <a:rPr lang="en" b="1" dirty="0" smtClean="0"/>
-              <a:t>Integer</a:t>
-            </a:r>
-          </a:p>
-          <a:p>
-            <a:pPr lvl="1">
-              <a:buFont typeface="Courier New" panose="02070309020205020404" pitchFamily="49" charset="0"/>
-              <a:buChar char="o"/>
-            </a:pPr>
-            <a:r>
-              <a:rPr lang="en-US" sz="1800" dirty="0">
-                <a:latin typeface="Courier New" panose="02070309020205020404" pitchFamily="49" charset="0"/>
-                <a:cs typeface="Courier New" panose="02070309020205020404" pitchFamily="49" charset="0"/>
-              </a:rPr>
-              <a:t>a</a:t>
-            </a:r>
-            <a:r>
-              <a:rPr lang="en" sz="1800" dirty="0" smtClean="0">
-                <a:latin typeface="Courier New" panose="02070309020205020404" pitchFamily="49" charset="0"/>
-                <a:cs typeface="Courier New" panose="02070309020205020404" pitchFamily="49" charset="0"/>
-              </a:rPr>
-              <a:t>ge = </a:t>
-            </a:r>
-            <a:r>
-              <a:rPr lang="en" sz="1800" b="1" dirty="0" smtClean="0">
-                <a:latin typeface="Courier New" panose="02070309020205020404" pitchFamily="49" charset="0"/>
-                <a:cs typeface="Courier New" panose="02070309020205020404" pitchFamily="49" charset="0"/>
-              </a:rPr>
-              <a:t>10</a:t>
-            </a:r>
-          </a:p>
-          <a:p>
-            <a:r>
-              <a:rPr lang="en" b="1" dirty="0" smtClean="0"/>
-              <a:t>Float</a:t>
-            </a:r>
-          </a:p>
-          <a:p>
-            <a:pPr lvl="1">
-              <a:buFont typeface="Courier New" panose="02070309020205020404" pitchFamily="49" charset="0"/>
-              <a:buChar char="o"/>
-            </a:pPr>
-            <a:r>
-              <a:rPr lang="en-US" sz="1800" dirty="0">
-                <a:latin typeface="Courier New" panose="02070309020205020404" pitchFamily="49" charset="0"/>
-                <a:cs typeface="Courier New" panose="02070309020205020404" pitchFamily="49" charset="0"/>
-              </a:rPr>
-              <a:t>p</a:t>
-            </a:r>
-            <a:r>
-              <a:rPr lang="en" sz="1800" dirty="0" smtClean="0">
-                <a:latin typeface="Courier New" panose="02070309020205020404" pitchFamily="49" charset="0"/>
-                <a:cs typeface="Courier New" panose="02070309020205020404" pitchFamily="49" charset="0"/>
-              </a:rPr>
-              <a:t>i = </a:t>
-            </a:r>
-            <a:r>
-              <a:rPr lang="en" sz="1800" b="1" dirty="0" smtClean="0">
-                <a:latin typeface="Courier New" panose="02070309020205020404" pitchFamily="49" charset="0"/>
-                <a:cs typeface="Courier New" panose="02070309020205020404" pitchFamily="49" charset="0"/>
-              </a:rPr>
-              <a:t>3.14</a:t>
-            </a:r>
-          </a:p>
-          <a:p>
-            <a:r>
-              <a:rPr lang="en" b="1" dirty="0" smtClean="0"/>
-              <a:t>Boolean</a:t>
-            </a:r>
-          </a:p>
-          <a:p>
-            <a:pPr lvl="1">
-              <a:buFont typeface="Courier New" panose="02070309020205020404" pitchFamily="49" charset="0"/>
-              <a:buChar char="o"/>
-            </a:pPr>
-            <a:r>
-              <a:rPr lang="en-US" sz="1800" dirty="0" smtClean="0">
-                <a:latin typeface="Courier New" panose="02070309020205020404" pitchFamily="49" charset="0"/>
-                <a:cs typeface="Courier New" panose="02070309020205020404" pitchFamily="49" charset="0"/>
-              </a:rPr>
-              <a:t>b</a:t>
-            </a:r>
-            <a:r>
-              <a:rPr lang="en" sz="1800" dirty="0" smtClean="0">
-                <a:latin typeface="Courier New" panose="02070309020205020404" pitchFamily="49" charset="0"/>
-                <a:cs typeface="Courier New" panose="02070309020205020404" pitchFamily="49" charset="0"/>
-              </a:rPr>
-              <a:t>ilingual = </a:t>
-            </a:r>
-            <a:r>
-              <a:rPr lang="en" sz="1800" b="1" dirty="0" smtClean="0">
-                <a:latin typeface="Courier New" panose="02070309020205020404" pitchFamily="49" charset="0"/>
-                <a:cs typeface="Courier New" panose="02070309020205020404" pitchFamily="49" charset="0"/>
-              </a:rPr>
-              <a:t>True</a:t>
-            </a:r>
-          </a:p>
-          <a:p>
-            <a:pPr lvl="1">
-              <a:buFont typeface="Courier New" panose="02070309020205020404" pitchFamily="49" charset="0"/>
-              <a:buChar char="o"/>
-            </a:pPr>
-            <a:r>
-              <a:rPr lang="en" sz="1800" dirty="0" smtClean="0">
-                <a:latin typeface="Courier New" panose="02070309020205020404" pitchFamily="49" charset="0"/>
-                <a:cs typeface="Courier New" panose="02070309020205020404" pitchFamily="49" charset="0"/>
-              </a:rPr>
-              <a:t>or bilingual = </a:t>
-            </a:r>
-            <a:r>
-              <a:rPr lang="en" sz="1800" b="1" dirty="0" smtClean="0">
-                <a:latin typeface="Courier New" panose="02070309020205020404" pitchFamily="49" charset="0"/>
-                <a:cs typeface="Courier New" panose="02070309020205020404" pitchFamily="49" charset="0"/>
-              </a:rPr>
-              <a:t>1</a:t>
-            </a:r>
-            <a:r>
-              <a:rPr lang="en" sz="1800" dirty="0" smtClean="0">
-                <a:latin typeface="Courier New" panose="02070309020205020404" pitchFamily="49" charset="0"/>
-                <a:cs typeface="Courier New" panose="02070309020205020404" pitchFamily="49" charset="0"/>
-              </a:rPr>
-              <a:t> </a:t>
-            </a:r>
-            <a:r>
-              <a:rPr lang="en" sz="1800" dirty="0" smtClean="0"/>
-              <a:t>(in some languages </a:t>
-            </a:r>
-            <a:r>
-              <a:rPr lang="en-US" sz="1800" dirty="0" smtClean="0"/>
-              <a:t>is valid)</a:t>
-            </a:r>
-          </a:p>
-          <a:p>
-            <a:r>
-              <a:rPr lang="en-GB" b="1" dirty="0" smtClean="0"/>
-              <a:t>Char</a:t>
-            </a:r>
-          </a:p>
-          <a:p>
-            <a:pPr lvl="1">
-              <a:buFont typeface="Courier New" panose="02070309020205020404" pitchFamily="49" charset="0"/>
-              <a:buChar char="o"/>
-            </a:pPr>
-            <a:r>
-              <a:rPr lang="en" sz="1800" dirty="0" smtClean="0">
-                <a:latin typeface="Courier New" panose="02070309020205020404" pitchFamily="49" charset="0"/>
-                <a:ea typeface="Courier New"/>
-                <a:cs typeface="Courier New" panose="02070309020205020404" pitchFamily="49" charset="0"/>
-                <a:sym typeface="Courier New"/>
-              </a:rPr>
-              <a:t>initial </a:t>
-            </a:r>
-            <a:r>
-              <a:rPr lang="en" sz="1800" dirty="0">
-                <a:latin typeface="Courier New" panose="02070309020205020404" pitchFamily="49" charset="0"/>
-                <a:ea typeface="Courier New"/>
-                <a:cs typeface="Courier New" panose="02070309020205020404" pitchFamily="49" charset="0"/>
-                <a:sym typeface="Courier New"/>
-              </a:rPr>
-              <a:t>= </a:t>
-            </a:r>
-            <a:r>
-              <a:rPr lang="en" sz="1800" b="1" dirty="0">
-                <a:latin typeface="Courier New"/>
-                <a:ea typeface="Courier New"/>
-                <a:cs typeface="Courier New"/>
-                <a:sym typeface="Courier New"/>
-              </a:rPr>
-              <a:t>"</a:t>
-            </a:r>
-            <a:r>
-              <a:rPr lang="en" sz="1800" b="1" dirty="0" smtClean="0">
-                <a:latin typeface="Courier New" panose="02070309020205020404" pitchFamily="49" charset="0"/>
-                <a:ea typeface="Courier New"/>
-                <a:cs typeface="Courier New" panose="02070309020205020404" pitchFamily="49" charset="0"/>
-                <a:sym typeface="Courier New"/>
-              </a:rPr>
-              <a:t>M</a:t>
-            </a:r>
-            <a:r>
-              <a:rPr lang="en" sz="1800" b="1" dirty="0">
-                <a:latin typeface="Courier New"/>
-                <a:ea typeface="Courier New"/>
-                <a:cs typeface="Courier New"/>
-                <a:sym typeface="Courier New"/>
-              </a:rPr>
-              <a:t>"</a:t>
-            </a:r>
-            <a:r>
-              <a:rPr lang="en" sz="1800" b="1" dirty="0" smtClean="0">
-                <a:latin typeface="Courier New" panose="02070309020205020404" pitchFamily="49" charset="0"/>
-                <a:ea typeface="Courier New"/>
-                <a:cs typeface="Courier New" panose="02070309020205020404" pitchFamily="49" charset="0"/>
-                <a:sym typeface="Courier New"/>
-              </a:rPr>
-              <a:t>  </a:t>
-            </a:r>
-            <a:r>
-              <a:rPr lang="en" sz="1800" dirty="0">
-                <a:latin typeface="Courier New" panose="02070309020205020404" pitchFamily="49" charset="0"/>
-                <a:ea typeface="Courier New"/>
-                <a:cs typeface="Courier New" panose="02070309020205020404" pitchFamily="49" charset="0"/>
-                <a:sym typeface="Courier New"/>
-              </a:rPr>
-              <a:t>… number = </a:t>
-            </a:r>
-            <a:r>
-              <a:rPr lang="en" sz="1800" b="1" dirty="0">
-                <a:latin typeface="Courier New"/>
-                <a:ea typeface="Courier New"/>
-                <a:cs typeface="Courier New"/>
-                <a:sym typeface="Courier New"/>
-              </a:rPr>
-              <a:t>"</a:t>
-            </a:r>
-            <a:r>
-              <a:rPr lang="en" sz="1800" b="1" dirty="0" smtClean="0">
-                <a:latin typeface="Courier New" panose="02070309020205020404" pitchFamily="49" charset="0"/>
-                <a:ea typeface="Courier New"/>
-                <a:cs typeface="Courier New" panose="02070309020205020404" pitchFamily="49" charset="0"/>
-                <a:sym typeface="Courier New"/>
-              </a:rPr>
-              <a:t>1</a:t>
-            </a:r>
-            <a:r>
-              <a:rPr lang="en" sz="1800" b="1" dirty="0">
-                <a:latin typeface="Courier New"/>
-                <a:ea typeface="Courier New"/>
-                <a:cs typeface="Courier New"/>
-                <a:sym typeface="Courier New"/>
-              </a:rPr>
-              <a:t>"</a:t>
-            </a:r>
-            <a:endParaRPr lang="en" sz="1800" b="1" dirty="0" smtClean="0">
-              <a:latin typeface="Courier New" panose="02070309020205020404" pitchFamily="49" charset="0"/>
-              <a:ea typeface="Courier New"/>
-              <a:cs typeface="Courier New" panose="02070309020205020404" pitchFamily="49" charset="0"/>
-              <a:sym typeface="Courier New"/>
-            </a:endParaRPr>
-          </a:p>
-          <a:p>
-            <a:r>
-              <a:rPr lang="en-GB" b="1" dirty="0" smtClean="0"/>
-              <a:t>String</a:t>
-            </a:r>
-          </a:p>
-          <a:p>
-            <a:pPr lvl="1">
-              <a:buFont typeface="Courier New" panose="02070309020205020404" pitchFamily="49" charset="0"/>
-              <a:buChar char="o"/>
-            </a:pPr>
-            <a:r>
-              <a:rPr lang="en" sz="1800" dirty="0" smtClean="0">
-                <a:latin typeface="Courier New" panose="02070309020205020404" pitchFamily="49" charset="0"/>
-                <a:ea typeface="Courier New"/>
-                <a:cs typeface="Courier New" panose="02070309020205020404" pitchFamily="49" charset="0"/>
-                <a:sym typeface="Courier New"/>
-              </a:rPr>
-              <a:t>first_name </a:t>
-            </a:r>
-            <a:r>
-              <a:rPr lang="en" sz="1800" dirty="0">
-                <a:latin typeface="Courier New" panose="02070309020205020404" pitchFamily="49" charset="0"/>
-                <a:ea typeface="Courier New"/>
-                <a:cs typeface="Courier New" panose="02070309020205020404" pitchFamily="49" charset="0"/>
-                <a:sym typeface="Courier New"/>
-              </a:rPr>
-              <a:t>= </a:t>
-            </a:r>
-            <a:r>
-              <a:rPr lang="en" sz="1800" b="1" dirty="0">
-                <a:latin typeface="Courier New"/>
-                <a:ea typeface="Courier New"/>
-                <a:cs typeface="Courier New"/>
-                <a:sym typeface="Courier New"/>
-              </a:rPr>
-              <a:t>"</a:t>
-            </a:r>
-            <a:r>
-              <a:rPr lang="en" sz="1800" b="1" dirty="0" smtClean="0">
-                <a:latin typeface="Courier New" panose="02070309020205020404" pitchFamily="49" charset="0"/>
-                <a:ea typeface="Courier New"/>
-                <a:cs typeface="Courier New" panose="02070309020205020404" pitchFamily="49" charset="0"/>
-                <a:sym typeface="Courier New"/>
-              </a:rPr>
-              <a:t>John</a:t>
-            </a:r>
-            <a:r>
-              <a:rPr lang="en" sz="1800" b="1" dirty="0">
-                <a:latin typeface="Courier New"/>
-                <a:ea typeface="Courier New"/>
-                <a:cs typeface="Courier New"/>
-                <a:sym typeface="Courier New"/>
-              </a:rPr>
-              <a:t>"</a:t>
-            </a:r>
-            <a:endParaRPr lang="en" sz="1800" b="1" dirty="0" smtClean="0">
-              <a:latin typeface="Courier New" panose="02070309020205020404" pitchFamily="49" charset="0"/>
-              <a:ea typeface="Courier New"/>
-              <a:cs typeface="Courier New" panose="02070309020205020404" pitchFamily="49" charset="0"/>
-              <a:sym typeface="Courier New"/>
-            </a:endParaRPr>
-          </a:p>
-          <a:p>
-            <a:pPr lvl="1">
-              <a:buFont typeface="Courier New" panose="02070309020205020404" pitchFamily="49" charset="0"/>
-              <a:buChar char="o"/>
-            </a:pPr>
-            <a:r>
-              <a:rPr lang="en" sz="1800" dirty="0" smtClean="0">
-                <a:latin typeface="Courier New" panose="02070309020205020404" pitchFamily="49" charset="0"/>
-                <a:ea typeface="Courier New"/>
-                <a:cs typeface="Courier New" panose="02070309020205020404" pitchFamily="49" charset="0"/>
-                <a:sym typeface="Courier New"/>
-              </a:rPr>
-              <a:t>phone_number </a:t>
-            </a:r>
-            <a:r>
-              <a:rPr lang="en" sz="1800" dirty="0">
-                <a:latin typeface="Courier New" panose="02070309020205020404" pitchFamily="49" charset="0"/>
-                <a:ea typeface="Courier New"/>
-                <a:cs typeface="Courier New" panose="02070309020205020404" pitchFamily="49" charset="0"/>
-                <a:sym typeface="Courier New"/>
-              </a:rPr>
-              <a:t>= </a:t>
-            </a:r>
-            <a:r>
-              <a:rPr lang="en" sz="1800" b="1" dirty="0">
-                <a:latin typeface="Courier New"/>
-                <a:ea typeface="Courier New"/>
-                <a:cs typeface="Courier New"/>
-                <a:sym typeface="Courier New"/>
-              </a:rPr>
-              <a:t>"</a:t>
-            </a:r>
-            <a:r>
-              <a:rPr lang="en" sz="1800" b="1" dirty="0" smtClean="0">
-                <a:latin typeface="Courier New" panose="02070309020205020404" pitchFamily="49" charset="0"/>
-                <a:ea typeface="Courier New"/>
-                <a:cs typeface="Courier New" panose="02070309020205020404" pitchFamily="49" charset="0"/>
-                <a:sym typeface="Courier New"/>
-              </a:rPr>
-              <a:t>+</a:t>
-            </a:r>
-            <a:r>
-              <a:rPr lang="en" sz="1800" b="1" dirty="0">
-                <a:latin typeface="Courier New" panose="02070309020205020404" pitchFamily="49" charset="0"/>
-                <a:ea typeface="Courier New"/>
-                <a:cs typeface="Courier New" panose="02070309020205020404" pitchFamily="49" charset="0"/>
-                <a:sym typeface="Courier New"/>
-              </a:rPr>
-              <a:t>44 01227 </a:t>
-            </a:r>
-            <a:r>
-              <a:rPr lang="en" sz="1800" b="1" dirty="0" smtClean="0">
-                <a:latin typeface="Courier New" panose="02070309020205020404" pitchFamily="49" charset="0"/>
-                <a:ea typeface="Courier New"/>
-                <a:cs typeface="Courier New" panose="02070309020205020404" pitchFamily="49" charset="0"/>
-                <a:sym typeface="Courier New"/>
-              </a:rPr>
-              <a:t>888999</a:t>
-            </a:r>
-            <a:r>
-              <a:rPr lang="en" sz="1800" b="1" dirty="0">
-                <a:latin typeface="Courier New"/>
-                <a:ea typeface="Courier New"/>
-                <a:cs typeface="Courier New"/>
-                <a:sym typeface="Courier New"/>
-              </a:rPr>
-              <a:t>"</a:t>
-            </a:r>
-            <a:r>
-              <a:rPr lang="en" sz="1800" b="1" dirty="0" smtClean="0">
-                <a:latin typeface="Courier New" panose="02070309020205020404" pitchFamily="49" charset="0"/>
-                <a:ea typeface="Courier New"/>
-                <a:cs typeface="Courier New" panose="02070309020205020404" pitchFamily="49" charset="0"/>
-                <a:sym typeface="Courier New"/>
-              </a:rPr>
-              <a:t> </a:t>
-            </a:r>
-            <a:endParaRPr lang="en" sz="1800" b="1" dirty="0">
-              <a:latin typeface="Courier New" panose="02070309020205020404" pitchFamily="49" charset="0"/>
-              <a:ea typeface="Courier New"/>
-              <a:cs typeface="Courier New" panose="02070309020205020404" pitchFamily="49" charset="0"/>
-              <a:sym typeface="Courier New"/>
-            </a:endParaRPr>
-          </a:p>
-        </p:txBody>
-      </p:sp>
-    </p:spTree>
-    <p:extLst>
-      <p:ext uri="{BB962C8B-B14F-4D97-AF65-F5344CB8AC3E}">
-        <p14:creationId xmlns:p14="http://schemas.microsoft.com/office/powerpoint/2010/main" val="1563197427"/>
-      </p:ext>
-    </p:extLst>
-  </p:cSld>
-  <p:clrMapOvr>
-    <a:masterClrMapping/>
-  </p:clrMapOvr>
-  <p:timing>
-    <p:tnLst>
-      <p:par>
-        <p:cTn id="1" dur="indefinite" restart="never" nodeType="tmRoot"/>
-      </p:par>
-    </p:tnLst>
-  </p:timing>
-</p:sld>
-</file>
-
-<file path=ppt/slides/slide15.xml><?xml version="1.0" encoding="utf-8"?>
-<p:sld xmlns:a="http://schemas.openxmlformats.org/drawingml/2006/main" xmlns:r="http://schemas.openxmlformats.org/officeDocument/2006/relationships" xmlns:p="http://schemas.openxmlformats.org/presentationml/2006/main">
-  <p:cSld>
-    <p:spTree>
-      <p:nvGrpSpPr>
-        <p:cNvPr id="1" name=""/>
-        <p:cNvGrpSpPr/>
-        <p:nvPr/>
-      </p:nvGrpSpPr>
-      <p:grpSpPr>
-        <a:xfrm>
-          <a:off x="0" y="0"/>
-          <a:ext cx="0" cy="0"/>
-          <a:chOff x="0" y="0"/>
-          <a:chExt cx="0" cy="0"/>
-        </a:xfrm>
-      </p:grpSpPr>
-      <p:sp>
-        <p:nvSpPr>
-          <p:cNvPr id="2" name="Title 1"/>
-          <p:cNvSpPr>
-            <a:spLocks noGrp="1"/>
-          </p:cNvSpPr>
-          <p:nvPr>
-            <p:ph type="title"/>
-          </p:nvPr>
-        </p:nvSpPr>
-        <p:spPr/>
-        <p:txBody>
-          <a:bodyPr/>
-          <a:lstStyle/>
-          <a:p>
-            <a:r>
-              <a:rPr lang="en-GB" dirty="0" smtClean="0"/>
-              <a:t>Operators</a:t>
-            </a:r>
-            <a:endParaRPr lang="en-US" dirty="0"/>
-          </a:p>
-        </p:txBody>
-      </p:sp>
-      <p:sp>
-        <p:nvSpPr>
-          <p:cNvPr id="3" name="Text Placeholder 2"/>
-          <p:cNvSpPr>
-            <a:spLocks noGrp="1"/>
-          </p:cNvSpPr>
-          <p:nvPr>
-            <p:ph type="body" idx="1"/>
-          </p:nvPr>
-        </p:nvSpPr>
-        <p:spPr/>
-        <p:txBody>
-          <a:bodyPr>
-            <a:normAutofit/>
-          </a:bodyPr>
-          <a:lstStyle/>
-          <a:p>
-            <a:pPr marL="38100" lvl="0" indent="0">
-              <a:buClr>
-                <a:schemeClr val="dk1"/>
-              </a:buClr>
-              <a:buSzPct val="166666"/>
-              <a:buNone/>
-            </a:pPr>
-            <a:r>
-              <a:rPr lang="en" dirty="0" smtClean="0"/>
-              <a:t>You will probably remember these from Maths…</a:t>
-            </a:r>
-          </a:p>
-          <a:p>
-            <a:pPr marL="38100" lvl="0" indent="0">
-              <a:buClr>
-                <a:schemeClr val="dk1"/>
-              </a:buClr>
-              <a:buSzPct val="166666"/>
-              <a:buNone/>
-            </a:pPr>
-            <a:endParaRPr lang="en" dirty="0" smtClean="0"/>
-          </a:p>
-          <a:p>
-            <a:r>
-              <a:rPr lang="en" b="1" dirty="0" smtClean="0"/>
-              <a:t>Math</a:t>
-            </a:r>
-          </a:p>
-          <a:p>
-            <a:pPr lvl="1">
-              <a:buFont typeface="Courier New" panose="02070309020205020404" pitchFamily="49" charset="0"/>
-              <a:buChar char="o"/>
-            </a:pPr>
-            <a:r>
-              <a:rPr lang="en" sz="1800" dirty="0" smtClean="0">
-                <a:latin typeface="Courier New" panose="02070309020205020404" pitchFamily="49" charset="0"/>
-                <a:cs typeface="Courier New" panose="02070309020205020404" pitchFamily="49" charset="0"/>
-              </a:rPr>
-              <a:t>+, -, *, /, mod</a:t>
-            </a:r>
-          </a:p>
-          <a:p>
-            <a:pPr lvl="1">
-              <a:buFont typeface="Courier New" panose="02070309020205020404" pitchFamily="49" charset="0"/>
-              <a:buChar char="o"/>
-            </a:pPr>
-            <a:r>
-              <a:rPr lang="en-US" sz="1800" dirty="0">
-                <a:latin typeface="Courier New" panose="02070309020205020404" pitchFamily="49" charset="0"/>
-                <a:cs typeface="Courier New" panose="02070309020205020404" pitchFamily="49" charset="0"/>
-              </a:rPr>
-              <a:t>t</a:t>
-            </a:r>
-            <a:r>
-              <a:rPr lang="en" sz="1800" dirty="0" smtClean="0">
-                <a:latin typeface="Courier New" panose="02070309020205020404" pitchFamily="49" charset="0"/>
-                <a:cs typeface="Courier New" panose="02070309020205020404" pitchFamily="49" charset="0"/>
-              </a:rPr>
-              <a:t>otal = number1 * number2</a:t>
-            </a:r>
-          </a:p>
-          <a:p>
-            <a:r>
-              <a:rPr lang="en" b="1" dirty="0" smtClean="0"/>
-              <a:t>Boolean</a:t>
-            </a:r>
-          </a:p>
-          <a:p>
-            <a:pPr lvl="1">
-              <a:buFont typeface="Courier New" panose="02070309020205020404" pitchFamily="49" charset="0"/>
-              <a:buChar char="o"/>
-            </a:pPr>
-            <a:r>
-              <a:rPr lang="en" sz="1800" dirty="0" smtClean="0">
-                <a:latin typeface="Courier New" panose="02070309020205020404" pitchFamily="49" charset="0"/>
-                <a:cs typeface="Courier New" panose="02070309020205020404" pitchFamily="49" charset="0"/>
-              </a:rPr>
-              <a:t>AND, OR, NOT</a:t>
-            </a:r>
-          </a:p>
-          <a:p>
-            <a:r>
-              <a:rPr lang="en" b="1" dirty="0" smtClean="0"/>
-              <a:t>Comparison</a:t>
-            </a:r>
-          </a:p>
-          <a:p>
-            <a:pPr lvl="1">
-              <a:buFont typeface="Courier New" panose="02070309020205020404" pitchFamily="49" charset="0"/>
-              <a:buChar char="o"/>
-            </a:pPr>
-            <a:r>
-              <a:rPr lang="en" sz="1800" dirty="0" smtClean="0">
-                <a:latin typeface="Courier New" panose="02070309020205020404" pitchFamily="49" charset="0"/>
-                <a:cs typeface="Courier New" panose="02070309020205020404" pitchFamily="49" charset="0"/>
-              </a:rPr>
-              <a:t>=, == </a:t>
-            </a:r>
-            <a:r>
-              <a:rPr lang="en" sz="1800" dirty="0" smtClean="0"/>
-              <a:t>(equivalence)</a:t>
-            </a:r>
-          </a:p>
-          <a:p>
-            <a:pPr lvl="1">
-              <a:buFont typeface="Courier New" panose="02070309020205020404" pitchFamily="49" charset="0"/>
-              <a:buChar char="o"/>
-            </a:pPr>
-            <a:r>
-              <a:rPr lang="en" sz="1800" dirty="0" smtClean="0">
-                <a:latin typeface="Courier New" panose="02070309020205020404" pitchFamily="49" charset="0"/>
-                <a:cs typeface="Courier New" panose="02070309020205020404" pitchFamily="49" charset="0"/>
-              </a:rPr>
-              <a:t>===</a:t>
-            </a:r>
-            <a:r>
-              <a:rPr lang="en" sz="1800" dirty="0" smtClean="0"/>
-              <a:t> (exact equivalence)</a:t>
-            </a:r>
-          </a:p>
-          <a:p>
-            <a:pPr lvl="1">
-              <a:buFont typeface="Courier New" panose="02070309020205020404" pitchFamily="49" charset="0"/>
-              <a:buChar char="o"/>
-            </a:pPr>
-            <a:r>
-              <a:rPr lang="en" sz="1800" dirty="0" smtClean="0">
-                <a:latin typeface="Courier New" panose="02070309020205020404" pitchFamily="49" charset="0"/>
-                <a:cs typeface="Courier New" panose="02070309020205020404" pitchFamily="49" charset="0"/>
-              </a:rPr>
-              <a:t>&lt;&gt;, != </a:t>
-            </a:r>
-            <a:r>
-              <a:rPr lang="en" sz="1800" dirty="0" smtClean="0"/>
-              <a:t>(not equivalance)</a:t>
-            </a:r>
-          </a:p>
-          <a:p>
-            <a:pPr lvl="1">
-              <a:buFont typeface="Courier New" panose="02070309020205020404" pitchFamily="49" charset="0"/>
-              <a:buChar char="o"/>
-            </a:pPr>
-            <a:r>
-              <a:rPr lang="en" sz="1800" dirty="0" smtClean="0">
-                <a:latin typeface="Courier New" panose="02070309020205020404" pitchFamily="49" charset="0"/>
-                <a:cs typeface="Courier New" panose="02070309020205020404" pitchFamily="49" charset="0"/>
-              </a:rPr>
-              <a:t>&lt;, &gt;, &lt;=, &gt;=</a:t>
-            </a:r>
-          </a:p>
-          <a:p>
-            <a:r>
-              <a:rPr lang="en" b="1" dirty="0" smtClean="0"/>
-              <a:t>BIDMAS/BODMAS</a:t>
-            </a:r>
-          </a:p>
-          <a:p>
-            <a:pPr lvl="1">
-              <a:buFont typeface="Courier New" panose="02070309020205020404" pitchFamily="49" charset="0"/>
-              <a:buChar char="o"/>
-            </a:pPr>
-            <a:r>
-              <a:rPr lang="en" sz="1800" dirty="0" smtClean="0">
-                <a:latin typeface="Courier New" panose="02070309020205020404" pitchFamily="49" charset="0"/>
-                <a:cs typeface="Courier New" panose="02070309020205020404" pitchFamily="49" charset="0"/>
-              </a:rPr>
-              <a:t>((1+1)+(2+2)) * 2</a:t>
-            </a:r>
-          </a:p>
-          <a:p>
-            <a:pPr marL="457200" lvl="1" indent="0">
-              <a:buNone/>
-            </a:pPr>
-            <a:endParaRPr lang="en" sz="2200" dirty="0" smtClean="0"/>
-          </a:p>
-          <a:p>
-            <a:endParaRPr lang="en-US" dirty="0"/>
-          </a:p>
-        </p:txBody>
-      </p:sp>
-    </p:spTree>
-    <p:extLst>
-      <p:ext uri="{BB962C8B-B14F-4D97-AF65-F5344CB8AC3E}">
-        <p14:creationId xmlns:p14="http://schemas.microsoft.com/office/powerpoint/2010/main" val="3961745253"/>
-      </p:ext>
-    </p:extLst>
-  </p:cSld>
-  <p:clrMapOvr>
-    <a:masterClrMapping/>
-  </p:clrMapOvr>
-</p:sld>
-</file>
-
-<file path=ppt/slides/slide16.xml><?xml version="1.0" encoding="utf-8"?>
-<p:sld xmlns:a="http://schemas.openxmlformats.org/drawingml/2006/main" xmlns:r="http://schemas.openxmlformats.org/officeDocument/2006/relationships" xmlns:p="http://schemas.openxmlformats.org/presentationml/2006/main">
-  <p:cSld>
-    <p:spTree>
-      <p:nvGrpSpPr>
-        <p:cNvPr id="1" name="Shape 178"/>
-        <p:cNvGrpSpPr/>
-        <p:nvPr/>
-      </p:nvGrpSpPr>
-      <p:grpSpPr>
-        <a:xfrm>
-          <a:off x="0" y="0"/>
-          <a:ext cx="0" cy="0"/>
-          <a:chOff x="0" y="0"/>
-          <a:chExt cx="0" cy="0"/>
-        </a:xfrm>
-      </p:grpSpPr>
-      <p:sp>
-        <p:nvSpPr>
-          <p:cNvPr id="179" name="Shape 179"/>
-          <p:cNvSpPr txBox="1">
-            <a:spLocks noGrp="1"/>
-          </p:cNvSpPr>
-          <p:nvPr>
-            <p:ph type="title"/>
-          </p:nvPr>
-        </p:nvSpPr>
-        <p:spPr>
-          <a:prstGeom prst="rect">
-            <a:avLst/>
-          </a:prstGeom>
-        </p:spPr>
-        <p:txBody>
-          <a:bodyPr lIns="91425" tIns="91425" rIns="91425" bIns="91425" anchor="b" anchorCtr="0">
-            <a:noAutofit/>
-          </a:bodyPr>
-          <a:lstStyle/>
-          <a:p>
-            <a:pPr lvl="0" rtl="0">
-              <a:spcBef>
-                <a:spcPts val="0"/>
-              </a:spcBef>
-              <a:buNone/>
-            </a:pPr>
-            <a:r>
-              <a:rPr lang="en" dirty="0"/>
-              <a:t>Conditional statements</a:t>
-            </a:r>
-          </a:p>
-        </p:txBody>
-      </p:sp>
-      <p:sp>
-        <p:nvSpPr>
-          <p:cNvPr id="180" name="Shape 180"/>
-          <p:cNvSpPr txBox="1">
-            <a:spLocks noGrp="1"/>
-          </p:cNvSpPr>
-          <p:nvPr>
-            <p:ph type="body" idx="1"/>
-          </p:nvPr>
-        </p:nvSpPr>
-        <p:spPr>
-          <a:prstGeom prst="rect">
-            <a:avLst/>
-          </a:prstGeom>
-        </p:spPr>
-        <p:txBody>
-          <a:bodyPr lIns="91425" tIns="91425" rIns="91425" bIns="91425" anchor="t" anchorCtr="0">
-            <a:noAutofit/>
-          </a:bodyPr>
-          <a:lstStyle/>
-          <a:p>
-            <a:r>
-              <a:rPr lang="en" dirty="0" smtClean="0"/>
-              <a:t>Used to help make decisions in your experiment</a:t>
-            </a:r>
-          </a:p>
-          <a:p>
-            <a:pPr lvl="1">
-              <a:buFont typeface="Courier New" panose="02070309020205020404" pitchFamily="49" charset="0"/>
-              <a:buChar char="o"/>
-            </a:pPr>
-            <a:r>
-              <a:rPr lang="en" dirty="0" smtClean="0"/>
-              <a:t>E.g. </a:t>
-            </a:r>
-            <a:r>
-              <a:rPr lang="en" dirty="0" smtClean="0">
-                <a:latin typeface="Courier New" panose="02070309020205020404" pitchFamily="49" charset="0"/>
-                <a:cs typeface="Courier New" panose="02070309020205020404" pitchFamily="49" charset="0"/>
-              </a:rPr>
-              <a:t>if … then … else</a:t>
-            </a:r>
-          </a:p>
-          <a:p>
-            <a:r>
-              <a:rPr lang="en" dirty="0" smtClean="0"/>
-              <a:t>Uses data types, variables and operators</a:t>
-            </a:r>
-          </a:p>
-          <a:p>
-            <a:endParaRPr lang="en" dirty="0"/>
-          </a:p>
-          <a:p>
-            <a:pPr marL="0" lvl="0" indent="457200" rtl="0">
-              <a:spcBef>
-                <a:spcPts val="0"/>
-              </a:spcBef>
-              <a:buNone/>
-            </a:pPr>
-            <a:r>
-              <a:rPr lang="en" sz="1800" dirty="0" smtClean="0">
-                <a:latin typeface="Courier New"/>
-                <a:ea typeface="Courier New"/>
-                <a:cs typeface="Courier New"/>
-                <a:sym typeface="Courier New"/>
-              </a:rPr>
-              <a:t>if </a:t>
-            </a:r>
-            <a:r>
-              <a:rPr lang="en" sz="1800" dirty="0">
-                <a:latin typeface="Courier New"/>
-                <a:ea typeface="Courier New"/>
-                <a:cs typeface="Courier New"/>
-                <a:sym typeface="Courier New"/>
-              </a:rPr>
-              <a:t>age &lt; 18:</a:t>
-            </a:r>
-          </a:p>
-          <a:p>
-            <a:pPr marL="0" lvl="0" indent="0">
-              <a:buNone/>
-            </a:pPr>
-            <a:r>
-              <a:rPr lang="en" sz="1800" dirty="0">
-                <a:latin typeface="Courier New"/>
-                <a:ea typeface="Courier New"/>
-                <a:cs typeface="Courier New"/>
-                <a:sym typeface="Courier New"/>
-              </a:rPr>
-              <a:t>	</a:t>
-            </a:r>
-            <a:r>
-              <a:rPr lang="en" sz="1800" dirty="0" smtClean="0">
-                <a:latin typeface="Courier New"/>
-                <a:ea typeface="Courier New"/>
-                <a:cs typeface="Courier New"/>
-                <a:sym typeface="Courier New"/>
-              </a:rPr>
-              <a:t>	print("Sorry</a:t>
-            </a:r>
-            <a:r>
-              <a:rPr lang="en" sz="1800" dirty="0">
-                <a:latin typeface="Courier New"/>
-                <a:ea typeface="Courier New"/>
-                <a:cs typeface="Courier New"/>
-                <a:sym typeface="Courier New"/>
-              </a:rPr>
-              <a:t>, you’re too young to drink</a:t>
-            </a:r>
-            <a:r>
-              <a:rPr lang="en" dirty="0" smtClean="0">
-                <a:latin typeface="Courier New"/>
-                <a:ea typeface="Courier New"/>
-                <a:cs typeface="Courier New"/>
-                <a:sym typeface="Courier New"/>
-              </a:rPr>
-              <a:t>!")</a:t>
-            </a:r>
-          </a:p>
-          <a:p>
-            <a:pPr marL="0" lvl="0" indent="0">
-              <a:buNone/>
-            </a:pPr>
-            <a:r>
-              <a:rPr lang="en" sz="1800" dirty="0">
-                <a:latin typeface="Courier New"/>
-                <a:ea typeface="Courier New"/>
-                <a:cs typeface="Courier New"/>
-                <a:sym typeface="Courier New"/>
-              </a:rPr>
-              <a:t>	</a:t>
-            </a:r>
-            <a:r>
-              <a:rPr lang="en" sz="1800" dirty="0" smtClean="0">
-                <a:latin typeface="Courier New"/>
-                <a:ea typeface="Courier New"/>
-                <a:cs typeface="Courier New"/>
-                <a:sym typeface="Courier New"/>
-              </a:rPr>
-              <a:t>elif age &lt; 100:</a:t>
-            </a:r>
-          </a:p>
-          <a:p>
-            <a:pPr marL="0" lvl="0" indent="0">
-              <a:buNone/>
-            </a:pPr>
-            <a:r>
-              <a:rPr lang="en" dirty="0">
-                <a:latin typeface="Courier New"/>
-                <a:ea typeface="Courier New"/>
-                <a:cs typeface="Courier New"/>
-                <a:sym typeface="Courier New"/>
-              </a:rPr>
-              <a:t>		</a:t>
-            </a:r>
-            <a:r>
-              <a:rPr lang="en" dirty="0" smtClean="0">
-                <a:latin typeface="Courier New"/>
-                <a:ea typeface="Courier New"/>
-                <a:cs typeface="Courier New"/>
-                <a:sym typeface="Courier New"/>
-              </a:rPr>
-              <a:t>print(</a:t>
-            </a:r>
-            <a:r>
-              <a:rPr lang="en" dirty="0">
-                <a:latin typeface="Courier New"/>
-                <a:ea typeface="Courier New"/>
-                <a:cs typeface="Courier New"/>
-                <a:sym typeface="Courier New"/>
-              </a:rPr>
-              <a:t>"</a:t>
-            </a:r>
-            <a:r>
-              <a:rPr lang="en" dirty="0" smtClean="0">
-                <a:latin typeface="Courier New"/>
-                <a:ea typeface="Courier New"/>
-                <a:cs typeface="Courier New"/>
-                <a:sym typeface="Courier New"/>
-              </a:rPr>
-              <a:t>Have a drink on us!")</a:t>
-            </a:r>
-            <a:endParaRPr lang="en" sz="1800" dirty="0" smtClean="0">
-              <a:latin typeface="Courier New"/>
-              <a:ea typeface="Courier New"/>
-              <a:cs typeface="Courier New"/>
-              <a:sym typeface="Courier New"/>
-            </a:endParaRPr>
-          </a:p>
-          <a:p>
-            <a:pPr marL="0" lvl="0" indent="457200" rtl="0">
-              <a:spcBef>
-                <a:spcPts val="0"/>
-              </a:spcBef>
-              <a:buNone/>
-            </a:pPr>
-            <a:r>
-              <a:rPr lang="en" sz="1800" dirty="0" smtClean="0">
-                <a:latin typeface="Courier New"/>
-                <a:ea typeface="Courier New"/>
-                <a:cs typeface="Courier New"/>
-                <a:sym typeface="Courier New"/>
-              </a:rPr>
-              <a:t>else:</a:t>
-            </a:r>
-          </a:p>
-          <a:p>
-            <a:pPr marL="0" lvl="0" indent="457200">
-              <a:buNone/>
-            </a:pPr>
-            <a:r>
-              <a:rPr lang="en" sz="1800" dirty="0">
-                <a:latin typeface="Courier New"/>
-                <a:ea typeface="Courier New"/>
-                <a:cs typeface="Courier New"/>
-                <a:sym typeface="Courier New"/>
-              </a:rPr>
-              <a:t>	</a:t>
-            </a:r>
-            <a:r>
-              <a:rPr lang="en" sz="1800" dirty="0" smtClean="0">
-                <a:latin typeface="Courier New"/>
-                <a:ea typeface="Courier New"/>
-                <a:cs typeface="Courier New"/>
-                <a:sym typeface="Courier New"/>
-              </a:rPr>
-              <a:t>print(</a:t>
-            </a:r>
-            <a:r>
-              <a:rPr lang="en" dirty="0" smtClean="0">
-                <a:latin typeface="Courier New"/>
-                <a:ea typeface="Courier New"/>
-                <a:cs typeface="Courier New"/>
-                <a:sym typeface="Courier New"/>
-              </a:rPr>
-              <a:t>“Wow, have two drinks </a:t>
-            </a:r>
-            <a:r>
-              <a:rPr lang="en" sz="1800" dirty="0" smtClean="0">
-                <a:latin typeface="Courier New"/>
-                <a:ea typeface="Courier New"/>
-                <a:cs typeface="Courier New"/>
-                <a:sym typeface="Courier New"/>
-              </a:rPr>
-              <a:t>on </a:t>
-            </a:r>
-            <a:r>
-              <a:rPr lang="en" sz="1800" dirty="0">
-                <a:latin typeface="Courier New"/>
-                <a:ea typeface="Courier New"/>
-                <a:cs typeface="Courier New"/>
-                <a:sym typeface="Courier New"/>
-              </a:rPr>
-              <a:t>us</a:t>
-            </a:r>
-            <a:r>
-              <a:rPr lang="en" sz="1800" dirty="0" smtClean="0">
-                <a:latin typeface="Courier New"/>
-                <a:ea typeface="Courier New"/>
-                <a:cs typeface="Courier New"/>
-                <a:sym typeface="Courier New"/>
-              </a:rPr>
-              <a:t>!</a:t>
-            </a:r>
-            <a:r>
-              <a:rPr lang="en" dirty="0" smtClean="0">
-                <a:latin typeface="Courier New"/>
-                <a:ea typeface="Courier New"/>
-                <a:cs typeface="Courier New"/>
-                <a:sym typeface="Courier New"/>
-              </a:rPr>
-              <a:t>"</a:t>
-            </a:r>
-            <a:r>
-              <a:rPr lang="en" sz="1800" dirty="0" smtClean="0">
-                <a:latin typeface="Courier New"/>
-                <a:ea typeface="Courier New"/>
-                <a:cs typeface="Courier New"/>
-                <a:sym typeface="Courier New"/>
-              </a:rPr>
-              <a:t>)</a:t>
-            </a:r>
-            <a:endParaRPr lang="en" sz="1800" dirty="0">
-              <a:latin typeface="Courier New"/>
-              <a:ea typeface="Courier New"/>
-              <a:cs typeface="Courier New"/>
-              <a:sym typeface="Courier New"/>
-            </a:endParaRPr>
-          </a:p>
-          <a:p>
-            <a:pPr marL="0" indent="0" rtl="0">
-              <a:spcBef>
-                <a:spcPts val="0"/>
-              </a:spcBef>
-              <a:buNone/>
-            </a:pPr>
-            <a:endParaRPr sz="2200" dirty="0"/>
-          </a:p>
-          <a:p>
-            <a:pPr marL="38100" lvl="0" indent="0" rtl="0">
-              <a:spcBef>
-                <a:spcPts val="0"/>
-              </a:spcBef>
-              <a:buClr>
-                <a:schemeClr val="dk1"/>
-              </a:buClr>
-              <a:buSzPct val="100000"/>
-              <a:buNone/>
-            </a:pPr>
-            <a:endParaRPr lang="en" b="1" dirty="0" smtClean="0"/>
-          </a:p>
-          <a:p>
-            <a:pPr marL="38100" lvl="0" indent="0" rtl="0">
-              <a:spcBef>
-                <a:spcPts val="0"/>
-              </a:spcBef>
-              <a:buClr>
-                <a:schemeClr val="dk1"/>
-              </a:buClr>
-              <a:buSzPct val="100000"/>
-              <a:buNone/>
-            </a:pPr>
-            <a:r>
-              <a:rPr lang="en" b="1" dirty="0" smtClean="0">
-                <a:solidFill>
-                  <a:schemeClr val="accent1">
-                    <a:lumMod val="60000"/>
-                    <a:lumOff val="40000"/>
-                  </a:schemeClr>
-                </a:solidFill>
-              </a:rPr>
-              <a:t>Question</a:t>
-            </a:r>
-            <a:r>
-              <a:rPr lang="en" dirty="0" smtClean="0">
-                <a:solidFill>
-                  <a:schemeClr val="accent1">
-                    <a:lumMod val="60000"/>
-                    <a:lumOff val="40000"/>
-                  </a:schemeClr>
-                </a:solidFill>
-              </a:rPr>
-              <a:t> - How </a:t>
-            </a:r>
-            <a:r>
-              <a:rPr lang="en" dirty="0">
-                <a:solidFill>
-                  <a:schemeClr val="accent1">
-                    <a:lumMod val="60000"/>
-                    <a:lumOff val="40000"/>
-                  </a:schemeClr>
-                </a:solidFill>
-              </a:rPr>
-              <a:t>do we make decisions in </a:t>
-            </a:r>
-            <a:r>
-              <a:rPr lang="en" dirty="0" smtClean="0">
-                <a:solidFill>
-                  <a:schemeClr val="accent1">
-                    <a:lumMod val="60000"/>
-                    <a:lumOff val="40000"/>
-                  </a:schemeClr>
-                </a:solidFill>
-              </a:rPr>
-              <a:t>PsychoPy?</a:t>
-            </a:r>
-          </a:p>
-          <a:p>
-            <a:pPr marL="38100" lvl="0" indent="0" rtl="0">
-              <a:spcBef>
-                <a:spcPts val="0"/>
-              </a:spcBef>
-              <a:buClr>
-                <a:schemeClr val="dk1"/>
-              </a:buClr>
-              <a:buSzPct val="100000"/>
-              <a:buNone/>
-            </a:pPr>
-            <a:endParaRPr lang="en" dirty="0"/>
-          </a:p>
-          <a:p>
-            <a:pPr marL="38100" lvl="0" indent="0" rtl="0">
-              <a:spcBef>
-                <a:spcPts val="0"/>
-              </a:spcBef>
-              <a:buClr>
-                <a:schemeClr val="dk1"/>
-              </a:buClr>
-              <a:buSzPct val="100000"/>
-              <a:buNone/>
-            </a:pPr>
-            <a:r>
-              <a:rPr lang="en" b="1" dirty="0" smtClean="0">
-                <a:solidFill>
-                  <a:srgbClr val="FF0000"/>
-                </a:solidFill>
-              </a:rPr>
-              <a:t>Answer</a:t>
-            </a:r>
-            <a:r>
-              <a:rPr lang="en" dirty="0" smtClean="0">
-                <a:solidFill>
-                  <a:srgbClr val="FF0000"/>
-                </a:solidFill>
-              </a:rPr>
-              <a:t> - Using code blocks!</a:t>
-            </a:r>
-            <a:endParaRPr lang="en" dirty="0">
-              <a:solidFill>
-                <a:srgbClr val="FF0000"/>
-              </a:solidFill>
-            </a:endParaRPr>
-          </a:p>
-        </p:txBody>
-      </p:sp>
-    </p:spTree>
-    <p:extLst>
-      <p:ext uri="{BB962C8B-B14F-4D97-AF65-F5344CB8AC3E}">
-        <p14:creationId xmlns:p14="http://schemas.microsoft.com/office/powerpoint/2010/main" val="3083786256"/>
-      </p:ext>
-    </p:extLst>
-  </p:cSld>
-  <p:clrMapOvr>
-    <a:masterClrMapping/>
-  </p:clrMapOvr>
-  <p:transition spd="slow">
-    <p:cut/>
-  </p:transition>
-  <p:timing>
-    <p:tnLst>
-      <p:par>
-        <p:cTn id="1" dur="indefinite" restart="never" nodeType="tmRoot"/>
-      </p:par>
-    </p:tnLst>
-  </p:timing>
-</p:sld>
-</file>
-
-<file path=ppt/slides/slide17.xml><?xml version="1.0" encoding="utf-8"?>
-<p:sld xmlns:a="http://schemas.openxmlformats.org/drawingml/2006/main" xmlns:r="http://schemas.openxmlformats.org/officeDocument/2006/relationships" xmlns:p="http://schemas.openxmlformats.org/presentationml/2006/main">
-  <p:cSld>
-    <p:spTree>
-      <p:nvGrpSpPr>
-        <p:cNvPr id="1" name=""/>
-        <p:cNvGrpSpPr/>
-        <p:nvPr/>
-      </p:nvGrpSpPr>
-      <p:grpSpPr>
-        <a:xfrm>
-          <a:off x="0" y="0"/>
-          <a:ext cx="0" cy="0"/>
-          <a:chOff x="0" y="0"/>
-          <a:chExt cx="0" cy="0"/>
-        </a:xfrm>
-      </p:grpSpPr>
-      <p:sp>
-        <p:nvSpPr>
-          <p:cNvPr id="2" name="Title 1"/>
-          <p:cNvSpPr>
-            <a:spLocks noGrp="1"/>
-          </p:cNvSpPr>
-          <p:nvPr>
-            <p:ph type="title"/>
-          </p:nvPr>
-        </p:nvSpPr>
-        <p:spPr/>
-        <p:txBody>
           <a:bodyPr>
             <a:normAutofit fontScale="90000"/>
           </a:bodyPr>
@@ -9776,11 +9076,7 @@
             </a:pPr>
             <a:r>
               <a:rPr lang="en-GB" dirty="0" smtClean="0"/>
-              <a:t>spend </a:t>
-            </a:r>
-            <a:r>
-              <a:rPr lang="en-GB" dirty="0"/>
-              <a:t>the next </a:t>
+              <a:t>spend approximately </a:t>
             </a:r>
             <a:r>
               <a:rPr lang="en-GB" b="1" dirty="0" smtClean="0">
@@ -9788,7 +9084,7 @@
                   <a:srgbClr val="FF0000"/>
                 </a:solidFill>
               </a:rPr>
-              <a:t>5-10 </a:t>
+              <a:t>5 </a:t>
             </a:r>
             <a:r>
               <a:rPr lang="en-GB" b="1" dirty="0">
@@ -9830,7 +9126,7 @@
             </a:r>
             <a:r>
               <a:rPr lang="en-GB" dirty="0" smtClean="0"/>
-              <a:t>Excel data file read?</a:t>
+              <a:t>Excel data file read in?</a:t>
             </a:r>
             <a:endParaRPr lang="en-GB" dirty="0"/>
           </a:p>
@@ -10022,7 +9318,7 @@
 </p:sld>
 </file>
 
-<file path=ppt/slides/slide18.xml><?xml version="1.0" encoding="utf-8"?>
+<file path=ppt/slides/slide15.xml><?xml version="1.0" encoding="utf-8"?>
 <p:sld xmlns:a="http://schemas.openxmlformats.org/drawingml/2006/main" xmlns:r="http://schemas.openxmlformats.org/officeDocument/2006/relationships" xmlns:p="http://schemas.openxmlformats.org/presentationml/2006/main">
   <p:cSld>
     <p:spTree>
@@ -10052,22 +9348,15 @@
         <p:spPr/>
         <p:txBody>
           <a:bodyPr>
-            <a:normAutofit fontScale="90000"/>
+            <a:normAutofit/>
           </a:bodyPr>
           <a:lstStyle/>
           <a:p>
             <a:r>
-              <a:rPr lang="en-GB" dirty="0" smtClean="0"/>
-              <a:t>Adding functionality </a:t>
-            </a:r>
-            <a:br>
-              <a:rPr lang="en-GB" dirty="0" smtClean="0"/>
-            </a:br>
-            <a:r>
-              <a:rPr lang="en-GB" dirty="0" smtClean="0"/>
-              <a:t>via code blocks</a:t>
-            </a:r>
-            <a:endParaRPr lang="en-US" dirty="0"/>
+              <a:rPr lang="en-GB" b="1" dirty="0" smtClean="0"/>
+              <a:t>Functions</a:t>
+            </a:r>
+            <a:endParaRPr lang="en-US" b="1" dirty="0"/>
           </a:p>
         </p:txBody>
       </p:sp>
@@ -10089,312 +9378,141 @@
             <a:pPr marL="0" indent="0">
               <a:buNone/>
             </a:pPr>
-            <a:r>
-              <a:rPr lang="en-GB" dirty="0" smtClean="0"/>
-              <a:t>You can add functionality to </a:t>
-            </a:r>
-            <a:r>
-              <a:rPr lang="en-GB" dirty="0" err="1" smtClean="0"/>
-              <a:t>PsychoPy</a:t>
-            </a:r>
-            <a:r>
-              <a:rPr lang="en-GB" dirty="0" smtClean="0"/>
-              <a:t> in a number of ways:</a:t>
-            </a:r>
-          </a:p>
-          <a:p>
-            <a:pPr marL="0" indent="0">
-              <a:buNone/>
-            </a:pPr>
             <a:endParaRPr lang="en-GB" dirty="0" smtClean="0"/>
           </a:p>
           <a:p>
             <a:r>
-              <a:rPr lang="en-GB" dirty="0" smtClean="0"/>
-              <a:t>Not just by creating our own snippets of code like we did previously</a:t>
-            </a:r>
-          </a:p>
-          <a:p>
-            <a:r>
-              <a:rPr lang="en-GB" dirty="0" smtClean="0"/>
-              <a:t>But also by bringing in other people’s ready-made code</a:t>
-            </a:r>
-          </a:p>
-          <a:p>
-            <a:r>
-              <a:rPr lang="en-GB" dirty="0" smtClean="0"/>
-              <a:t>Thanks to </a:t>
-            </a:r>
-            <a:r>
-              <a:rPr lang="en-GB" dirty="0" err="1" smtClean="0"/>
-              <a:t>PsychoPy</a:t>
-            </a:r>
-            <a:r>
-              <a:rPr lang="en-GB" dirty="0" smtClean="0"/>
-              <a:t> being built on Python, we can:</a:t>
-            </a:r>
-          </a:p>
-          <a:p>
-            <a:pPr lvl="1">
-              <a:buFont typeface="Courier New" panose="02070309020205020404" pitchFamily="49" charset="0"/>
-              <a:buChar char="o"/>
-            </a:pPr>
+              <a:rPr lang="en-GB" sz="2000" dirty="0" smtClean="0"/>
+              <a:t>A </a:t>
+            </a:r>
+            <a:r>
+              <a:rPr lang="en-GB" sz="2000" b="1" dirty="0" smtClean="0"/>
+              <a:t>“container” </a:t>
+            </a:r>
+            <a:r>
+              <a:rPr lang="en-GB" sz="2000" dirty="0" smtClean="0"/>
+              <a:t>of reusable code that does </a:t>
+            </a:r>
+            <a:r>
+              <a:rPr lang="en-GB" sz="2000" b="1" dirty="0" smtClean="0"/>
+              <a:t>“something”</a:t>
+            </a:r>
+          </a:p>
+          <a:p>
+            <a:r>
+              <a:rPr lang="en-GB" sz="2000" dirty="0" smtClean="0"/>
+              <a:t>Defined under a given name</a:t>
+            </a:r>
+          </a:p>
+          <a:p>
+            <a:r>
+              <a:rPr lang="en-GB" sz="2000" dirty="0" smtClean="0"/>
+              <a:t>Benefits:</a:t>
+            </a:r>
+          </a:p>
+          <a:p>
+            <a:pPr lvl="1"/>
             <a:r>
               <a:rPr lang="en-GB" sz="1800" dirty="0" smtClean="0"/>
-              <a:t>Import from libraries/3</a:t>
-            </a:r>
-            <a:r>
-              <a:rPr lang="en-GB" sz="1800" baseline="30000" dirty="0" smtClean="0"/>
-              <a:t>rd</a:t>
-            </a:r>
+              <a:t>Write once, use many times</a:t>
+            </a:r>
+          </a:p>
+          <a:p>
+            <a:pPr lvl="1"/>
             <a:r>
               <a:rPr lang="en-GB" sz="1800" dirty="0" smtClean="0"/>
-              <a:t> party code</a:t>
-            </a:r>
-          </a:p>
-          <a:p>
-            <a:pPr lvl="1">
-              <a:buFont typeface="Courier New" panose="02070309020205020404" pitchFamily="49" charset="0"/>
-              <a:buChar char="o"/>
-            </a:pPr>
+              <a:t>Reduces redundancy and repetition</a:t>
+            </a:r>
+          </a:p>
+          <a:p>
+            <a:pPr lvl="1"/>
             <a:r>
               <a:rPr lang="en-GB" sz="1800" dirty="0" smtClean="0"/>
-              <a:t>Use custom </a:t>
-            </a:r>
-            <a:r>
-              <a:rPr lang="en-GB" sz="1800" dirty="0" smtClean="0">
-                <a:solidFill>
-                  <a:srgbClr val="FF0000"/>
-                </a:solidFill>
-              </a:rPr>
-              <a:t>functions</a:t>
-            </a:r>
+              <a:t>Declutters your program</a:t>
+            </a:r>
+          </a:p>
+          <a:p>
+            <a:pPr lvl="1"/>
             <a:r>
               <a:rPr lang="en-GB" sz="1800" dirty="0" smtClean="0"/>
-              <a:t> (either our own or outsourced)</a:t>
-            </a:r>
-          </a:p>
-        </p:txBody>
-      </p:sp>
-    </p:spTree>
-    <p:extLst>
-      <p:ext uri="{BB962C8B-B14F-4D97-AF65-F5344CB8AC3E}">
-        <p14:creationId xmlns:p14="http://schemas.microsoft.com/office/powerpoint/2010/main" val="2712944621"/>
-      </p:ext>
-    </p:extLst>
-  </p:cSld>
-  <p:clrMapOvr>
-    <a:masterClrMapping/>
-  </p:clrMapOvr>
-  <p:timing>
-    <p:tnLst>
-      <p:par>
-        <p:cTn id="1" dur="indefinite" restart="never" nodeType="tmRoot"/>
-      </p:par>
-    </p:tnLst>
-  </p:timing>
-</p:sld>
-</file>
-
-<file path=ppt/slides/slide19.xml><?xml version="1.0" encoding="utf-8"?>
-<p:sld xmlns:a="http://schemas.openxmlformats.org/drawingml/2006/main" xmlns:r="http://schemas.openxmlformats.org/officeDocument/2006/relationships" xmlns:p="http://schemas.openxmlformats.org/presentationml/2006/main">
-  <p:cSld>
-    <p:spTree>
-      <p:nvGrpSpPr>
-        <p:cNvPr id="1" name=""/>
-        <p:cNvGrpSpPr/>
-        <p:nvPr/>
-      </p:nvGrpSpPr>
-      <p:grpSpPr>
-        <a:xfrm>
-          <a:off x="0" y="0"/>
-          <a:ext cx="0" cy="0"/>
-          <a:chOff x="0" y="0"/>
-          <a:chExt cx="0" cy="0"/>
-        </a:xfrm>
-      </p:grpSpPr>
-      <p:sp>
-        <p:nvSpPr>
-          <p:cNvPr id="2" name="Title 1"/>
-          <p:cNvSpPr>
-            <a:spLocks noGrp="1"/>
-          </p:cNvSpPr>
-          <p:nvPr>
-            <p:ph type="title"/>
-          </p:nvPr>
-        </p:nvSpPr>
-        <p:spPr/>
-        <p:txBody>
-          <a:bodyPr>
-            <a:normAutofit/>
-          </a:bodyPr>
-          <a:lstStyle/>
-          <a:p>
-            <a:r>
-              <a:rPr lang="en-GB" dirty="0" smtClean="0"/>
-              <a:t>What are </a:t>
-            </a:r>
-            <a:r>
-              <a:rPr lang="en-GB" b="1" dirty="0" smtClean="0"/>
-              <a:t>functions?</a:t>
-            </a:r>
-            <a:endParaRPr lang="en-US" b="1" dirty="0"/>
-          </a:p>
-        </p:txBody>
-      </p:sp>
-      <p:sp>
-        <p:nvSpPr>
-          <p:cNvPr id="3" name="Text Placeholder 2"/>
-          <p:cNvSpPr>
-            <a:spLocks noGrp="1"/>
-          </p:cNvSpPr>
-          <p:nvPr>
-            <p:ph type="body" idx="1"/>
-          </p:nvPr>
-        </p:nvSpPr>
-        <p:spPr/>
-        <p:txBody>
-          <a:bodyPr/>
-          <a:lstStyle/>
-          <a:p>
-            <a:pPr marL="0" indent="0">
-              <a:buNone/>
-            </a:pPr>
-            <a:endParaRPr lang="en-GB" dirty="0" smtClean="0"/>
-          </a:p>
-          <a:p>
-            <a:r>
-              <a:rPr lang="en-GB" dirty="0" smtClean="0"/>
-              <a:t>A </a:t>
-            </a:r>
-            <a:r>
-              <a:rPr lang="en-GB" b="1" dirty="0" smtClean="0"/>
-              <a:t>“container” </a:t>
-            </a:r>
-            <a:r>
-              <a:rPr lang="en-GB" dirty="0" smtClean="0"/>
-              <a:t>of reusable code that does </a:t>
-            </a:r>
-            <a:r>
-              <a:rPr lang="en-GB" b="1" dirty="0" smtClean="0"/>
-              <a:t>“something”</a:t>
-            </a:r>
-          </a:p>
-          <a:p>
-            <a:r>
-              <a:rPr lang="en-GB" dirty="0" smtClean="0"/>
-              <a:t>Defined under a given (sensible) name</a:t>
-            </a:r>
-          </a:p>
-          <a:p>
-            <a:r>
-              <a:rPr lang="en-GB" dirty="0" smtClean="0"/>
-              <a:t>Benefits:</a:t>
+              <a:t>Only runs when called</a:t>
+            </a:r>
+          </a:p>
+          <a:p>
+            <a:r>
+              <a:rPr lang="en-GB" sz="2000" dirty="0" smtClean="0"/>
+              <a:t>Variables can be passed to a function</a:t>
             </a:r>
           </a:p>
           <a:p>
             <a:pPr lvl="1"/>
             <a:r>
-              <a:rPr lang="en-GB" dirty="0" smtClean="0"/>
-              <a:t>Write once, use many times</a:t>
+              <a:rPr lang="en-GB" sz="1800" dirty="0" smtClean="0"/>
+              <a:t>Called “parameters”</a:t>
+            </a:r>
+          </a:p>
+          <a:p>
+            <a:r>
+              <a:rPr lang="en-GB" sz="2000" dirty="0" smtClean="0"/>
+              <a:t>Functions always give back something</a:t>
             </a:r>
           </a:p>
           <a:p>
             <a:pPr lvl="1"/>
             <a:r>
-              <a:rPr lang="en-GB" dirty="0" smtClean="0"/>
-              <a:t>Reduces redundancy and repetition</a:t>
-            </a:r>
-          </a:p>
-          <a:p>
-            <a:pPr lvl="1"/>
-            <a:r>
-              <a:rPr lang="en-GB" dirty="0" smtClean="0"/>
-              <a:t>Declutters your program</a:t>
-            </a:r>
-          </a:p>
-          <a:p>
-            <a:pPr lvl="1"/>
-            <a:r>
-              <a:rPr lang="en-GB" dirty="0" smtClean="0"/>
-              <a:t>Only runs when called</a:t>
-            </a:r>
-          </a:p>
-          <a:p>
-            <a:r>
-              <a:rPr lang="en-GB" dirty="0" smtClean="0"/>
-              <a:t>Variables can be passed to a function</a:t>
-            </a:r>
-          </a:p>
-          <a:p>
-            <a:pPr lvl="1"/>
-            <a:r>
-              <a:rPr lang="en-GB" dirty="0" smtClean="0"/>
-              <a:t>Called “parameters”</a:t>
-            </a:r>
-          </a:p>
-          <a:p>
-            <a:r>
-              <a:rPr lang="en-GB" dirty="0" smtClean="0"/>
-              <a:t>Functions always give back something</a:t>
-            </a:r>
-          </a:p>
-          <a:p>
-            <a:pPr lvl="1"/>
-            <a:r>
-              <a:rPr lang="en-GB" dirty="0" smtClean="0"/>
+              <a:rPr lang="en-GB" sz="1800" dirty="0" smtClean="0"/>
               <a:t>A value of some kind, depending what the purpose of the function is.</a:t>
             </a:r>
           </a:p>
           <a:p>
             <a:r>
-              <a:rPr lang="en-GB" b="1" dirty="0" err="1" smtClean="0">
+              <a:rPr lang="en-GB" sz="2000" b="1" dirty="0" err="1" smtClean="0">
                 <a:latin typeface="Courier New" panose="02070309020205020404" pitchFamily="49" charset="0"/>
                 <a:cs typeface="Courier New" panose="02070309020205020404" pitchFamily="49" charset="0"/>
               </a:rPr>
               <a:t>int</a:t>
             </a:r>
             <a:r>
-              <a:rPr lang="en-GB" b="1" dirty="0" smtClean="0">
+              <a:rPr lang="en-GB" sz="2000" b="1" dirty="0" smtClean="0">
                 <a:latin typeface="Courier New" panose="02070309020205020404" pitchFamily="49" charset="0"/>
                 <a:cs typeface="Courier New" panose="02070309020205020404" pitchFamily="49" charset="0"/>
               </a:rPr>
               <a:t>() </a:t>
             </a:r>
             <a:r>
-              <a:rPr lang="en-GB" b="1" dirty="0" smtClean="0"/>
+              <a:rPr lang="en-GB" sz="2000" b="1" dirty="0" smtClean="0"/>
               <a:t>and </a:t>
             </a:r>
             <a:r>
-              <a:rPr lang="en-GB" b="1" dirty="0" err="1" smtClean="0">
+              <a:rPr lang="en-GB" sz="2000" b="1" dirty="0" err="1" smtClean="0">
                 <a:latin typeface="Courier New" panose="02070309020205020404" pitchFamily="49" charset="0"/>
                 <a:cs typeface="Courier New" panose="02070309020205020404" pitchFamily="49" charset="0"/>
               </a:rPr>
               <a:t>str</a:t>
             </a:r>
             <a:r>
-              <a:rPr lang="en-GB" b="1" dirty="0" smtClean="0">
+              <a:rPr lang="en-GB" sz="2000" b="1" dirty="0" smtClean="0">
                 <a:latin typeface="Courier New" panose="02070309020205020404" pitchFamily="49" charset="0"/>
                 <a:cs typeface="Courier New" panose="02070309020205020404" pitchFamily="49" charset="0"/>
               </a:rPr>
               <a:t>() </a:t>
             </a:r>
             <a:r>
-              <a:rPr lang="en-GB" b="1" dirty="0" smtClean="0"/>
+              <a:rPr lang="en-GB" sz="2000" b="1" dirty="0" smtClean="0"/>
               <a:t>are Python functions!</a:t>
             </a:r>
           </a:p>
           <a:p>
             <a:pPr lvl="1"/>
             <a:r>
-              <a:rPr lang="en-GB" dirty="0" smtClean="0"/>
+              <a:rPr lang="en-GB" sz="1800" dirty="0" smtClean="0"/>
               <a:t>They take a value</a:t>
             </a:r>
           </a:p>
           <a:p>
             <a:pPr lvl="1"/>
             <a:r>
-              <a:rPr lang="en-GB" dirty="0" smtClean="0"/>
+              <a:rPr lang="en-GB" sz="1800" dirty="0" smtClean="0"/>
               <a:t>They give back either an integer or string value</a:t>
             </a:r>
           </a:p>
@@ -10426,156 +9544,7 @@
 </p:sld>
 </file>
 
-<file path=ppt/slides/slide2.xml><?xml version="1.0" encoding="utf-8"?>
-<p:sld xmlns:a="http://schemas.openxmlformats.org/drawingml/2006/main" xmlns:r="http://schemas.openxmlformats.org/officeDocument/2006/relationships" xmlns:p="http://schemas.openxmlformats.org/presentationml/2006/main">
-  <p:cSld>
-    <p:spTree>
-      <p:nvGrpSpPr>
-        <p:cNvPr id="1" name=""/>
-        <p:cNvGrpSpPr/>
-        <p:nvPr/>
-      </p:nvGrpSpPr>
-      <p:grpSpPr>
-        <a:xfrm>
-          <a:off x="0" y="0"/>
-          <a:ext cx="0" cy="0"/>
-          <a:chOff x="0" y="0"/>
-          <a:chExt cx="0" cy="0"/>
-        </a:xfrm>
-      </p:grpSpPr>
-      <p:sp>
-        <p:nvSpPr>
-          <p:cNvPr id="2" name="Title 1"/>
-          <p:cNvSpPr>
-            <a:spLocks noGrp="1"/>
-          </p:cNvSpPr>
-          <p:nvPr>
-            <p:ph type="title"/>
-          </p:nvPr>
-        </p:nvSpPr>
-        <p:spPr/>
-        <p:txBody>
-          <a:bodyPr/>
-          <a:lstStyle/>
-          <a:p>
-            <a:r>
-              <a:rPr lang="en-GB" dirty="0" smtClean="0"/>
-              <a:t>A quick recap/overview</a:t>
-            </a:r>
-            <a:endParaRPr lang="en-US" dirty="0"/>
-          </a:p>
-        </p:txBody>
-      </p:sp>
-      <p:sp>
-        <p:nvSpPr>
-          <p:cNvPr id="3" name="Text Placeholder 2"/>
-          <p:cNvSpPr>
-            <a:spLocks noGrp="1"/>
-          </p:cNvSpPr>
-          <p:nvPr>
-            <p:ph type="body" idx="1"/>
-          </p:nvPr>
-        </p:nvSpPr>
-        <p:spPr/>
-        <p:txBody>
-          <a:bodyPr/>
-          <a:lstStyle/>
-          <a:p>
-            <a:pPr marL="0" indent="0">
-              <a:buNone/>
-            </a:pPr>
-            <a:r>
-              <a:rPr lang="en-GB" sz="2000" dirty="0" smtClean="0"/>
-              <a:t>Quick recap in </a:t>
-            </a:r>
-            <a:r>
-              <a:rPr lang="en-GB" sz="2000" dirty="0" err="1" smtClean="0"/>
-              <a:t>PsychoPy</a:t>
-            </a:r>
-            <a:r>
-              <a:rPr lang="en-GB" sz="2000" dirty="0" smtClean="0"/>
-              <a:t> of:</a:t>
-            </a:r>
-          </a:p>
-          <a:p>
-            <a:pPr marL="0" indent="0">
-              <a:buNone/>
-            </a:pPr>
-            <a:endParaRPr lang="en-GB" dirty="0" smtClean="0"/>
-          </a:p>
-          <a:p>
-            <a:r>
-              <a:rPr lang="en-GB" sz="2000" b="1" dirty="0" smtClean="0"/>
-              <a:t>Routines</a:t>
-            </a:r>
-          </a:p>
-          <a:p>
-            <a:r>
-              <a:rPr lang="en-GB" sz="2000" b="1" dirty="0" smtClean="0"/>
-              <a:t>Timelines</a:t>
-            </a:r>
-          </a:p>
-          <a:p>
-            <a:r>
-              <a:rPr lang="en-GB" sz="2000" b="1" dirty="0" smtClean="0"/>
-              <a:t>Basic components</a:t>
-            </a:r>
-          </a:p>
-          <a:p>
-            <a:r>
-              <a:rPr lang="en-GB" sz="2000" b="1" dirty="0" smtClean="0"/>
-              <a:t>Paths (relative/full) – came up last week</a:t>
-            </a:r>
-          </a:p>
-          <a:p>
-            <a:endParaRPr lang="en-GB" sz="2000" b="1" dirty="0"/>
-          </a:p>
-          <a:p>
-            <a:pPr marL="0" indent="0">
-              <a:buNone/>
-            </a:pPr>
-            <a:r>
-              <a:rPr lang="en-GB" sz="2000" b="1" dirty="0" smtClean="0">
-                <a:solidFill>
-                  <a:srgbClr val="FF0000"/>
-                </a:solidFill>
-              </a:rPr>
-              <a:t>(DEMO)</a:t>
-            </a:r>
-          </a:p>
-          <a:p>
-            <a:pPr lvl="1"/>
-            <a:endParaRPr lang="en-GB" sz="1800" dirty="0"/>
-          </a:p>
-          <a:p>
-            <a:pPr marL="457200" lvl="1" indent="0">
-              <a:buNone/>
-            </a:pPr>
-            <a:endParaRPr lang="en-GB" dirty="0" smtClean="0"/>
-          </a:p>
-        </p:txBody>
-      </p:sp>
-    </p:spTree>
-    <p:extLst>
-      <p:ext uri="{BB962C8B-B14F-4D97-AF65-F5344CB8AC3E}">
-        <p14:creationId xmlns:p14="http://schemas.microsoft.com/office/powerpoint/2010/main" val="3424337846"/>
-      </p:ext>
-    </p:extLst>
-  </p:cSld>
-  <p:clrMapOvr>
-    <a:masterClrMapping/>
-  </p:clrMapOvr>
-  <p:timing>
-    <p:tnLst>
-      <p:par>
-        <p:cTn id="1" dur="indefinite" restart="never" nodeType="tmRoot"/>
-      </p:par>
-    </p:tnLst>
-  </p:timing>
-</p:sld>
-</file>
-
-<file path=ppt/slides/slide20.xml><?xml version="1.0" encoding="utf-8"?>
+<file path=ppt/slides/slide16.xml><?xml version="1.0" encoding="utf-8"?>
 <p:sld xmlns:a="http://schemas.openxmlformats.org/drawingml/2006/main" xmlns:r="http://schemas.openxmlformats.org/officeDocument/2006/relationships" xmlns:p="http://schemas.openxmlformats.org/presentationml/2006/main">
   <p:cSld>
     <p:spTree>
@@ -10709,7 +9678,23 @@
             </a:pPr>
             <a:r>
               <a:rPr lang="en-GB" dirty="0"/>
-              <a:t>spend the next </a:t>
+              <a:t>spend </a:t>
+            </a:r>
+            <a:r>
+              <a:rPr lang="en-GB" dirty="0" smtClean="0"/>
+              <a:t>approximately </a:t>
+            </a:r>
+            <a:r>
+              <a:rPr lang="en-GB" dirty="0"/>
+              <a:t>next </a:t>
+            </a:r>
+            <a:r>
+              <a:rPr lang="en-GB" b="1" dirty="0" smtClean="0">
+                <a:solidFill>
+                  <a:srgbClr val="FF0000"/>
+                </a:solidFill>
+              </a:rPr>
+              <a:t>5 </a:t>
             </a:r>
             <a:r>
               <a:rPr lang="en-GB" b="1" dirty="0">
@@ -10717,7 +9702,7 @@
                   <a:srgbClr val="FF0000"/>
                 </a:solidFill>
               </a:rPr>
-              <a:t>5-10 minutes </a:t>
+              <a:t>minutes </a:t>
             </a:r>
             <a:r>
               <a:rPr lang="en-GB" dirty="0"/>
@@ -10740,35 +9725,35 @@
           </a:p>
           <a:p>
             <a:r>
-              <a:rPr lang="en-US" sz="1600" dirty="0"/>
+              <a:rPr lang="en-US" dirty="0"/>
               <a:t>Run </a:t>
             </a:r>
             <a:r>
-              <a:rPr lang="en-US" sz="1600" dirty="0" smtClean="0"/>
+              <a:rPr lang="en-US" dirty="0" smtClean="0"/>
               <a:t>experiment </a:t>
             </a:r>
             <a:r>
-              <a:rPr lang="en-US" sz="1600" dirty="0"/>
+              <a:rPr lang="en-US" dirty="0"/>
               <a:t>to check what </a:t>
             </a:r>
             <a:r>
-              <a:rPr lang="en-US" sz="1600" dirty="0" smtClean="0"/>
+              <a:rPr lang="en-US" dirty="0" smtClean="0"/>
               <a:t>happens</a:t>
             </a:r>
-            <a:endParaRPr lang="en" sz="1600" dirty="0" smtClean="0"/>
+            <a:endParaRPr lang="en" dirty="0" smtClean="0"/>
           </a:p>
           <a:p>
             <a:pPr lvl="0"/>
             <a:r>
-              <a:rPr lang="en" sz="1600" dirty="0" smtClean="0"/>
+              <a:rPr lang="en" dirty="0" smtClean="0"/>
               <a:t>Select </a:t>
             </a:r>
             <a:r>
-              <a:rPr lang="en" sz="1600" dirty="0"/>
+              <a:rPr lang="en" dirty="0"/>
               <a:t>the </a:t>
             </a:r>
             <a:r>
-              <a:rPr lang="en" sz="1600" dirty="0">
+              <a:rPr lang="en" dirty="0">
                 <a:latin typeface="Courier New" panose="02070309020205020404" pitchFamily="49" charset="0"/>
                 <a:ea typeface="Courier New"/>
                 <a:cs typeface="Courier New" panose="02070309020205020404" pitchFamily="49" charset="0"/>
@@ -10777,40 +9762,40 @@
               <a:t>“intro”</a:t>
             </a:r>
             <a:r>
-              <a:rPr lang="en" sz="1600" dirty="0">
+              <a:rPr lang="en" dirty="0">
                 <a:latin typeface="Courier New" panose="02070309020205020404" pitchFamily="49" charset="0"/>
                 <a:cs typeface="Courier New" panose="02070309020205020404" pitchFamily="49" charset="0"/>
               </a:rPr>
               <a:t> </a:t>
             </a:r>
             <a:r>
-              <a:rPr lang="en" sz="1600" dirty="0"/>
+              <a:rPr lang="en" dirty="0"/>
               <a:t>routine and then click on the </a:t>
             </a:r>
             <a:r>
-              <a:rPr lang="en" sz="1600" dirty="0" smtClean="0">
+              <a:rPr lang="en" dirty="0" smtClean="0">
                 <a:latin typeface="Courier New" panose="02070309020205020404" pitchFamily="49" charset="0"/>
                 <a:cs typeface="Courier New" panose="02070309020205020404" pitchFamily="49" charset="0"/>
               </a:rPr>
               <a:t>“code” </a:t>
             </a:r>
             <a:r>
-              <a:rPr lang="en" sz="1600" dirty="0" smtClean="0"/>
+              <a:rPr lang="en" dirty="0" smtClean="0"/>
               <a:t>component</a:t>
             </a:r>
             <a:r>
-              <a:rPr lang="en" sz="1600" dirty="0"/>
+              <a:rPr lang="en" dirty="0"/>
               <a:t>, and then </a:t>
             </a:r>
             <a:r>
-              <a:rPr lang="en" sz="1600" dirty="0">
+              <a:rPr lang="en" dirty="0">
                 <a:latin typeface="Courier New" panose="02070309020205020404" pitchFamily="49" charset="0"/>
                 <a:cs typeface="Courier New" panose="02070309020205020404" pitchFamily="49" charset="0"/>
               </a:rPr>
               <a:t>“begin experiment” </a:t>
             </a:r>
             <a:r>
-              <a:rPr lang="en" sz="1600" dirty="0"/>
+              <a:rPr lang="en" dirty="0"/>
               <a:t>tab</a:t>
             </a:r>
           </a:p>
@@ -10820,7 +9805,7 @@
               <a:buChar char="o"/>
             </a:pPr>
             <a:r>
-              <a:rPr lang="en" sz="1600" dirty="0" smtClean="0"/>
+              <a:rPr lang="en" sz="1800" dirty="0" smtClean="0"/>
               <a:t>Read the comments in green/red.</a:t>
             </a:r>
           </a:p>
@@ -10830,67 +9815,33 @@
               <a:buChar char="o"/>
             </a:pPr>
             <a:r>
-              <a:rPr lang="en" sz="1600" dirty="0" smtClean="0"/>
-              <a:t>What </a:t>
-            </a:r>
-            <a:r>
-              <a:rPr lang="en" sz="1600" dirty="0"/>
-              <a:t>is </a:t>
-            </a:r>
-            <a:r>
-              <a:rPr lang="en" sz="1600" dirty="0" smtClean="0"/>
-              <a:t>single line of code </a:t>
-            </a:r>
-            <a:r>
-              <a:rPr lang="en" sz="1600" dirty="0"/>
-              <a:t>doing</a:t>
-            </a:r>
-            <a:r>
-              <a:rPr lang="en" sz="1600" dirty="0" smtClean="0"/>
-              <a:t>?</a:t>
-            </a:r>
-          </a:p>
-          <a:p>
-            <a:pPr marL="742950" lvl="2" indent="-342900">
-              <a:buFont typeface="Courier New" panose="02070309020205020404" pitchFamily="49" charset="0"/>
-              <a:buChar char="o"/>
-            </a:pPr>
-            <a:r>
-              <a:rPr lang="en" sz="1600" b="1" dirty="0"/>
-              <a:t>Hint</a:t>
-            </a:r>
-            <a:r>
-              <a:rPr lang="en" sz="1600" dirty="0"/>
-              <a:t> </a:t>
-            </a:r>
-            <a:r>
-              <a:rPr lang="en" sz="1600" dirty="0" smtClean="0"/>
-              <a:t>– look for something similarly </a:t>
-            </a:r>
-            <a:r>
-              <a:rPr lang="en" sz="1600" dirty="0"/>
-              <a:t>named inside the experiment </a:t>
-            </a:r>
-            <a:r>
-              <a:rPr lang="en" sz="1600" dirty="0" smtClean="0"/>
-              <a:t>folder.</a:t>
+              <a:rPr lang="en" sz="1800" dirty="0" smtClean="0"/>
+              <a:t>Look for </a:t>
+            </a:r>
+            <a:r>
+              <a:rPr lang="en" sz="1800" b="1" dirty="0" smtClean="0"/>
+              <a:t>month_funcs.py </a:t>
+            </a:r>
+            <a:r>
+              <a:rPr lang="en" sz="1800" dirty="0" smtClean="0"/>
+              <a:t>file in same directory.</a:t>
             </a:r>
           </a:p>
           <a:p>
             <a:pPr marL="342900" lvl="1" indent="-342900"/>
             <a:r>
-              <a:rPr lang="en" dirty="0"/>
+              <a:rPr lang="en" sz="1800" dirty="0"/>
               <a:t>Select </a:t>
             </a:r>
             <a:r>
-              <a:rPr lang="en" dirty="0" smtClean="0">
+              <a:rPr lang="en" sz="1800" dirty="0" smtClean="0">
                 <a:latin typeface="Courier New" panose="02070309020205020404" pitchFamily="49" charset="0"/>
                 <a:cs typeface="Courier New" panose="02070309020205020404" pitchFamily="49" charset="0"/>
               </a:rPr>
               <a:t>“</a:t>
             </a:r>
             <a:r>
-              <a:rPr lang="en" dirty="0" smtClean="0">
+              <a:rPr lang="en" sz="1800" dirty="0" smtClean="0">
                 <a:latin typeface="Courier New" panose="02070309020205020404" pitchFamily="49" charset="0"/>
                 <a:ea typeface="Courier New"/>
                 <a:cs typeface="Courier New" panose="02070309020205020404" pitchFamily="49" charset="0"/>
@@ -10899,29 +9850,29 @@
               <a:t>my_function_test”</a:t>
             </a:r>
             <a:r>
-              <a:rPr lang="en" dirty="0" smtClean="0">
+              <a:rPr lang="en" sz="1800" dirty="0" smtClean="0">
                 <a:latin typeface="Courier New" panose="02070309020205020404" pitchFamily="49" charset="0"/>
                 <a:cs typeface="Courier New" panose="02070309020205020404" pitchFamily="49" charset="0"/>
               </a:rPr>
               <a:t> </a:t>
             </a:r>
             <a:r>
-              <a:rPr lang="en" dirty="0" smtClean="0"/>
+              <a:rPr lang="en" sz="1800" dirty="0" smtClean="0"/>
               <a:t>routine, then </a:t>
             </a:r>
             <a:r>
-              <a:rPr lang="en" dirty="0"/>
+              <a:rPr lang="en" sz="1800" dirty="0"/>
               <a:t>click on the </a:t>
             </a:r>
             <a:r>
-              <a:rPr lang="en" dirty="0" smtClean="0">
+              <a:rPr lang="en" sz="1800" dirty="0" smtClean="0">
                 <a:latin typeface="Courier New" panose="02070309020205020404" pitchFamily="49" charset="0"/>
                 <a:cs typeface="Courier New" panose="02070309020205020404" pitchFamily="49" charset="0"/>
               </a:rPr>
               <a:t>“</a:t>
             </a:r>
             <a:r>
-              <a:rPr lang="en" dirty="0" smtClean="0">
+              <a:rPr lang="en" sz="1800" dirty="0" smtClean="0">
                 <a:latin typeface="Courier New" panose="02070309020205020404" pitchFamily="49" charset="0"/>
                 <a:ea typeface="Courier New"/>
                 <a:cs typeface="Courier New" panose="02070309020205020404" pitchFamily="49" charset="0"/>
@@ -10930,14 +9881,14 @@
               <a:t>text_3”</a:t>
             </a:r>
             <a:r>
-              <a:rPr lang="en" dirty="0" smtClean="0">
+              <a:rPr lang="en" sz="1800" dirty="0" smtClean="0">
                 <a:latin typeface="Courier New" panose="02070309020205020404" pitchFamily="49" charset="0"/>
                 <a:cs typeface="Courier New" panose="02070309020205020404" pitchFamily="49" charset="0"/>
               </a:rPr>
               <a:t> </a:t>
             </a:r>
             <a:r>
-              <a:rPr lang="en" dirty="0" smtClean="0"/>
+              <a:rPr lang="en" sz="1800" dirty="0" smtClean="0"/>
               <a:t>component and observe what is in the Text box</a:t>
             </a:r>
           </a:p>
@@ -10947,14 +9898,14 @@
               <a:buChar char="o"/>
             </a:pPr>
             <a:r>
-              <a:rPr lang="en" sz="1600" dirty="0" smtClean="0">
+              <a:rPr lang="en" sz="1800" dirty="0" smtClean="0">
                 <a:latin typeface="Courier New" panose="02070309020205020404" pitchFamily="49" charset="0"/>
                 <a:cs typeface="Courier New" panose="02070309020205020404" pitchFamily="49" charset="0"/>
               </a:rPr>
               <a:t>getRandomMonthID() </a:t>
             </a:r>
             <a:r>
-              <a:rPr lang="en" sz="1600" dirty="0" smtClean="0"/>
+              <a:rPr lang="en" sz="1800" dirty="0" smtClean="0"/>
               <a:t>will fetch a number from between 0 and 11</a:t>
             </a:r>
           </a:p>
@@ -10964,15 +9915,24 @@
               <a:buChar char="o"/>
             </a:pPr>
             <a:r>
-              <a:rPr lang="en" sz="1600" dirty="0" smtClean="0">
+              <a:rPr lang="en" sz="1800" dirty="0" smtClean="0">
                 <a:latin typeface="Courier New" panose="02070309020205020404" pitchFamily="49" charset="0"/>
                 <a:cs typeface="Courier New" panose="02070309020205020404" pitchFamily="49" charset="0"/>
               </a:rPr>
               <a:t>getMonth() </a:t>
             </a:r>
             <a:r>
-              <a:rPr lang="en" sz="1600" dirty="0" smtClean="0"/>
-              <a:t>takes a number from between 0 and 11 and gives back a text month</a:t>
+              <a:rPr lang="en" sz="1800" dirty="0" smtClean="0"/>
+              <a:t>takes a number from between 0 and 11 and gives </a:t>
+            </a:r>
+          </a:p>
+          <a:p>
+            <a:pPr marL="400050" lvl="2" indent="0">
+              <a:buNone/>
+            </a:pPr>
+            <a:r>
+              <a:rPr lang="en" sz="1800" dirty="0" smtClean="0"/>
+              <a:t>back a text month</a:t>
             </a:r>
           </a:p>
           <a:p>
@@ -10981,87 +9941,21 @@
               <a:buChar char="o"/>
             </a:pPr>
             <a:r>
-              <a:rPr lang="en" sz="1600" dirty="0" smtClean="0">
+              <a:rPr lang="en" sz="1800" dirty="0" smtClean="0">
                 <a:latin typeface="Courier New" panose="02070309020205020404" pitchFamily="49" charset="0"/>
                 <a:cs typeface="Courier New" panose="02070309020205020404" pitchFamily="49" charset="0"/>
               </a:rPr>
               <a:t>“$”</a:t>
             </a:r>
             <a:r>
-              <a:rPr lang="en" sz="1600" dirty="0" smtClean="0"/>
+              <a:rPr lang="en" sz="1800" dirty="0" smtClean="0"/>
               <a:t> is used to tell PsychoPy that we are about to run a small snippet of Python code</a:t>
             </a:r>
           </a:p>
           <a:p>
-            <a:pPr marL="342900" lvl="1" indent="-342900"/>
-            <a:r>
-              <a:rPr lang="en" dirty="0" smtClean="0"/>
-              <a:t>Now create a Excel data source which will load in a month numbers 1-12</a:t>
-            </a:r>
-          </a:p>
-          <a:p>
-            <a:pPr marL="742950" lvl="2" indent="-342900">
-              <a:buFont typeface="Courier New" panose="02070309020205020404" pitchFamily="49" charset="0"/>
-              <a:buChar char="o"/>
-            </a:pPr>
-            <a:r>
-              <a:rPr lang="en" sz="1600" dirty="0" smtClean="0"/>
-              <a:t>Feed it into </a:t>
-            </a:r>
-            <a:r>
-              <a:rPr lang="en" sz="1600" dirty="0" smtClean="0">
-                <a:latin typeface="Courier New" panose="02070309020205020404" pitchFamily="49" charset="0"/>
-                <a:cs typeface="Courier New" panose="02070309020205020404" pitchFamily="49" charset="0"/>
-              </a:rPr>
-              <a:t>“trials_2” loop </a:t>
-            </a:r>
-            <a:r>
-              <a:rPr lang="en" sz="1600" dirty="0" smtClean="0">
-                <a:cs typeface="Courier New" panose="02070309020205020404" pitchFamily="49" charset="0"/>
-              </a:rPr>
-              <a:t>as a data source</a:t>
-            </a:r>
-          </a:p>
-          <a:p>
-            <a:pPr marL="742950" lvl="2" indent="-342900">
-              <a:buFont typeface="Courier New" panose="02070309020205020404" pitchFamily="49" charset="0"/>
-              <a:buChar char="o"/>
-            </a:pPr>
-            <a:r>
-              <a:rPr lang="en-GB" sz="1600" dirty="0" smtClean="0"/>
-              <a:t>Replace </a:t>
-            </a:r>
-            <a:r>
-              <a:rPr lang="en-GB" sz="1600" dirty="0" err="1" smtClean="0">
-                <a:latin typeface="Courier New" panose="02070309020205020404" pitchFamily="49" charset="0"/>
-                <a:cs typeface="Courier New" panose="02070309020205020404" pitchFamily="49" charset="0"/>
-              </a:rPr>
-              <a:t>getRandomMonthID</a:t>
-            </a:r>
-            <a:r>
-              <a:rPr lang="en-GB" sz="1600" dirty="0" smtClean="0">
-                <a:latin typeface="Courier New" panose="02070309020205020404" pitchFamily="49" charset="0"/>
-                <a:cs typeface="Courier New" panose="02070309020205020404" pitchFamily="49" charset="0"/>
-              </a:rPr>
-              <a:t>() </a:t>
-            </a:r>
-            <a:r>
-              <a:rPr lang="en-GB" sz="1600" dirty="0" smtClean="0"/>
-              <a:t>with the header from the </a:t>
-            </a:r>
-          </a:p>
-          <a:p>
-            <a:pPr marL="400050" lvl="2" indent="0">
-              <a:buNone/>
-            </a:pPr>
-            <a:r>
-              <a:rPr lang="en-GB" sz="1600" dirty="0" smtClean="0"/>
-              <a:t>Excel file</a:t>
-            </a:r>
-            <a:endParaRPr lang="en" sz="1600" dirty="0" smtClean="0"/>
-          </a:p>
-          <a:p>
-            <a:pPr marL="342900" lvl="1" indent="-342900"/>
+            <a:pPr marL="0" lvl="1" indent="0">
+              <a:buNone/>
+            </a:pPr>
             <a:endParaRPr lang="en" sz="1800" dirty="0"/>
           </a:p>
           <a:p>
@@ -11099,7 +9993,7 @@
 </p:sld>
 </file>
 
-<file path=ppt/slides/slide21.xml><?xml version="1.0" encoding="utf-8"?>
+<file path=ppt/slides/slide17.xml><?xml version="1.0" encoding="utf-8"?>
 <p:sld xmlns:a="http://schemas.openxmlformats.org/drawingml/2006/main" xmlns:r="http://schemas.openxmlformats.org/officeDocument/2006/relationships" xmlns:p="http://schemas.openxmlformats.org/presentationml/2006/main">
   <p:cSld>
     <p:spTree>
@@ -11448,7 +10342,7 @@
 </p:sld>
 </file>
 
-<file path=ppt/slides/slide22.xml><?xml version="1.0" encoding="utf-8"?>
+<file path=ppt/slides/slide18.xml><?xml version="1.0" encoding="utf-8"?>
 <p:sld xmlns:a="http://schemas.openxmlformats.org/drawingml/2006/main" xmlns:r="http://schemas.openxmlformats.org/officeDocument/2006/relationships" xmlns:p="http://schemas.openxmlformats.org/presentationml/2006/main">
   <p:cSld>
     <p:spTree>
@@ -11642,7 +10536,7 @@
 </p:sld>
 </file>
 
-<file path=ppt/slides/slide23.xml><?xml version="1.0" encoding="utf-8"?>
+<file path=ppt/slides/slide19.xml><?xml version="1.0" encoding="utf-8"?>
 <p:sld xmlns:a="http://schemas.openxmlformats.org/drawingml/2006/main" xmlns:r="http://schemas.openxmlformats.org/officeDocument/2006/relationships" xmlns:p="http://schemas.openxmlformats.org/presentationml/2006/main">
   <p:cSld>
     <p:spTree>
@@ -11823,29 +10717,6 @@
             <a:r>
               <a:rPr lang="en-GB" dirty="0" smtClean="0"/>
               <a:t>Check forums/communities for similar problems</a:t>
-            </a:r>
-          </a:p>
-          <a:p>
-            <a:r>
-              <a:rPr lang="en-GB" dirty="0" smtClean="0"/>
-              <a:t>If you get really stuck – pop to the support hatch</a:t>
-            </a:r>
-          </a:p>
-          <a:p>
-            <a:pPr marL="0" indent="0">
-              <a:buNone/>
-            </a:pPr>
-            <a:r>
-              <a:rPr lang="en-GB" dirty="0" smtClean="0"/>
-              <a:t>(Offices - Frank – </a:t>
-            </a:r>
-            <a:r>
-              <a:rPr lang="en-GB" dirty="0" smtClean="0"/>
-              <a:t>A1.5, </a:t>
-            </a:r>
-            <a:r>
-              <a:rPr lang="en-GB" dirty="0" smtClean="0"/>
-              <a:t>John – A1.2)</a:t>
             </a:r>
           </a:p>
           <a:p>
@@ -11897,7 +10768,177 @@
 </p:sld>
 </file>
 
-<file path=ppt/slides/slide24.xml><?xml version="1.0" encoding="utf-8"?>
+<file path=ppt/slides/slide2.xml><?xml version="1.0" encoding="utf-8"?>
+<p:sld xmlns:a="http://schemas.openxmlformats.org/drawingml/2006/main" xmlns:r="http://schemas.openxmlformats.org/officeDocument/2006/relationships" xmlns:p="http://schemas.openxmlformats.org/presentationml/2006/main">
+  <p:cSld>
+    <p:spTree>
+      <p:nvGrpSpPr>
+        <p:cNvPr id="1" name=""/>
+        <p:cNvGrpSpPr/>
+        <p:nvPr/>
+      </p:nvGrpSpPr>
+      <p:grpSpPr>
+        <a:xfrm>
+          <a:off x="0" y="0"/>
+          <a:ext cx="0" cy="0"/>
+          <a:chOff x="0" y="0"/>
+          <a:chExt cx="0" cy="0"/>
+        </a:xfrm>
+      </p:grpSpPr>
+      <p:sp>
+        <p:nvSpPr>
+          <p:cNvPr id="2" name="Title 1"/>
+          <p:cNvSpPr>
+            <a:spLocks noGrp="1"/>
+          </p:cNvSpPr>
+          <p:nvPr>
+            <p:ph type="title"/>
+          </p:nvPr>
+        </p:nvSpPr>
+        <p:spPr/>
+        <p:txBody>
+          <a:bodyPr/>
+          <a:lstStyle/>
+          <a:p>
+            <a:r>
+              <a:rPr lang="en-GB" dirty="0" smtClean="0"/>
+              <a:t>First of all</a:t>
+            </a:r>
+            <a:endParaRPr lang="en-US" dirty="0"/>
+          </a:p>
+        </p:txBody>
+      </p:sp>
+      <p:sp>
+        <p:nvSpPr>
+          <p:cNvPr id="3" name="Text Placeholder 2"/>
+          <p:cNvSpPr>
+            <a:spLocks noGrp="1"/>
+          </p:cNvSpPr>
+          <p:nvPr>
+            <p:ph type="body" idx="1"/>
+          </p:nvPr>
+        </p:nvSpPr>
+        <p:spPr/>
+        <p:txBody>
+          <a:bodyPr/>
+          <a:lstStyle/>
+          <a:p>
+            <a:pPr marL="0" indent="0">
+              <a:buNone/>
+            </a:pPr>
+            <a:r>
+              <a:rPr lang="en-GB" b="1" dirty="0"/>
+              <a:t>Download materials for today</a:t>
+            </a:r>
+          </a:p>
+          <a:p>
+            <a:endParaRPr lang="en-GB" dirty="0"/>
+          </a:p>
+          <a:p>
+            <a:r>
+              <a:rPr lang="en-GB" dirty="0"/>
+              <a:t>Download the materials from SP850 (zip file)</a:t>
+            </a:r>
+          </a:p>
+          <a:p>
+            <a:r>
+              <a:rPr lang="en-GB" dirty="0"/>
+              <a:t>Or for those not on SP850 from here:</a:t>
+            </a:r>
+          </a:p>
+          <a:p>
+            <a:pPr marL="457200" lvl="1" indent="0">
+              <a:buNone/>
+            </a:pPr>
+            <a:endParaRPr lang="en-US" dirty="0" smtClean="0"/>
+          </a:p>
+          <a:p>
+            <a:pPr marL="457200" lvl="1" indent="0">
+              <a:buNone/>
+            </a:pPr>
+            <a:r>
+              <a:rPr lang="en-US" sz="2000" dirty="0" smtClean="0">
+                <a:solidFill>
+                  <a:schemeClr val="tx1"/>
+                </a:solidFill>
+              </a:rPr>
+              <a:t>http</a:t>
+            </a:r>
+            <a:r>
+              <a:rPr lang="en-US" sz="2000" dirty="0">
+                <a:solidFill>
+                  <a:schemeClr val="tx1"/>
+                </a:solidFill>
+              </a:rPr>
+              <a:t>://</a:t>
+            </a:r>
+            <a:r>
+              <a:rPr lang="en-US" sz="2000" dirty="0" smtClean="0">
+                <a:solidFill>
+                  <a:schemeClr val="tx1"/>
+                </a:solidFill>
+              </a:rPr>
+              <a:t>www.kent.ac.uk/psychology/technical/part2.zip</a:t>
+            </a:r>
+            <a:endParaRPr lang="en-GB" sz="2000" dirty="0">
+              <a:solidFill>
+                <a:schemeClr val="tx1"/>
+              </a:solidFill>
+            </a:endParaRPr>
+          </a:p>
+          <a:p>
+            <a:pPr marL="57150" indent="0">
+              <a:buNone/>
+            </a:pPr>
+            <a:endParaRPr lang="en-GB" dirty="0"/>
+          </a:p>
+          <a:p>
+            <a:pPr marL="57150" indent="0">
+              <a:buNone/>
+            </a:pPr>
+            <a:r>
+              <a:rPr lang="en-GB" dirty="0" smtClean="0">
+                <a:solidFill>
+                  <a:srgbClr val="FF0000"/>
+                </a:solidFill>
+              </a:rPr>
+              <a:t>IMPORTANT! </a:t>
+            </a:r>
+            <a:r>
+              <a:rPr lang="en-GB" dirty="0" smtClean="0"/>
+              <a:t>Then </a:t>
+            </a:r>
+            <a:r>
+              <a:rPr lang="en-GB" dirty="0"/>
+              <a:t>unzip by right clicking and selecting “Extract all</a:t>
+            </a:r>
+            <a:r>
+              <a:rPr lang="en-GB" dirty="0" smtClean="0"/>
+              <a:t>”.</a:t>
+            </a:r>
+          </a:p>
+          <a:p>
+            <a:pPr marL="57150" indent="0">
+              <a:buNone/>
+            </a:pPr>
+            <a:endParaRPr lang="en-GB" dirty="0"/>
+          </a:p>
+        </p:txBody>
+      </p:sp>
+    </p:spTree>
+    <p:extLst>
+      <p:ext uri="{BB962C8B-B14F-4D97-AF65-F5344CB8AC3E}">
+        <p14:creationId xmlns:p14="http://schemas.microsoft.com/office/powerpoint/2010/main" val="1825910647"/>
+      </p:ext>
+    </p:extLst>
+  </p:cSld>
+  <p:clrMapOvr>
+    <a:masterClrMapping/>
+  </p:clrMapOvr>
+</p:sld>
+</file>
+
+<file path=ppt/slides/slide20.xml><?xml version="1.0" encoding="utf-8"?>
 <p:sld xmlns:a="http://schemas.openxmlformats.org/drawingml/2006/main" xmlns:r="http://schemas.openxmlformats.org/officeDocument/2006/relationships" xmlns:p="http://schemas.openxmlformats.org/presentationml/2006/main">
   <p:cSld>
     <p:spTree>
@@ -11979,7 +11020,7 @@
           <a:p>
             <a:r>
               <a:rPr lang="en-GB" dirty="0" smtClean="0"/>
-              <a:t>When lab testing, ensure you test your experiment in there 24 hours before</a:t>
+              <a:t>Test experiment in actual lab 24 hours before</a:t>
             </a:r>
           </a:p>
           <a:p>
@@ -11991,7 +11032,21 @@
           <a:p>
             <a:r>
               <a:rPr lang="en-GB" dirty="0" smtClean="0"/>
-              <a:t>Good naming convention</a:t>
+              <a:t>Good naming convention (</a:t>
+            </a:r>
+            <a:r>
+              <a:rPr lang="en-GB" dirty="0" err="1" smtClean="0"/>
+              <a:t>variables,routines,loops</a:t>
+            </a:r>
+            <a:r>
+              <a:rPr lang="en-GB" dirty="0" smtClean="0"/>
+              <a:t>)</a:t>
+            </a:r>
+          </a:p>
+          <a:p>
+            <a:r>
+              <a:rPr lang="en-GB" dirty="0" smtClean="0"/>
+              <a:t>Be careful of using RESERVED WORDS</a:t>
             </a:r>
           </a:p>
           <a:p>
@@ -12000,22 +11055,14 @@
               <a:buChar char="o"/>
             </a:pPr>
             <a:r>
-              <a:rPr lang="en-GB" dirty="0" smtClean="0">
-                <a:latin typeface="Courier New" panose="02070309020205020404" pitchFamily="49" charset="0"/>
-                <a:cs typeface="Courier New" panose="02070309020205020404" pitchFamily="49" charset="0"/>
-              </a:rPr>
-              <a:t>“Age = 10” </a:t>
-            </a:r>
-            <a:r>
               <a:rPr lang="en-GB" dirty="0" smtClean="0"/>
-              <a:t>is meaningful in comparison to </a:t>
-            </a:r>
-            <a:r>
-              <a:rPr lang="en-GB" dirty="0" smtClean="0">
-                <a:latin typeface="Courier New" panose="02070309020205020404" pitchFamily="49" charset="0"/>
-                <a:cs typeface="Courier New" panose="02070309020205020404" pitchFamily="49" charset="0"/>
-              </a:rPr>
-              <a:t>“a = 10”</a:t>
+              <a:t>i.e. Don’t use a variable name with the same name as a routine!</a:t>
+            </a:r>
+          </a:p>
+          <a:p>
+            <a:r>
+              <a:rPr lang="en-GB" dirty="0" smtClean="0"/>
+              <a:t>Make regular backups!!</a:t>
             </a:r>
           </a:p>
           <a:p>
@@ -12024,41 +11071,15 @@
               <a:buChar char="o"/>
             </a:pPr>
             <a:r>
-              <a:rPr lang="en-GB" dirty="0" smtClean="0">
-                <a:latin typeface="Courier New" panose="02070309020205020404" pitchFamily="49" charset="0"/>
-                <a:cs typeface="Courier New" panose="02070309020205020404" pitchFamily="49" charset="0"/>
-              </a:rPr>
-              <a:t>“</a:t>
-            </a:r>
-            <a:r>
-              <a:rPr lang="en-GB" dirty="0" err="1" smtClean="0">
-                <a:latin typeface="Courier New" panose="02070309020205020404" pitchFamily="49" charset="0"/>
-                <a:cs typeface="Courier New" panose="02070309020205020404" pitchFamily="49" charset="0"/>
-              </a:rPr>
-              <a:t>Question_display</a:t>
-            </a:r>
-            <a:r>
-              <a:rPr lang="en-GB" dirty="0" smtClean="0">
-                <a:latin typeface="Courier New" panose="02070309020205020404" pitchFamily="49" charset="0"/>
-                <a:cs typeface="Courier New" panose="02070309020205020404" pitchFamily="49" charset="0"/>
-              </a:rPr>
-              <a:t>” </a:t>
-            </a:r>
-            <a:r>
               <a:rPr lang="en-GB" dirty="0" smtClean="0"/>
-              <a:t>is meaningful as a routine name than </a:t>
-            </a:r>
-            <a:r>
-              <a:rPr lang="en-GB" dirty="0" smtClean="0">
-                <a:latin typeface="Courier New" panose="02070309020205020404" pitchFamily="49" charset="0"/>
-                <a:cs typeface="Courier New" panose="02070309020205020404" pitchFamily="49" charset="0"/>
-              </a:rPr>
-              <a:t>“routine_1”</a:t>
-            </a:r>
-            <a:endParaRPr lang="en-GB" dirty="0">
-              <a:latin typeface="Courier New" panose="02070309020205020404" pitchFamily="49" charset="0"/>
-              <a:cs typeface="Courier New" panose="02070309020205020404" pitchFamily="49" charset="0"/>
-            </a:endParaRPr>
+              <a:t>Don’t just rely on USB sticks (can be unreliable)</a:t>
+            </a:r>
+          </a:p>
+          <a:p>
+            <a:r>
+              <a:rPr lang="en-GB" dirty="0" smtClean="0"/>
+              <a:t>Check your data output and ensure it’s solid</a:t>
+            </a:r>
           </a:p>
           <a:p>
             <a:pPr lvl="1">
@@ -12067,151 +11088,7 @@
             </a:pPr>
             <a:r>
               <a:rPr lang="en-GB" dirty="0" smtClean="0"/>
-              <a:t>Be careful of using RESERVED WORDS</a:t>
-            </a:r>
-          </a:p>
-          <a:p>
-            <a:pPr lvl="2">
-              <a:buFont typeface="Courier New" panose="02070309020205020404" pitchFamily="49" charset="0"/>
-              <a:buChar char="o"/>
-            </a:pPr>
-            <a:r>
-              <a:rPr lang="en-GB" dirty="0" smtClean="0"/>
-              <a:t>Some of you encountered this problem last week (with “image”)</a:t>
-            </a:r>
-          </a:p>
-          <a:p>
-            <a:pPr lvl="2">
-              <a:buFont typeface="Courier New" panose="02070309020205020404" pitchFamily="49" charset="0"/>
-              <a:buChar char="o"/>
-            </a:pPr>
-            <a:r>
-              <a:rPr lang="en-GB" dirty="0" smtClean="0"/>
-              <a:t>These are Python language terms, which cannot be re-used</a:t>
-            </a:r>
-          </a:p>
-          <a:p>
-            <a:pPr lvl="2">
-              <a:buFont typeface="Courier New" panose="02070309020205020404" pitchFamily="49" charset="0"/>
-              <a:buChar char="o"/>
-            </a:pPr>
-            <a:r>
-              <a:rPr lang="en-GB" dirty="0"/>
-              <a:t>i</a:t>
-            </a:r>
-            <a:r>
-              <a:rPr lang="en-GB" dirty="0" smtClean="0"/>
-              <a:t>.e.  </a:t>
-            </a:r>
-            <a:r>
-              <a:rPr lang="en-GB" dirty="0" err="1" smtClean="0">
-                <a:latin typeface="Courier New" panose="02070309020205020404" pitchFamily="49" charset="0"/>
-                <a:cs typeface="Courier New" panose="02070309020205020404" pitchFamily="49" charset="0"/>
-              </a:rPr>
-              <a:t>def</a:t>
-            </a:r>
-            <a:r>
-              <a:rPr lang="en-GB" dirty="0" smtClean="0">
-                <a:latin typeface="Courier New" panose="02070309020205020404" pitchFamily="49" charset="0"/>
-                <a:cs typeface="Courier New" panose="02070309020205020404" pitchFamily="49" charset="0"/>
-              </a:rPr>
-              <a:t>, list, </a:t>
-            </a:r>
-            <a:r>
-              <a:rPr lang="en-GB" dirty="0" err="1" smtClean="0">
-                <a:latin typeface="Courier New" panose="02070309020205020404" pitchFamily="49" charset="0"/>
-                <a:cs typeface="Courier New" panose="02070309020205020404" pitchFamily="49" charset="0"/>
-              </a:rPr>
-              <a:t>dict</a:t>
-            </a:r>
-            <a:endParaRPr lang="en-GB" dirty="0" smtClean="0">
-              <a:latin typeface="Courier New" panose="02070309020205020404" pitchFamily="49" charset="0"/>
-              <a:cs typeface="Courier New" panose="02070309020205020404" pitchFamily="49" charset="0"/>
-            </a:endParaRPr>
-          </a:p>
-          <a:p>
-            <a:pPr lvl="2">
-              <a:buFont typeface="Courier New" panose="02070309020205020404" pitchFamily="49" charset="0"/>
-              <a:buChar char="o"/>
-            </a:pPr>
-            <a:r>
-              <a:rPr lang="en-GB" dirty="0" err="1" smtClean="0"/>
-              <a:t>PsychoPy</a:t>
-            </a:r>
-            <a:r>
-              <a:rPr lang="en-GB" dirty="0" smtClean="0"/>
-              <a:t> should warn you if a name is already in use.</a:t>
-            </a:r>
-          </a:p>
-          <a:p>
-            <a:r>
-              <a:rPr lang="en-GB" dirty="0" smtClean="0"/>
-              <a:t>Make regular backups!!</a:t>
-            </a:r>
-          </a:p>
-          <a:p>
-            <a:pPr lvl="1">
-              <a:buFont typeface="Courier New" panose="02070309020205020404" pitchFamily="49" charset="0"/>
-              <a:buChar char="o"/>
-            </a:pPr>
-            <a:r>
-              <a:rPr lang="en-GB" dirty="0" smtClean="0"/>
-              <a:t>We cannot stress this enough!</a:t>
-            </a:r>
-          </a:p>
-          <a:p>
-            <a:pPr lvl="1">
-              <a:buFont typeface="Courier New" panose="02070309020205020404" pitchFamily="49" charset="0"/>
-              <a:buChar char="o"/>
-            </a:pPr>
-            <a:r>
-              <a:rPr lang="en-GB" dirty="0" smtClean="0"/>
-              <a:t>Don’t just rely on USB sticks (can be unreliable)</a:t>
-            </a:r>
-          </a:p>
-          <a:p>
-            <a:r>
-              <a:rPr lang="en-GB" dirty="0" smtClean="0"/>
-              <a:t>Watch out for memory leaks – from video stimuli in particular!</a:t>
-            </a:r>
-          </a:p>
-          <a:p>
-            <a:r>
-              <a:rPr lang="en-GB" dirty="0" smtClean="0"/>
-              <a:t>Check your data output and ensure its solid</a:t>
-            </a:r>
-          </a:p>
-          <a:p>
-            <a:pPr lvl="1">
-              <a:buFont typeface="Courier New" panose="02070309020205020404" pitchFamily="49" charset="0"/>
-              <a:buChar char="o"/>
-            </a:pPr>
-            <a:r>
-              <a:rPr lang="en-GB" dirty="0" smtClean="0"/>
               <a:t>Make sure you are getting the data you need to later analyse</a:t>
-            </a:r>
-          </a:p>
-          <a:p>
-            <a:pPr lvl="1">
-              <a:buFont typeface="Courier New" panose="02070309020205020404" pitchFamily="49" charset="0"/>
-              <a:buChar char="o"/>
-            </a:pPr>
-            <a:r>
-              <a:rPr lang="en-GB" dirty="0" smtClean="0"/>
-              <a:t>Worse thing that could happen is to check after your tests and find</a:t>
-            </a:r>
-          </a:p>
-          <a:p>
-            <a:pPr marL="457200" lvl="1" indent="0">
-              <a:buNone/>
-            </a:pPr>
-            <a:r>
-              <a:rPr lang="en-GB" dirty="0"/>
-              <a:t>y</a:t>
-            </a:r>
-            <a:r>
-              <a:rPr lang="en-GB" dirty="0" smtClean="0"/>
-              <a:t>ou haven’t got what you need.</a:t>
             </a:r>
           </a:p>
           <a:p>
@@ -12269,7 +11146,7 @@
 </p:sld>
 </file>
 
-<file path=ppt/slides/slide25.xml><?xml version="1.0" encoding="utf-8"?>
+<file path=ppt/slides/slide21.xml><?xml version="1.0" encoding="utf-8"?>
 <p:sld xmlns:a="http://schemas.openxmlformats.org/drawingml/2006/main" xmlns:r="http://schemas.openxmlformats.org/officeDocument/2006/relationships" xmlns:p="http://schemas.openxmlformats.org/presentationml/2006/main">
   <p:cSld>
     <p:spTree>
@@ -12536,28 +11413,8 @@
           </a:p>
           <a:p>
             <a:r>
-              <a:rPr lang="en-GB" b="1" dirty="0" smtClean="0"/>
-              <a:t>Anything else:</a:t>
-            </a:r>
-          </a:p>
-          <a:p>
-            <a:pPr lvl="1">
-              <a:buFont typeface="Courier New" panose="02070309020205020404" pitchFamily="49" charset="0"/>
-              <a:buChar char="o"/>
-            </a:pPr>
-            <a:r>
-              <a:rPr lang="en-GB" sz="1800" dirty="0" smtClean="0"/>
-              <a:t>Psychology Technical Team (A1.2 or A1.6)</a:t>
-            </a:r>
-          </a:p>
-          <a:p>
-            <a:pPr lvl="1">
-              <a:buFont typeface="Courier New" panose="02070309020205020404" pitchFamily="49" charset="0"/>
-              <a:buChar char="o"/>
-            </a:pPr>
-            <a:r>
-              <a:rPr lang="en-GB" sz="1800" dirty="0" smtClean="0"/>
-              <a:t>Check out FAQ handout in the directory (will grow over time)</a:t>
+              <a:rPr lang="en-GB" sz="2000" dirty="0" smtClean="0"/>
+              <a:t>Check out FAQ handout in the directory</a:t>
             </a:r>
           </a:p>
         </p:txBody>
@@ -12585,7 +11442,7 @@
 </p:sld>
 </file>
 
-<file path=ppt/slides/slide26.xml><?xml version="1.0" encoding="utf-8"?>
+<file path=ppt/slides/slide22.xml><?xml version="1.0" encoding="utf-8"?>
 <p:sld xmlns:a="http://schemas.openxmlformats.org/drawingml/2006/main" xmlns:r="http://schemas.openxmlformats.org/officeDocument/2006/relationships" xmlns:p="http://schemas.openxmlformats.org/presentationml/2006/main">
   <p:cSld>
     <p:spTree>
@@ -12625,7 +11482,7 @@
           <a:p>
             <a:r>
               <a:rPr lang="en" dirty="0" smtClean="0"/>
-              <a:t>Exercise 5:</a:t>
+              <a:t>Final exercise:</a:t>
             </a:r>
             <a:br>
               <a:rPr lang="en" dirty="0" smtClean="0"/>
@@ -12678,23 +11535,7 @@
             </a:pPr>
             <a:r>
               <a:rPr lang="en" dirty="0" smtClean="0"/>
-              <a:t>For the rest of the lesson (hopefully we have left enough time!) – </a:t>
-            </a:r>
-          </a:p>
-          <a:p>
-            <a:pPr marL="38100" lvl="0" indent="0" rtl="0">
-              <a:spcBef>
-                <a:spcPts val="0"/>
-              </a:spcBef>
-              <a:buClr>
-                <a:schemeClr val="dk1"/>
-              </a:buClr>
-              <a:buSzPct val="100000"/>
-              <a:buNone/>
-            </a:pPr>
-            <a:r>
-              <a:rPr lang="en" dirty="0" smtClean="0"/>
-              <a:t>we have given you an experiment </a:t>
+              <a:t>For the rest of the lesson we have given an experiment </a:t>
             </a:r>
             <a:r>
               <a:rPr lang="en-US" dirty="0"/>
@@ -12937,7 +11778,7 @@
 </p:sld>
 </file>
 
-<file path=ppt/slides/slide27.xml><?xml version="1.0" encoding="utf-8"?>
+<file path=ppt/slides/slide23.xml><?xml version="1.0" encoding="utf-8"?>
 <p:sld xmlns:a="http://schemas.openxmlformats.org/drawingml/2006/main" xmlns:r="http://schemas.openxmlformats.org/officeDocument/2006/relationships" xmlns:p="http://schemas.openxmlformats.org/presentationml/2006/main">
   <p:cSld>
     <p:spTree>
@@ -13057,8 +11898,74 @@
                   <a:srgbClr val="0000FF"/>
                 </a:solidFill>
               </a:rPr>
-              <a:t>https://goo.gl/lBg0Em</a:t>
-            </a:r>
+              <a:t>https://</a:t>
+            </a:r>
+            <a:r>
+              <a:rPr lang="en-US" sz="2400" u="sng" dirty="0" smtClean="0">
+                <a:solidFill>
+                  <a:srgbClr val="0000FF"/>
+                </a:solidFill>
+              </a:rPr>
+              <a:t>goo.gl/lBg0Em</a:t>
+            </a:r>
+          </a:p>
+          <a:p>
+            <a:pPr>
+              <a:buNone/>
+            </a:pPr>
+            <a:endParaRPr lang="en" sz="2400" dirty="0" smtClean="0"/>
+          </a:p>
+          <a:p>
+            <a:pPr>
+              <a:buNone/>
+            </a:pPr>
+            <a:endParaRPr lang="en" sz="2400" dirty="0"/>
+          </a:p>
+          <a:p>
+            <a:pPr>
+              <a:buNone/>
+            </a:pPr>
+            <a:r>
+              <a:rPr lang="en" sz="2400" b="1" dirty="0" smtClean="0"/>
+              <a:t>Contact details:</a:t>
+            </a:r>
+          </a:p>
+          <a:p>
+            <a:pPr>
+              <a:buNone/>
+            </a:pPr>
+            <a:endParaRPr lang="en" sz="2400" dirty="0"/>
+          </a:p>
+          <a:p>
+            <a:pPr>
+              <a:buNone/>
+            </a:pPr>
+            <a:r>
+              <a:rPr lang="en" sz="2400" dirty="0" smtClean="0"/>
+              <a:t>Email:  </a:t>
+            </a:r>
+            <a:r>
+              <a:rPr lang="en" sz="2400" dirty="0" smtClean="0">
+                <a:hlinkClick r:id="rId3"/>
+              </a:rPr>
+              <a:t>psychsupport@kent.ac.uk</a:t>
+            </a:r>
+            <a:endParaRPr lang="en" sz="2400" dirty="0" smtClean="0"/>
+          </a:p>
+          <a:p>
+            <a:pPr>
+              <a:buNone/>
+            </a:pPr>
+            <a:r>
+              <a:rPr lang="en" sz="2400" dirty="0" smtClean="0"/>
+              <a:t>Offices:  A1.2 (John), A1.5 (Frank)</a:t>
+            </a:r>
+            <a:endParaRPr lang="en" sz="2400" dirty="0"/>
+          </a:p>
+          <a:p>
+            <a:pPr>
+              <a:buNone/>
+            </a:pPr>
             <a:endParaRPr lang="en" sz="2400" u="sng" dirty="0">
               <a:solidFill>
                 <a:srgbClr val="0000FF"/>
@@ -13080,6 +11987,912 @@
   <p:transition spd="slow">
     <p:cut/>
   </p:transition>
+</p:sld>
+</file>
+
+<file path=ppt/slides/slide24.xml><?xml version="1.0" encoding="utf-8"?>
+<p:sld xmlns:a="http://schemas.openxmlformats.org/drawingml/2006/main" xmlns:r="http://schemas.openxmlformats.org/officeDocument/2006/relationships" xmlns:p="http://schemas.openxmlformats.org/presentationml/2006/main">
+  <p:cSld>
+    <p:spTree>
+      <p:nvGrpSpPr>
+        <p:cNvPr id="1" name=""/>
+        <p:cNvGrpSpPr/>
+        <p:nvPr/>
+      </p:nvGrpSpPr>
+      <p:grpSpPr>
+        <a:xfrm>
+          <a:off x="0" y="0"/>
+          <a:ext cx="0" cy="0"/>
+          <a:chOff x="0" y="0"/>
+          <a:chExt cx="0" cy="0"/>
+        </a:xfrm>
+      </p:grpSpPr>
+      <p:sp>
+        <p:nvSpPr>
+          <p:cNvPr id="2" name="Title 1"/>
+          <p:cNvSpPr>
+            <a:spLocks noGrp="1"/>
+          </p:cNvSpPr>
+          <p:nvPr>
+            <p:ph type="title"/>
+          </p:nvPr>
+        </p:nvSpPr>
+        <p:spPr/>
+        <p:txBody>
+          <a:bodyPr/>
+          <a:lstStyle/>
+          <a:p>
+            <a:r>
+              <a:rPr lang="en-GB" dirty="0" smtClean="0"/>
+              <a:t>Additional reading</a:t>
+            </a:r>
+            <a:endParaRPr lang="en-US" dirty="0"/>
+          </a:p>
+        </p:txBody>
+      </p:sp>
+      <p:sp>
+        <p:nvSpPr>
+          <p:cNvPr id="3" name="Text Placeholder 2"/>
+          <p:cNvSpPr>
+            <a:spLocks noGrp="1"/>
+          </p:cNvSpPr>
+          <p:nvPr>
+            <p:ph type="body" idx="1"/>
+          </p:nvPr>
+        </p:nvSpPr>
+        <p:spPr/>
+        <p:txBody>
+          <a:bodyPr/>
+          <a:lstStyle/>
+          <a:p>
+            <a:pPr marL="0" indent="0">
+              <a:buNone/>
+            </a:pPr>
+            <a:endParaRPr lang="en-US" dirty="0"/>
+          </a:p>
+        </p:txBody>
+      </p:sp>
+    </p:spTree>
+    <p:extLst>
+      <p:ext uri="{BB962C8B-B14F-4D97-AF65-F5344CB8AC3E}">
+        <p14:creationId xmlns:p14="http://schemas.microsoft.com/office/powerpoint/2010/main" val="2910501029"/>
+      </p:ext>
+    </p:extLst>
+  </p:cSld>
+  <p:clrMapOvr>
+    <a:masterClrMapping/>
+  </p:clrMapOvr>
+</p:sld>
+</file>
+
+<file path=ppt/slides/slide25.xml><?xml version="1.0" encoding="utf-8"?>
+<p:sld xmlns:a="http://schemas.openxmlformats.org/drawingml/2006/main" xmlns:r="http://schemas.openxmlformats.org/officeDocument/2006/relationships" xmlns:p="http://schemas.openxmlformats.org/presentationml/2006/main">
+  <p:cSld>
+    <p:spTree>
+      <p:nvGrpSpPr>
+        <p:cNvPr id="1" name=""/>
+        <p:cNvGrpSpPr/>
+        <p:nvPr/>
+      </p:nvGrpSpPr>
+      <p:grpSpPr>
+        <a:xfrm>
+          <a:off x="0" y="0"/>
+          <a:ext cx="0" cy="0"/>
+          <a:chOff x="0" y="0"/>
+          <a:chExt cx="0" cy="0"/>
+        </a:xfrm>
+      </p:grpSpPr>
+      <p:sp>
+        <p:nvSpPr>
+          <p:cNvPr id="2" name="Title 1"/>
+          <p:cNvSpPr>
+            <a:spLocks noGrp="1"/>
+          </p:cNvSpPr>
+          <p:nvPr>
+            <p:ph type="title"/>
+          </p:nvPr>
+        </p:nvSpPr>
+        <p:spPr/>
+        <p:txBody>
+          <a:bodyPr>
+            <a:normAutofit/>
+          </a:bodyPr>
+          <a:lstStyle/>
+          <a:p>
+            <a:r>
+              <a:rPr lang="en-GB" dirty="0" smtClean="0"/>
+              <a:t>Using Coder instead of Builder</a:t>
+            </a:r>
+            <a:endParaRPr lang="en-US" dirty="0"/>
+          </a:p>
+        </p:txBody>
+      </p:sp>
+      <p:sp>
+        <p:nvSpPr>
+          <p:cNvPr id="3" name="Text Placeholder 2"/>
+          <p:cNvSpPr>
+            <a:spLocks noGrp="1"/>
+          </p:cNvSpPr>
+          <p:nvPr>
+            <p:ph type="body" idx="1"/>
+          </p:nvPr>
+        </p:nvSpPr>
+        <p:spPr>
+          <a:xfrm>
+            <a:off x="538078" y="1417935"/>
+            <a:ext cx="8229600" cy="5300259"/>
+          </a:xfrm>
+        </p:spPr>
+        <p:txBody>
+          <a:bodyPr>
+            <a:normAutofit/>
+          </a:bodyPr>
+          <a:lstStyle/>
+          <a:p>
+            <a:r>
+              <a:rPr lang="en-GB" dirty="0" smtClean="0"/>
+              <a:t>Writing pure Python code using </a:t>
+            </a:r>
+            <a:r>
+              <a:rPr lang="en-GB" dirty="0" err="1" smtClean="0"/>
+              <a:t>PsychoPy</a:t>
+            </a:r>
+            <a:r>
+              <a:rPr lang="en-GB" dirty="0" smtClean="0"/>
+              <a:t> library</a:t>
+            </a:r>
+          </a:p>
+          <a:p>
+            <a:r>
+              <a:rPr lang="en-GB" dirty="0" smtClean="0"/>
+              <a:t>Too advanced to cover in detail on this course</a:t>
+            </a:r>
+          </a:p>
+          <a:p>
+            <a:r>
+              <a:rPr lang="en-GB" dirty="0" smtClean="0"/>
+              <a:t>Unlikely you will ever need to use it</a:t>
+            </a:r>
+          </a:p>
+          <a:p>
+            <a:r>
+              <a:rPr lang="en-GB" dirty="0" smtClean="0"/>
+              <a:t>Sometimes we do if an experiment is outside scope of builder</a:t>
+            </a:r>
+          </a:p>
+          <a:p>
+            <a:pPr marL="0" indent="0">
+              <a:buNone/>
+            </a:pPr>
+            <a:endParaRPr lang="en-GB" dirty="0" smtClean="0"/>
+          </a:p>
+          <a:p>
+            <a:pPr marL="0" indent="0">
+              <a:buNone/>
+            </a:pPr>
+            <a:endParaRPr lang="en-GB" dirty="0"/>
+          </a:p>
+          <a:p>
+            <a:pPr marL="0" indent="0">
+              <a:buNone/>
+            </a:pPr>
+            <a:endParaRPr lang="en-GB" dirty="0" smtClean="0"/>
+          </a:p>
+          <a:p>
+            <a:pPr marL="0" indent="0">
+              <a:buNone/>
+            </a:pPr>
+            <a:endParaRPr lang="en-GB" dirty="0"/>
+          </a:p>
+          <a:p>
+            <a:pPr marL="0" indent="0">
+              <a:buNone/>
+            </a:pPr>
+            <a:endParaRPr lang="en-GB" dirty="0" smtClean="0"/>
+          </a:p>
+          <a:p>
+            <a:pPr marL="0" indent="0">
+              <a:buNone/>
+            </a:pPr>
+            <a:endParaRPr lang="en-GB" dirty="0"/>
+          </a:p>
+          <a:p>
+            <a:pPr marL="0" indent="0">
+              <a:buNone/>
+            </a:pPr>
+            <a:endParaRPr lang="en-GB" dirty="0" smtClean="0"/>
+          </a:p>
+          <a:p>
+            <a:pPr marL="0" indent="0">
+              <a:buNone/>
+            </a:pPr>
+            <a:endParaRPr lang="en-GB" dirty="0"/>
+          </a:p>
+          <a:p>
+            <a:pPr marL="0" indent="0">
+              <a:buNone/>
+            </a:pPr>
+            <a:endParaRPr lang="en-GB" dirty="0" smtClean="0"/>
+          </a:p>
+          <a:p>
+            <a:pPr marL="0" indent="0">
+              <a:buNone/>
+            </a:pPr>
+            <a:endParaRPr lang="en-GB" dirty="0"/>
+          </a:p>
+          <a:p>
+            <a:pPr marL="0" indent="0">
+              <a:buNone/>
+            </a:pPr>
+            <a:endParaRPr lang="en-GB" dirty="0" smtClean="0"/>
+          </a:p>
+          <a:p>
+            <a:pPr marL="0" indent="0">
+              <a:buNone/>
+            </a:pPr>
+            <a:endParaRPr lang="en-GB" dirty="0" smtClean="0"/>
+          </a:p>
+          <a:p>
+            <a:pPr marL="0" indent="0">
+              <a:buNone/>
+            </a:pPr>
+            <a:r>
+              <a:rPr lang="en-GB" dirty="0" smtClean="0">
+                <a:solidFill>
+                  <a:srgbClr val="FF0000"/>
+                </a:solidFill>
+              </a:rPr>
+              <a:t>See the Card Game demo in the demo folder as an example of </a:t>
+            </a:r>
+          </a:p>
+          <a:p>
+            <a:pPr marL="0" indent="0">
+              <a:buNone/>
+            </a:pPr>
+            <a:r>
+              <a:rPr lang="en-GB" dirty="0" smtClean="0">
+                <a:solidFill>
+                  <a:srgbClr val="FF0000"/>
+                </a:solidFill>
+              </a:rPr>
+              <a:t>what can be achieved.</a:t>
+            </a:r>
+          </a:p>
+        </p:txBody>
+      </p:sp>
+      <p:pic>
+        <p:nvPicPr>
+          <p:cNvPr id="4" name="Picture 3"/>
+          <p:cNvPicPr>
+            <a:picLocks noChangeAspect="1"/>
+          </p:cNvPicPr>
+          <p:nvPr/>
+        </p:nvPicPr>
+        <p:blipFill>
+          <a:blip r:embed="rId2">
+            <a:extLst>
+              <a:ext uri="{28A0092B-C50C-407E-A947-70E740481C1C}">
+                <a14:useLocalDpi xmlns:a14="http://schemas.microsoft.com/office/drawing/2010/main" val="0"/>
+              </a:ext>
+            </a:extLst>
+          </a:blip>
+          <a:stretch>
+            <a:fillRect/>
+          </a:stretch>
+        </p:blipFill>
+        <p:spPr>
+          <a:xfrm>
+            <a:off x="613649" y="2906695"/>
+            <a:ext cx="2787392" cy="2530583"/>
+          </a:xfrm>
+          <a:prstGeom prst="rect">
+            <a:avLst/>
+          </a:prstGeom>
+        </p:spPr>
+      </p:pic>
+      <p:pic>
+        <p:nvPicPr>
+          <p:cNvPr id="5" name="Picture 4"/>
+          <p:cNvPicPr>
+            <a:picLocks noChangeAspect="1"/>
+          </p:cNvPicPr>
+          <p:nvPr/>
+        </p:nvPicPr>
+        <p:blipFill>
+          <a:blip r:embed="rId3">
+            <a:extLst>
+              <a:ext uri="{28A0092B-C50C-407E-A947-70E740481C1C}">
+                <a14:useLocalDpi xmlns:a14="http://schemas.microsoft.com/office/drawing/2010/main" val="0"/>
+              </a:ext>
+            </a:extLst>
+          </a:blip>
+          <a:stretch>
+            <a:fillRect/>
+          </a:stretch>
+        </p:blipFill>
+        <p:spPr>
+          <a:xfrm>
+            <a:off x="4329641" y="2902152"/>
+            <a:ext cx="3212270" cy="2535125"/>
+          </a:xfrm>
+          <a:prstGeom prst="rect">
+            <a:avLst/>
+          </a:prstGeom>
+        </p:spPr>
+      </p:pic>
+      <p:sp>
+        <p:nvSpPr>
+          <p:cNvPr id="6" name="TextBox 5"/>
+          <p:cNvSpPr txBox="1"/>
+          <p:nvPr/>
+        </p:nvSpPr>
+        <p:spPr>
+          <a:xfrm>
+            <a:off x="1476005" y="5400248"/>
+            <a:ext cx="1326004" cy="338554"/>
+          </a:xfrm>
+          <a:prstGeom prst="rect">
+            <a:avLst/>
+          </a:prstGeom>
+          <a:noFill/>
+        </p:spPr>
+        <p:txBody>
+          <a:bodyPr wrap="none" rtlCol="0">
+            <a:spAutoFit/>
+          </a:bodyPr>
+          <a:lstStyle/>
+          <a:p>
+            <a:r>
+              <a:rPr lang="en-GB" sz="1600" dirty="0" smtClean="0">
+                <a:solidFill>
+                  <a:schemeClr val="accent1">
+                    <a:lumMod val="60000"/>
+                    <a:lumOff val="40000"/>
+                  </a:schemeClr>
+                </a:solidFill>
+              </a:rPr>
+              <a:t>Builder view</a:t>
+            </a:r>
+            <a:endParaRPr lang="en-US" sz="1600" dirty="0">
+              <a:solidFill>
+                <a:schemeClr val="accent1">
+                  <a:lumMod val="60000"/>
+                  <a:lumOff val="40000"/>
+                </a:schemeClr>
+              </a:solidFill>
+            </a:endParaRPr>
+          </a:p>
+        </p:txBody>
+      </p:sp>
+      <p:sp>
+        <p:nvSpPr>
+          <p:cNvPr id="7" name="TextBox 6"/>
+          <p:cNvSpPr txBox="1"/>
+          <p:nvPr/>
+        </p:nvSpPr>
+        <p:spPr>
+          <a:xfrm>
+            <a:off x="5421357" y="5400248"/>
+            <a:ext cx="1212191" cy="338554"/>
+          </a:xfrm>
+          <a:prstGeom prst="rect">
+            <a:avLst/>
+          </a:prstGeom>
+          <a:noFill/>
+        </p:spPr>
+        <p:txBody>
+          <a:bodyPr wrap="none" rtlCol="0">
+            <a:spAutoFit/>
+          </a:bodyPr>
+          <a:lstStyle/>
+          <a:p>
+            <a:r>
+              <a:rPr lang="en-GB" sz="1600" dirty="0" smtClean="0">
+                <a:solidFill>
+                  <a:schemeClr val="accent1">
+                    <a:lumMod val="60000"/>
+                    <a:lumOff val="40000"/>
+                  </a:schemeClr>
+                </a:solidFill>
+              </a:rPr>
+              <a:t>Coder view</a:t>
+            </a:r>
+            <a:endParaRPr lang="en-US" sz="1600" dirty="0">
+              <a:solidFill>
+                <a:schemeClr val="accent1">
+                  <a:lumMod val="60000"/>
+                  <a:lumOff val="40000"/>
+                </a:schemeClr>
+              </a:solidFill>
+            </a:endParaRPr>
+          </a:p>
+        </p:txBody>
+      </p:sp>
+    </p:spTree>
+    <p:extLst>
+      <p:ext uri="{BB962C8B-B14F-4D97-AF65-F5344CB8AC3E}">
+        <p14:creationId xmlns:p14="http://schemas.microsoft.com/office/powerpoint/2010/main" val="4044932057"/>
+      </p:ext>
+    </p:extLst>
+  </p:cSld>
+  <p:clrMapOvr>
+    <a:masterClrMapping/>
+  </p:clrMapOvr>
+  <p:timing>
+    <p:tnLst>
+      <p:par>
+        <p:cTn id="1" dur="indefinite" restart="never" nodeType="tmRoot"/>
+      </p:par>
+    </p:tnLst>
+  </p:timing>
+</p:sld>
+</file>
+
+<file path=ppt/slides/slide26.xml><?xml version="1.0" encoding="utf-8"?>
+<p:sld xmlns:a="http://schemas.openxmlformats.org/drawingml/2006/main" xmlns:r="http://schemas.openxmlformats.org/officeDocument/2006/relationships" xmlns:p="http://schemas.openxmlformats.org/presentationml/2006/main">
+  <p:cSld>
+    <p:spTree>
+      <p:nvGrpSpPr>
+        <p:cNvPr id="1" name=""/>
+        <p:cNvGrpSpPr/>
+        <p:nvPr/>
+      </p:nvGrpSpPr>
+      <p:grpSpPr>
+        <a:xfrm>
+          <a:off x="0" y="0"/>
+          <a:ext cx="0" cy="0"/>
+          <a:chOff x="0" y="0"/>
+          <a:chExt cx="0" cy="0"/>
+        </a:xfrm>
+      </p:grpSpPr>
+      <p:sp>
+        <p:nvSpPr>
+          <p:cNvPr id="2" name="Title 1"/>
+          <p:cNvSpPr>
+            <a:spLocks noGrp="1"/>
+          </p:cNvSpPr>
+          <p:nvPr>
+            <p:ph type="title"/>
+          </p:nvPr>
+        </p:nvSpPr>
+        <p:spPr/>
+        <p:txBody>
+          <a:bodyPr>
+            <a:normAutofit/>
+          </a:bodyPr>
+          <a:lstStyle/>
+          <a:p>
+            <a:r>
+              <a:rPr lang="en-GB" dirty="0" smtClean="0"/>
+              <a:t>Testing simple Python code</a:t>
+            </a:r>
+            <a:endParaRPr lang="en-US" dirty="0"/>
+          </a:p>
+        </p:txBody>
+      </p:sp>
+      <p:sp>
+        <p:nvSpPr>
+          <p:cNvPr id="3" name="Text Placeholder 2"/>
+          <p:cNvSpPr>
+            <a:spLocks noGrp="1"/>
+          </p:cNvSpPr>
+          <p:nvPr>
+            <p:ph type="body" idx="1"/>
+          </p:nvPr>
+        </p:nvSpPr>
+        <p:spPr/>
+        <p:txBody>
+          <a:bodyPr>
+            <a:normAutofit/>
+          </a:bodyPr>
+          <a:lstStyle/>
+          <a:p>
+            <a:r>
+              <a:rPr lang="en-GB" dirty="0" smtClean="0"/>
+              <a:t>You can also test bits of Python code via the “Shell” tab</a:t>
+            </a:r>
+          </a:p>
+          <a:p>
+            <a:r>
+              <a:rPr lang="en-GB" dirty="0" smtClean="0"/>
+              <a:t>In the coder view…</a:t>
+            </a:r>
+          </a:p>
+          <a:p>
+            <a:endParaRPr lang="en-GB" b="1" dirty="0"/>
+          </a:p>
+          <a:p>
+            <a:pPr marL="0" indent="0">
+              <a:buNone/>
+            </a:pPr>
+            <a:r>
+              <a:rPr lang="en-GB" b="1" dirty="0" smtClean="0">
+                <a:solidFill>
+                  <a:srgbClr val="FF0000"/>
+                </a:solidFill>
+              </a:rPr>
+              <a:t>Demo</a:t>
+            </a:r>
+          </a:p>
+          <a:p>
+            <a:pPr marL="0" indent="0">
+              <a:buNone/>
+            </a:pPr>
+            <a:endParaRPr lang="en-GB" b="1" dirty="0"/>
+          </a:p>
+          <a:p>
+            <a:pPr marL="0" indent="0">
+              <a:buNone/>
+            </a:pPr>
+            <a:r>
+              <a:rPr lang="en-GB" dirty="0" err="1">
+                <a:latin typeface="Courier New" panose="02070309020205020404" pitchFamily="49" charset="0"/>
+                <a:cs typeface="Courier New" panose="02070309020205020404" pitchFamily="49" charset="0"/>
+              </a:rPr>
+              <a:t>f</a:t>
+            </a:r>
+            <a:r>
+              <a:rPr lang="en-GB" dirty="0" err="1" smtClean="0">
+                <a:latin typeface="Courier New" panose="02070309020205020404" pitchFamily="49" charset="0"/>
+                <a:cs typeface="Courier New" panose="02070309020205020404" pitchFamily="49" charset="0"/>
+              </a:rPr>
+              <a:t>irstname</a:t>
+            </a:r>
+            <a:r>
+              <a:rPr lang="en-GB" dirty="0" smtClean="0">
+                <a:latin typeface="Courier New" panose="02070309020205020404" pitchFamily="49" charset="0"/>
+                <a:cs typeface="Courier New" panose="02070309020205020404" pitchFamily="49" charset="0"/>
+              </a:rPr>
+              <a:t>  </a:t>
+            </a:r>
+            <a:r>
+              <a:rPr lang="en-GB" dirty="0">
+                <a:latin typeface="Courier New" panose="02070309020205020404" pitchFamily="49" charset="0"/>
+                <a:cs typeface="Courier New" panose="02070309020205020404" pitchFamily="49" charset="0"/>
+              </a:rPr>
+              <a:t>= "</a:t>
+            </a:r>
+            <a:r>
+              <a:rPr lang="en-GB" dirty="0" smtClean="0">
+                <a:latin typeface="Courier New" panose="02070309020205020404" pitchFamily="49" charset="0"/>
+                <a:cs typeface="Courier New" panose="02070309020205020404" pitchFamily="49" charset="0"/>
+              </a:rPr>
+              <a:t>John"</a:t>
+            </a:r>
+          </a:p>
+          <a:p>
+            <a:pPr marL="0" indent="0">
+              <a:buNone/>
+            </a:pPr>
+            <a:r>
+              <a:rPr lang="en-GB" dirty="0" err="1" smtClean="0">
+                <a:latin typeface="Courier New" panose="02070309020205020404" pitchFamily="49" charset="0"/>
+                <a:cs typeface="Courier New" panose="02070309020205020404" pitchFamily="49" charset="0"/>
+              </a:rPr>
+              <a:t>firstname.upper</a:t>
+            </a:r>
+            <a:r>
+              <a:rPr lang="en-GB" dirty="0" smtClean="0">
+                <a:latin typeface="Courier New" panose="02070309020205020404" pitchFamily="49" charset="0"/>
+                <a:cs typeface="Courier New" panose="02070309020205020404" pitchFamily="49" charset="0"/>
+              </a:rPr>
+              <a:t>()</a:t>
+            </a:r>
+          </a:p>
+          <a:p>
+            <a:pPr marL="0" indent="0">
+              <a:buNone/>
+            </a:pPr>
+            <a:r>
+              <a:rPr lang="en-GB" dirty="0" err="1" smtClean="0">
+                <a:latin typeface="Courier New" panose="02070309020205020404" pitchFamily="49" charset="0"/>
+                <a:cs typeface="Courier New" panose="02070309020205020404" pitchFamily="49" charset="0"/>
+              </a:rPr>
+              <a:t>firstname.lower</a:t>
+            </a:r>
+            <a:r>
+              <a:rPr lang="en-GB" dirty="0" smtClean="0">
+                <a:latin typeface="Courier New" panose="02070309020205020404" pitchFamily="49" charset="0"/>
+                <a:cs typeface="Courier New" panose="02070309020205020404" pitchFamily="49" charset="0"/>
+              </a:rPr>
+              <a:t>()</a:t>
+            </a:r>
+          </a:p>
+        </p:txBody>
+      </p:sp>
+      <p:pic>
+        <p:nvPicPr>
+          <p:cNvPr id="6" name="Picture 5"/>
+          <p:cNvPicPr>
+            <a:picLocks noChangeAspect="1"/>
+          </p:cNvPicPr>
+          <p:nvPr/>
+        </p:nvPicPr>
+        <p:blipFill>
+          <a:blip r:embed="rId2"/>
+          <a:stretch>
+            <a:fillRect/>
+          </a:stretch>
+        </p:blipFill>
+        <p:spPr>
+          <a:xfrm>
+            <a:off x="3883239" y="2574840"/>
+            <a:ext cx="3305175" cy="1790700"/>
+          </a:xfrm>
+          <a:prstGeom prst="rect">
+            <a:avLst/>
+          </a:prstGeom>
+        </p:spPr>
+      </p:pic>
+    </p:spTree>
+    <p:extLst>
+      <p:ext uri="{BB962C8B-B14F-4D97-AF65-F5344CB8AC3E}">
+        <p14:creationId xmlns:p14="http://schemas.microsoft.com/office/powerpoint/2010/main" val="1244969016"/>
+      </p:ext>
+    </p:extLst>
+  </p:cSld>
+  <p:clrMapOvr>
+    <a:masterClrMapping/>
+  </p:clrMapOvr>
+  <p:timing>
+    <p:tnLst>
+      <p:par>
+        <p:cTn id="1" dur="indefinite" restart="never" nodeType="tmRoot"/>
+      </p:par>
+    </p:tnLst>
+  </p:timing>
+</p:sld>
+</file>
+
+<file path=ppt/slides/slide27.xml><?xml version="1.0" encoding="utf-8"?>
+<p:sld xmlns:a="http://schemas.openxmlformats.org/drawingml/2006/main" xmlns:r="http://schemas.openxmlformats.org/officeDocument/2006/relationships" xmlns:p="http://schemas.openxmlformats.org/presentationml/2006/main">
+  <p:cSld>
+    <p:spTree>
+      <p:nvGrpSpPr>
+        <p:cNvPr id="1" name=""/>
+        <p:cNvGrpSpPr/>
+        <p:nvPr/>
+      </p:nvGrpSpPr>
+      <p:grpSpPr>
+        <a:xfrm>
+          <a:off x="0" y="0"/>
+          <a:ext cx="0" cy="0"/>
+          <a:chOff x="0" y="0"/>
+          <a:chExt cx="0" cy="0"/>
+        </a:xfrm>
+      </p:grpSpPr>
+      <p:sp>
+        <p:nvSpPr>
+          <p:cNvPr id="2" name="Title 1"/>
+          <p:cNvSpPr>
+            <a:spLocks noGrp="1"/>
+          </p:cNvSpPr>
+          <p:nvPr>
+            <p:ph type="title"/>
+          </p:nvPr>
+        </p:nvSpPr>
+        <p:spPr/>
+        <p:txBody>
+          <a:bodyPr/>
+          <a:lstStyle/>
+          <a:p>
+            <a:r>
+              <a:rPr lang="en-GB" dirty="0" smtClean="0"/>
+              <a:t>Monitor settings</a:t>
+            </a:r>
+            <a:endParaRPr lang="en-US" dirty="0"/>
+          </a:p>
+        </p:txBody>
+      </p:sp>
+      <p:sp>
+        <p:nvSpPr>
+          <p:cNvPr id="3" name="Text Placeholder 2"/>
+          <p:cNvSpPr>
+            <a:spLocks noGrp="1"/>
+          </p:cNvSpPr>
+          <p:nvPr>
+            <p:ph type="body" idx="1"/>
+          </p:nvPr>
+        </p:nvSpPr>
+        <p:spPr/>
+        <p:txBody>
+          <a:bodyPr/>
+          <a:lstStyle/>
+          <a:p>
+            <a:pPr marL="457200" lvl="0" indent="-381000">
+              <a:buClr>
+                <a:schemeClr val="dk1"/>
+              </a:buClr>
+              <a:buSzPct val="100000"/>
+              <a:buFont typeface="Arial"/>
+              <a:buChar char="●"/>
+            </a:pPr>
+            <a:r>
+              <a:rPr lang="en" sz="2000" dirty="0"/>
+              <a:t>PsychoPy has concept of a ‘</a:t>
+            </a:r>
+            <a:r>
+              <a:rPr lang="en" sz="2000" b="1" dirty="0"/>
+              <a:t>Monitor</a:t>
+            </a:r>
+            <a:r>
+              <a:rPr lang="en" sz="2000" dirty="0"/>
+              <a:t>’</a:t>
+            </a:r>
+          </a:p>
+          <a:p>
+            <a:pPr marL="914400" lvl="1" indent="-381000">
+              <a:buClr>
+                <a:schemeClr val="dk1"/>
+              </a:buClr>
+              <a:buFont typeface="Courier New"/>
+              <a:buChar char="o"/>
+            </a:pPr>
+            <a:r>
+              <a:rPr lang="en" sz="2000" dirty="0" smtClean="0"/>
+              <a:t>Allows </a:t>
+            </a:r>
+            <a:r>
+              <a:rPr lang="en" sz="2000" dirty="0"/>
+              <a:t>you to: </a:t>
+            </a:r>
+          </a:p>
+          <a:p>
+            <a:pPr marL="1371600" lvl="2" indent="-342900">
+              <a:buClr>
+                <a:schemeClr val="dk1"/>
+              </a:buClr>
+              <a:buSzPct val="100000"/>
+              <a:buFont typeface="Wingdings"/>
+              <a:buChar char="§"/>
+            </a:pPr>
+            <a:r>
+              <a:rPr lang="en" sz="2000" dirty="0"/>
+              <a:t>store information about multiple monitors </a:t>
+            </a:r>
+          </a:p>
+          <a:p>
+            <a:pPr marL="1371600" lvl="2" indent="-342900">
+              <a:buClr>
+                <a:schemeClr val="dk1"/>
+              </a:buClr>
+              <a:buSzPct val="100000"/>
+              <a:buFont typeface="Wingdings"/>
+              <a:buChar char="§"/>
+            </a:pPr>
+            <a:r>
+              <a:rPr lang="en" sz="2000" dirty="0"/>
+              <a:t>keep track of multiple calibrations for the same monitor.</a:t>
+            </a:r>
+          </a:p>
+          <a:p>
+            <a:pPr marL="457200" lvl="0" indent="-381000">
+              <a:buClr>
+                <a:schemeClr val="dk1"/>
+              </a:buClr>
+              <a:buSzPct val="100000"/>
+              <a:buFont typeface="Arial"/>
+              <a:buChar char="●"/>
+            </a:pPr>
+            <a:r>
+              <a:rPr lang="en" sz="2000" dirty="0">
+                <a:latin typeface="Courier New"/>
+                <a:ea typeface="Courier New"/>
+                <a:cs typeface="Courier New"/>
+                <a:sym typeface="Courier New"/>
+              </a:rPr>
+              <a:t>TOOLS | MONITOR CENTER</a:t>
+            </a:r>
+          </a:p>
+          <a:p>
+            <a:pPr marL="457200" lvl="0" indent="-381000">
+              <a:buClr>
+                <a:schemeClr val="dk1"/>
+              </a:buClr>
+              <a:buSzPct val="100000"/>
+              <a:buFont typeface="Arial"/>
+              <a:buChar char="●"/>
+            </a:pPr>
+            <a:r>
+              <a:rPr lang="en" sz="2000" dirty="0"/>
+              <a:t>Means you can:</a:t>
+            </a:r>
+          </a:p>
+          <a:p>
+            <a:pPr marL="914400" lvl="1" indent="-381000">
+              <a:buClr>
+                <a:schemeClr val="dk1"/>
+              </a:buClr>
+              <a:buSzPct val="100000"/>
+              <a:buFont typeface="Courier New"/>
+              <a:buChar char="o"/>
+            </a:pPr>
+            <a:r>
+              <a:rPr lang="en" sz="2000" dirty="0"/>
+              <a:t>specify the size and location of stimuli in units that are independent of your particular setup.e.g.</a:t>
+            </a:r>
+          </a:p>
+          <a:p>
+            <a:pPr marL="1371600" lvl="2" indent="-342900">
+              <a:buClr>
+                <a:schemeClr val="dk1"/>
+              </a:buClr>
+              <a:buSzPct val="100000"/>
+              <a:buFont typeface="Wingdings"/>
+              <a:buChar char="§"/>
+            </a:pPr>
+            <a:r>
+              <a:rPr lang="en" sz="2000" b="1" dirty="0"/>
+              <a:t>pixels</a:t>
+            </a:r>
+          </a:p>
+          <a:p>
+            <a:pPr marL="1371600" lvl="2" indent="-342900">
+              <a:buClr>
+                <a:schemeClr val="dk1"/>
+              </a:buClr>
+              <a:buSzPct val="100000"/>
+              <a:buFont typeface="Wingdings"/>
+              <a:buChar char="§"/>
+            </a:pPr>
+            <a:r>
+              <a:rPr lang="en" sz="2000" b="1" dirty="0"/>
+              <a:t>cm of screen</a:t>
+            </a:r>
+          </a:p>
+          <a:p>
+            <a:pPr marL="1371600" lvl="2" indent="-342900">
+              <a:buClr>
+                <a:schemeClr val="dk1"/>
+              </a:buClr>
+              <a:buSzPct val="100000"/>
+              <a:buFont typeface="Wingdings"/>
+              <a:buChar char="§"/>
+            </a:pPr>
+            <a:r>
+              <a:rPr lang="en" sz="2000" b="1" dirty="0"/>
+              <a:t>degrees of visual </a:t>
+            </a:r>
+            <a:r>
+              <a:rPr lang="en" sz="2000" b="1" dirty="0" smtClean="0"/>
+              <a:t>angle</a:t>
+            </a:r>
+          </a:p>
+          <a:p>
+            <a:pPr marL="914400" lvl="1" indent="-381000">
+              <a:buClr>
+                <a:schemeClr val="dk1"/>
+              </a:buClr>
+              <a:buFont typeface="Courier New"/>
+              <a:buChar char="o"/>
+            </a:pPr>
+            <a:r>
+              <a:rPr lang="en" sz="2000" dirty="0"/>
+              <a:t>easy to port programs to different setups as PsychoPy calculate appropriate pixel size for you </a:t>
+            </a:r>
+          </a:p>
+          <a:p>
+            <a:endParaRPr lang="en-US" dirty="0"/>
+          </a:p>
+        </p:txBody>
+      </p:sp>
+    </p:spTree>
+    <p:extLst>
+      <p:ext uri="{BB962C8B-B14F-4D97-AF65-F5344CB8AC3E}">
+        <p14:creationId xmlns:p14="http://schemas.microsoft.com/office/powerpoint/2010/main" val="3155725359"/>
+      </p:ext>
+    </p:extLst>
+  </p:cSld>
+  <p:clrMapOvr>
+    <a:masterClrMapping/>
+  </p:clrMapOvr>
+  <p:timing>
+    <p:tnLst>
+      <p:par>
+        <p:cTn id="1" dur="indefinite" restart="never" nodeType="tmRoot"/>
+      </p:par>
+    </p:tnLst>
+  </p:timing>
 </p:sld>
 </file>
 
@@ -13117,7 +12930,7 @@
           <a:p>
             <a:r>
               <a:rPr lang="en-GB" dirty="0" smtClean="0"/>
-              <a:t>Result files revisited!</a:t>
+              <a:t>A quick recap/overview</a:t>
             </a:r>
             <a:endParaRPr lang="en-US" dirty="0"/>
           </a:p>
@@ -13135,8 +12948,157 @@
         </p:nvSpPr>
         <p:spPr/>
         <p:txBody>
+          <a:bodyPr/>
+          <a:lstStyle/>
+          <a:p>
+            <a:pPr marL="0" indent="0">
+              <a:buNone/>
+            </a:pPr>
+            <a:r>
+              <a:rPr lang="en-GB" sz="2000" dirty="0" smtClean="0"/>
+              <a:t>Quick recap in </a:t>
+            </a:r>
+            <a:r>
+              <a:rPr lang="en-GB" sz="2000" dirty="0" err="1" smtClean="0"/>
+              <a:t>PsychoPy</a:t>
+            </a:r>
+            <a:r>
+              <a:rPr lang="en-GB" sz="2000" dirty="0" smtClean="0"/>
+              <a:t> of:</a:t>
+            </a:r>
+          </a:p>
+          <a:p>
+            <a:pPr marL="0" indent="0">
+              <a:buNone/>
+            </a:pPr>
+            <a:endParaRPr lang="en-GB" dirty="0" smtClean="0"/>
+          </a:p>
+          <a:p>
+            <a:r>
+              <a:rPr lang="en-GB" sz="2000" b="1" dirty="0" smtClean="0"/>
+              <a:t>Routines</a:t>
+            </a:r>
+          </a:p>
+          <a:p>
+            <a:r>
+              <a:rPr lang="en-GB" sz="2000" b="1" dirty="0" smtClean="0"/>
+              <a:t>Timelines</a:t>
+            </a:r>
+          </a:p>
+          <a:p>
+            <a:r>
+              <a:rPr lang="en-GB" sz="2000" b="1" dirty="0" smtClean="0"/>
+              <a:t>Basic components</a:t>
+            </a:r>
+          </a:p>
+          <a:p>
+            <a:r>
+              <a:rPr lang="en-GB" sz="2000" b="1" dirty="0" smtClean="0"/>
+              <a:t>Paths (relative/full) – came up last week</a:t>
+            </a:r>
+          </a:p>
+          <a:p>
+            <a:endParaRPr lang="en-GB" sz="2000" b="1" dirty="0"/>
+          </a:p>
+          <a:p>
+            <a:pPr marL="0" indent="0">
+              <a:buNone/>
+            </a:pPr>
+            <a:r>
+              <a:rPr lang="en-GB" sz="2000" b="1" dirty="0" smtClean="0">
+                <a:solidFill>
+                  <a:srgbClr val="FF0000"/>
+                </a:solidFill>
+              </a:rPr>
+              <a:t>(QUICK DEMO)</a:t>
+            </a:r>
+          </a:p>
+          <a:p>
+            <a:pPr lvl="1"/>
+            <a:endParaRPr lang="en-GB" sz="1800" dirty="0"/>
+          </a:p>
+          <a:p>
+            <a:pPr marL="457200" lvl="1" indent="0">
+              <a:buNone/>
+            </a:pPr>
+            <a:endParaRPr lang="en-GB" dirty="0" smtClean="0"/>
+          </a:p>
+        </p:txBody>
+      </p:sp>
+    </p:spTree>
+    <p:extLst>
+      <p:ext uri="{BB962C8B-B14F-4D97-AF65-F5344CB8AC3E}">
+        <p14:creationId xmlns:p14="http://schemas.microsoft.com/office/powerpoint/2010/main" val="3424337846"/>
+      </p:ext>
+    </p:extLst>
+  </p:cSld>
+  <p:clrMapOvr>
+    <a:masterClrMapping/>
+  </p:clrMapOvr>
+  <p:timing>
+    <p:tnLst>
+      <p:par>
+        <p:cTn id="1" dur="indefinite" restart="never" nodeType="tmRoot"/>
+      </p:par>
+    </p:tnLst>
+  </p:timing>
+</p:sld>
+</file>
+
+<file path=ppt/slides/slide4.xml><?xml version="1.0" encoding="utf-8"?>
+<p:sld xmlns:a="http://schemas.openxmlformats.org/drawingml/2006/main" xmlns:r="http://schemas.openxmlformats.org/officeDocument/2006/relationships" xmlns:p="http://schemas.openxmlformats.org/presentationml/2006/main">
+  <p:cSld>
+    <p:spTree>
+      <p:nvGrpSpPr>
+        <p:cNvPr id="1" name=""/>
+        <p:cNvGrpSpPr/>
+        <p:nvPr/>
+      </p:nvGrpSpPr>
+      <p:grpSpPr>
+        <a:xfrm>
+          <a:off x="0" y="0"/>
+          <a:ext cx="0" cy="0"/>
+          <a:chOff x="0" y="0"/>
+          <a:chExt cx="0" cy="0"/>
+        </a:xfrm>
+      </p:grpSpPr>
+      <p:sp>
+        <p:nvSpPr>
+          <p:cNvPr id="2" name="Title 1"/>
+          <p:cNvSpPr>
+            <a:spLocks noGrp="1"/>
+          </p:cNvSpPr>
+          <p:nvPr>
+            <p:ph type="title"/>
+          </p:nvPr>
+        </p:nvSpPr>
+        <p:spPr/>
+        <p:txBody>
+          <a:bodyPr/>
+          <a:lstStyle/>
+          <a:p>
+            <a:r>
+              <a:rPr lang="en-GB" dirty="0" smtClean="0"/>
+              <a:t>Result files revisited!</a:t>
+            </a:r>
+            <a:endParaRPr lang="en-US" dirty="0"/>
+          </a:p>
+        </p:txBody>
+      </p:sp>
+      <p:sp>
+        <p:nvSpPr>
+          <p:cNvPr id="3" name="Text Placeholder 2"/>
+          <p:cNvSpPr>
+            <a:spLocks noGrp="1"/>
+          </p:cNvSpPr>
+          <p:nvPr>
+            <p:ph type="body" idx="1"/>
+          </p:nvPr>
+        </p:nvSpPr>
+        <p:spPr/>
+        <p:txBody>
           <a:bodyPr>
-            <a:normAutofit lnSpcReduction="10000"/>
+            <a:normAutofit/>
           </a:bodyPr>
           <a:lstStyle/>
           <a:p>
@@ -13144,7 +13106,7 @@
               <a:buNone/>
             </a:pPr>
             <a:r>
-              <a:rPr lang="en-GB" dirty="0" smtClean="0"/>
+              <a:rPr lang="en-GB" sz="2400" dirty="0" smtClean="0"/>
               <a:t>How do we add extra information to our data output?</a:t>
             </a:r>
           </a:p>
@@ -13275,12 +13237,6 @@
               <a:buNone/>
             </a:pPr>
             <a:endParaRPr lang="en-GB" dirty="0"/>
-          </a:p>
-          <a:p>
-            <a:r>
-              <a:rPr lang="en-GB" dirty="0" smtClean="0"/>
-              <a:t>Which we did in the first week</a:t>
-            </a:r>
           </a:p>
           <a:p>
             <a:r>
@@ -13373,258 +13329,6 @@
 </p:sld>
 </file>
 
-<file path=ppt/slides/slide4.xml><?xml version="1.0" encoding="utf-8"?>
-<p:sld xmlns:a="http://schemas.openxmlformats.org/drawingml/2006/main" xmlns:r="http://schemas.openxmlformats.org/officeDocument/2006/relationships" xmlns:p="http://schemas.openxmlformats.org/presentationml/2006/main">
-  <p:cSld>
-    <p:spTree>
-      <p:nvGrpSpPr>
-        <p:cNvPr id="1" name=""/>
-        <p:cNvGrpSpPr/>
-        <p:nvPr/>
-      </p:nvGrpSpPr>
-      <p:grpSpPr>
-        <a:xfrm>
-          <a:off x="0" y="0"/>
-          <a:ext cx="0" cy="0"/>
-          <a:chOff x="0" y="0"/>
-          <a:chExt cx="0" cy="0"/>
-        </a:xfrm>
-      </p:grpSpPr>
-      <p:sp>
-        <p:nvSpPr>
-          <p:cNvPr id="2" name="Title 1"/>
-          <p:cNvSpPr>
-            <a:spLocks noGrp="1"/>
-          </p:cNvSpPr>
-          <p:nvPr>
-            <p:ph type="title"/>
-          </p:nvPr>
-        </p:nvSpPr>
-        <p:spPr/>
-        <p:txBody>
-          <a:bodyPr/>
-          <a:lstStyle/>
-          <a:p>
-            <a:r>
-              <a:rPr lang="en-GB" dirty="0" smtClean="0"/>
-              <a:t>Monitor settings</a:t>
-            </a:r>
-            <a:endParaRPr lang="en-US" dirty="0"/>
-          </a:p>
-        </p:txBody>
-      </p:sp>
-      <p:sp>
-        <p:nvSpPr>
-          <p:cNvPr id="3" name="Text Placeholder 2"/>
-          <p:cNvSpPr>
-            <a:spLocks noGrp="1"/>
-          </p:cNvSpPr>
-          <p:nvPr>
-            <p:ph type="body" idx="1"/>
-          </p:nvPr>
-        </p:nvSpPr>
-        <p:spPr/>
-        <p:txBody>
-          <a:bodyPr/>
-          <a:lstStyle/>
-          <a:p>
-            <a:pPr marL="457200" lvl="0" indent="-381000">
-              <a:buClr>
-                <a:schemeClr val="dk1"/>
-              </a:buClr>
-              <a:buSzPct val="100000"/>
-              <a:buFont typeface="Arial"/>
-              <a:buChar char="●"/>
-            </a:pPr>
-            <a:r>
-              <a:rPr lang="en" sz="2000" dirty="0"/>
-              <a:t>PsychoPy has concept of a ‘</a:t>
-            </a:r>
-            <a:r>
-              <a:rPr lang="en" sz="2000" b="1" dirty="0"/>
-              <a:t>Monitor</a:t>
-            </a:r>
-            <a:r>
-              <a:rPr lang="en" sz="2000" dirty="0"/>
-              <a:t>’</a:t>
-            </a:r>
-          </a:p>
-          <a:p>
-            <a:pPr marL="914400" lvl="1" indent="-381000">
-              <a:buClr>
-                <a:schemeClr val="dk1"/>
-              </a:buClr>
-              <a:buFont typeface="Courier New"/>
-              <a:buChar char="o"/>
-            </a:pPr>
-            <a:r>
-              <a:rPr lang="en" sz="2000" dirty="0" smtClean="0"/>
-              <a:t>Allows </a:t>
-            </a:r>
-            <a:r>
-              <a:rPr lang="en" sz="2000" dirty="0"/>
-              <a:t>you to: </a:t>
-            </a:r>
-          </a:p>
-          <a:p>
-            <a:pPr marL="1371600" lvl="2" indent="-342900">
-              <a:buClr>
-                <a:schemeClr val="dk1"/>
-              </a:buClr>
-              <a:buSzPct val="100000"/>
-              <a:buFont typeface="Wingdings"/>
-              <a:buChar char="§"/>
-            </a:pPr>
-            <a:r>
-              <a:rPr lang="en" sz="2000" dirty="0"/>
-              <a:t>store information about multiple monitors </a:t>
-            </a:r>
-          </a:p>
-          <a:p>
-            <a:pPr marL="1371600" lvl="2" indent="-342900">
-              <a:buClr>
-                <a:schemeClr val="dk1"/>
-              </a:buClr>
-              <a:buSzPct val="100000"/>
-              <a:buFont typeface="Wingdings"/>
-              <a:buChar char="§"/>
-            </a:pPr>
-            <a:r>
-              <a:rPr lang="en" sz="2000" dirty="0"/>
-              <a:t>keep track of multiple calibrations for the same monitor.</a:t>
-            </a:r>
-          </a:p>
-          <a:p>
-            <a:pPr marL="457200" lvl="0" indent="-381000">
-              <a:buClr>
-                <a:schemeClr val="dk1"/>
-              </a:buClr>
-              <a:buSzPct val="100000"/>
-              <a:buFont typeface="Arial"/>
-              <a:buChar char="●"/>
-            </a:pPr>
-            <a:r>
-              <a:rPr lang="en" sz="2000" dirty="0">
-                <a:latin typeface="Courier New"/>
-                <a:ea typeface="Courier New"/>
-                <a:cs typeface="Courier New"/>
-                <a:sym typeface="Courier New"/>
-              </a:rPr>
-              <a:t>TOOLS | MONITOR CENTER</a:t>
-            </a:r>
-          </a:p>
-          <a:p>
-            <a:pPr marL="457200" lvl="0" indent="-381000">
-              <a:buClr>
-                <a:schemeClr val="dk1"/>
-              </a:buClr>
-              <a:buSzPct val="100000"/>
-              <a:buFont typeface="Arial"/>
-              <a:buChar char="●"/>
-            </a:pPr>
-            <a:r>
-              <a:rPr lang="en" sz="2000" dirty="0"/>
-              <a:t>Means you can:</a:t>
-            </a:r>
-          </a:p>
-          <a:p>
-            <a:pPr marL="914400" lvl="1" indent="-381000">
-              <a:buClr>
-                <a:schemeClr val="dk1"/>
-              </a:buClr>
-              <a:buSzPct val="100000"/>
-              <a:buFont typeface="Courier New"/>
-              <a:buChar char="o"/>
-            </a:pPr>
-            <a:r>
-              <a:rPr lang="en" sz="2000" dirty="0"/>
-              <a:t>specify the size and location of stimuli in units that are independent of your particular setup.e.g.</a:t>
-            </a:r>
-          </a:p>
-          <a:p>
-            <a:pPr marL="1371600" lvl="2" indent="-342900">
-              <a:buClr>
-                <a:schemeClr val="dk1"/>
-              </a:buClr>
-              <a:buSzPct val="100000"/>
-              <a:buFont typeface="Wingdings"/>
-              <a:buChar char="§"/>
-            </a:pPr>
-            <a:r>
-              <a:rPr lang="en" sz="2000" b="1" dirty="0"/>
-              <a:t>pixels</a:t>
-            </a:r>
-          </a:p>
-          <a:p>
-            <a:pPr marL="1371600" lvl="2" indent="-342900">
-              <a:buClr>
-                <a:schemeClr val="dk1"/>
-              </a:buClr>
-              <a:buSzPct val="100000"/>
-              <a:buFont typeface="Wingdings"/>
-              <a:buChar char="§"/>
-            </a:pPr>
-            <a:r>
-              <a:rPr lang="en" sz="2000" b="1" dirty="0"/>
-              <a:t>cm of screen</a:t>
-            </a:r>
-          </a:p>
-          <a:p>
-            <a:pPr marL="1371600" lvl="2" indent="-342900">
-              <a:buClr>
-                <a:schemeClr val="dk1"/>
-              </a:buClr>
-              <a:buSzPct val="100000"/>
-              <a:buFont typeface="Wingdings"/>
-              <a:buChar char="§"/>
-            </a:pPr>
-            <a:r>
-              <a:rPr lang="en" sz="2000" b="1" dirty="0"/>
-              <a:t>degrees of visual </a:t>
-            </a:r>
-            <a:r>
-              <a:rPr lang="en" sz="2000" b="1" dirty="0" smtClean="0"/>
-              <a:t>angle</a:t>
-            </a:r>
-          </a:p>
-          <a:p>
-            <a:pPr marL="914400" lvl="1" indent="-381000">
-              <a:buClr>
-                <a:schemeClr val="dk1"/>
-              </a:buClr>
-              <a:buFont typeface="Courier New"/>
-              <a:buChar char="o"/>
-            </a:pPr>
-            <a:r>
-              <a:rPr lang="en" sz="2000" dirty="0"/>
-              <a:t>easy to port programs to different setups as PsychoPy calculate appropriate pixel size for you </a:t>
-            </a:r>
-          </a:p>
-          <a:p>
-            <a:endParaRPr lang="en-US" dirty="0"/>
-          </a:p>
-        </p:txBody>
-      </p:sp>
-    </p:spTree>
-    <p:extLst>
-      <p:ext uri="{BB962C8B-B14F-4D97-AF65-F5344CB8AC3E}">
-        <p14:creationId xmlns:p14="http://schemas.microsoft.com/office/powerpoint/2010/main" val="3155725359"/>
-      </p:ext>
-    </p:extLst>
-  </p:cSld>
-  <p:clrMapOvr>
-    <a:masterClrMapping/>
-  </p:clrMapOvr>
-  <p:timing>
-    <p:tnLst>
-      <p:par>
-        <p:cTn id="1" dur="indefinite" restart="never" nodeType="tmRoot"/>
-      </p:par>
-    </p:tnLst>
-  </p:timing>
-</p:sld>
-</file>
-
 <file path=ppt/slides/slide5.xml><?xml version="1.0" encoding="utf-8"?>
 <p:sld xmlns:a="http://schemas.openxmlformats.org/drawingml/2006/main" xmlns:r="http://schemas.openxmlformats.org/officeDocument/2006/relationships" xmlns:p="http://schemas.openxmlformats.org/presentationml/2006/main">
   <p:cSld>
@@ -13721,7 +13425,7 @@
         </p:spPr>
         <p:txBody>
           <a:bodyPr>
-            <a:normAutofit fontScale="92500" lnSpcReduction="20000"/>
+            <a:normAutofit fontScale="85000" lnSpcReduction="20000"/>
           </a:bodyPr>
           <a:lstStyle/>
           <a:p>
@@ -13732,7 +13436,11 @@
           </a:p>
           <a:p>
             <a:r>
-              <a:rPr lang="en-GB" sz="1900" dirty="0" smtClean="0"/>
+              <a:rPr lang="en-GB" sz="1900" b="1" dirty="0" smtClean="0">
+                <a:solidFill>
+                  <a:srgbClr val="FF0000"/>
+                </a:solidFill>
+              </a:rPr>
               <a:t>Stacking order is important!</a:t>
             </a:r>
           </a:p>
@@ -13790,7 +13498,25 @@
               <a:buChar char="o"/>
             </a:pPr>
             <a:r>
-              <a:rPr lang="en-GB" sz="1900" u="sng" dirty="0">
+              <a:rPr lang="en-GB" sz="1900" dirty="0" smtClean="0"/>
+              <a:t>Visual degree of angles, pixels </a:t>
+            </a:r>
+            <a:r>
+              <a:rPr lang="en-GB" sz="1900" dirty="0" err="1" smtClean="0"/>
+              <a:t>etc</a:t>
+            </a:r>
+            <a:r>
+              <a:rPr lang="en-GB" sz="1900" dirty="0" smtClean="0"/>
+              <a:t> … see:</a:t>
+            </a:r>
+          </a:p>
+          <a:p>
+            <a:pPr lvl="2">
+              <a:buFont typeface="Courier New" panose="02070309020205020404" pitchFamily="49" charset="0"/>
+              <a:buChar char="o"/>
+            </a:pPr>
+            <a:r>
+              <a:rPr lang="en-GB" sz="1700" u="sng" dirty="0">
                 <a:solidFill>
                   <a:schemeClr val="accent1">
                     <a:lumMod val="60000"/>
@@ -13801,7 +13527,7 @@
               <a:t>http://</a:t>
             </a:r>
             <a:r>
-              <a:rPr lang="en-GB" sz="1900" u="sng" dirty="0" smtClean="0">
+              <a:rPr lang="en-GB" sz="1700" u="sng" dirty="0" smtClean="0">
                 <a:solidFill>
                   <a:schemeClr val="accent1">
                     <a:lumMod val="60000"/>
@@ -14520,7 +14246,14 @@
             <a:pPr marL="0" indent="0">
               <a:buNone/>
             </a:pPr>
-            <a:endParaRPr lang="en-GB" dirty="0" smtClean="0"/>
+            <a:r>
+              <a:rPr lang="en-GB" dirty="0"/>
+              <a:t>t</a:t>
+            </a:r>
+            <a:r>
+              <a:rPr lang="en-GB" dirty="0" smtClean="0"/>
+              <a:t>o play with their ordering/stacking.</a:t>
+            </a:r>
           </a:p>
           <a:p>
             <a:pPr marL="0" indent="0">
@@ -14624,7 +14357,7 @@
             </a:pPr>
             <a:r>
               <a:rPr lang="en-GB" dirty="0" smtClean="0"/>
-              <a:t>We’ll take </a:t>
+              <a:t>We’ll just take approximately </a:t>
             </a:r>
             <a:r>
               <a:rPr lang="en-GB" b="1" dirty="0" smtClean="0">
@@ -14704,7 +14437,7 @@
           <a:p>
             <a:r>
               <a:rPr lang="en-GB" dirty="0" smtClean="0"/>
-              <a:t>Nested loops and lists</a:t>
+              <a:t>Nesting loops</a:t>
             </a:r>
             <a:endParaRPr lang="en-US" dirty="0"/>
           </a:p>
@@ -14727,8 +14460,97 @@
           <a:p>
             <a:r>
               <a:rPr lang="en-GB" dirty="0" smtClean="0"/>
-              <a:t>Repeated stimuli with different conditions can cause repetition</a:t>
-            </a:r>
+              <a:t>It is possible to do a loop within a loop</a:t>
+            </a:r>
+            <a:endParaRPr lang="en-GB" dirty="0" smtClean="0"/>
+          </a:p>
+          <a:p>
+            <a:r>
+              <a:rPr lang="en-GB" dirty="0" smtClean="0"/>
+              <a:t>A nested loop in </a:t>
+            </a:r>
+            <a:r>
+              <a:rPr lang="en-GB" dirty="0" err="1" smtClean="0"/>
+              <a:t>PsychoPy</a:t>
+            </a:r>
+            <a:r>
+              <a:rPr lang="en-GB" dirty="0" smtClean="0"/>
+              <a:t>:</a:t>
+            </a:r>
+          </a:p>
+          <a:p>
+            <a:endParaRPr lang="en-GB" dirty="0"/>
+          </a:p>
+          <a:p>
+            <a:endParaRPr lang="en-GB" dirty="0" smtClean="0"/>
+          </a:p>
+          <a:p>
+            <a:endParaRPr lang="en-GB" dirty="0"/>
+          </a:p>
+          <a:p>
+            <a:endParaRPr lang="en-GB" dirty="0" smtClean="0"/>
+          </a:p>
+          <a:p>
+            <a:endParaRPr lang="en-GB" dirty="0"/>
+          </a:p>
+          <a:p>
+            <a:pPr marL="0" indent="0">
+              <a:buNone/>
+            </a:pPr>
+            <a:endParaRPr lang="en-GB" dirty="0" smtClean="0"/>
+          </a:p>
+          <a:p>
+            <a:endParaRPr lang="en-GB" dirty="0"/>
+          </a:p>
+          <a:p>
+            <a:pPr marL="0" indent="0">
+              <a:buNone/>
+            </a:pPr>
+            <a:endParaRPr lang="en-GB" dirty="0" smtClean="0"/>
+          </a:p>
+          <a:p>
+            <a:pPr marL="0" indent="0">
+              <a:buNone/>
+            </a:pPr>
+            <a:endParaRPr lang="en-GB" dirty="0"/>
+          </a:p>
+          <a:p>
+            <a:pPr marL="0" indent="0">
+              <a:buNone/>
+            </a:pPr>
+            <a:endParaRPr lang="en-GB" dirty="0" smtClean="0"/>
+          </a:p>
+          <a:p>
+            <a:pPr marL="0" indent="0">
+              <a:buNone/>
+            </a:pPr>
+            <a:endParaRPr lang="en-GB" dirty="0" smtClean="0"/>
+          </a:p>
+          <a:p>
+            <a:pPr marL="0" indent="0">
+              <a:buNone/>
+            </a:pPr>
+            <a:endParaRPr lang="en-GB" dirty="0" smtClean="0"/>
+          </a:p>
+          <a:p>
+            <a:pPr marL="0" indent="0">
+              <a:buNone/>
+            </a:pPr>
+            <a:endParaRPr lang="en-GB" dirty="0"/>
+          </a:p>
+          <a:p>
+            <a:pPr marL="0" indent="0">
+              <a:buNone/>
+            </a:pPr>
+            <a:r>
+              <a:rPr lang="en-GB" dirty="0" smtClean="0"/>
+              <a:t>Lets </a:t>
+            </a:r>
+            <a:r>
+              <a:rPr lang="en-GB" dirty="0" smtClean="0"/>
+              <a:t>look at the example in action… </a:t>
+            </a:r>
+            <a:endParaRPr lang="en-GB" dirty="0" smtClean="0"/>
           </a:p>
           <a:p>
             <a:pPr marL="0" indent="0">
@@ -14740,92 +14562,7 @@
                   <a:srgbClr val="FF0000"/>
                 </a:solidFill>
               </a:rPr>
-              <a:t>(DEMO – combined-data.xlsx)</a:t>
-            </a:r>
-          </a:p>
-          <a:p>
-            <a:r>
-              <a:rPr lang="en-GB" dirty="0" smtClean="0"/>
-              <a:t>Using nested loops/lists in </a:t>
-            </a:r>
-            <a:r>
-              <a:rPr lang="en-GB" dirty="0" err="1" smtClean="0"/>
-              <a:t>PsychoPy</a:t>
-            </a:r>
-            <a:r>
-              <a:rPr lang="en-GB" dirty="0" smtClean="0"/>
-              <a:t>, we can reduce this</a:t>
-            </a:r>
-          </a:p>
-          <a:p>
-            <a:r>
-              <a:rPr lang="en-GB" dirty="0" smtClean="0"/>
-              <a:t>A nested loop in </a:t>
-            </a:r>
-            <a:r>
-              <a:rPr lang="en-GB" dirty="0" err="1" smtClean="0"/>
-              <a:t>PsychoPy</a:t>
-            </a:r>
-            <a:r>
-              <a:rPr lang="en-GB" dirty="0" smtClean="0"/>
-              <a:t>:</a:t>
-            </a:r>
-          </a:p>
-          <a:p>
-            <a:endParaRPr lang="en-GB" dirty="0"/>
-          </a:p>
-          <a:p>
-            <a:endParaRPr lang="en-GB" dirty="0" smtClean="0"/>
-          </a:p>
-          <a:p>
-            <a:endParaRPr lang="en-GB" dirty="0"/>
-          </a:p>
-          <a:p>
-            <a:endParaRPr lang="en-GB" dirty="0" smtClean="0"/>
-          </a:p>
-          <a:p>
-            <a:endParaRPr lang="en-GB" dirty="0"/>
-          </a:p>
-          <a:p>
-            <a:pPr marL="0" indent="0">
-              <a:buNone/>
-            </a:pPr>
-            <a:endParaRPr lang="en-GB" dirty="0" smtClean="0"/>
-          </a:p>
-          <a:p>
-            <a:endParaRPr lang="en-GB" dirty="0"/>
-          </a:p>
-          <a:p>
-            <a:pPr marL="0" indent="0">
-              <a:buNone/>
-            </a:pPr>
-            <a:endParaRPr lang="en-GB" dirty="0" smtClean="0"/>
-          </a:p>
-          <a:p>
-            <a:pPr marL="0" indent="0">
-              <a:buNone/>
-            </a:pPr>
-            <a:endParaRPr lang="en-GB" dirty="0"/>
-          </a:p>
-          <a:p>
-            <a:pPr marL="0" indent="0">
-              <a:buNone/>
-            </a:pPr>
-            <a:endParaRPr lang="en-GB" dirty="0" smtClean="0"/>
-          </a:p>
-          <a:p>
-            <a:pPr marL="0" indent="0">
-              <a:buNone/>
-            </a:pPr>
-            <a:endParaRPr lang="en-GB" dirty="0" smtClean="0"/>
-          </a:p>
-          <a:p>
-            <a:pPr marL="0" indent="0">
-              <a:buNone/>
-            </a:pPr>
-            <a:r>
-              <a:rPr lang="en-GB" dirty="0" smtClean="0"/>
-              <a:t>Lets look at the example in action… </a:t>
+              <a:t>(</a:t>
             </a:r>
             <a:r>
               <a:rPr lang="en-GB" dirty="0" smtClean="0">
@@ -14833,7 +14570,7 @@
                   <a:srgbClr val="FF0000"/>
                 </a:solidFill>
               </a:rPr>
-              <a:t>(DEMO)</a:t>
+              <a:t>DEMO)</a:t>
             </a:r>
           </a:p>
         </p:txBody>
@@ -15049,16 +14786,6 @@
           </a:p>
           <a:p>
             <a:r>
-              <a:rPr lang="en-GB" smtClean="0">
-                <a:solidFill>
-                  <a:schemeClr val="bg1">
-                    <a:lumMod val="50000"/>
-                  </a:schemeClr>
-                </a:solidFill>
-              </a:rPr>
-              <a:t>Completes each </a:t>
-            </a:r>
-            <a:r>
               <a:rPr lang="en-GB" dirty="0" smtClean="0">
                 <a:solidFill>
                   <a:schemeClr val="bg1">
@@ -15066,7 +14793,7 @@
                   </a:schemeClr>
                 </a:solidFill>
               </a:rPr>
-              <a:t>time)</a:t>
+              <a:t>Completes each time)</a:t>
             </a:r>
             <a:endParaRPr lang="en-US" dirty="0">
               <a:solidFill>
@@ -15125,7 +14852,7 @@
           <a:p>
             <a:r>
               <a:rPr lang="en-GB" dirty="0" smtClean="0"/>
-              <a:t>Using Coder instead of Builder</a:t>
+              <a:t>Using Python code in builder</a:t>
             </a:r>
             <a:endParaRPr lang="en-US" dirty="0"/>
           </a:p>
@@ -15141,12 +14868,7 @@
             <p:ph type="body" idx="1"/>
           </p:nvPr>
         </p:nvSpPr>
-        <p:spPr>
-          <a:xfrm>
-            <a:off x="538078" y="1417935"/>
-            <a:ext cx="8229600" cy="5300259"/>
-          </a:xfrm>
-        </p:spPr>
+        <p:spPr/>
         <p:txBody>
           <a:bodyPr>
             <a:normAutofit/>
@@ -15155,389 +14877,7 @@
           <a:p>
             <a:r>
               <a:rPr lang="en-GB" dirty="0" smtClean="0"/>
-              <a:t>Writing pure Python code using </a:t>
-            </a:r>
-            <a:r>
-              <a:rPr lang="en-GB" dirty="0" err="1" smtClean="0"/>
-              <a:t>PsychoPy</a:t>
-            </a:r>
-            <a:r>
-              <a:rPr lang="en-GB" dirty="0" smtClean="0"/>
-              <a:t> library</a:t>
-            </a:r>
-          </a:p>
-          <a:p>
-            <a:r>
-              <a:rPr lang="en-GB" dirty="0" smtClean="0"/>
-              <a:t>Too advanced to cover in detail on this course</a:t>
-            </a:r>
-          </a:p>
-          <a:p>
-            <a:r>
-              <a:rPr lang="en-GB" dirty="0" smtClean="0"/>
-              <a:t>Unlikely you will ever need to use it</a:t>
-            </a:r>
-          </a:p>
-          <a:p>
-            <a:r>
-              <a:rPr lang="en-GB" dirty="0" smtClean="0"/>
-              <a:t>Sometimes we do if an experiment is outside scope of builder</a:t>
-            </a:r>
-          </a:p>
-          <a:p>
-            <a:pPr marL="0" indent="0">
-              <a:buNone/>
-            </a:pPr>
-            <a:endParaRPr lang="en-GB" dirty="0" smtClean="0"/>
-          </a:p>
-          <a:p>
-            <a:pPr marL="0" indent="0">
-              <a:buNone/>
-            </a:pPr>
-            <a:endParaRPr lang="en-GB" dirty="0"/>
-          </a:p>
-          <a:p>
-            <a:pPr marL="0" indent="0">
-              <a:buNone/>
-            </a:pPr>
-            <a:endParaRPr lang="en-GB" dirty="0" smtClean="0"/>
-          </a:p>
-          <a:p>
-            <a:pPr marL="0" indent="0">
-              <a:buNone/>
-            </a:pPr>
-            <a:endParaRPr lang="en-GB" dirty="0"/>
-          </a:p>
-          <a:p>
-            <a:pPr marL="0" indent="0">
-              <a:buNone/>
-            </a:pPr>
-            <a:endParaRPr lang="en-GB" dirty="0" smtClean="0"/>
-          </a:p>
-          <a:p>
-            <a:pPr marL="0" indent="0">
-              <a:buNone/>
-            </a:pPr>
-            <a:endParaRPr lang="en-GB" dirty="0"/>
-          </a:p>
-          <a:p>
-            <a:pPr marL="0" indent="0">
-              <a:buNone/>
-            </a:pPr>
-            <a:endParaRPr lang="en-GB" dirty="0" smtClean="0"/>
-          </a:p>
-          <a:p>
-            <a:pPr marL="0" indent="0">
-              <a:buNone/>
-            </a:pPr>
-            <a:endParaRPr lang="en-GB" dirty="0"/>
-          </a:p>
-          <a:p>
-            <a:pPr marL="0" indent="0">
-              <a:buNone/>
-            </a:pPr>
-            <a:endParaRPr lang="en-GB" dirty="0" smtClean="0"/>
-          </a:p>
-          <a:p>
-            <a:pPr marL="0" indent="0">
-              <a:buNone/>
-            </a:pPr>
-            <a:endParaRPr lang="en-GB" dirty="0"/>
-          </a:p>
-          <a:p>
-            <a:pPr marL="0" indent="0">
-              <a:buNone/>
-            </a:pPr>
-            <a:endParaRPr lang="en-GB" dirty="0" smtClean="0"/>
-          </a:p>
-          <a:p>
-            <a:pPr marL="0" indent="0">
-              <a:buNone/>
-            </a:pPr>
-            <a:endParaRPr lang="en-GB" dirty="0" smtClean="0"/>
-          </a:p>
-          <a:p>
-            <a:pPr marL="0" indent="0">
-              <a:buNone/>
-            </a:pPr>
-            <a:r>
-              <a:rPr lang="en-GB" dirty="0" smtClean="0"/>
-              <a:t>Here is a quick demo of something which can be achieved </a:t>
-            </a:r>
-          </a:p>
-          <a:p>
-            <a:pPr marL="0" indent="0">
-              <a:buNone/>
-            </a:pPr>
-            <a:r>
-              <a:rPr lang="en-GB" dirty="0" smtClean="0"/>
-              <a:t>with</a:t>
-            </a:r>
-            <a:r>
-              <a:rPr lang="en-US" dirty="0" smtClean="0"/>
-              <a:t> Coder… </a:t>
-            </a:r>
-            <a:r>
-              <a:rPr lang="en-US" dirty="0" smtClean="0">
-                <a:solidFill>
-                  <a:srgbClr val="FF0000"/>
-                </a:solidFill>
-              </a:rPr>
-              <a:t>(CARD GAME DEMO)</a:t>
-            </a:r>
-          </a:p>
-          <a:p>
-            <a:pPr marL="457200" lvl="1" indent="0">
-              <a:buNone/>
-            </a:pPr>
-            <a:endParaRPr lang="en-GB" dirty="0" smtClean="0"/>
-          </a:p>
-        </p:txBody>
-      </p:sp>
-      <p:pic>
-        <p:nvPicPr>
-          <p:cNvPr id="4" name="Picture 3"/>
-          <p:cNvPicPr>
-            <a:picLocks noChangeAspect="1"/>
-          </p:cNvPicPr>
-          <p:nvPr/>
-        </p:nvPicPr>
-        <p:blipFill>
-          <a:blip r:embed="rId2">
-            <a:extLst>
-              <a:ext uri="{28A0092B-C50C-407E-A947-70E740481C1C}">
-                <a14:useLocalDpi xmlns:a14="http://schemas.microsoft.com/office/drawing/2010/main" val="0"/>
-              </a:ext>
-            </a:extLst>
-          </a:blip>
-          <a:stretch>
-            <a:fillRect/>
-          </a:stretch>
-        </p:blipFill>
-        <p:spPr>
-          <a:xfrm>
-            <a:off x="613649" y="2906695"/>
-            <a:ext cx="2787392" cy="2530583"/>
-          </a:xfrm>
-          <a:prstGeom prst="rect">
-            <a:avLst/>
-          </a:prstGeom>
-        </p:spPr>
-      </p:pic>
-      <p:pic>
-        <p:nvPicPr>
-          <p:cNvPr id="5" name="Picture 4"/>
-          <p:cNvPicPr>
-            <a:picLocks noChangeAspect="1"/>
-          </p:cNvPicPr>
-          <p:nvPr/>
-        </p:nvPicPr>
-        <p:blipFill>
-          <a:blip r:embed="rId3">
-            <a:extLst>
-              <a:ext uri="{28A0092B-C50C-407E-A947-70E740481C1C}">
-                <a14:useLocalDpi xmlns:a14="http://schemas.microsoft.com/office/drawing/2010/main" val="0"/>
-              </a:ext>
-            </a:extLst>
-          </a:blip>
-          <a:stretch>
-            <a:fillRect/>
-          </a:stretch>
-        </p:blipFill>
-        <p:spPr>
-          <a:xfrm>
-            <a:off x="4329641" y="2902152"/>
-            <a:ext cx="3212270" cy="2535125"/>
-          </a:xfrm>
-          <a:prstGeom prst="rect">
-            <a:avLst/>
-          </a:prstGeom>
-        </p:spPr>
-      </p:pic>
-      <p:sp>
-        <p:nvSpPr>
-          <p:cNvPr id="6" name="TextBox 5"/>
-          <p:cNvSpPr txBox="1"/>
-          <p:nvPr/>
-        </p:nvSpPr>
-        <p:spPr>
-          <a:xfrm>
-            <a:off x="1476005" y="5400248"/>
-            <a:ext cx="1326004" cy="338554"/>
-          </a:xfrm>
-          <a:prstGeom prst="rect">
-            <a:avLst/>
-          </a:prstGeom>
-          <a:noFill/>
-        </p:spPr>
-        <p:txBody>
-          <a:bodyPr wrap="none" rtlCol="0">
-            <a:spAutoFit/>
-          </a:bodyPr>
-          <a:lstStyle/>
-          <a:p>
-            <a:r>
-              <a:rPr lang="en-GB" sz="1600" dirty="0" smtClean="0">
-                <a:solidFill>
-                  <a:schemeClr val="accent1">
-                    <a:lumMod val="60000"/>
-                    <a:lumOff val="40000"/>
-                  </a:schemeClr>
-                </a:solidFill>
-              </a:rPr>
-              <a:t>Builder view</a:t>
-            </a:r>
-            <a:endParaRPr lang="en-US" sz="1600" dirty="0">
-              <a:solidFill>
-                <a:schemeClr val="accent1">
-                  <a:lumMod val="60000"/>
-                  <a:lumOff val="40000"/>
-                </a:schemeClr>
-              </a:solidFill>
-            </a:endParaRPr>
-          </a:p>
-        </p:txBody>
-      </p:sp>
-      <p:sp>
-        <p:nvSpPr>
-          <p:cNvPr id="7" name="TextBox 6"/>
-          <p:cNvSpPr txBox="1"/>
-          <p:nvPr/>
-        </p:nvSpPr>
-        <p:spPr>
-          <a:xfrm>
-            <a:off x="5421357" y="5400248"/>
-            <a:ext cx="1212191" cy="338554"/>
-          </a:xfrm>
-          <a:prstGeom prst="rect">
-            <a:avLst/>
-          </a:prstGeom>
-          <a:noFill/>
-        </p:spPr>
-        <p:txBody>
-          <a:bodyPr wrap="none" rtlCol="0">
-            <a:spAutoFit/>
-          </a:bodyPr>
-          <a:lstStyle/>
-          <a:p>
-            <a:r>
-              <a:rPr lang="en-GB" sz="1600" dirty="0" smtClean="0">
-                <a:solidFill>
-                  <a:schemeClr val="accent1">
-                    <a:lumMod val="60000"/>
-                    <a:lumOff val="40000"/>
-                  </a:schemeClr>
-                </a:solidFill>
-              </a:rPr>
-              <a:t>Coder view</a:t>
-            </a:r>
-            <a:endParaRPr lang="en-US" sz="1600" dirty="0">
-              <a:solidFill>
-                <a:schemeClr val="accent1">
-                  <a:lumMod val="60000"/>
-                  <a:lumOff val="40000"/>
-                </a:schemeClr>
-              </a:solidFill>
-            </a:endParaRPr>
-          </a:p>
-        </p:txBody>
-      </p:sp>
-    </p:spTree>
-    <p:extLst>
-      <p:ext uri="{BB962C8B-B14F-4D97-AF65-F5344CB8AC3E}">
-        <p14:creationId xmlns:p14="http://schemas.microsoft.com/office/powerpoint/2010/main" val="4044932057"/>
-      </p:ext>
-    </p:extLst>
-  </p:cSld>
-  <p:clrMapOvr>
-    <a:masterClrMapping/>
-  </p:clrMapOvr>
-  <p:timing>
-    <p:tnLst>
-      <p:par>
-        <p:cTn id="1" dur="indefinite" restart="never" nodeType="tmRoot"/>
-      </p:par>
-    </p:tnLst>
-  </p:timing>
-</p:sld>
-</file>
-
-<file path=ppt/slides/slide9.xml><?xml version="1.0" encoding="utf-8"?>
-<p:sld xmlns:a="http://schemas.openxmlformats.org/drawingml/2006/main" xmlns:r="http://schemas.openxmlformats.org/officeDocument/2006/relationships" xmlns:p="http://schemas.openxmlformats.org/presentationml/2006/main">
-  <p:cSld>
-    <p:spTree>
-      <p:nvGrpSpPr>
-        <p:cNvPr id="1" name=""/>
-        <p:cNvGrpSpPr/>
-        <p:nvPr/>
-      </p:nvGrpSpPr>
-      <p:grpSpPr>
-        <a:xfrm>
-          <a:off x="0" y="0"/>
-          <a:ext cx="0" cy="0"/>
-          <a:chOff x="0" y="0"/>
-          <a:chExt cx="0" cy="0"/>
-        </a:xfrm>
-      </p:grpSpPr>
-      <p:sp>
-        <p:nvSpPr>
-          <p:cNvPr id="2" name="Title 1"/>
-          <p:cNvSpPr>
-            <a:spLocks noGrp="1"/>
-          </p:cNvSpPr>
-          <p:nvPr>
-            <p:ph type="title"/>
-          </p:nvPr>
-        </p:nvSpPr>
-        <p:spPr/>
-        <p:txBody>
-          <a:bodyPr/>
-          <a:lstStyle/>
-          <a:p>
-            <a:r>
-              <a:rPr lang="en-GB" dirty="0" smtClean="0"/>
-              <a:t>Using Python code in builder</a:t>
-            </a:r>
-            <a:endParaRPr lang="en-US" dirty="0"/>
-          </a:p>
-        </p:txBody>
-      </p:sp>
-      <p:sp>
-        <p:nvSpPr>
-          <p:cNvPr id="3" name="Text Placeholder 2"/>
-          <p:cNvSpPr>
-            <a:spLocks noGrp="1"/>
-          </p:cNvSpPr>
-          <p:nvPr>
-            <p:ph type="body" idx="1"/>
-          </p:nvPr>
-        </p:nvSpPr>
-        <p:spPr/>
-        <p:txBody>
-          <a:bodyPr>
-            <a:normAutofit/>
-          </a:bodyPr>
-          <a:lstStyle/>
-          <a:p>
-            <a:r>
-              <a:rPr lang="en-GB" dirty="0" smtClean="0"/>
-              <a:t>The card game could have been done in builder</a:t>
-            </a:r>
-          </a:p>
-          <a:p>
-            <a:pPr lvl="1">
-              <a:buFont typeface="Courier New" panose="02070309020205020404" pitchFamily="49" charset="0"/>
-              <a:buChar char="o"/>
-            </a:pPr>
-            <a:r>
-              <a:rPr lang="en-GB" sz="1800" dirty="0" smtClean="0"/>
-              <a:t>Structure/nested loops required would have been complex</a:t>
-            </a:r>
-          </a:p>
-          <a:p>
-            <a:r>
-              <a:rPr lang="en-GB" dirty="0" smtClean="0"/>
-              <a:t>However, even using builder can occasionally require us to have </a:t>
+              <a:t>Using builder can occasionally require us to have </a:t>
             </a:r>
           </a:p>
           <a:p>
@@ -15550,30 +14890,22 @@
             </a:r>
           </a:p>
           <a:p>
-            <a:pPr lvl="1">
-              <a:buFont typeface="Courier New" panose="02070309020205020404" pitchFamily="49" charset="0"/>
-              <a:buChar char="o"/>
-            </a:pPr>
             <a:r>
               <a:rPr lang="en-GB" sz="1800" dirty="0" smtClean="0"/>
               <a:t>Often to produce something builder cannot handle.</a:t>
             </a:r>
           </a:p>
           <a:p>
-            <a:pPr lvl="1">
-              <a:buFont typeface="Courier New" panose="02070309020205020404" pitchFamily="49" charset="0"/>
-              <a:buChar char="o"/>
-            </a:pPr>
             <a:r>
               <a:rPr lang="en-GB" sz="1800" dirty="0" smtClean="0"/>
-              <a:t>A limit to what a builder interface can achieve.</a:t>
+              <a:t>Limits to what a builder alone can achieve.</a:t>
             </a:r>
             <a:endParaRPr lang="en-GB" sz="1800" dirty="0"/>
           </a:p>
           <a:p>
             <a:r>
               <a:rPr lang="en-GB" dirty="0" smtClean="0"/>
-              <a:t>We can drop in snippets of code using </a:t>
+              <a:t>We drop in snippets of code using </a:t>
             </a:r>
             <a:r>
               <a:rPr lang="en-GB" b="1" dirty="0" smtClean="0"/>
@@ -15686,6 +15018,399 @@
     <p:extLst>
       <p:ext uri="{BB962C8B-B14F-4D97-AF65-F5344CB8AC3E}">
         <p14:creationId xmlns:p14="http://schemas.microsoft.com/office/powerpoint/2010/main" val="2186318348"/>
+      </p:ext>
+    </p:extLst>
+  </p:cSld>
+  <p:clrMapOvr>
+    <a:masterClrMapping/>
+  </p:clrMapOvr>
+  <p:timing>
+    <p:tnLst>
+      <p:par>
+        <p:cTn id="1" dur="indefinite" restart="never" nodeType="tmRoot"/>
+      </p:par>
+    </p:tnLst>
+  </p:timing>
+</p:sld>
+</file>
+
+<file path=ppt/slides/slide9.xml><?xml version="1.0" encoding="utf-8"?>
+<p:sld xmlns:a="http://schemas.openxmlformats.org/drawingml/2006/main" xmlns:r="http://schemas.openxmlformats.org/officeDocument/2006/relationships" xmlns:p="http://schemas.openxmlformats.org/presentationml/2006/main">
+  <p:cSld>
+    <p:spTree>
+      <p:nvGrpSpPr>
+        <p:cNvPr id="1" name=""/>
+        <p:cNvGrpSpPr/>
+        <p:nvPr/>
+      </p:nvGrpSpPr>
+      <p:grpSpPr>
+        <a:xfrm>
+          <a:off x="0" y="0"/>
+          <a:ext cx="0" cy="0"/>
+          <a:chOff x="0" y="0"/>
+          <a:chExt cx="0" cy="0"/>
+        </a:xfrm>
+      </p:grpSpPr>
+      <p:sp>
+        <p:nvSpPr>
+          <p:cNvPr id="2" name="Title 1"/>
+          <p:cNvSpPr>
+            <a:spLocks noGrp="1"/>
+          </p:cNvSpPr>
+          <p:nvPr>
+            <p:ph type="title"/>
+          </p:nvPr>
+        </p:nvSpPr>
+        <p:spPr/>
+        <p:txBody>
+          <a:bodyPr>
+            <a:normAutofit fontScale="90000"/>
+          </a:bodyPr>
+          <a:lstStyle/>
+          <a:p>
+            <a:r>
+              <a:rPr lang="en-GB" dirty="0" smtClean="0"/>
+              <a:t>Exercise 2:</a:t>
+            </a:r>
+            <a:br>
+              <a:rPr lang="en-GB" dirty="0" smtClean="0"/>
+            </a:br>
+            <a:r>
+              <a:rPr lang="en-GB" dirty="0" smtClean="0">
+                <a:solidFill>
+                  <a:schemeClr val="accent1">
+                    <a:lumMod val="60000"/>
+                    <a:lumOff val="40000"/>
+                  </a:schemeClr>
+                </a:solidFill>
+              </a:rPr>
+              <a:t>Using snippets of code in Builder</a:t>
+            </a:r>
+            <a:endParaRPr lang="en-US" dirty="0">
+              <a:solidFill>
+                <a:schemeClr val="accent1">
+                  <a:lumMod val="60000"/>
+                  <a:lumOff val="40000"/>
+                </a:schemeClr>
+              </a:solidFill>
+            </a:endParaRPr>
+          </a:p>
+        </p:txBody>
+      </p:sp>
+      <p:sp>
+        <p:nvSpPr>
+          <p:cNvPr id="3" name="Text Placeholder 2"/>
+          <p:cNvSpPr>
+            <a:spLocks noGrp="1"/>
+          </p:cNvSpPr>
+          <p:nvPr>
+            <p:ph type="body" idx="1"/>
+          </p:nvPr>
+        </p:nvSpPr>
+        <p:spPr/>
+        <p:txBody>
+          <a:bodyPr>
+            <a:normAutofit fontScale="92500" lnSpcReduction="10000"/>
+          </a:bodyPr>
+          <a:lstStyle/>
+          <a:p>
+            <a:pPr marL="0" indent="0">
+              <a:buNone/>
+            </a:pPr>
+            <a:r>
+              <a:rPr lang="en-GB" dirty="0" smtClean="0"/>
+              <a:t>Open up </a:t>
+            </a:r>
+            <a:r>
+              <a:rPr lang="en-GB" dirty="0" smtClean="0">
+                <a:latin typeface="Courier New" panose="02070309020205020404" pitchFamily="49" charset="0"/>
+                <a:cs typeface="Courier New" panose="02070309020205020404" pitchFamily="49" charset="0"/>
+              </a:rPr>
+              <a:t>ex2-code-blocks/</a:t>
+            </a:r>
+            <a:r>
+              <a:rPr lang="en-GB" dirty="0" err="1" smtClean="0">
+                <a:latin typeface="Courier New" panose="02070309020205020404" pitchFamily="49" charset="0"/>
+                <a:cs typeface="Courier New" panose="02070309020205020404" pitchFamily="49" charset="0"/>
+              </a:rPr>
+              <a:t>experiment.psyexp</a:t>
+            </a:r>
+            <a:r>
+              <a:rPr lang="en-GB" dirty="0" smtClean="0"/>
+              <a:t> and spend </a:t>
+            </a:r>
+          </a:p>
+          <a:p>
+            <a:pPr marL="0" indent="0">
+              <a:buNone/>
+            </a:pPr>
+            <a:r>
+              <a:rPr lang="en-GB" dirty="0" smtClean="0">
+                <a:solidFill>
+                  <a:srgbClr val="FF0000"/>
+                </a:solidFill>
+              </a:rPr>
+              <a:t>5 minutes </a:t>
+            </a:r>
+            <a:r>
+              <a:rPr lang="en-GB" dirty="0" smtClean="0"/>
+              <a:t>by doing the following:</a:t>
+            </a:r>
+          </a:p>
+          <a:p>
+            <a:pPr marL="0" indent="0">
+              <a:buNone/>
+            </a:pPr>
+            <a:endParaRPr lang="en-GB" dirty="0"/>
+          </a:p>
+          <a:p>
+            <a:r>
+              <a:rPr lang="en-GB" dirty="0" smtClean="0"/>
+              <a:t>Run it first and see what happens – </a:t>
+            </a:r>
+            <a:r>
+              <a:rPr lang="en-GB" dirty="0" smtClean="0">
+                <a:solidFill>
+                  <a:srgbClr val="FF0000"/>
+                </a:solidFill>
+              </a:rPr>
+              <a:t>How does it work?</a:t>
+            </a:r>
+          </a:p>
+          <a:p>
+            <a:pPr marL="0" indent="0">
+              <a:buNone/>
+            </a:pPr>
+            <a:endParaRPr lang="en-GB" dirty="0" smtClean="0"/>
+          </a:p>
+          <a:p>
+            <a:pPr marL="0" indent="0">
+              <a:buNone/>
+            </a:pPr>
+            <a:r>
+              <a:rPr lang="en-GB" b="1" dirty="0" smtClean="0"/>
+              <a:t>Where are the numbers coming from for the calculation?</a:t>
+            </a:r>
+          </a:p>
+          <a:p>
+            <a:pPr marL="0" indent="0">
+              <a:buNone/>
+            </a:pPr>
+            <a:endParaRPr lang="en-GB" dirty="0" smtClean="0"/>
+          </a:p>
+          <a:p>
+            <a:r>
+              <a:rPr lang="en-GB" dirty="0" smtClean="0"/>
+              <a:t>Explore the </a:t>
+            </a:r>
+            <a:r>
+              <a:rPr lang="en-GB" dirty="0" smtClean="0">
+                <a:latin typeface="Courier New" panose="02070309020205020404" pitchFamily="49" charset="0"/>
+                <a:cs typeface="Courier New" panose="02070309020205020404" pitchFamily="49" charset="0"/>
+              </a:rPr>
+              <a:t>“trial” </a:t>
+            </a:r>
+            <a:r>
+              <a:rPr lang="en-GB" dirty="0" smtClean="0"/>
+              <a:t>routine</a:t>
+            </a:r>
+          </a:p>
+          <a:p>
+            <a:pPr lvl="1">
+              <a:buFont typeface="Courier New" panose="02070309020205020404" pitchFamily="49" charset="0"/>
+              <a:buChar char="o"/>
+            </a:pPr>
+            <a:r>
+              <a:rPr lang="en-GB" sz="1800" dirty="0" smtClean="0"/>
+              <a:t>Click onto the code block called </a:t>
+            </a:r>
+            <a:r>
+              <a:rPr lang="en-GB" sz="1800" dirty="0" smtClean="0">
+                <a:latin typeface="Courier New" panose="02070309020205020404" pitchFamily="49" charset="0"/>
+                <a:cs typeface="Courier New" panose="02070309020205020404" pitchFamily="49" charset="0"/>
+              </a:rPr>
+              <a:t>“calculation”</a:t>
+            </a:r>
+          </a:p>
+          <a:p>
+            <a:pPr lvl="1">
+              <a:buFont typeface="Courier New" panose="02070309020205020404" pitchFamily="49" charset="0"/>
+              <a:buChar char="o"/>
+            </a:pPr>
+            <a:r>
+              <a:rPr lang="en-GB" sz="1800" dirty="0"/>
+              <a:t>T</a:t>
+            </a:r>
+            <a:r>
+              <a:rPr lang="en-GB" sz="1800" dirty="0" smtClean="0"/>
+              <a:t>hen the </a:t>
+            </a:r>
+            <a:r>
+              <a:rPr lang="en-GB" sz="1800" dirty="0" smtClean="0">
+                <a:latin typeface="Courier New" panose="02070309020205020404" pitchFamily="49" charset="0"/>
+                <a:cs typeface="Courier New" panose="02070309020205020404" pitchFamily="49" charset="0"/>
+              </a:rPr>
+              <a:t>“Begin routine” </a:t>
+            </a:r>
+            <a:r>
+              <a:rPr lang="en-GB" sz="1800" dirty="0" smtClean="0"/>
+              <a:t>tab</a:t>
+            </a:r>
+          </a:p>
+          <a:p>
+            <a:pPr lvl="1">
+              <a:buFont typeface="Courier New" panose="02070309020205020404" pitchFamily="49" charset="0"/>
+              <a:buChar char="o"/>
+            </a:pPr>
+            <a:r>
+              <a:rPr lang="en-GB" sz="1800" dirty="0" smtClean="0"/>
+              <a:t>See how the calculation is being done</a:t>
+            </a:r>
+          </a:p>
+          <a:p>
+            <a:pPr lvl="1">
+              <a:buFont typeface="Courier New" panose="02070309020205020404" pitchFamily="49" charset="0"/>
+              <a:buChar char="o"/>
+            </a:pPr>
+            <a:r>
+              <a:rPr lang="en-GB" sz="1800" dirty="0" smtClean="0"/>
+              <a:t>What is </a:t>
+            </a:r>
+            <a:r>
+              <a:rPr lang="en-GB" sz="1800" dirty="0" err="1" smtClean="0">
+                <a:latin typeface="Courier New" panose="02070309020205020404" pitchFamily="49" charset="0"/>
+                <a:cs typeface="Courier New" panose="02070309020205020404" pitchFamily="49" charset="0"/>
+              </a:rPr>
+              <a:t>int</a:t>
+            </a:r>
+            <a:r>
+              <a:rPr lang="en-GB" sz="1800" dirty="0" smtClean="0">
+                <a:latin typeface="Courier New" panose="02070309020205020404" pitchFamily="49" charset="0"/>
+                <a:cs typeface="Courier New" panose="02070309020205020404" pitchFamily="49" charset="0"/>
+              </a:rPr>
+              <a:t>() </a:t>
+            </a:r>
+            <a:r>
+              <a:rPr lang="en-GB" sz="1800" dirty="0" smtClean="0"/>
+              <a:t>doing, and why do we use it?</a:t>
+            </a:r>
+          </a:p>
+          <a:p>
+            <a:r>
+              <a:rPr lang="en-GB" dirty="0" smtClean="0"/>
+              <a:t>How do we then print that calculation in the Text component?</a:t>
+            </a:r>
+          </a:p>
+          <a:p>
+            <a:pPr lvl="1">
+              <a:buFont typeface="Courier New" panose="02070309020205020404" pitchFamily="49" charset="0"/>
+              <a:buChar char="o"/>
+            </a:pPr>
+            <a:r>
+              <a:rPr lang="en-GB" sz="1800" dirty="0" smtClean="0"/>
+              <a:t>Open up the Text component - what is </a:t>
+            </a:r>
+            <a:r>
+              <a:rPr lang="en-GB" sz="1800" dirty="0" err="1" smtClean="0">
+                <a:latin typeface="Courier New" panose="02070309020205020404" pitchFamily="49" charset="0"/>
+                <a:cs typeface="Courier New" panose="02070309020205020404" pitchFamily="49" charset="0"/>
+              </a:rPr>
+              <a:t>str</a:t>
+            </a:r>
+            <a:r>
+              <a:rPr lang="en-GB" sz="1800" dirty="0" smtClean="0">
+                <a:latin typeface="Courier New" panose="02070309020205020404" pitchFamily="49" charset="0"/>
+                <a:cs typeface="Courier New" panose="02070309020205020404" pitchFamily="49" charset="0"/>
+              </a:rPr>
+              <a:t>() </a:t>
+            </a:r>
+            <a:r>
+              <a:rPr lang="en-GB" sz="1800" dirty="0" smtClean="0"/>
+              <a:t>doing?</a:t>
+            </a:r>
+          </a:p>
+          <a:p>
+            <a:pPr lvl="1">
+              <a:buFont typeface="Courier New" panose="02070309020205020404" pitchFamily="49" charset="0"/>
+              <a:buChar char="o"/>
+            </a:pPr>
+            <a:r>
+              <a:rPr lang="en-GB" sz="1800" dirty="0" smtClean="0"/>
+              <a:t>Remember why “text” is </a:t>
+            </a:r>
+            <a:r>
+              <a:rPr lang="en-GB" sz="1800" b="1" dirty="0" smtClean="0">
+                <a:cs typeface="Courier New" panose="02070309020205020404" pitchFamily="49" charset="0"/>
+              </a:rPr>
+              <a:t>“set every repeat”</a:t>
+            </a:r>
+            <a:r>
+              <a:rPr lang="en-GB" sz="1800" dirty="0" smtClean="0"/>
+              <a:t>?</a:t>
+            </a:r>
+          </a:p>
+          <a:p>
+            <a:pPr lvl="1"/>
+            <a:endParaRPr lang="en-GB" sz="1800" dirty="0"/>
+          </a:p>
+          <a:p>
+            <a:pPr marL="57150" indent="0">
+              <a:buNone/>
+            </a:pPr>
+            <a:r>
+              <a:rPr lang="en-GB" dirty="0" smtClean="0">
+                <a:solidFill>
+                  <a:srgbClr val="FF0000"/>
+                </a:solidFill>
+              </a:rPr>
+              <a:t>A number of new concepts we have just thrown at you there</a:t>
+            </a:r>
+          </a:p>
+          <a:p>
+            <a:pPr marL="57150" indent="0">
+              <a:buNone/>
+            </a:pPr>
+            <a:r>
+              <a:rPr lang="en-GB" dirty="0" smtClean="0">
+                <a:solidFill>
+                  <a:srgbClr val="FF0000"/>
+                </a:solidFill>
+              </a:rPr>
+              <a:t>- without warning!</a:t>
+            </a:r>
+          </a:p>
+          <a:p>
+            <a:pPr marL="57150" indent="0">
+              <a:buNone/>
+            </a:pPr>
+            <a:endParaRPr lang="en-GB" dirty="0" smtClean="0"/>
+          </a:p>
+          <a:p>
+            <a:pPr marL="57150" indent="0">
+              <a:buNone/>
+            </a:pPr>
+            <a:r>
+              <a:rPr lang="en-GB" b="1" dirty="0" smtClean="0"/>
+              <a:t>Lets cover them briefly and some more!....</a:t>
+            </a:r>
+            <a:endParaRPr lang="en-GB" b="1" dirty="0"/>
+          </a:p>
+          <a:p>
+            <a:pPr lvl="1"/>
+            <a:endParaRPr lang="en-GB" dirty="0" smtClean="0"/>
+          </a:p>
+          <a:p>
+            <a:pPr marL="0" indent="0">
+              <a:buNone/>
+            </a:pPr>
+            <a:endParaRPr lang="en-GB" dirty="0"/>
+          </a:p>
+        </p:txBody>
+      </p:sp>
+    </p:spTree>
+    <p:extLst>
+      <p:ext uri="{BB962C8B-B14F-4D97-AF65-F5344CB8AC3E}">
+        <p14:creationId xmlns:p14="http://schemas.microsoft.com/office/powerpoint/2010/main" val="3769705882"/>
       </p:ext>
     </p:extLst>
   </p:cSld>

--- a/PsychoPy-Part2/PsychoPy-part2.pptx
+++ b/PsychoPy-Part2/PsychoPy-part2.pptx
@@ -223,7 +223,7 @@
           <a:p>
             <a:fld id="{A71BFCC6-2EC9-4EC2-A3C4-9B645E93EB78}" type="datetimeFigureOut">
               <a:rPr lang="en-US" smtClean="0"/>
-              <a:t>10/12/2017</a:t>
+              <a:t>10/9/2018</a:t>
             </a:fld>
             <a:endParaRPr lang="en-US"/>
           </a:p>
@@ -1983,7 +1983,7 @@
             <a:fld id="{B61BEF0D-F0BB-DE4B-95CE-6DB70DBA9567}" type="datetimeFigureOut">
               <a:rPr lang="en-US" smtClean="0"/>
               <a:pPr/>
-              <a:t>10/12/2017</a:t>
+              <a:t>10/9/2018</a:t>
             </a:fld>
             <a:endParaRPr lang="en-US" dirty="0"/>
           </a:p>
@@ -2236,7 +2236,7 @@
             <a:fld id="{B61BEF0D-F0BB-DE4B-95CE-6DB70DBA9567}" type="datetimeFigureOut">
               <a:rPr lang="en-US" smtClean="0"/>
               <a:pPr/>
-              <a:t>10/12/2017</a:t>
+              <a:t>10/9/2018</a:t>
             </a:fld>
             <a:endParaRPr lang="en-US" dirty="0"/>
           </a:p>
@@ -2552,7 +2552,7 @@
             <a:fld id="{B61BEF0D-F0BB-DE4B-95CE-6DB70DBA9567}" type="datetimeFigureOut">
               <a:rPr lang="en-US" smtClean="0"/>
               <a:pPr/>
-              <a:t>10/12/2017</a:t>
+              <a:t>10/9/2018</a:t>
             </a:fld>
             <a:endParaRPr lang="en-US" dirty="0"/>
           </a:p>
@@ -2887,7 +2887,7 @@
             <a:fld id="{B61BEF0D-F0BB-DE4B-95CE-6DB70DBA9567}" type="datetimeFigureOut">
               <a:rPr lang="en-US" smtClean="0"/>
               <a:pPr/>
-              <a:t>10/12/2017</a:t>
+              <a:t>10/9/2018</a:t>
             </a:fld>
             <a:endParaRPr lang="en-US" dirty="0"/>
           </a:p>
@@ -3203,7 +3203,7 @@
             <a:fld id="{B61BEF0D-F0BB-DE4B-95CE-6DB70DBA9567}" type="datetimeFigureOut">
               <a:rPr lang="en-US" smtClean="0"/>
               <a:pPr/>
-              <a:t>10/12/2017</a:t>
+              <a:t>10/9/2018</a:t>
             </a:fld>
             <a:endParaRPr lang="en-US" dirty="0"/>
           </a:p>
@@ -3598,7 +3598,7 @@
             <a:fld id="{B61BEF0D-F0BB-DE4B-95CE-6DB70DBA9567}" type="datetimeFigureOut">
               <a:rPr lang="en-US" smtClean="0"/>
               <a:pPr/>
-              <a:t>10/12/2017</a:t>
+              <a:t>10/9/2018</a:t>
             </a:fld>
             <a:endParaRPr lang="en-US" dirty="0"/>
           </a:p>
@@ -3769,7 +3769,7 @@
           <a:p>
             <a:fld id="{55C6B4A9-1611-4792-9094-5F34BCA07E0B}" type="datetimeFigureOut">
               <a:rPr lang="en-US" smtClean="0"/>
-              <a:t>10/12/2017</a:t>
+              <a:t>10/9/2018</a:t>
             </a:fld>
             <a:endParaRPr lang="en-US" dirty="0"/>
           </a:p>
@@ -3950,7 +3950,7 @@
             <a:fld id="{B61BEF0D-F0BB-DE4B-95CE-6DB70DBA9567}" type="datetimeFigureOut">
               <a:rPr lang="en-US" smtClean="0"/>
               <a:pPr/>
-              <a:t>10/12/2017</a:t>
+              <a:t>10/9/2018</a:t>
             </a:fld>
             <a:endParaRPr lang="en-US" dirty="0"/>
           </a:p>
@@ -4322,7 +4322,7 @@
             <a:fld id="{B61BEF0D-F0BB-DE4B-95CE-6DB70DBA9567}" type="datetimeFigureOut">
               <a:rPr lang="en-US" smtClean="0"/>
               <a:pPr/>
-              <a:t>10/12/2017</a:t>
+              <a:t>10/9/2018</a:t>
             </a:fld>
             <a:endParaRPr lang="en-US" dirty="0"/>
           </a:p>
@@ -4571,7 +4571,7 @@
             <a:fld id="{B61BEF0D-F0BB-DE4B-95CE-6DB70DBA9567}" type="datetimeFigureOut">
               <a:rPr lang="en-US" smtClean="0"/>
               <a:pPr/>
-              <a:t>10/12/2017</a:t>
+              <a:t>10/9/2018</a:t>
             </a:fld>
             <a:endParaRPr lang="en-US" dirty="0"/>
           </a:p>
@@ -4869,7 +4869,7 @@
           <a:p>
             <a:fld id="{EB712588-04B1-427B-82EE-E8DB90309F08}" type="datetimeFigureOut">
               <a:rPr lang="en-US" smtClean="0"/>
-              <a:t>10/12/2017</a:t>
+              <a:t>10/9/2018</a:t>
             </a:fld>
             <a:endParaRPr lang="en-US" dirty="0"/>
           </a:p>
@@ -5249,7 +5249,7 @@
             <a:fld id="{B61BEF0D-F0BB-DE4B-95CE-6DB70DBA9567}" type="datetimeFigureOut">
               <a:rPr lang="en-US" smtClean="0"/>
               <a:pPr/>
-              <a:t>10/12/2017</a:t>
+              <a:t>10/9/2018</a:t>
             </a:fld>
             <a:endParaRPr lang="en-US" dirty="0"/>
           </a:p>
@@ -5374,7 +5374,7 @@
             <a:fld id="{B61BEF0D-F0BB-DE4B-95CE-6DB70DBA9567}" type="datetimeFigureOut">
               <a:rPr lang="en-US" smtClean="0"/>
               <a:pPr/>
-              <a:t>10/12/2017</a:t>
+              <a:t>10/9/2018</a:t>
             </a:fld>
             <a:endParaRPr lang="en-US" dirty="0"/>
           </a:p>
@@ -5471,7 +5471,7 @@
             <a:fld id="{B61BEF0D-F0BB-DE4B-95CE-6DB70DBA9567}" type="datetimeFigureOut">
               <a:rPr lang="en-US" smtClean="0"/>
               <a:pPr/>
-              <a:t>10/12/2017</a:t>
+              <a:t>10/9/2018</a:t>
             </a:fld>
             <a:endParaRPr lang="en-US" dirty="0"/>
           </a:p>
@@ -5727,7 +5727,7 @@
           <a:p>
             <a:fld id="{42A54C80-263E-416B-A8E0-580EDEADCBDC}" type="datetimeFigureOut">
               <a:rPr lang="en-US" smtClean="0"/>
-              <a:t>10/12/2017</a:t>
+              <a:t>10/9/2018</a:t>
             </a:fld>
             <a:endParaRPr lang="en-US" dirty="0"/>
           </a:p>
@@ -5991,7 +5991,7 @@
             <a:fld id="{B61BEF0D-F0BB-DE4B-95CE-6DB70DBA9567}" type="datetimeFigureOut">
               <a:rPr lang="en-US" smtClean="0"/>
               <a:pPr/>
-              <a:t>10/12/2017</a:t>
+              <a:t>10/9/2018</a:t>
             </a:fld>
             <a:endParaRPr lang="en-US" dirty="0"/>
           </a:p>
@@ -6808,7 +6808,7 @@
             <a:fld id="{B61BEF0D-F0BB-DE4B-95CE-6DB70DBA9567}" type="datetimeFigureOut">
               <a:rPr lang="en-US" smtClean="0"/>
               <a:pPr/>
-              <a:t>10/12/2017</a:t>
+              <a:t>10/9/2018</a:t>
             </a:fld>
             <a:endParaRPr lang="en-US" dirty="0"/>
           </a:p>
@@ -9044,7 +9044,39 @@
             </a:pPr>
             <a:r>
               <a:rPr lang="en-GB" dirty="0"/>
-              <a:t>Open up file </a:t>
+              <a:t>Close any other </a:t>
+            </a:r>
+            <a:r>
+              <a:rPr lang="en-GB" dirty="0" err="1"/>
+              <a:t>PsychoPy</a:t>
+            </a:r>
+            <a:r>
+              <a:rPr lang="en-GB" dirty="0"/>
+              <a:t> windows you have open</a:t>
+            </a:r>
+            <a:r>
+              <a:rPr lang="en-GB" dirty="0" smtClean="0"/>
+              <a:t>.</a:t>
+            </a:r>
+            <a:endParaRPr lang="en-GB" dirty="0" smtClean="0"/>
+          </a:p>
+          <a:p>
+            <a:pPr marL="0" indent="0">
+              <a:buNone/>
+            </a:pPr>
+            <a:endParaRPr lang="en-GB" dirty="0"/>
+          </a:p>
+          <a:p>
+            <a:pPr marL="0" indent="0">
+              <a:buNone/>
+            </a:pPr>
+            <a:r>
+              <a:rPr lang="en-GB" dirty="0" smtClean="0"/>
+              <a:t>Open </a:t>
+            </a:r>
+            <a:r>
+              <a:rPr lang="en-GB" dirty="0"/>
+              <a:t>up file </a:t>
             </a:r>
             <a:r>
               <a:rPr lang="en-GB" dirty="0" smtClean="0">
@@ -9441,14 +9473,22 @@
           <a:p>
             <a:r>
               <a:rPr lang="en-GB" sz="2000" dirty="0" smtClean="0"/>
-              <a:t>Variables can be passed to a function</a:t>
+              <a:t>Variables (which we just looked at) </a:t>
+            </a:r>
+            <a:r>
+              <a:rPr lang="en-GB" sz="2000" dirty="0" smtClean="0"/>
+              <a:t>can be passed to a function</a:t>
             </a:r>
           </a:p>
           <a:p>
             <a:pPr lvl="1"/>
             <a:r>
               <a:rPr lang="en-GB" sz="1800" dirty="0" smtClean="0"/>
-              <a:t>Called “parameters”</a:t>
+              <a:t>Also called </a:t>
+            </a:r>
+            <a:r>
+              <a:rPr lang="en-GB" sz="1800" dirty="0" smtClean="0"/>
+              <a:t>“parameters”</a:t>
             </a:r>
           </a:p>
           <a:p>
@@ -9642,12 +9682,36 @@
               <a:buNone/>
             </a:pPr>
             <a:r>
-              <a:rPr lang="en" dirty="0"/>
-              <a:t>O</a:t>
-            </a:r>
+              <a:rPr lang="en-GB" dirty="0"/>
+              <a:t>Close any other </a:t>
+            </a:r>
+            <a:r>
+              <a:rPr lang="en-GB" dirty="0" err="1"/>
+              <a:t>PsychoPy</a:t>
+            </a:r>
+            <a:r>
+              <a:rPr lang="en-GB" dirty="0"/>
+              <a:t> windows you have open</a:t>
+            </a:r>
+            <a:r>
+              <a:rPr lang="en-GB" dirty="0" smtClean="0"/>
+              <a:t>.</a:t>
+            </a:r>
+            <a:endParaRPr lang="en" dirty="0" smtClean="0"/>
+          </a:p>
+          <a:p>
+            <a:pPr marL="0" indent="0">
+              <a:buNone/>
+            </a:pPr>
+            <a:endParaRPr lang="en" dirty="0"/>
+          </a:p>
+          <a:p>
+            <a:pPr marL="0" indent="0">
+              <a:buNone/>
+            </a:pPr>
             <a:r>
               <a:rPr lang="en" dirty="0" smtClean="0"/>
-              <a:t>pen </a:t>
+              <a:t>Open </a:t>
             </a:r>
             <a:r>
               <a:rPr lang="en-US" dirty="0" smtClean="0">
@@ -9805,7 +9869,7 @@
               <a:buChar char="o"/>
             </a:pPr>
             <a:r>
-              <a:rPr lang="en" sz="1800" dirty="0" smtClean="0"/>
+              <a:rPr lang="en" sz="1600" dirty="0" smtClean="0"/>
               <a:t>Read the comments in green/red.</a:t>
             </a:r>
           </a:p>
@@ -9815,17 +9879,40 @@
               <a:buChar char="o"/>
             </a:pPr>
             <a:r>
-              <a:rPr lang="en" sz="1800" dirty="0" smtClean="0"/>
-              <a:t>Look for </a:t>
-            </a:r>
-            <a:r>
-              <a:rPr lang="en" sz="1800" b="1" dirty="0" smtClean="0"/>
+              <a:rPr lang="en" sz="1600" dirty="0" smtClean="0"/>
+              <a:t>Notice the </a:t>
+            </a:r>
+            <a:r>
+              <a:rPr lang="en" sz="1600" b="1" dirty="0" smtClean="0"/>
               <a:t>month_funcs.py </a:t>
             </a:r>
             <a:r>
-              <a:rPr lang="en" sz="1800" dirty="0" smtClean="0"/>
-              <a:t>file in same directory.</a:t>
-            </a:r>
+              <a:rPr lang="en" sz="1600" dirty="0" smtClean="0"/>
+              <a:t>file in same directory</a:t>
+            </a:r>
+            <a:r>
+              <a:rPr lang="en" sz="1600" dirty="0" smtClean="0"/>
+              <a:t>.</a:t>
+            </a:r>
+          </a:p>
+          <a:p>
+            <a:pPr marL="742950" lvl="2" indent="-342900">
+              <a:buFont typeface="Courier New" panose="02070309020205020404" pitchFamily="49" charset="0"/>
+              <a:buChar char="o"/>
+            </a:pPr>
+            <a:r>
+              <a:rPr lang="en" sz="1600" dirty="0" smtClean="0"/>
+              <a:t>Try opening the file in </a:t>
+            </a:r>
+            <a:r>
+              <a:rPr lang="en" sz="1600" b="1" dirty="0" smtClean="0"/>
+              <a:t>Notepad++ </a:t>
+            </a:r>
+            <a:r>
+              <a:rPr lang="en" sz="1600" dirty="0" smtClean="0"/>
+              <a:t>(Windows search for it) and see what it contains.</a:t>
+            </a:r>
+            <a:endParaRPr lang="en" sz="1600" dirty="0" smtClean="0"/>
           </a:p>
           <a:p>
             <a:pPr marL="342900" lvl="1" indent="-342900"/>
@@ -9898,14 +9985,14 @@
               <a:buChar char="o"/>
             </a:pPr>
             <a:r>
-              <a:rPr lang="en" sz="1800" dirty="0" smtClean="0">
+              <a:rPr lang="en" sz="1600" dirty="0" smtClean="0">
                 <a:latin typeface="Courier New" panose="02070309020205020404" pitchFamily="49" charset="0"/>
                 <a:cs typeface="Courier New" panose="02070309020205020404" pitchFamily="49" charset="0"/>
               </a:rPr>
               <a:t>getRandomMonthID() </a:t>
             </a:r>
             <a:r>
-              <a:rPr lang="en" sz="1800" dirty="0" smtClean="0"/>
+              <a:rPr lang="en" sz="1600" dirty="0" smtClean="0"/>
               <a:t>will fetch a number from between 0 and 11</a:t>
             </a:r>
           </a:p>
@@ -9915,14 +10002,14 @@
               <a:buChar char="o"/>
             </a:pPr>
             <a:r>
-              <a:rPr lang="en" sz="1800" dirty="0" smtClean="0">
+              <a:rPr lang="en" sz="1600" dirty="0" smtClean="0">
                 <a:latin typeface="Courier New" panose="02070309020205020404" pitchFamily="49" charset="0"/>
                 <a:cs typeface="Courier New" panose="02070309020205020404" pitchFamily="49" charset="0"/>
               </a:rPr>
               <a:t>getMonth() </a:t>
             </a:r>
             <a:r>
-              <a:rPr lang="en" sz="1800" dirty="0" smtClean="0"/>
+              <a:rPr lang="en" sz="1600" dirty="0" smtClean="0"/>
               <a:t>takes a number from between 0 and 11 and gives </a:t>
             </a:r>
           </a:p>
@@ -9931,7 +10018,7 @@
               <a:buNone/>
             </a:pPr>
             <a:r>
-              <a:rPr lang="en" sz="1800" dirty="0" smtClean="0"/>
+              <a:rPr lang="en" sz="1600" dirty="0" smtClean="0"/>
               <a:t>back a text month</a:t>
             </a:r>
           </a:p>
@@ -9941,14 +10028,14 @@
               <a:buChar char="o"/>
             </a:pPr>
             <a:r>
-              <a:rPr lang="en" sz="1800" dirty="0" smtClean="0">
+              <a:rPr lang="en" sz="1600" dirty="0" smtClean="0">
                 <a:latin typeface="Courier New" panose="02070309020205020404" pitchFamily="49" charset="0"/>
                 <a:cs typeface="Courier New" panose="02070309020205020404" pitchFamily="49" charset="0"/>
               </a:rPr>
               <a:t>“$”</a:t>
             </a:r>
             <a:r>
-              <a:rPr lang="en" sz="1800" dirty="0" smtClean="0"/>
+              <a:rPr lang="en" sz="1600" dirty="0" smtClean="0"/>
               <a:t> is used to tell PsychoPy that we are about to run a small snippet of Python code</a:t>
             </a:r>
           </a:p>
@@ -10897,23 +10984,23 @@
               <a:buNone/>
             </a:pPr>
             <a:r>
-              <a:rPr lang="en-GB" dirty="0" smtClean="0">
+              <a:rPr lang="en-GB" sz="2800" dirty="0" smtClean="0">
                 <a:solidFill>
                   <a:srgbClr val="FF0000"/>
                 </a:solidFill>
               </a:rPr>
-              <a:t>IMPORTANT! </a:t>
-            </a:r>
-            <a:r>
-              <a:rPr lang="en-GB" dirty="0" smtClean="0"/>
+              <a:t>REMEMBER! </a:t>
+            </a:r>
+            <a:r>
+              <a:rPr lang="en-GB" sz="2800" dirty="0" smtClean="0"/>
               <a:t>Then </a:t>
             </a:r>
             <a:r>
-              <a:rPr lang="en-GB" dirty="0"/>
+              <a:rPr lang="en-GB" sz="2800" dirty="0"/>
               <a:t>unzip by right clicking and selecting “Extract all</a:t>
             </a:r>
             <a:r>
-              <a:rPr lang="en-GB" dirty="0" smtClean="0"/>
+              <a:rPr lang="en-GB" sz="2800" dirty="0" smtClean="0"/>
               <a:t>”.</a:t>
             </a:r>
           </a:p>
@@ -11020,7 +11107,23 @@
           <a:p>
             <a:r>
               <a:rPr lang="en-GB" dirty="0" smtClean="0"/>
-              <a:t>Test experiment in actual lab 24 hours before</a:t>
+              <a:t>Test experiment in actual lab </a:t>
+            </a:r>
+            <a:r>
+              <a:rPr lang="en-GB" b="1" dirty="0" smtClean="0">
+                <a:solidFill>
+                  <a:srgbClr val="FF0000"/>
+                </a:solidFill>
+              </a:rPr>
+              <a:t>at least </a:t>
+            </a:r>
+            <a:r>
+              <a:rPr lang="en-GB" dirty="0" smtClean="0"/>
+              <a:t>24 </a:t>
+            </a:r>
+            <a:r>
+              <a:rPr lang="en-GB" dirty="0" smtClean="0"/>
+              <a:t>hours before</a:t>
             </a:r>
           </a:p>
           <a:p>
@@ -11056,12 +11159,35 @@
             </a:pPr>
             <a:r>
               <a:rPr lang="en-GB" dirty="0" smtClean="0"/>
-              <a:t>i.e. Don’t use a variable name with the same name as a routine!</a:t>
-            </a:r>
-          </a:p>
-          <a:p>
+              <a:t>i.e. Don’t use a variable name with the same name as a routine</a:t>
+            </a:r>
             <a:r>
               <a:rPr lang="en-GB" dirty="0" smtClean="0"/>
+              <a:t>!</a:t>
+            </a:r>
+          </a:p>
+          <a:p>
+            <a:pPr lvl="1">
+              <a:buFont typeface="Courier New" panose="02070309020205020404" pitchFamily="49" charset="0"/>
+              <a:buChar char="o"/>
+            </a:pPr>
+            <a:r>
+              <a:rPr lang="en-GB" dirty="0"/>
+              <a:t>e</a:t>
+            </a:r>
+            <a:r>
+              <a:rPr lang="en-GB" dirty="0" smtClean="0"/>
+              <a:t>.g. “image”</a:t>
+            </a:r>
+            <a:endParaRPr lang="en-GB" dirty="0" smtClean="0"/>
+          </a:p>
+          <a:p>
+            <a:r>
+              <a:rPr lang="en-GB" dirty="0" smtClean="0">
+                <a:solidFill>
+                  <a:srgbClr val="FF0000"/>
+                </a:solidFill>
+              </a:rPr>
               <a:t>Make regular backups!!</a:t>
             </a:r>
           </a:p>
@@ -12048,6 +12174,16 @@
             <a:pPr marL="0" indent="0">
               <a:buNone/>
             </a:pPr>
+            <a:endParaRPr lang="en-US" dirty="0"/>
+          </a:p>
+          <a:p>
+            <a:pPr marL="0" indent="0">
+              <a:buNone/>
+            </a:pPr>
+            <a:r>
+              <a:rPr lang="en-US" dirty="0" smtClean="0"/>
+              <a:t>Book + Additional slides of interest.</a:t>
+            </a:r>
             <a:endParaRPr lang="en-US" dirty="0"/>
           </a:p>
         </p:txBody>
@@ -13122,7 +13258,11 @@
             </a:pPr>
             <a:r>
               <a:rPr lang="en-GB" b="1" dirty="0" smtClean="0"/>
-              <a:t>Start up parameters</a:t>
+              <a:t>1. Start </a:t>
+            </a:r>
+            <a:r>
+              <a:rPr lang="en-GB" b="1" dirty="0" smtClean="0"/>
+              <a:t>up parameters</a:t>
             </a:r>
           </a:p>
           <a:p>
@@ -13152,74 +13292,17 @@
           <a:p>
             <a:r>
               <a:rPr lang="en-GB" dirty="0" smtClean="0"/>
-              <a:t>To add your own, click the experiment settings icon</a:t>
-            </a:r>
-          </a:p>
-          <a:p>
-            <a:pPr lvl="1">
-              <a:buFont typeface="Courier New" panose="02070309020205020404" pitchFamily="49" charset="0"/>
-              <a:buChar char="o"/>
-            </a:pPr>
-            <a:endParaRPr lang="en" sz="1800" b="1" u="sng" dirty="0" smtClean="0">
-              <a:solidFill>
-                <a:schemeClr val="accent2"/>
-              </a:solidFill>
-              <a:latin typeface="Courier New"/>
-              <a:ea typeface="Courier New"/>
-              <a:cs typeface="Courier New"/>
-              <a:sym typeface="Courier New"/>
-            </a:endParaRPr>
-          </a:p>
-          <a:p>
-            <a:pPr marL="457200" lvl="1" indent="0">
-              <a:buNone/>
-            </a:pPr>
-            <a:r>
-              <a:rPr lang="en" sz="1800" b="1" u="sng" dirty="0" smtClean="0">
-                <a:solidFill>
-                  <a:schemeClr val="accent2"/>
-                </a:solidFill>
-                <a:latin typeface="Courier New"/>
-                <a:ea typeface="Courier New"/>
-                <a:cs typeface="Courier New"/>
-                <a:sym typeface="Courier New"/>
-              </a:rPr>
-              <a:t>http</a:t>
-            </a:r>
-            <a:r>
-              <a:rPr lang="en" sz="1800" b="1" u="sng" dirty="0">
-                <a:solidFill>
-                  <a:schemeClr val="accent2"/>
-                </a:solidFill>
-                <a:latin typeface="Courier New"/>
-                <a:ea typeface="Courier New"/>
-                <a:cs typeface="Courier New"/>
-                <a:sym typeface="Courier New"/>
-              </a:rPr>
-              <a:t>://</a:t>
-            </a:r>
-            <a:r>
-              <a:rPr lang="en" sz="1800" b="1" u="sng" dirty="0" smtClean="0">
-                <a:solidFill>
-                  <a:schemeClr val="accent2"/>
-                </a:solidFill>
-                <a:latin typeface="Courier New"/>
-                <a:ea typeface="Courier New"/>
-                <a:cs typeface="Courier New"/>
-                <a:sym typeface="Courier New"/>
-              </a:rPr>
-              <a:t>www.psychopy.org/builder/settings.html</a:t>
-            </a:r>
-            <a:r>
-              <a:rPr lang="en-GB" sz="1800" b="1" dirty="0" smtClean="0">
-                <a:solidFill>
-                  <a:schemeClr val="accent2"/>
-                </a:solidFill>
-              </a:rPr>
-              <a:t>  </a:t>
-            </a:r>
-          </a:p>
-          <a:p>
+              <a:t>To add your own, click the experiment settings </a:t>
+            </a:r>
+            <a:r>
+              <a:rPr lang="en-GB" dirty="0" smtClean="0"/>
+              <a:t>icon</a:t>
+            </a:r>
+          </a:p>
+          <a:p>
+            <a:pPr marL="0" indent="0">
+              <a:buNone/>
+            </a:pPr>
             <a:endParaRPr lang="en-GB" dirty="0"/>
           </a:p>
           <a:p>
@@ -13228,7 +13311,11 @@
             </a:pPr>
             <a:r>
               <a:rPr lang="en-GB" b="1" dirty="0" smtClean="0"/>
-              <a:t>Add to Excel data file</a:t>
+              <a:t>2. Add </a:t>
+            </a:r>
+            <a:r>
+              <a:rPr lang="en-GB" b="1" dirty="0" smtClean="0"/>
+              <a:t>to Excel data file</a:t>
             </a:r>
             <a:endParaRPr lang="en-GB" b="1" dirty="0"/>
           </a:p>
@@ -13241,8 +13328,23 @@
           <a:p>
             <a:r>
               <a:rPr lang="en-GB" dirty="0" smtClean="0"/>
-              <a:t>Add a new column in your data file – that is it!</a:t>
-            </a:r>
+              <a:t>You can add </a:t>
+            </a:r>
+            <a:r>
+              <a:rPr lang="en-GB" dirty="0" smtClean="0"/>
+              <a:t>a new column in your data file – that is it</a:t>
+            </a:r>
+            <a:r>
+              <a:rPr lang="en-GB" dirty="0" smtClean="0"/>
+              <a:t>!</a:t>
+            </a:r>
+          </a:p>
+          <a:p>
+            <a:r>
+              <a:rPr lang="en-GB" dirty="0" smtClean="0"/>
+              <a:t>It will appear in your output files automatically.</a:t>
+            </a:r>
+            <a:endParaRPr lang="en-GB" dirty="0" smtClean="0"/>
           </a:p>
           <a:p>
             <a:endParaRPr lang="en-GB" dirty="0"/>
@@ -13253,7 +13355,11 @@
             </a:pPr>
             <a:r>
               <a:rPr lang="en-GB" b="1" dirty="0" smtClean="0"/>
-              <a:t>Through embedded Python code</a:t>
+              <a:t>3. Through </a:t>
+            </a:r>
+            <a:r>
+              <a:rPr lang="en-GB" b="1" dirty="0" smtClean="0"/>
+              <a:t>embedded Python code</a:t>
             </a:r>
             <a:endParaRPr lang="en-GB" b="1" dirty="0"/>
           </a:p>
@@ -13297,7 +13403,7 @@
         </p:blipFill>
         <p:spPr>
           <a:xfrm>
-            <a:off x="6274487" y="2913608"/>
+            <a:off x="6322112" y="3123158"/>
             <a:ext cx="489731" cy="377851"/>
           </a:xfrm>
           <a:prstGeom prst="rect">
@@ -14462,7 +14568,6 @@
               <a:rPr lang="en-GB" dirty="0" smtClean="0"/>
               <a:t>It is possible to do a loop within a loop</a:t>
             </a:r>
-            <a:endParaRPr lang="en-GB" dirty="0" smtClean="0"/>
           </a:p>
           <a:p>
             <a:r>
@@ -14544,13 +14649,8 @@
             </a:pPr>
             <a:r>
               <a:rPr lang="en-GB" dirty="0" smtClean="0"/>
-              <a:t>Lets </a:t>
-            </a:r>
-            <a:r>
-              <a:rPr lang="en-GB" dirty="0" smtClean="0"/>
-              <a:t>look at the example in action… </a:t>
-            </a:r>
-            <a:endParaRPr lang="en-GB" dirty="0" smtClean="0"/>
+              <a:t>Lets look at the example in action… </a:t>
+            </a:r>
           </a:p>
           <a:p>
             <a:pPr marL="0" indent="0">
@@ -14562,15 +14662,7 @@
                   <a:srgbClr val="FF0000"/>
                 </a:solidFill>
               </a:rPr>
-              <a:t>(</a:t>
-            </a:r>
-            <a:r>
-              <a:rPr lang="en-GB" dirty="0" smtClean="0">
-                <a:solidFill>
-                  <a:srgbClr val="FF0000"/>
-                </a:solidFill>
-              </a:rPr>
-              <a:t>DEMO)</a:t>
+              <a:t>(DEMO)</a:t>
             </a:r>
           </a:p>
         </p:txBody>
@@ -15110,7 +15202,7 @@
         <p:spPr/>
         <p:txBody>
           <a:bodyPr>
-            <a:normAutofit fontScale="92500" lnSpcReduction="10000"/>
+            <a:normAutofit fontScale="92500" lnSpcReduction="20000"/>
           </a:bodyPr>
           <a:lstStyle/>
           <a:p>
@@ -15119,7 +15211,34 @@
             </a:pPr>
             <a:r>
               <a:rPr lang="en-GB" dirty="0" smtClean="0"/>
-              <a:t>Open up </a:t>
+              <a:t>Close any other </a:t>
+            </a:r>
+            <a:r>
+              <a:rPr lang="en-GB" dirty="0" err="1" smtClean="0"/>
+              <a:t>PsychoPy</a:t>
+            </a:r>
+            <a:r>
+              <a:rPr lang="en-GB" dirty="0" smtClean="0"/>
+              <a:t> windows you have open.</a:t>
+            </a:r>
+          </a:p>
+          <a:p>
+            <a:pPr marL="0" indent="0">
+              <a:buNone/>
+            </a:pPr>
+            <a:endParaRPr lang="en-GB" dirty="0" smtClean="0"/>
+          </a:p>
+          <a:p>
+            <a:pPr marL="0" indent="0">
+              <a:buNone/>
+            </a:pPr>
+            <a:r>
+              <a:rPr lang="en-GB" dirty="0" smtClean="0"/>
+              <a:t>Then open </a:t>
+            </a:r>
+            <a:r>
+              <a:rPr lang="en-GB" dirty="0" smtClean="0"/>
+              <a:t>up </a:t>
             </a:r>
             <a:r>
               <a:rPr lang="en-GB" dirty="0" smtClean="0">

--- a/PsychoPy-Part2/PsychoPy-part2.pptx
+++ b/PsychoPy-Part2/PsychoPy-part2.pptx
@@ -5,36 +5,35 @@
     <p:sldMasterId id="2147483686" r:id="rId1"/>
   </p:sldMasterIdLst>
   <p:notesMasterIdLst>
-    <p:notesMasterId r:id="rId29"/>
+    <p:notesMasterId r:id="rId28"/>
   </p:notesMasterIdLst>
   <p:sldIdLst>
     <p:sldId id="256" r:id="rId2"/>
     <p:sldId id="304" r:id="rId3"/>
     <p:sldId id="270" r:id="rId4"/>
-    <p:sldId id="271" r:id="rId5"/>
-    <p:sldId id="272" r:id="rId6"/>
-    <p:sldId id="273" r:id="rId7"/>
-    <p:sldId id="297" r:id="rId8"/>
-    <p:sldId id="278" r:id="rId9"/>
-    <p:sldId id="283" r:id="rId10"/>
-    <p:sldId id="287" r:id="rId11"/>
-    <p:sldId id="286" r:id="rId12"/>
-    <p:sldId id="284" r:id="rId13"/>
-    <p:sldId id="257" r:id="rId14"/>
-    <p:sldId id="285" r:id="rId15"/>
-    <p:sldId id="302" r:id="rId16"/>
-    <p:sldId id="258" r:id="rId17"/>
-    <p:sldId id="290" r:id="rId18"/>
-    <p:sldId id="291" r:id="rId19"/>
-    <p:sldId id="299" r:id="rId20"/>
-    <p:sldId id="263" r:id="rId21"/>
-    <p:sldId id="292" r:id="rId22"/>
-    <p:sldId id="293" r:id="rId23"/>
-    <p:sldId id="269" r:id="rId24"/>
-    <p:sldId id="303" r:id="rId25"/>
-    <p:sldId id="277" r:id="rId26"/>
-    <p:sldId id="301" r:id="rId27"/>
-    <p:sldId id="279" r:id="rId28"/>
+    <p:sldId id="272" r:id="rId5"/>
+    <p:sldId id="273" r:id="rId6"/>
+    <p:sldId id="297" r:id="rId7"/>
+    <p:sldId id="278" r:id="rId8"/>
+    <p:sldId id="283" r:id="rId9"/>
+    <p:sldId id="287" r:id="rId10"/>
+    <p:sldId id="286" r:id="rId11"/>
+    <p:sldId id="284" r:id="rId12"/>
+    <p:sldId id="257" r:id="rId13"/>
+    <p:sldId id="285" r:id="rId14"/>
+    <p:sldId id="302" r:id="rId15"/>
+    <p:sldId id="258" r:id="rId16"/>
+    <p:sldId id="290" r:id="rId17"/>
+    <p:sldId id="291" r:id="rId18"/>
+    <p:sldId id="299" r:id="rId19"/>
+    <p:sldId id="263" r:id="rId20"/>
+    <p:sldId id="292" r:id="rId21"/>
+    <p:sldId id="293" r:id="rId22"/>
+    <p:sldId id="269" r:id="rId23"/>
+    <p:sldId id="303" r:id="rId24"/>
+    <p:sldId id="277" r:id="rId25"/>
+    <p:sldId id="301" r:id="rId26"/>
+    <p:sldId id="279" r:id="rId27"/>
   </p:sldIdLst>
   <p:sldSz cx="9144000" cy="6858000" type="screen4x3"/>
   <p:notesSz cx="6858000" cy="9144000"/>
@@ -223,7 +222,7 @@
           <a:p>
             <a:fld id="{A71BFCC6-2EC9-4EC2-A3C4-9B645E93EB78}" type="datetimeFigureOut">
               <a:rPr lang="en-US" smtClean="0"/>
-              <a:t>10/9/2018</a:t>
+              <a:t>10/2/2019</a:t>
             </a:fld>
             <a:endParaRPr lang="en-US"/>
           </a:p>
@@ -1983,7 +1982,7 @@
             <a:fld id="{B61BEF0D-F0BB-DE4B-95CE-6DB70DBA9567}" type="datetimeFigureOut">
               <a:rPr lang="en-US" smtClean="0"/>
               <a:pPr/>
-              <a:t>10/9/2018</a:t>
+              <a:t>10/2/2019</a:t>
             </a:fld>
             <a:endParaRPr lang="en-US" dirty="0"/>
           </a:p>
@@ -2236,7 +2235,7 @@
             <a:fld id="{B61BEF0D-F0BB-DE4B-95CE-6DB70DBA9567}" type="datetimeFigureOut">
               <a:rPr lang="en-US" smtClean="0"/>
               <a:pPr/>
-              <a:t>10/9/2018</a:t>
+              <a:t>10/2/2019</a:t>
             </a:fld>
             <a:endParaRPr lang="en-US" dirty="0"/>
           </a:p>
@@ -2552,7 +2551,7 @@
             <a:fld id="{B61BEF0D-F0BB-DE4B-95CE-6DB70DBA9567}" type="datetimeFigureOut">
               <a:rPr lang="en-US" smtClean="0"/>
               <a:pPr/>
-              <a:t>10/9/2018</a:t>
+              <a:t>10/2/2019</a:t>
             </a:fld>
             <a:endParaRPr lang="en-US" dirty="0"/>
           </a:p>
@@ -2887,7 +2886,7 @@
             <a:fld id="{B61BEF0D-F0BB-DE4B-95CE-6DB70DBA9567}" type="datetimeFigureOut">
               <a:rPr lang="en-US" smtClean="0"/>
               <a:pPr/>
-              <a:t>10/9/2018</a:t>
+              <a:t>10/2/2019</a:t>
             </a:fld>
             <a:endParaRPr lang="en-US" dirty="0"/>
           </a:p>
@@ -3203,7 +3202,7 @@
             <a:fld id="{B61BEF0D-F0BB-DE4B-95CE-6DB70DBA9567}" type="datetimeFigureOut">
               <a:rPr lang="en-US" smtClean="0"/>
               <a:pPr/>
-              <a:t>10/9/2018</a:t>
+              <a:t>10/2/2019</a:t>
             </a:fld>
             <a:endParaRPr lang="en-US" dirty="0"/>
           </a:p>
@@ -3598,7 +3597,7 @@
             <a:fld id="{B61BEF0D-F0BB-DE4B-95CE-6DB70DBA9567}" type="datetimeFigureOut">
               <a:rPr lang="en-US" smtClean="0"/>
               <a:pPr/>
-              <a:t>10/9/2018</a:t>
+              <a:t>10/2/2019</a:t>
             </a:fld>
             <a:endParaRPr lang="en-US" dirty="0"/>
           </a:p>
@@ -3769,7 +3768,7 @@
           <a:p>
             <a:fld id="{55C6B4A9-1611-4792-9094-5F34BCA07E0B}" type="datetimeFigureOut">
               <a:rPr lang="en-US" smtClean="0"/>
-              <a:t>10/9/2018</a:t>
+              <a:t>10/2/2019</a:t>
             </a:fld>
             <a:endParaRPr lang="en-US" dirty="0"/>
           </a:p>
@@ -3950,7 +3949,7 @@
             <a:fld id="{B61BEF0D-F0BB-DE4B-95CE-6DB70DBA9567}" type="datetimeFigureOut">
               <a:rPr lang="en-US" smtClean="0"/>
               <a:pPr/>
-              <a:t>10/9/2018</a:t>
+              <a:t>10/2/2019</a:t>
             </a:fld>
             <a:endParaRPr lang="en-US" dirty="0"/>
           </a:p>
@@ -4322,7 +4321,7 @@
             <a:fld id="{B61BEF0D-F0BB-DE4B-95CE-6DB70DBA9567}" type="datetimeFigureOut">
               <a:rPr lang="en-US" smtClean="0"/>
               <a:pPr/>
-              <a:t>10/9/2018</a:t>
+              <a:t>10/2/2019</a:t>
             </a:fld>
             <a:endParaRPr lang="en-US" dirty="0"/>
           </a:p>
@@ -4571,7 +4570,7 @@
             <a:fld id="{B61BEF0D-F0BB-DE4B-95CE-6DB70DBA9567}" type="datetimeFigureOut">
               <a:rPr lang="en-US" smtClean="0"/>
               <a:pPr/>
-              <a:t>10/9/2018</a:t>
+              <a:t>10/2/2019</a:t>
             </a:fld>
             <a:endParaRPr lang="en-US" dirty="0"/>
           </a:p>
@@ -4869,7 +4868,7 @@
           <a:p>
             <a:fld id="{EB712588-04B1-427B-82EE-E8DB90309F08}" type="datetimeFigureOut">
               <a:rPr lang="en-US" smtClean="0"/>
-              <a:t>10/9/2018</a:t>
+              <a:t>10/2/2019</a:t>
             </a:fld>
             <a:endParaRPr lang="en-US" dirty="0"/>
           </a:p>
@@ -5249,7 +5248,7 @@
             <a:fld id="{B61BEF0D-F0BB-DE4B-95CE-6DB70DBA9567}" type="datetimeFigureOut">
               <a:rPr lang="en-US" smtClean="0"/>
               <a:pPr/>
-              <a:t>10/9/2018</a:t>
+              <a:t>10/2/2019</a:t>
             </a:fld>
             <a:endParaRPr lang="en-US" dirty="0"/>
           </a:p>
@@ -5374,7 +5373,7 @@
             <a:fld id="{B61BEF0D-F0BB-DE4B-95CE-6DB70DBA9567}" type="datetimeFigureOut">
               <a:rPr lang="en-US" smtClean="0"/>
               <a:pPr/>
-              <a:t>10/9/2018</a:t>
+              <a:t>10/2/2019</a:t>
             </a:fld>
             <a:endParaRPr lang="en-US" dirty="0"/>
           </a:p>
@@ -5471,7 +5470,7 @@
             <a:fld id="{B61BEF0D-F0BB-DE4B-95CE-6DB70DBA9567}" type="datetimeFigureOut">
               <a:rPr lang="en-US" smtClean="0"/>
               <a:pPr/>
-              <a:t>10/9/2018</a:t>
+              <a:t>10/2/2019</a:t>
             </a:fld>
             <a:endParaRPr lang="en-US" dirty="0"/>
           </a:p>
@@ -5727,7 +5726,7 @@
           <a:p>
             <a:fld id="{42A54C80-263E-416B-A8E0-580EDEADCBDC}" type="datetimeFigureOut">
               <a:rPr lang="en-US" smtClean="0"/>
-              <a:t>10/9/2018</a:t>
+              <a:t>10/2/2019</a:t>
             </a:fld>
             <a:endParaRPr lang="en-US" dirty="0"/>
           </a:p>
@@ -5991,7 +5990,7 @@
             <a:fld id="{B61BEF0D-F0BB-DE4B-95CE-6DB70DBA9567}" type="datetimeFigureOut">
               <a:rPr lang="en-US" smtClean="0"/>
               <a:pPr/>
-              <a:t>10/9/2018</a:t>
+              <a:t>10/2/2019</a:t>
             </a:fld>
             <a:endParaRPr lang="en-US" dirty="0"/>
           </a:p>
@@ -6808,7 +6807,7 @@
             <a:fld id="{B61BEF0D-F0BB-DE4B-95CE-6DB70DBA9567}" type="datetimeFigureOut">
               <a:rPr lang="en-US" smtClean="0"/>
               <a:pPr/>
-              <a:t>10/9/2018</a:t>
+              <a:t>10/2/2019</a:t>
             </a:fld>
             <a:endParaRPr lang="en-US" dirty="0"/>
           </a:p>
@@ -7439,7 +7438,7 @@
           <a:p>
             <a:r>
               <a:rPr lang="en-GB" dirty="0" smtClean="0"/>
-              <a:t>Simple data types and variables</a:t>
+              <a:t>Working with variables</a:t>
             </a:r>
             <a:endParaRPr lang="en-US" dirty="0"/>
           </a:p>
@@ -7458,67 +7457,25 @@
         <p:spPr/>
         <p:txBody>
           <a:bodyPr>
-            <a:normAutofit fontScale="92500" lnSpcReduction="10000"/>
+            <a:normAutofit/>
           </a:bodyPr>
           <a:lstStyle/>
           <a:p>
-            <a:pPr marL="0" indent="0">
-              <a:buNone/>
-            </a:pPr>
-            <a:r>
-              <a:rPr lang="en-GB" sz="2400" dirty="0"/>
-              <a:t>Variables are Containers for data </a:t>
-            </a:r>
-            <a:endParaRPr lang="en-GB" sz="2400" dirty="0" smtClean="0"/>
-          </a:p>
-          <a:p>
-            <a:pPr marL="0" indent="0">
-              <a:buNone/>
-            </a:pPr>
-            <a:r>
-              <a:rPr lang="en-GB" sz="2400" dirty="0" smtClean="0"/>
-              <a:t>(</a:t>
-            </a:r>
-            <a:r>
-              <a:rPr lang="en-GB" sz="2400" dirty="0"/>
-              <a:t>i.e. </a:t>
-            </a:r>
-            <a:r>
-              <a:rPr lang="en-GB" sz="2400" dirty="0">
-                <a:latin typeface="Courier New" panose="02070309020205020404" pitchFamily="49" charset="0"/>
-                <a:cs typeface="Courier New" panose="02070309020205020404" pitchFamily="49" charset="0"/>
-              </a:rPr>
-              <a:t>“answer” </a:t>
-            </a:r>
-            <a:r>
-              <a:rPr lang="en-GB" sz="2400" dirty="0"/>
-              <a:t>in the </a:t>
-            </a:r>
-            <a:r>
-              <a:rPr lang="en-GB" sz="2400" dirty="0" smtClean="0"/>
-              <a:t>previous </a:t>
-            </a:r>
-            <a:r>
-              <a:rPr lang="en-GB" sz="2400" dirty="0"/>
-              <a:t>exercise</a:t>
-            </a:r>
-            <a:r>
-              <a:rPr lang="en-GB" sz="2400" dirty="0" smtClean="0"/>
-              <a:t>)</a:t>
-            </a:r>
-            <a:endParaRPr lang="en-GB" sz="2400" dirty="0"/>
-          </a:p>
-          <a:p>
-            <a:pPr marL="0" indent="0">
-              <a:buNone/>
-            </a:pPr>
-            <a:endParaRPr lang="en" sz="2400" b="1" dirty="0" smtClean="0"/>
-          </a:p>
-          <a:p>
-            <a:r>
-              <a:rPr lang="en" sz="2400" b="1" dirty="0" smtClean="0"/>
-              <a:t>Integer</a:t>
-            </a:r>
+            <a:pPr marL="88900" lvl="0" indent="0">
+              <a:buClr>
+                <a:schemeClr val="dk1"/>
+              </a:buClr>
+              <a:buSzPct val="166666"/>
+              <a:buNone/>
+            </a:pPr>
+            <a:endParaRPr lang="en" dirty="0" smtClean="0"/>
+          </a:p>
+          <a:p>
+            <a:r>
+              <a:rPr lang="en-GB" dirty="0" smtClean="0"/>
+              <a:t>You can change the contents of a variable:</a:t>
+            </a:r>
+            <a:endParaRPr lang="en-GB" b="1" dirty="0" smtClean="0"/>
           </a:p>
           <a:p>
             <a:pPr lvl="1">
@@ -7526,31 +7483,11 @@
               <a:buChar char="o"/>
             </a:pPr>
             <a:r>
-              <a:rPr lang="en-US" sz="2400" dirty="0">
+              <a:rPr lang="en-GB" sz="1800" dirty="0" smtClean="0">
                 <a:latin typeface="Courier New" panose="02070309020205020404" pitchFamily="49" charset="0"/>
                 <a:cs typeface="Courier New" panose="02070309020205020404" pitchFamily="49" charset="0"/>
               </a:rPr>
-              <a:t>a</a:t>
-            </a:r>
-            <a:r>
-              <a:rPr lang="en" sz="2400" dirty="0" smtClean="0">
-                <a:latin typeface="Courier New" panose="02070309020205020404" pitchFamily="49" charset="0"/>
-                <a:cs typeface="Courier New" panose="02070309020205020404" pitchFamily="49" charset="0"/>
-              </a:rPr>
-              <a:t>ge = </a:t>
-            </a:r>
-            <a:r>
-              <a:rPr lang="en" sz="2400" b="1" dirty="0" smtClean="0">
-                <a:latin typeface="Courier New" panose="02070309020205020404" pitchFamily="49" charset="0"/>
-                <a:cs typeface="Courier New" panose="02070309020205020404" pitchFamily="49" charset="0"/>
-              </a:rPr>
-              <a:t>10</a:t>
-            </a:r>
-          </a:p>
-          <a:p>
-            <a:r>
-              <a:rPr lang="en" sz="2400" b="1" dirty="0" smtClean="0"/>
-              <a:t>Float</a:t>
+              <a:t>age = 10</a:t>
             </a:r>
           </a:p>
           <a:p>
@@ -7559,31 +7496,17 @@
               <a:buChar char="o"/>
             </a:pPr>
             <a:r>
-              <a:rPr lang="en-US" sz="2400" dirty="0">
+              <a:rPr lang="en-GB" sz="1800" dirty="0" smtClean="0">
                 <a:latin typeface="Courier New" panose="02070309020205020404" pitchFamily="49" charset="0"/>
                 <a:cs typeface="Courier New" panose="02070309020205020404" pitchFamily="49" charset="0"/>
               </a:rPr>
-              <a:t>p</a:t>
-            </a:r>
-            <a:r>
-              <a:rPr lang="en" sz="2400" dirty="0" smtClean="0">
-                <a:latin typeface="Courier New" panose="02070309020205020404" pitchFamily="49" charset="0"/>
-                <a:cs typeface="Courier New" panose="02070309020205020404" pitchFamily="49" charset="0"/>
-              </a:rPr>
-              <a:t>i = </a:t>
-            </a:r>
-            <a:r>
-              <a:rPr lang="en" sz="2400" b="1" dirty="0" smtClean="0">
-                <a:latin typeface="Courier New" panose="02070309020205020404" pitchFamily="49" charset="0"/>
-                <a:cs typeface="Courier New" panose="02070309020205020404" pitchFamily="49" charset="0"/>
-              </a:rPr>
-              <a:t>3.14</a:t>
-            </a:r>
-          </a:p>
-          <a:p>
-            <a:r>
-              <a:rPr lang="en" sz="2400" b="1" dirty="0" smtClean="0"/>
-              <a:t>Boolean</a:t>
+              <a:t>age = 15</a:t>
+            </a:r>
+          </a:p>
+          <a:p>
+            <a:r>
+              <a:rPr lang="en-GB" dirty="0" smtClean="0"/>
+              <a:t>Can use in calculations, concatenations (joining), loops and more…</a:t>
             </a:r>
           </a:p>
           <a:p>
@@ -7592,25 +7515,18 @@
               <a:buChar char="o"/>
             </a:pPr>
             <a:r>
-              <a:rPr lang="en-US" sz="2400" dirty="0" smtClean="0">
+              <a:rPr lang="en-GB" sz="1800" dirty="0">
                 <a:latin typeface="Courier New" panose="02070309020205020404" pitchFamily="49" charset="0"/>
                 <a:cs typeface="Courier New" panose="02070309020205020404" pitchFamily="49" charset="0"/>
               </a:rPr>
-              <a:t>b</a:t>
-            </a:r>
-            <a:r>
-              <a:rPr lang="en" sz="2400" dirty="0" smtClean="0">
+              <a:t>a</a:t>
+            </a:r>
+            <a:r>
+              <a:rPr lang="en-GB" sz="1800" dirty="0" smtClean="0">
                 <a:latin typeface="Courier New" panose="02070309020205020404" pitchFamily="49" charset="0"/>
                 <a:cs typeface="Courier New" panose="02070309020205020404" pitchFamily="49" charset="0"/>
               </a:rPr>
-              <a:t>ilingual = </a:t>
-            </a:r>
-            <a:r>
-              <a:rPr lang="en" sz="2400" b="1" dirty="0" smtClean="0">
-                <a:latin typeface="Courier New" panose="02070309020205020404" pitchFamily="49" charset="0"/>
-                <a:cs typeface="Courier New" panose="02070309020205020404" pitchFamily="49" charset="0"/>
-              </a:rPr>
-              <a:t>True</a:t>
+              <a:t>ge = age + 5</a:t>
             </a:r>
           </a:p>
           <a:p>
@@ -7619,39 +7535,39 @@
               <a:buChar char="o"/>
             </a:pPr>
             <a:r>
-              <a:rPr lang="en" sz="2400" dirty="0" smtClean="0">
+              <a:rPr lang="en-GB" sz="1800" dirty="0" err="1">
                 <a:latin typeface="Courier New" panose="02070309020205020404" pitchFamily="49" charset="0"/>
                 <a:cs typeface="Courier New" panose="02070309020205020404" pitchFamily="49" charset="0"/>
               </a:rPr>
-              <a:t>or bilingual = </a:t>
-            </a:r>
-            <a:r>
-              <a:rPr lang="en" sz="2400" b="1" dirty="0" smtClean="0">
+              <a:t>f</a:t>
+            </a:r>
+            <a:r>
+              <a:rPr lang="en-GB" sz="1800" dirty="0" err="1" smtClean="0">
                 <a:latin typeface="Courier New" panose="02070309020205020404" pitchFamily="49" charset="0"/>
                 <a:cs typeface="Courier New" panose="02070309020205020404" pitchFamily="49" charset="0"/>
               </a:rPr>
-              <a:t>1</a:t>
-            </a:r>
-            <a:r>
-              <a:rPr lang="en" sz="2400" dirty="0" smtClean="0">
+              <a:t>irst_name</a:t>
+            </a:r>
+            <a:r>
+              <a:rPr lang="en-GB" sz="1800" dirty="0" smtClean="0">
                 <a:latin typeface="Courier New" panose="02070309020205020404" pitchFamily="49" charset="0"/>
                 <a:cs typeface="Courier New" panose="02070309020205020404" pitchFamily="49" charset="0"/>
               </a:rPr>
-              <a:t> </a:t>
-            </a:r>
-            <a:r>
-              <a:rPr lang="en" sz="2400" dirty="0" smtClean="0"/>
-              <a:t>(in some languages </a:t>
-            </a:r>
-            <a:r>
-              <a:rPr lang="en-US" sz="2400" dirty="0" smtClean="0"/>
-              <a:t>is valid)</a:t>
-            </a:r>
-          </a:p>
-          <a:p>
-            <a:r>
-              <a:rPr lang="en-GB" sz="2400" b="1" dirty="0" smtClean="0"/>
-              <a:t>Char</a:t>
+              <a:t> = </a:t>
+            </a:r>
+            <a:r>
+              <a:rPr lang="en-GB" sz="1800" dirty="0">
+                <a:latin typeface="Courier New" panose="02070309020205020404" pitchFamily="49" charset="0"/>
+                <a:cs typeface="Courier New" panose="02070309020205020404" pitchFamily="49" charset="0"/>
+              </a:rPr>
+              <a:t>"Frank</a:t>
+            </a:r>
+            <a:r>
+              <a:rPr lang="en-GB" sz="1800" dirty="0" smtClean="0">
+                <a:latin typeface="Courier New" panose="02070309020205020404" pitchFamily="49" charset="0"/>
+                <a:cs typeface="Courier New" panose="02070309020205020404" pitchFamily="49" charset="0"/>
+              </a:rPr>
+              <a:t>"</a:t>
             </a:r>
           </a:p>
           <a:p>
@@ -7660,255 +7576,133 @@
               <a:buChar char="o"/>
             </a:pPr>
             <a:r>
-              <a:rPr lang="en" sz="2400" dirty="0" smtClean="0">
+              <a:rPr lang="en-GB" sz="1800" dirty="0" err="1" smtClean="0">
                 <a:latin typeface="Courier New" panose="02070309020205020404" pitchFamily="49" charset="0"/>
-                <a:ea typeface="Courier New"/>
                 <a:cs typeface="Courier New" panose="02070309020205020404" pitchFamily="49" charset="0"/>
-                <a:sym typeface="Courier New"/>
-              </a:rPr>
-              <a:t>initial </a:t>
-            </a:r>
-            <a:r>
-              <a:rPr lang="en" sz="2400" dirty="0">
+              </a:rPr>
+              <a:t>Full_name</a:t>
+            </a:r>
+            <a:r>
+              <a:rPr lang="en-GB" sz="1800" dirty="0" smtClean="0">
                 <a:latin typeface="Courier New" panose="02070309020205020404" pitchFamily="49" charset="0"/>
-                <a:ea typeface="Courier New"/>
                 <a:cs typeface="Courier New" panose="02070309020205020404" pitchFamily="49" charset="0"/>
-                <a:sym typeface="Courier New"/>
-              </a:rPr>
-              <a:t>= </a:t>
-            </a:r>
-            <a:r>
-              <a:rPr lang="en" sz="2400" b="1" dirty="0">
-                <a:latin typeface="Courier New"/>
-                <a:ea typeface="Courier New"/>
-                <a:cs typeface="Courier New"/>
-                <a:sym typeface="Courier New"/>
-              </a:rPr>
-              <a:t>"</a:t>
-            </a:r>
-            <a:r>
-              <a:rPr lang="en" sz="2400" b="1" dirty="0" smtClean="0">
+              </a:rPr>
+              <a:t> = </a:t>
+            </a:r>
+            <a:r>
+              <a:rPr lang="en-GB" sz="1800" dirty="0" err="1" smtClean="0">
                 <a:latin typeface="Courier New" panose="02070309020205020404" pitchFamily="49" charset="0"/>
-                <a:ea typeface="Courier New"/>
                 <a:cs typeface="Courier New" panose="02070309020205020404" pitchFamily="49" charset="0"/>
-                <a:sym typeface="Courier New"/>
-              </a:rPr>
-              <a:t>M</a:t>
-            </a:r>
-            <a:r>
-              <a:rPr lang="en" sz="2400" b="1" dirty="0">
-                <a:latin typeface="Courier New"/>
-                <a:ea typeface="Courier New"/>
-                <a:cs typeface="Courier New"/>
-                <a:sym typeface="Courier New"/>
-              </a:rPr>
-              <a:t>"</a:t>
-            </a:r>
-            <a:r>
-              <a:rPr lang="en" sz="2400" b="1" dirty="0" smtClean="0">
+              </a:rPr>
+              <a:t>first_name</a:t>
+            </a:r>
+            <a:r>
+              <a:rPr lang="en-GB" sz="1800" dirty="0" smtClean="0">
                 <a:latin typeface="Courier New" panose="02070309020205020404" pitchFamily="49" charset="0"/>
-                <a:ea typeface="Courier New"/>
                 <a:cs typeface="Courier New" panose="02070309020205020404" pitchFamily="49" charset="0"/>
-                <a:sym typeface="Courier New"/>
-              </a:rPr>
-              <a:t>  </a:t>
-            </a:r>
-            <a:r>
-              <a:rPr lang="en" sz="2400" dirty="0">
+              </a:rPr>
+              <a:t> </a:t>
+            </a:r>
+            <a:r>
+              <a:rPr lang="en-GB" sz="1800" dirty="0">
                 <a:latin typeface="Courier New" panose="02070309020205020404" pitchFamily="49" charset="0"/>
-                <a:ea typeface="Courier New"/>
                 <a:cs typeface="Courier New" panose="02070309020205020404" pitchFamily="49" charset="0"/>
-                <a:sym typeface="Courier New"/>
-              </a:rPr>
-              <a:t>… number = </a:t>
-            </a:r>
-            <a:r>
-              <a:rPr lang="en" sz="2400" b="1" dirty="0">
-                <a:latin typeface="Courier New"/>
-                <a:ea typeface="Courier New"/>
-                <a:cs typeface="Courier New"/>
-                <a:sym typeface="Courier New"/>
-              </a:rPr>
-              <a:t>"</a:t>
-            </a:r>
-            <a:r>
-              <a:rPr lang="en" sz="2400" b="1" dirty="0" smtClean="0">
+              </a:rPr>
+              <a:t>+ " </a:t>
+            </a:r>
+            <a:r>
+              <a:rPr lang="en-GB" sz="1800" dirty="0" err="1" smtClean="0">
                 <a:latin typeface="Courier New" panose="02070309020205020404" pitchFamily="49" charset="0"/>
-                <a:ea typeface="Courier New"/>
                 <a:cs typeface="Courier New" panose="02070309020205020404" pitchFamily="49" charset="0"/>
-                <a:sym typeface="Courier New"/>
-              </a:rPr>
-              <a:t>1</a:t>
-            </a:r>
-            <a:r>
-              <a:rPr lang="en" sz="2400" b="1" dirty="0">
-                <a:latin typeface="Courier New"/>
-                <a:ea typeface="Courier New"/>
-                <a:cs typeface="Courier New"/>
-                <a:sym typeface="Courier New"/>
-              </a:rPr>
-              <a:t>"</a:t>
-            </a:r>
-            <a:endParaRPr lang="en" sz="2400" b="1" dirty="0" smtClean="0">
+              </a:rPr>
+              <a:t>Gasking</a:t>
+            </a:r>
+            <a:r>
+              <a:rPr lang="en-GB" sz="1800" dirty="0" smtClean="0">
+                <a:latin typeface="Courier New" panose="02070309020205020404" pitchFamily="49" charset="0"/>
+                <a:cs typeface="Courier New" panose="02070309020205020404" pitchFamily="49" charset="0"/>
+              </a:rPr>
+              <a:t>“</a:t>
+            </a:r>
+          </a:p>
+          <a:p>
+            <a:pPr marL="0" indent="0">
+              <a:buNone/>
+            </a:pPr>
+            <a:endParaRPr lang="en-GB" sz="2000" dirty="0" smtClean="0">
               <a:latin typeface="Courier New" panose="02070309020205020404" pitchFamily="49" charset="0"/>
-              <a:ea typeface="Courier New"/>
               <a:cs typeface="Courier New" panose="02070309020205020404" pitchFamily="49" charset="0"/>
-              <a:sym typeface="Courier New"/>
             </a:endParaRPr>
           </a:p>
           <a:p>
-            <a:r>
-              <a:rPr lang="en-GB" sz="2400" b="1" dirty="0" smtClean="0"/>
-              <a:t>String</a:t>
-            </a:r>
-          </a:p>
-          <a:p>
-            <a:pPr lvl="1">
-              <a:buFont typeface="Courier New" panose="02070309020205020404" pitchFamily="49" charset="0"/>
-              <a:buChar char="o"/>
-            </a:pPr>
-            <a:r>
-              <a:rPr lang="en" sz="2400" dirty="0" smtClean="0">
+            <a:pPr marL="0" indent="0">
+              <a:buNone/>
+            </a:pPr>
+            <a:r>
+              <a:rPr lang="en-GB" dirty="0" smtClean="0">
+                <a:solidFill>
+                  <a:srgbClr val="FF0000"/>
+                </a:solidFill>
+              </a:rPr>
+              <a:t>Important:</a:t>
+            </a:r>
+          </a:p>
+          <a:p>
+            <a:pPr marL="0" indent="0">
+              <a:buNone/>
+            </a:pPr>
+            <a:endParaRPr lang="en-GB" dirty="0" smtClean="0">
+              <a:solidFill>
+                <a:srgbClr val="FF0000"/>
+              </a:solidFill>
+            </a:endParaRPr>
+          </a:p>
+          <a:p>
+            <a:r>
+              <a:rPr lang="en-GB" dirty="0" smtClean="0"/>
+              <a:t>Give variables meaningful names</a:t>
+            </a:r>
+          </a:p>
+          <a:p>
+            <a:r>
+              <a:rPr lang="en-GB" dirty="0" smtClean="0"/>
+              <a:t>No spaces in variables (ever!) – use </a:t>
+            </a:r>
+            <a:r>
+              <a:rPr lang="en-GB" dirty="0">
                 <a:latin typeface="Courier New" panose="02070309020205020404" pitchFamily="49" charset="0"/>
-                <a:ea typeface="Courier New"/>
                 <a:cs typeface="Courier New" panose="02070309020205020404" pitchFamily="49" charset="0"/>
-                <a:sym typeface="Courier New"/>
-              </a:rPr>
-              <a:t>first_name </a:t>
-            </a:r>
-            <a:r>
-              <a:rPr lang="en" sz="2400" dirty="0">
+              </a:rPr>
+              <a:t>"_"</a:t>
+            </a:r>
+            <a:r>
+              <a:rPr lang="en-GB" dirty="0" smtClean="0"/>
+              <a:t> or </a:t>
+            </a:r>
+            <a:r>
+              <a:rPr lang="en-GB" dirty="0">
                 <a:latin typeface="Courier New" panose="02070309020205020404" pitchFamily="49" charset="0"/>
-                <a:ea typeface="Courier New"/>
                 <a:cs typeface="Courier New" panose="02070309020205020404" pitchFamily="49" charset="0"/>
-                <a:sym typeface="Courier New"/>
-              </a:rPr>
-              <a:t>= </a:t>
-            </a:r>
-            <a:r>
-              <a:rPr lang="en" sz="2400" b="1" dirty="0">
-                <a:latin typeface="Courier New"/>
-                <a:ea typeface="Courier New"/>
-                <a:cs typeface="Courier New"/>
-                <a:sym typeface="Courier New"/>
-              </a:rPr>
-              <a:t>"</a:t>
-            </a:r>
-            <a:r>
-              <a:rPr lang="en" sz="2400" b="1" dirty="0" smtClean="0">
-                <a:latin typeface="Courier New" panose="02070309020205020404" pitchFamily="49" charset="0"/>
-                <a:ea typeface="Courier New"/>
-                <a:cs typeface="Courier New" panose="02070309020205020404" pitchFamily="49" charset="0"/>
-                <a:sym typeface="Courier New"/>
-              </a:rPr>
-              <a:t>John</a:t>
-            </a:r>
-            <a:r>
-              <a:rPr lang="en" sz="2400" b="1" dirty="0">
-                <a:latin typeface="Courier New"/>
-                <a:ea typeface="Courier New"/>
-                <a:cs typeface="Courier New"/>
-                <a:sym typeface="Courier New"/>
-              </a:rPr>
-              <a:t>"</a:t>
-            </a:r>
-            <a:endParaRPr lang="en" sz="2400" b="1" dirty="0" smtClean="0">
-              <a:latin typeface="Courier New" panose="02070309020205020404" pitchFamily="49" charset="0"/>
-              <a:ea typeface="Courier New"/>
-              <a:cs typeface="Courier New" panose="02070309020205020404" pitchFamily="49" charset="0"/>
-              <a:sym typeface="Courier New"/>
-            </a:endParaRPr>
-          </a:p>
-          <a:p>
-            <a:pPr lvl="1">
-              <a:buFont typeface="Courier New" panose="02070309020205020404" pitchFamily="49" charset="0"/>
-              <a:buChar char="o"/>
-            </a:pPr>
-            <a:r>
-              <a:rPr lang="en" sz="2400" dirty="0" smtClean="0">
-                <a:latin typeface="Courier New" panose="02070309020205020404" pitchFamily="49" charset="0"/>
-                <a:ea typeface="Courier New"/>
-                <a:cs typeface="Courier New" panose="02070309020205020404" pitchFamily="49" charset="0"/>
-                <a:sym typeface="Courier New"/>
-              </a:rPr>
-              <a:t>phone_number </a:t>
-            </a:r>
-            <a:r>
-              <a:rPr lang="en" sz="2400" dirty="0">
-                <a:latin typeface="Courier New" panose="02070309020205020404" pitchFamily="49" charset="0"/>
-                <a:ea typeface="Courier New"/>
-                <a:cs typeface="Courier New" panose="02070309020205020404" pitchFamily="49" charset="0"/>
-                <a:sym typeface="Courier New"/>
-              </a:rPr>
-              <a:t>= </a:t>
-            </a:r>
-            <a:r>
-              <a:rPr lang="en" sz="2400" b="1" dirty="0">
-                <a:latin typeface="Courier New"/>
-                <a:ea typeface="Courier New"/>
-                <a:cs typeface="Courier New"/>
-                <a:sym typeface="Courier New"/>
-              </a:rPr>
-              <a:t>"</a:t>
-            </a:r>
-            <a:r>
-              <a:rPr lang="en" sz="2400" b="1" dirty="0" smtClean="0">
-                <a:latin typeface="Courier New" panose="02070309020205020404" pitchFamily="49" charset="0"/>
-                <a:ea typeface="Courier New"/>
-                <a:cs typeface="Courier New" panose="02070309020205020404" pitchFamily="49" charset="0"/>
-                <a:sym typeface="Courier New"/>
-              </a:rPr>
-              <a:t>+</a:t>
-            </a:r>
-            <a:r>
-              <a:rPr lang="en" sz="2400" b="1" dirty="0">
-                <a:latin typeface="Courier New" panose="02070309020205020404" pitchFamily="49" charset="0"/>
-                <a:ea typeface="Courier New"/>
-                <a:cs typeface="Courier New" panose="02070309020205020404" pitchFamily="49" charset="0"/>
-                <a:sym typeface="Courier New"/>
-              </a:rPr>
-              <a:t>44 01227 </a:t>
-            </a:r>
-            <a:r>
-              <a:rPr lang="en" sz="2400" b="1" dirty="0" smtClean="0">
-                <a:latin typeface="Courier New" panose="02070309020205020404" pitchFamily="49" charset="0"/>
-                <a:ea typeface="Courier New"/>
-                <a:cs typeface="Courier New" panose="02070309020205020404" pitchFamily="49" charset="0"/>
-                <a:sym typeface="Courier New"/>
-              </a:rPr>
-              <a:t>888999</a:t>
-            </a:r>
-            <a:r>
-              <a:rPr lang="en" sz="2400" b="1" dirty="0">
-                <a:latin typeface="Courier New"/>
-                <a:ea typeface="Courier New"/>
-                <a:cs typeface="Courier New"/>
-                <a:sym typeface="Courier New"/>
-              </a:rPr>
-              <a:t>"</a:t>
-            </a:r>
-            <a:r>
-              <a:rPr lang="en" sz="2400" b="1" dirty="0" smtClean="0">
-                <a:latin typeface="Courier New" panose="02070309020205020404" pitchFamily="49" charset="0"/>
-                <a:ea typeface="Courier New"/>
-                <a:cs typeface="Courier New" panose="02070309020205020404" pitchFamily="49" charset="0"/>
-                <a:sym typeface="Courier New"/>
-              </a:rPr>
-              <a:t> </a:t>
-            </a:r>
-            <a:endParaRPr lang="en" sz="2400" b="1" dirty="0">
-              <a:latin typeface="Courier New" panose="02070309020205020404" pitchFamily="49" charset="0"/>
-              <a:ea typeface="Courier New"/>
-              <a:cs typeface="Courier New" panose="02070309020205020404" pitchFamily="49" charset="0"/>
-              <a:sym typeface="Courier New"/>
-            </a:endParaRPr>
+              </a:rPr>
+              <a:t>"–"</a:t>
+            </a:r>
+            <a:r>
+              <a:rPr lang="en-GB" dirty="0" smtClean="0"/>
+              <a:t> if you must.</a:t>
+            </a:r>
+          </a:p>
+          <a:p>
+            <a:pPr marL="0" indent="0">
+              <a:buNone/>
+            </a:pPr>
+            <a:endParaRPr lang="en-GB" dirty="0" smtClean="0"/>
           </a:p>
         </p:txBody>
       </p:sp>
     </p:spTree>
     <p:extLst>
       <p:ext uri="{BB962C8B-B14F-4D97-AF65-F5344CB8AC3E}">
-        <p14:creationId xmlns:p14="http://schemas.microsoft.com/office/powerpoint/2010/main" val="1563197427"/>
+        <p14:creationId xmlns:p14="http://schemas.microsoft.com/office/powerpoint/2010/main" val="1417207490"/>
       </p:ext>
     </p:extLst>
   </p:cSld>
@@ -7959,321 +7753,6 @@
           <a:p>
             <a:r>
               <a:rPr lang="en-GB" dirty="0" smtClean="0"/>
-              <a:t>Working with variables</a:t>
-            </a:r>
-            <a:endParaRPr lang="en-US" dirty="0"/>
-          </a:p>
-        </p:txBody>
-      </p:sp>
-      <p:sp>
-        <p:nvSpPr>
-          <p:cNvPr id="3" name="Text Placeholder 2"/>
-          <p:cNvSpPr>
-            <a:spLocks noGrp="1"/>
-          </p:cNvSpPr>
-          <p:nvPr>
-            <p:ph type="body" idx="1"/>
-          </p:nvPr>
-        </p:nvSpPr>
-        <p:spPr/>
-        <p:txBody>
-          <a:bodyPr>
-            <a:normAutofit/>
-          </a:bodyPr>
-          <a:lstStyle/>
-          <a:p>
-            <a:pPr marL="88900" lvl="0" indent="0">
-              <a:buClr>
-                <a:schemeClr val="dk1"/>
-              </a:buClr>
-              <a:buSzPct val="166666"/>
-              <a:buNone/>
-            </a:pPr>
-            <a:endParaRPr lang="en" dirty="0" smtClean="0"/>
-          </a:p>
-          <a:p>
-            <a:r>
-              <a:rPr lang="en-GB" dirty="0" smtClean="0"/>
-              <a:t>You can change the contents of a variable:</a:t>
-            </a:r>
-            <a:endParaRPr lang="en-GB" b="1" dirty="0" smtClean="0"/>
-          </a:p>
-          <a:p>
-            <a:pPr lvl="1">
-              <a:buFont typeface="Courier New" panose="02070309020205020404" pitchFamily="49" charset="0"/>
-              <a:buChar char="o"/>
-            </a:pPr>
-            <a:r>
-              <a:rPr lang="en-GB" sz="1800" dirty="0" smtClean="0">
-                <a:latin typeface="Courier New" panose="02070309020205020404" pitchFamily="49" charset="0"/>
-                <a:cs typeface="Courier New" panose="02070309020205020404" pitchFamily="49" charset="0"/>
-              </a:rPr>
-              <a:t>age = 10</a:t>
-            </a:r>
-          </a:p>
-          <a:p>
-            <a:pPr lvl="1">
-              <a:buFont typeface="Courier New" panose="02070309020205020404" pitchFamily="49" charset="0"/>
-              <a:buChar char="o"/>
-            </a:pPr>
-            <a:r>
-              <a:rPr lang="en-GB" sz="1800" dirty="0" smtClean="0">
-                <a:latin typeface="Courier New" panose="02070309020205020404" pitchFamily="49" charset="0"/>
-                <a:cs typeface="Courier New" panose="02070309020205020404" pitchFamily="49" charset="0"/>
-              </a:rPr>
-              <a:t>age = 15</a:t>
-            </a:r>
-          </a:p>
-          <a:p>
-            <a:r>
-              <a:rPr lang="en-GB" dirty="0" smtClean="0"/>
-              <a:t>Can use in calculations, concatenations (joining), loops and more…</a:t>
-            </a:r>
-          </a:p>
-          <a:p>
-            <a:pPr lvl="1">
-              <a:buFont typeface="Courier New" panose="02070309020205020404" pitchFamily="49" charset="0"/>
-              <a:buChar char="o"/>
-            </a:pPr>
-            <a:r>
-              <a:rPr lang="en-GB" sz="1800" dirty="0">
-                <a:latin typeface="Courier New" panose="02070309020205020404" pitchFamily="49" charset="0"/>
-                <a:cs typeface="Courier New" panose="02070309020205020404" pitchFamily="49" charset="0"/>
-              </a:rPr>
-              <a:t>a</a:t>
-            </a:r>
-            <a:r>
-              <a:rPr lang="en-GB" sz="1800" dirty="0" smtClean="0">
-                <a:latin typeface="Courier New" panose="02070309020205020404" pitchFamily="49" charset="0"/>
-                <a:cs typeface="Courier New" panose="02070309020205020404" pitchFamily="49" charset="0"/>
-              </a:rPr>
-              <a:t>ge = age + 5</a:t>
-            </a:r>
-          </a:p>
-          <a:p>
-            <a:pPr lvl="1">
-              <a:buFont typeface="Courier New" panose="02070309020205020404" pitchFamily="49" charset="0"/>
-              <a:buChar char="o"/>
-            </a:pPr>
-            <a:r>
-              <a:rPr lang="en-GB" sz="1800" dirty="0" err="1">
-                <a:latin typeface="Courier New" panose="02070309020205020404" pitchFamily="49" charset="0"/>
-                <a:cs typeface="Courier New" panose="02070309020205020404" pitchFamily="49" charset="0"/>
-              </a:rPr>
-              <a:t>f</a:t>
-            </a:r>
-            <a:r>
-              <a:rPr lang="en-GB" sz="1800" dirty="0" err="1" smtClean="0">
-                <a:latin typeface="Courier New" panose="02070309020205020404" pitchFamily="49" charset="0"/>
-                <a:cs typeface="Courier New" panose="02070309020205020404" pitchFamily="49" charset="0"/>
-              </a:rPr>
-              <a:t>irst_name</a:t>
-            </a:r>
-            <a:r>
-              <a:rPr lang="en-GB" sz="1800" dirty="0" smtClean="0">
-                <a:latin typeface="Courier New" panose="02070309020205020404" pitchFamily="49" charset="0"/>
-                <a:cs typeface="Courier New" panose="02070309020205020404" pitchFamily="49" charset="0"/>
-              </a:rPr>
-              <a:t> = </a:t>
-            </a:r>
-            <a:r>
-              <a:rPr lang="en-GB" sz="1800" dirty="0">
-                <a:latin typeface="Courier New" panose="02070309020205020404" pitchFamily="49" charset="0"/>
-                <a:cs typeface="Courier New" panose="02070309020205020404" pitchFamily="49" charset="0"/>
-              </a:rPr>
-              <a:t>"Frank</a:t>
-            </a:r>
-            <a:r>
-              <a:rPr lang="en-GB" sz="1800" dirty="0" smtClean="0">
-                <a:latin typeface="Courier New" panose="02070309020205020404" pitchFamily="49" charset="0"/>
-                <a:cs typeface="Courier New" panose="02070309020205020404" pitchFamily="49" charset="0"/>
-              </a:rPr>
-              <a:t>"</a:t>
-            </a:r>
-          </a:p>
-          <a:p>
-            <a:pPr lvl="1">
-              <a:buFont typeface="Courier New" panose="02070309020205020404" pitchFamily="49" charset="0"/>
-              <a:buChar char="o"/>
-            </a:pPr>
-            <a:r>
-              <a:rPr lang="en-GB" sz="1800" dirty="0" err="1" smtClean="0">
-                <a:latin typeface="Courier New" panose="02070309020205020404" pitchFamily="49" charset="0"/>
-                <a:cs typeface="Courier New" panose="02070309020205020404" pitchFamily="49" charset="0"/>
-              </a:rPr>
-              <a:t>Full_name</a:t>
-            </a:r>
-            <a:r>
-              <a:rPr lang="en-GB" sz="1800" dirty="0" smtClean="0">
-                <a:latin typeface="Courier New" panose="02070309020205020404" pitchFamily="49" charset="0"/>
-                <a:cs typeface="Courier New" panose="02070309020205020404" pitchFamily="49" charset="0"/>
-              </a:rPr>
-              <a:t> = </a:t>
-            </a:r>
-            <a:r>
-              <a:rPr lang="en-GB" sz="1800" dirty="0" err="1" smtClean="0">
-                <a:latin typeface="Courier New" panose="02070309020205020404" pitchFamily="49" charset="0"/>
-                <a:cs typeface="Courier New" panose="02070309020205020404" pitchFamily="49" charset="0"/>
-              </a:rPr>
-              <a:t>first_name</a:t>
-            </a:r>
-            <a:r>
-              <a:rPr lang="en-GB" sz="1800" dirty="0" smtClean="0">
-                <a:latin typeface="Courier New" panose="02070309020205020404" pitchFamily="49" charset="0"/>
-                <a:cs typeface="Courier New" panose="02070309020205020404" pitchFamily="49" charset="0"/>
-              </a:rPr>
-              <a:t> </a:t>
-            </a:r>
-            <a:r>
-              <a:rPr lang="en-GB" sz="1800" dirty="0">
-                <a:latin typeface="Courier New" panose="02070309020205020404" pitchFamily="49" charset="0"/>
-                <a:cs typeface="Courier New" panose="02070309020205020404" pitchFamily="49" charset="0"/>
-              </a:rPr>
-              <a:t>+ " </a:t>
-            </a:r>
-            <a:r>
-              <a:rPr lang="en-GB" sz="1800" dirty="0" err="1" smtClean="0">
-                <a:latin typeface="Courier New" panose="02070309020205020404" pitchFamily="49" charset="0"/>
-                <a:cs typeface="Courier New" panose="02070309020205020404" pitchFamily="49" charset="0"/>
-              </a:rPr>
-              <a:t>Gasking</a:t>
-            </a:r>
-            <a:r>
-              <a:rPr lang="en-GB" sz="1800" dirty="0" smtClean="0">
-                <a:latin typeface="Courier New" panose="02070309020205020404" pitchFamily="49" charset="0"/>
-                <a:cs typeface="Courier New" panose="02070309020205020404" pitchFamily="49" charset="0"/>
-              </a:rPr>
-              <a:t>“</a:t>
-            </a:r>
-          </a:p>
-          <a:p>
-            <a:pPr marL="0" indent="0">
-              <a:buNone/>
-            </a:pPr>
-            <a:endParaRPr lang="en-GB" sz="2000" dirty="0" smtClean="0">
-              <a:latin typeface="Courier New" panose="02070309020205020404" pitchFamily="49" charset="0"/>
-              <a:cs typeface="Courier New" panose="02070309020205020404" pitchFamily="49" charset="0"/>
-            </a:endParaRPr>
-          </a:p>
-          <a:p>
-            <a:pPr marL="0" indent="0">
-              <a:buNone/>
-            </a:pPr>
-            <a:r>
-              <a:rPr lang="en-GB" dirty="0" smtClean="0">
-                <a:solidFill>
-                  <a:srgbClr val="FF0000"/>
-                </a:solidFill>
-              </a:rPr>
-              <a:t>Important:</a:t>
-            </a:r>
-          </a:p>
-          <a:p>
-            <a:pPr marL="0" indent="0">
-              <a:buNone/>
-            </a:pPr>
-            <a:endParaRPr lang="en-GB" dirty="0" smtClean="0">
-              <a:solidFill>
-                <a:srgbClr val="FF0000"/>
-              </a:solidFill>
-            </a:endParaRPr>
-          </a:p>
-          <a:p>
-            <a:r>
-              <a:rPr lang="en-GB" dirty="0" smtClean="0"/>
-              <a:t>Give variables meaningful names</a:t>
-            </a:r>
-          </a:p>
-          <a:p>
-            <a:r>
-              <a:rPr lang="en-GB" dirty="0" smtClean="0"/>
-              <a:t>No spaces in variables (ever!) – use </a:t>
-            </a:r>
-            <a:r>
-              <a:rPr lang="en-GB" dirty="0">
-                <a:latin typeface="Courier New" panose="02070309020205020404" pitchFamily="49" charset="0"/>
-                <a:cs typeface="Courier New" panose="02070309020205020404" pitchFamily="49" charset="0"/>
-              </a:rPr>
-              <a:t>"_"</a:t>
-            </a:r>
-            <a:r>
-              <a:rPr lang="en-GB" dirty="0" smtClean="0"/>
-              <a:t> or </a:t>
-            </a:r>
-            <a:r>
-              <a:rPr lang="en-GB" dirty="0">
-                <a:latin typeface="Courier New" panose="02070309020205020404" pitchFamily="49" charset="0"/>
-                <a:cs typeface="Courier New" panose="02070309020205020404" pitchFamily="49" charset="0"/>
-              </a:rPr>
-              <a:t>"–"</a:t>
-            </a:r>
-            <a:r>
-              <a:rPr lang="en-GB" dirty="0" smtClean="0"/>
-              <a:t> if you must.</a:t>
-            </a:r>
-          </a:p>
-          <a:p>
-            <a:pPr marL="0" indent="0">
-              <a:buNone/>
-            </a:pPr>
-            <a:endParaRPr lang="en-GB" dirty="0" smtClean="0"/>
-          </a:p>
-        </p:txBody>
-      </p:sp>
-    </p:spTree>
-    <p:extLst>
-      <p:ext uri="{BB962C8B-B14F-4D97-AF65-F5344CB8AC3E}">
-        <p14:creationId xmlns:p14="http://schemas.microsoft.com/office/powerpoint/2010/main" val="1417207490"/>
-      </p:ext>
-    </p:extLst>
-  </p:cSld>
-  <p:clrMapOvr>
-    <a:masterClrMapping/>
-  </p:clrMapOvr>
-  <p:timing>
-    <p:tnLst>
-      <p:par>
-        <p:cTn id="1" dur="indefinite" restart="never" nodeType="tmRoot"/>
-      </p:par>
-    </p:tnLst>
-  </p:timing>
-</p:sld>
-</file>
-
-<file path=ppt/slides/slide12.xml><?xml version="1.0" encoding="utf-8"?>
-<p:sld xmlns:a="http://schemas.openxmlformats.org/drawingml/2006/main" xmlns:r="http://schemas.openxmlformats.org/officeDocument/2006/relationships" xmlns:p="http://schemas.openxmlformats.org/presentationml/2006/main">
-  <p:cSld>
-    <p:spTree>
-      <p:nvGrpSpPr>
-        <p:cNvPr id="1" name=""/>
-        <p:cNvGrpSpPr/>
-        <p:nvPr/>
-      </p:nvGrpSpPr>
-      <p:grpSpPr>
-        <a:xfrm>
-          <a:off x="0" y="0"/>
-          <a:ext cx="0" cy="0"/>
-          <a:chOff x="0" y="0"/>
-          <a:chExt cx="0" cy="0"/>
-        </a:xfrm>
-      </p:grpSpPr>
-      <p:sp>
-        <p:nvSpPr>
-          <p:cNvPr id="2" name="Title 1"/>
-          <p:cNvSpPr>
-            <a:spLocks noGrp="1"/>
-          </p:cNvSpPr>
-          <p:nvPr>
-            <p:ph type="title"/>
-          </p:nvPr>
-        </p:nvSpPr>
-        <p:spPr/>
-        <p:txBody>
-          <a:bodyPr/>
-          <a:lstStyle/>
-          <a:p>
-            <a:r>
-              <a:rPr lang="en-GB" dirty="0" smtClean="0"/>
               <a:t>Operators</a:t>
             </a:r>
             <a:endParaRPr lang="en-US" dirty="0"/>
@@ -8477,7 +7956,7 @@
 </p:sld>
 </file>
 
-<file path=ppt/slides/slide13.xml><?xml version="1.0" encoding="utf-8"?>
+<file path=ppt/slides/slide12.xml><?xml version="1.0" encoding="utf-8"?>
 <p:sld xmlns:a="http://schemas.openxmlformats.org/drawingml/2006/main" xmlns:r="http://schemas.openxmlformats.org/officeDocument/2006/relationships" xmlns:p="http://schemas.openxmlformats.org/presentationml/2006/main">
   <p:cSld>
     <p:spTree>
@@ -8966,7 +8445,7 @@
 </p:sld>
 </file>
 
-<file path=ppt/slides/slide14.xml><?xml version="1.0" encoding="utf-8"?>
+<file path=ppt/slides/slide13.xml><?xml version="1.0" encoding="utf-8"?>
 <p:sld xmlns:a="http://schemas.openxmlformats.org/drawingml/2006/main" xmlns:r="http://schemas.openxmlformats.org/officeDocument/2006/relationships" xmlns:p="http://schemas.openxmlformats.org/presentationml/2006/main">
   <p:cSld>
     <p:spTree>
@@ -9058,7 +8537,6 @@
               <a:rPr lang="en-GB" dirty="0" smtClean="0"/>
               <a:t>.</a:t>
             </a:r>
-            <a:endParaRPr lang="en-GB" dirty="0" smtClean="0"/>
           </a:p>
           <a:p>
             <a:pPr marL="0" indent="0">
@@ -9350,7 +8828,7 @@
 </p:sld>
 </file>
 
-<file path=ppt/slides/slide15.xml><?xml version="1.0" encoding="utf-8"?>
+<file path=ppt/slides/slide14.xml><?xml version="1.0" encoding="utf-8"?>
 <p:sld xmlns:a="http://schemas.openxmlformats.org/drawingml/2006/main" xmlns:r="http://schemas.openxmlformats.org/officeDocument/2006/relationships" xmlns:p="http://schemas.openxmlformats.org/presentationml/2006/main">
   <p:cSld>
     <p:spTree>
@@ -9473,22 +8951,14 @@
           <a:p>
             <a:r>
               <a:rPr lang="en-GB" sz="2000" dirty="0" smtClean="0"/>
-              <a:t>Variables (which we just looked at) </a:t>
-            </a:r>
-            <a:r>
-              <a:rPr lang="en-GB" sz="2000" dirty="0" smtClean="0"/>
-              <a:t>can be passed to a function</a:t>
+              <a:t>Variables (which we just looked at) can be passed to a function</a:t>
             </a:r>
           </a:p>
           <a:p>
             <a:pPr lvl="1"/>
             <a:r>
               <a:rPr lang="en-GB" sz="1800" dirty="0" smtClean="0"/>
-              <a:t>Also called </a:t>
-            </a:r>
-            <a:r>
-              <a:rPr lang="en-GB" sz="1800" dirty="0" smtClean="0"/>
-              <a:t>“parameters”</a:t>
+              <a:t>Also called “parameters”</a:t>
             </a:r>
           </a:p>
           <a:p>
@@ -9584,7 +9054,7 @@
 </p:sld>
 </file>
 
-<file path=ppt/slides/slide16.xml><?xml version="1.0" encoding="utf-8"?>
+<file path=ppt/slides/slide15.xml><?xml version="1.0" encoding="utf-8"?>
 <p:sld xmlns:a="http://schemas.openxmlformats.org/drawingml/2006/main" xmlns:r="http://schemas.openxmlformats.org/officeDocument/2006/relationships" xmlns:p="http://schemas.openxmlformats.org/presentationml/2006/main">
   <p:cSld>
     <p:spTree>
@@ -9888,11 +9358,7 @@
             </a:r>
             <a:r>
               <a:rPr lang="en" sz="1600" dirty="0" smtClean="0"/>
-              <a:t>file in same directory</a:t>
-            </a:r>
-            <a:r>
-              <a:rPr lang="en" sz="1600" dirty="0" smtClean="0"/>
-              <a:t>.</a:t>
+              <a:t>file in same directory.</a:t>
             </a:r>
           </a:p>
           <a:p>
@@ -9912,7 +9378,6 @@
               <a:rPr lang="en" sz="1600" dirty="0" smtClean="0"/>
               <a:t>(Windows search for it) and see what it contains.</a:t>
             </a:r>
-            <a:endParaRPr lang="en" sz="1600" dirty="0" smtClean="0"/>
           </a:p>
           <a:p>
             <a:pPr marL="342900" lvl="1" indent="-342900"/>
@@ -10080,7 +9545,7 @@
 </p:sld>
 </file>
 
-<file path=ppt/slides/slide17.xml><?xml version="1.0" encoding="utf-8"?>
+<file path=ppt/slides/slide16.xml><?xml version="1.0" encoding="utf-8"?>
 <p:sld xmlns:a="http://schemas.openxmlformats.org/drawingml/2006/main" xmlns:r="http://schemas.openxmlformats.org/officeDocument/2006/relationships" xmlns:p="http://schemas.openxmlformats.org/presentationml/2006/main">
   <p:cSld>
     <p:spTree>
@@ -10429,7 +9894,7 @@
 </p:sld>
 </file>
 
-<file path=ppt/slides/slide18.xml><?xml version="1.0" encoding="utf-8"?>
+<file path=ppt/slides/slide17.xml><?xml version="1.0" encoding="utf-8"?>
 <p:sld xmlns:a="http://schemas.openxmlformats.org/drawingml/2006/main" xmlns:r="http://schemas.openxmlformats.org/officeDocument/2006/relationships" xmlns:p="http://schemas.openxmlformats.org/presentationml/2006/main">
   <p:cSld>
     <p:spTree>
@@ -10623,7 +10088,7 @@
 </p:sld>
 </file>
 
-<file path=ppt/slides/slide19.xml><?xml version="1.0" encoding="utf-8"?>
+<file path=ppt/slides/slide18.xml><?xml version="1.0" encoding="utf-8"?>
 <p:sld xmlns:a="http://schemas.openxmlformats.org/drawingml/2006/main" xmlns:r="http://schemas.openxmlformats.org/officeDocument/2006/relationships" xmlns:p="http://schemas.openxmlformats.org/presentationml/2006/main">
   <p:cSld>
     <p:spTree>
@@ -10845,6 +10310,244 @@
   <p:clrMapOvr>
     <a:masterClrMapping/>
   </p:clrMapOvr>
+  <p:timing>
+    <p:tnLst>
+      <p:par>
+        <p:cTn id="1" dur="indefinite" restart="never" nodeType="tmRoot"/>
+      </p:par>
+    </p:tnLst>
+  </p:timing>
+</p:sld>
+</file>
+
+<file path=ppt/slides/slide19.xml><?xml version="1.0" encoding="utf-8"?>
+<p:sld xmlns:a="http://schemas.openxmlformats.org/drawingml/2006/main" xmlns:r="http://schemas.openxmlformats.org/officeDocument/2006/relationships" xmlns:p="http://schemas.openxmlformats.org/presentationml/2006/main">
+  <p:cSld>
+    <p:spTree>
+      <p:nvGrpSpPr>
+        <p:cNvPr id="1" name="Shape 214"/>
+        <p:cNvGrpSpPr/>
+        <p:nvPr/>
+      </p:nvGrpSpPr>
+      <p:grpSpPr>
+        <a:xfrm>
+          <a:off x="0" y="0"/>
+          <a:ext cx="0" cy="0"/>
+          <a:chOff x="0" y="0"/>
+          <a:chExt cx="0" cy="0"/>
+        </a:xfrm>
+      </p:grpSpPr>
+      <p:sp>
+        <p:nvSpPr>
+          <p:cNvPr id="215" name="Shape 215"/>
+          <p:cNvSpPr txBox="1">
+            <a:spLocks noGrp="1"/>
+          </p:cNvSpPr>
+          <p:nvPr>
+            <p:ph type="title"/>
+          </p:nvPr>
+        </p:nvSpPr>
+        <p:spPr>
+          <a:prstGeom prst="rect">
+            <a:avLst/>
+          </a:prstGeom>
+        </p:spPr>
+        <p:txBody>
+          <a:bodyPr lIns="91425" tIns="91425" rIns="91425" bIns="91425" anchor="b" anchorCtr="0">
+            <a:noAutofit/>
+          </a:bodyPr>
+          <a:lstStyle/>
+          <a:p>
+            <a:pPr>
+              <a:spcBef>
+                <a:spcPts val="0"/>
+              </a:spcBef>
+              <a:buNone/>
+            </a:pPr>
+            <a:r>
+              <a:rPr lang="en" dirty="0" smtClean="0"/>
+              <a:t>General best </a:t>
+            </a:r>
+            <a:r>
+              <a:rPr lang="en" dirty="0"/>
+              <a:t>practices</a:t>
+            </a:r>
+          </a:p>
+        </p:txBody>
+      </p:sp>
+      <p:sp>
+        <p:nvSpPr>
+          <p:cNvPr id="216" name="Shape 216"/>
+          <p:cNvSpPr txBox="1">
+            <a:spLocks noGrp="1"/>
+          </p:cNvSpPr>
+          <p:nvPr>
+            <p:ph type="body" idx="1"/>
+          </p:nvPr>
+        </p:nvSpPr>
+        <p:spPr>
+          <a:xfrm>
+            <a:off x="457200" y="1600199"/>
+            <a:ext cx="8229600" cy="5133109"/>
+          </a:xfrm>
+          <a:prstGeom prst="rect">
+            <a:avLst/>
+          </a:prstGeom>
+        </p:spPr>
+        <p:txBody>
+          <a:bodyPr lIns="91425" tIns="91425" rIns="91425" bIns="91425" anchor="t" anchorCtr="0">
+            <a:noAutofit/>
+          </a:bodyPr>
+          <a:lstStyle/>
+          <a:p>
+            <a:r>
+              <a:rPr lang="en-GB" dirty="0" smtClean="0"/>
+              <a:t>Test experiment in actual lab </a:t>
+            </a:r>
+            <a:r>
+              <a:rPr lang="en-GB" b="1" dirty="0" smtClean="0">
+                <a:solidFill>
+                  <a:srgbClr val="FF0000"/>
+                </a:solidFill>
+              </a:rPr>
+              <a:t>at least </a:t>
+            </a:r>
+            <a:r>
+              <a:rPr lang="en-GB" dirty="0" smtClean="0"/>
+              <a:t>24 hours before</a:t>
+            </a:r>
+          </a:p>
+          <a:p>
+            <a:r>
+              <a:rPr lang="en-GB" dirty="0" smtClean="0"/>
+              <a:t>Label your routines/loops and components clearly</a:t>
+            </a:r>
+          </a:p>
+          <a:p>
+            <a:r>
+              <a:rPr lang="en-GB" dirty="0" smtClean="0"/>
+              <a:t>Good naming convention (</a:t>
+            </a:r>
+            <a:r>
+              <a:rPr lang="en-GB" dirty="0" err="1" smtClean="0"/>
+              <a:t>variables,routines,loops</a:t>
+            </a:r>
+            <a:r>
+              <a:rPr lang="en-GB" dirty="0" smtClean="0"/>
+              <a:t>)</a:t>
+            </a:r>
+          </a:p>
+          <a:p>
+            <a:r>
+              <a:rPr lang="en-GB" dirty="0" smtClean="0"/>
+              <a:t>Be careful of using RESERVED WORDS</a:t>
+            </a:r>
+          </a:p>
+          <a:p>
+            <a:pPr lvl="1">
+              <a:buFont typeface="Courier New" panose="02070309020205020404" pitchFamily="49" charset="0"/>
+              <a:buChar char="o"/>
+            </a:pPr>
+            <a:r>
+              <a:rPr lang="en-GB" dirty="0" smtClean="0"/>
+              <a:t>i.e. Don’t use a variable name with the same name as a routine!</a:t>
+            </a:r>
+          </a:p>
+          <a:p>
+            <a:pPr lvl="1">
+              <a:buFont typeface="Courier New" panose="02070309020205020404" pitchFamily="49" charset="0"/>
+              <a:buChar char="o"/>
+            </a:pPr>
+            <a:r>
+              <a:rPr lang="en-GB" dirty="0"/>
+              <a:t>e</a:t>
+            </a:r>
+            <a:r>
+              <a:rPr lang="en-GB" dirty="0" smtClean="0"/>
+              <a:t>.g. “image”</a:t>
+            </a:r>
+          </a:p>
+          <a:p>
+            <a:r>
+              <a:rPr lang="en-GB" dirty="0" smtClean="0">
+                <a:solidFill>
+                  <a:srgbClr val="FF0000"/>
+                </a:solidFill>
+              </a:rPr>
+              <a:t>Make regular backups!!</a:t>
+            </a:r>
+          </a:p>
+          <a:p>
+            <a:pPr lvl="1">
+              <a:buFont typeface="Courier New" panose="02070309020205020404" pitchFamily="49" charset="0"/>
+              <a:buChar char="o"/>
+            </a:pPr>
+            <a:r>
+              <a:rPr lang="en-GB" dirty="0" smtClean="0"/>
+              <a:t>Don’t just rely on USB sticks (can be unreliable)</a:t>
+            </a:r>
+          </a:p>
+          <a:p>
+            <a:r>
+              <a:rPr lang="en-GB" dirty="0" smtClean="0"/>
+              <a:t>Check your data output and ensure it’s solid</a:t>
+            </a:r>
+          </a:p>
+          <a:p>
+            <a:pPr lvl="1">
+              <a:buFont typeface="Courier New" panose="02070309020205020404" pitchFamily="49" charset="0"/>
+              <a:buChar char="o"/>
+            </a:pPr>
+            <a:r>
+              <a:rPr lang="en-GB" dirty="0" smtClean="0"/>
+              <a:t>Make sure you are getting the data you need to later analyse</a:t>
+            </a:r>
+          </a:p>
+          <a:p>
+            <a:pPr lvl="1">
+              <a:buFont typeface="Courier New" panose="02070309020205020404" pitchFamily="49" charset="0"/>
+              <a:buChar char="o"/>
+            </a:pPr>
+            <a:r>
+              <a:rPr lang="en-GB" dirty="0" smtClean="0"/>
+              <a:t>Basically do some quick analysis early to make sure!</a:t>
+            </a:r>
+          </a:p>
+          <a:p>
+            <a:pPr>
+              <a:buFont typeface="Courier New" panose="02070309020205020404" pitchFamily="49" charset="0"/>
+              <a:buChar char="o"/>
+            </a:pPr>
+            <a:endParaRPr lang="en" dirty="0" smtClean="0"/>
+          </a:p>
+          <a:p>
+            <a:pPr marL="38100" lvl="0" indent="0" rtl="0">
+              <a:spcBef>
+                <a:spcPts val="0"/>
+              </a:spcBef>
+              <a:buClr>
+                <a:schemeClr val="dk1"/>
+              </a:buClr>
+              <a:buSzPct val="100000"/>
+              <a:buNone/>
+            </a:pPr>
+            <a:endParaRPr lang="en" dirty="0"/>
+          </a:p>
+        </p:txBody>
+      </p:sp>
+    </p:spTree>
+    <p:extLst>
+      <p:ext uri="{BB962C8B-B14F-4D97-AF65-F5344CB8AC3E}">
+        <p14:creationId xmlns:p14="http://schemas.microsoft.com/office/powerpoint/2010/main" val="71483129"/>
+      </p:ext>
+    </p:extLst>
+  </p:cSld>
+  <p:clrMapOvr>
+    <a:masterClrMapping/>
+  </p:clrMapOvr>
+  <p:transition spd="slow">
+    <p:cut/>
+  </p:transition>
   <p:timing>
     <p:tnLst>
       <p:par>
@@ -11030,7 +10733,7 @@
   <p:cSld>
     <p:spTree>
       <p:nvGrpSpPr>
-        <p:cNvPr id="1" name="Shape 214"/>
+        <p:cNvPr id="1" name="Shape 244"/>
         <p:cNvGrpSpPr/>
         <p:nvPr/>
       </p:nvGrpSpPr>
@@ -11044,7 +10747,7 @@
       </p:grpSpPr>
       <p:sp>
         <p:nvSpPr>
-          <p:cNvPr id="215" name="Shape 215"/>
+          <p:cNvPr id="245" name="Shape 245"/>
           <p:cNvSpPr txBox="1">
             <a:spLocks noGrp="1"/>
           </p:cNvSpPr>
@@ -11063,7 +10766,7 @@
           </a:bodyPr>
           <a:lstStyle/>
           <a:p>
-            <a:pPr>
+            <a:pPr lvl="0" rtl="0">
               <a:spcBef>
                 <a:spcPts val="0"/>
               </a:spcBef>
@@ -11071,18 +10774,15 @@
             </a:pPr>
             <a:r>
               <a:rPr lang="en" dirty="0" smtClean="0"/>
-              <a:t>General best </a:t>
-            </a:r>
-            <a:r>
-              <a:rPr lang="en" dirty="0"/>
-              <a:t>practices</a:t>
-            </a:r>
-          </a:p>
-        </p:txBody>
-      </p:sp>
-      <p:sp>
-        <p:nvSpPr>
-          <p:cNvPr id="216" name="Shape 216"/>
+              <a:t>Where can I get extra help?</a:t>
+            </a:r>
+            <a:endParaRPr lang="en" dirty="0"/>
+          </a:p>
+        </p:txBody>
+      </p:sp>
+      <p:sp>
+        <p:nvSpPr>
+          <p:cNvPr id="246" name="Shape 246"/>
           <p:cNvSpPr txBox="1">
             <a:spLocks noGrp="1"/>
           </p:cNvSpPr>
@@ -11091,10 +10791,6 @@
           </p:nvPr>
         </p:nvSpPr>
         <p:spPr>
-          <a:xfrm>
-            <a:off x="457200" y="1600199"/>
-            <a:ext cx="8229600" cy="5133109"/>
-          </a:xfrm>
           <a:prstGeom prst="rect">
             <a:avLst/>
           </a:prstGeom>
@@ -11106,50 +10802,12 @@
           <a:lstStyle/>
           <a:p>
             <a:r>
-              <a:rPr lang="en-GB" dirty="0" smtClean="0"/>
-              <a:t>Test experiment in actual lab </a:t>
-            </a:r>
-            <a:r>
-              <a:rPr lang="en-GB" b="1" dirty="0" smtClean="0">
-                <a:solidFill>
-                  <a:srgbClr val="FF0000"/>
-                </a:solidFill>
-              </a:rPr>
-              <a:t>at least </a:t>
-            </a:r>
-            <a:r>
-              <a:rPr lang="en-GB" dirty="0" smtClean="0"/>
-              <a:t>24 </a:t>
-            </a:r>
-            <a:r>
-              <a:rPr lang="en-GB" dirty="0" smtClean="0"/>
-              <a:t>hours before</a:t>
-            </a:r>
-          </a:p>
-          <a:p>
-            <a:r>
-              <a:rPr lang="en-GB" dirty="0" smtClean="0"/>
-              <a:t>Label your routines/loops and components clearly</a:t>
-            </a:r>
-          </a:p>
-          <a:p>
-            <a:r>
-              <a:rPr lang="en-GB" dirty="0" smtClean="0"/>
-              <a:t>Good naming convention (</a:t>
-            </a:r>
-            <a:r>
-              <a:rPr lang="en-GB" dirty="0" err="1" smtClean="0"/>
-              <a:t>variables,routines,loops</a:t>
-            </a:r>
-            <a:r>
-              <a:rPr lang="en-GB" dirty="0" smtClean="0"/>
-              <a:t>)</a:t>
-            </a:r>
-          </a:p>
-          <a:p>
-            <a:r>
-              <a:rPr lang="en-GB" dirty="0" smtClean="0"/>
-              <a:t>Be careful of using RESERVED WORDS</a:t>
+              <a:rPr lang="en-GB" b="1" dirty="0" err="1" smtClean="0"/>
+              <a:t>PsychoPy</a:t>
+            </a:r>
+            <a:r>
+              <a:rPr lang="en-GB" b="1" dirty="0" smtClean="0"/>
+              <a:t>:</a:t>
             </a:r>
           </a:p>
           <a:p>
@@ -11158,12 +10816,22 @@
               <a:buChar char="o"/>
             </a:pPr>
             <a:r>
-              <a:rPr lang="en-GB" dirty="0" smtClean="0"/>
-              <a:t>i.e. Don’t use a variable name with the same name as a routine</a:t>
-            </a:r>
-            <a:r>
-              <a:rPr lang="en-GB" dirty="0" smtClean="0"/>
-              <a:t>!</a:t>
+              <a:rPr lang="en-GB" sz="1800" dirty="0" err="1" smtClean="0"/>
+              <a:t>PsychoPy</a:t>
+            </a:r>
+            <a:r>
+              <a:rPr lang="en-GB" sz="1800" dirty="0" smtClean="0"/>
+              <a:t> built-in HELP</a:t>
+            </a:r>
+          </a:p>
+          <a:p>
+            <a:pPr lvl="2">
+              <a:buFont typeface="Courier New" panose="02070309020205020404" pitchFamily="49" charset="0"/>
+              <a:buChar char="o"/>
+            </a:pPr>
+            <a:r>
+              <a:rPr lang="en-GB" sz="1800" dirty="0" smtClean="0"/>
+              <a:t>Remember, there are separate help sections for Builder and Coder!</a:t>
             </a:r>
           </a:p>
           <a:p>
@@ -11172,23 +10840,23 @@
               <a:buChar char="o"/>
             </a:pPr>
             <a:r>
-              <a:rPr lang="en-GB" dirty="0"/>
-              <a:t>e</a:t>
-            </a:r>
-            <a:r>
-              <a:rPr lang="en-GB" dirty="0" smtClean="0"/>
-              <a:t>.g. “image”</a:t>
-            </a:r>
-            <a:endParaRPr lang="en-GB" dirty="0" smtClean="0"/>
-          </a:p>
-          <a:p>
-            <a:r>
-              <a:rPr lang="en-GB" dirty="0" smtClean="0">
+              <a:rPr lang="en-GB" sz="1800" dirty="0" err="1" smtClean="0"/>
+              <a:t>PsychoPy</a:t>
+            </a:r>
+            <a:r>
+              <a:rPr lang="en-GB" sz="1800" dirty="0" smtClean="0"/>
+              <a:t> website – </a:t>
+            </a:r>
+            <a:r>
+              <a:rPr lang="en-GB" sz="1800" u="sng" dirty="0" smtClean="0">
                 <a:solidFill>
-                  <a:srgbClr val="FF0000"/>
+                  <a:schemeClr val="accent1">
+                    <a:lumMod val="60000"/>
+                    <a:lumOff val="40000"/>
+                  </a:schemeClr>
                 </a:solidFill>
               </a:rPr>
-              <a:t>Make regular backups!!</a:t>
+              <a:t>http://www.psychopy.org/index.html</a:t>
             </a:r>
           </a:p>
           <a:p>
@@ -11197,14 +10865,46 @@
               <a:buChar char="o"/>
             </a:pPr>
             <a:r>
-              <a:rPr lang="en-GB" dirty="0" smtClean="0"/>
-              <a:t>Don’t just rely on USB sticks (can be unreliable)</a:t>
-            </a:r>
-          </a:p>
-          <a:p>
-            <a:r>
-              <a:rPr lang="en-GB" dirty="0" smtClean="0"/>
-              <a:t>Check your data output and ensure it’s solid</a:t>
+              <a:rPr lang="en-GB" sz="1800" b="1" dirty="0" err="1" smtClean="0"/>
+              <a:t>PsychoPy</a:t>
+            </a:r>
+            <a:r>
+              <a:rPr lang="en-GB" sz="1800" b="1" dirty="0"/>
+              <a:t> </a:t>
+            </a:r>
+            <a:r>
+              <a:rPr lang="en-GB" sz="1800" b="1" dirty="0" smtClean="0"/>
+              <a:t>discourse </a:t>
+            </a:r>
+            <a:r>
+              <a:rPr lang="en-GB" sz="1800" dirty="0" smtClean="0"/>
+              <a:t>(Main support forum) </a:t>
+            </a:r>
+            <a:r>
+              <a:rPr lang="en-GB" sz="1800" dirty="0"/>
+              <a:t>- </a:t>
+            </a:r>
+            <a:r>
+              <a:rPr lang="en-GB" sz="1800" u="sng" dirty="0">
+                <a:solidFill>
+                  <a:schemeClr val="accent1">
+                    <a:lumMod val="60000"/>
+                    <a:lumOff val="40000"/>
+                  </a:schemeClr>
+                </a:solidFill>
+              </a:rPr>
+              <a:t>http://discourse.psychopy.org</a:t>
+            </a:r>
+            <a:r>
+              <a:rPr lang="en-GB" sz="1800" u="sng" dirty="0" smtClean="0">
+                <a:solidFill>
+                  <a:schemeClr val="accent1">
+                    <a:lumMod val="60000"/>
+                    <a:lumOff val="40000"/>
+                  </a:schemeClr>
+                </a:solidFill>
+              </a:rPr>
+              <a:t>/</a:t>
             </a:r>
           </a:p>
           <a:p>
@@ -11213,8 +10913,19 @@
               <a:buChar char="o"/>
             </a:pPr>
             <a:r>
-              <a:rPr lang="en-GB" dirty="0" smtClean="0"/>
-              <a:t>Make sure you are getting the data you need to later analyse</a:t>
+              <a:rPr lang="en-GB" sz="1800" dirty="0" smtClean="0"/>
+              <a:t>Google groups forum (mostly replaced by Discourse site) – </a:t>
+            </a:r>
+            <a:r>
+              <a:rPr lang="en-GB" sz="1800" u="sng" dirty="0" smtClean="0">
+                <a:solidFill>
+                  <a:schemeClr val="accent1">
+                    <a:lumMod val="60000"/>
+                    <a:lumOff val="40000"/>
+                  </a:schemeClr>
+                </a:solidFill>
+              </a:rPr>
+              <a:t>https://groups.google.com/forum/#!forum/psychopy-users</a:t>
             </a:r>
           </a:p>
           <a:p>
@@ -11223,36 +10934,77 @@
               <a:buChar char="o"/>
             </a:pPr>
             <a:r>
-              <a:rPr lang="en-GB" dirty="0" smtClean="0"/>
-              <a:t>Basically do some quick analysis early to make sure!</a:t>
-            </a:r>
-          </a:p>
-          <a:p>
-            <a:pPr>
+              <a:rPr lang="en-GB" sz="1800" dirty="0"/>
+              <a:t>Pre-made scripts by us - </a:t>
+            </a:r>
+            <a:r>
+              <a:rPr lang="en-GB" sz="1800" u="sng" dirty="0">
+                <a:solidFill>
+                  <a:schemeClr val="accent1">
+                    <a:lumMod val="60000"/>
+                    <a:lumOff val="40000"/>
+                  </a:schemeClr>
+                </a:solidFill>
+              </a:rPr>
+              <a:t>http://</a:t>
+            </a:r>
+            <a:r>
+              <a:rPr lang="en-GB" sz="1800" u="sng" dirty="0" smtClean="0">
+                <a:solidFill>
+                  <a:schemeClr val="accent1">
+                    <a:lumMod val="60000"/>
+                    <a:lumOff val="40000"/>
+                  </a:schemeClr>
+                </a:solidFill>
+              </a:rPr>
+              <a:t>www.kent.ac.uk/psychology/technical/experiments.html</a:t>
+            </a:r>
+          </a:p>
+          <a:p>
+            <a:r>
+              <a:rPr lang="en-GB" b="1" dirty="0" smtClean="0"/>
+              <a:t>Python:</a:t>
+            </a:r>
+          </a:p>
+          <a:p>
+            <a:pPr lvl="1">
               <a:buFont typeface="Courier New" panose="02070309020205020404" pitchFamily="49" charset="0"/>
               <a:buChar char="o"/>
             </a:pPr>
-            <a:endParaRPr lang="en" dirty="0" smtClean="0"/>
-          </a:p>
-          <a:p>
-            <a:pPr marL="38100" lvl="0" indent="0" rtl="0">
-              <a:spcBef>
-                <a:spcPts val="0"/>
-              </a:spcBef>
-              <a:buClr>
-                <a:schemeClr val="dk1"/>
-              </a:buClr>
-              <a:buSzPct val="100000"/>
-              <a:buNone/>
-            </a:pPr>
-            <a:endParaRPr lang="en" dirty="0"/>
+            <a:r>
+              <a:rPr lang="en-GB" sz="1800" u="sng" dirty="0" smtClean="0">
+                <a:solidFill>
+                  <a:schemeClr val="accent1">
+                    <a:lumMod val="60000"/>
+                    <a:lumOff val="40000"/>
+                  </a:schemeClr>
+                </a:solidFill>
+              </a:rPr>
+              <a:t>http://www.python.org/doc/</a:t>
+            </a:r>
+          </a:p>
+          <a:p>
+            <a:pPr lvl="1">
+              <a:buFont typeface="Courier New" panose="02070309020205020404" pitchFamily="49" charset="0"/>
+              <a:buChar char="o"/>
+            </a:pPr>
+            <a:r>
+              <a:rPr lang="en-GB" sz="1800" dirty="0" smtClean="0"/>
+              <a:t>Google is your friend!</a:t>
+            </a:r>
+          </a:p>
+          <a:p>
+            <a:r>
+              <a:rPr lang="en-GB" sz="2000" dirty="0" smtClean="0"/>
+              <a:t>Check out FAQ handout in the directory</a:t>
+            </a:r>
           </a:p>
         </p:txBody>
       </p:sp>
     </p:spTree>
     <p:extLst>
       <p:ext uri="{BB962C8B-B14F-4D97-AF65-F5344CB8AC3E}">
-        <p14:creationId xmlns:p14="http://schemas.microsoft.com/office/powerpoint/2010/main" val="71483129"/>
+        <p14:creationId xmlns:p14="http://schemas.microsoft.com/office/powerpoint/2010/main" val="106666675"/>
       </p:ext>
     </p:extLst>
   </p:cSld>
@@ -11277,7 +11029,7 @@
   <p:cSld>
     <p:spTree>
       <p:nvGrpSpPr>
-        <p:cNvPr id="1" name="Shape 244"/>
+        <p:cNvPr id="1" name="Shape 214"/>
         <p:cNvGrpSpPr/>
         <p:nvPr/>
       </p:nvGrpSpPr>
@@ -11291,7 +11043,7 @@
       </p:grpSpPr>
       <p:sp>
         <p:nvSpPr>
-          <p:cNvPr id="245" name="Shape 245"/>
+          <p:cNvPr id="215" name="Shape 215"/>
           <p:cNvSpPr txBox="1">
             <a:spLocks noGrp="1"/>
           </p:cNvSpPr>
@@ -11310,89 +11062,15 @@
           </a:bodyPr>
           <a:lstStyle/>
           <a:p>
-            <a:pPr lvl="0" rtl="0">
-              <a:spcBef>
-                <a:spcPts val="0"/>
-              </a:spcBef>
-              <a:buNone/>
-            </a:pPr>
             <a:r>
               <a:rPr lang="en" dirty="0" smtClean="0"/>
-              <a:t>Where can I get extra help?</a:t>
-            </a:r>
-            <a:endParaRPr lang="en" dirty="0"/>
-          </a:p>
-        </p:txBody>
-      </p:sp>
-      <p:sp>
-        <p:nvSpPr>
-          <p:cNvPr id="246" name="Shape 246"/>
-          <p:cNvSpPr txBox="1">
-            <a:spLocks noGrp="1"/>
-          </p:cNvSpPr>
-          <p:nvPr>
-            <p:ph type="body" idx="1"/>
-          </p:nvPr>
-        </p:nvSpPr>
-        <p:spPr>
-          <a:prstGeom prst="rect">
-            <a:avLst/>
-          </a:prstGeom>
-        </p:spPr>
-        <p:txBody>
-          <a:bodyPr lIns="91425" tIns="91425" rIns="91425" bIns="91425" anchor="t" anchorCtr="0">
-            <a:noAutofit/>
-          </a:bodyPr>
-          <a:lstStyle/>
-          <a:p>
-            <a:r>
-              <a:rPr lang="en-GB" b="1" dirty="0" err="1" smtClean="0"/>
-              <a:t>PsychoPy</a:t>
-            </a:r>
-            <a:r>
-              <a:rPr lang="en-GB" b="1" dirty="0" smtClean="0"/>
-              <a:t>:</a:t>
-            </a:r>
-          </a:p>
-          <a:p>
-            <a:pPr lvl="1">
-              <a:buFont typeface="Courier New" panose="02070309020205020404" pitchFamily="49" charset="0"/>
-              <a:buChar char="o"/>
-            </a:pPr>
-            <a:r>
-              <a:rPr lang="en-GB" sz="1800" dirty="0" err="1" smtClean="0"/>
-              <a:t>PsychoPy</a:t>
-            </a:r>
-            <a:r>
-              <a:rPr lang="en-GB" sz="1800" dirty="0" smtClean="0"/>
-              <a:t> built-in HELP</a:t>
-            </a:r>
-          </a:p>
-          <a:p>
-            <a:pPr lvl="2">
-              <a:buFont typeface="Courier New" panose="02070309020205020404" pitchFamily="49" charset="0"/>
-              <a:buChar char="o"/>
-            </a:pPr>
-            <a:r>
-              <a:rPr lang="en-GB" sz="1800" dirty="0" smtClean="0"/>
-              <a:t>Remember, there are separate help sections for Builder and Coder!</a:t>
-            </a:r>
-          </a:p>
-          <a:p>
-            <a:pPr lvl="1">
-              <a:buFont typeface="Courier New" panose="02070309020205020404" pitchFamily="49" charset="0"/>
-              <a:buChar char="o"/>
-            </a:pPr>
-            <a:r>
-              <a:rPr lang="en-GB" sz="1800" dirty="0" err="1" smtClean="0"/>
-              <a:t>PsychoPy</a:t>
-            </a:r>
-            <a:r>
-              <a:rPr lang="en-GB" sz="1800" dirty="0" smtClean="0"/>
-              <a:t> website – </a:t>
-            </a:r>
-            <a:r>
-              <a:rPr lang="en-GB" sz="1800" u="sng" dirty="0" smtClean="0">
+              <a:t>Final exercise:</a:t>
+            </a:r>
+            <a:br>
+              <a:rPr lang="en" dirty="0" smtClean="0"/>
+            </a:br>
+            <a:r>
+              <a:rPr lang="en-GB" dirty="0" smtClean="0">
                 <a:solidFill>
                   <a:schemeClr val="accent1">
                     <a:lumMod val="60000"/>
@@ -11400,155 +11078,269 @@
                   </a:schemeClr>
                 </a:solidFill>
               </a:rPr>
-              <a:t>http://www.psychopy.org/index.html</a:t>
-            </a:r>
-          </a:p>
-          <a:p>
-            <a:pPr lvl="1">
-              <a:buFont typeface="Courier New" panose="02070309020205020404" pitchFamily="49" charset="0"/>
-              <a:buChar char="o"/>
-            </a:pPr>
-            <a:r>
-              <a:rPr lang="en-GB" sz="1800" b="1" dirty="0" err="1" smtClean="0"/>
-              <a:t>PsychoPy</a:t>
-            </a:r>
-            <a:r>
-              <a:rPr lang="en-GB" sz="1800" b="1" dirty="0"/>
-              <a:t> </a:t>
-            </a:r>
-            <a:r>
-              <a:rPr lang="en-GB" sz="1800" b="1" dirty="0" smtClean="0"/>
-              <a:t>discourse </a:t>
-            </a:r>
-            <a:r>
-              <a:rPr lang="en-GB" sz="1800" dirty="0" smtClean="0"/>
-              <a:t>(Main support forum) </a:t>
-            </a:r>
-            <a:r>
-              <a:rPr lang="en-GB" sz="1800" dirty="0"/>
-              <a:t>- </a:t>
-            </a:r>
-            <a:r>
-              <a:rPr lang="en-GB" sz="1800" u="sng" dirty="0">
-                <a:solidFill>
-                  <a:schemeClr val="accent1">
-                    <a:lumMod val="60000"/>
-                    <a:lumOff val="40000"/>
-                  </a:schemeClr>
-                </a:solidFill>
-              </a:rPr>
-              <a:t>http://discourse.psychopy.org</a:t>
-            </a:r>
-            <a:r>
-              <a:rPr lang="en-GB" sz="1800" u="sng" dirty="0" smtClean="0">
-                <a:solidFill>
-                  <a:schemeClr val="accent1">
-                    <a:lumMod val="60000"/>
-                    <a:lumOff val="40000"/>
-                  </a:schemeClr>
-                </a:solidFill>
-              </a:rPr>
-              <a:t>/</a:t>
-            </a:r>
-          </a:p>
-          <a:p>
-            <a:pPr lvl="1">
-              <a:buFont typeface="Courier New" panose="02070309020205020404" pitchFamily="49" charset="0"/>
-              <a:buChar char="o"/>
-            </a:pPr>
-            <a:r>
-              <a:rPr lang="en-GB" sz="1800" dirty="0" smtClean="0"/>
-              <a:t>Google groups forum (mostly replaced by Discourse site) – </a:t>
-            </a:r>
-            <a:r>
-              <a:rPr lang="en-GB" sz="1800" u="sng" dirty="0" smtClean="0">
-                <a:solidFill>
-                  <a:schemeClr val="accent1">
-                    <a:lumMod val="60000"/>
-                    <a:lumOff val="40000"/>
-                  </a:schemeClr>
-                </a:solidFill>
-              </a:rPr>
-              <a:t>https://groups.google.com/forum/#!forum/psychopy-users</a:t>
-            </a:r>
-          </a:p>
-          <a:p>
-            <a:pPr lvl="1">
-              <a:buFont typeface="Courier New" panose="02070309020205020404" pitchFamily="49" charset="0"/>
-              <a:buChar char="o"/>
-            </a:pPr>
-            <a:r>
-              <a:rPr lang="en-GB" sz="1800" dirty="0"/>
-              <a:t>Pre-made scripts by us - </a:t>
-            </a:r>
-            <a:r>
-              <a:rPr lang="en-GB" sz="1800" u="sng" dirty="0">
-                <a:solidFill>
-                  <a:schemeClr val="accent1">
-                    <a:lumMod val="60000"/>
-                    <a:lumOff val="40000"/>
-                  </a:schemeClr>
-                </a:solidFill>
-              </a:rPr>
-              <a:t>http://</a:t>
-            </a:r>
-            <a:r>
-              <a:rPr lang="en-GB" sz="1800" u="sng" dirty="0" smtClean="0">
-                <a:solidFill>
-                  <a:schemeClr val="accent1">
-                    <a:lumMod val="60000"/>
-                    <a:lumOff val="40000"/>
-                  </a:schemeClr>
-                </a:solidFill>
-              </a:rPr>
-              <a:t>www.kent.ac.uk/psychology/technical/experiments.html</a:t>
-            </a:r>
-          </a:p>
-          <a:p>
+              <a:t>Create an experiment</a:t>
+            </a:r>
+            <a:endParaRPr lang="en" dirty="0"/>
+          </a:p>
+        </p:txBody>
+      </p:sp>
+      <p:sp>
+        <p:nvSpPr>
+          <p:cNvPr id="216" name="Shape 216"/>
+          <p:cNvSpPr txBox="1">
+            <a:spLocks noGrp="1"/>
+          </p:cNvSpPr>
+          <p:nvPr>
+            <p:ph type="body" idx="1"/>
+          </p:nvPr>
+        </p:nvSpPr>
+        <p:spPr>
+          <a:prstGeom prst="rect">
+            <a:avLst/>
+          </a:prstGeom>
+        </p:spPr>
+        <p:txBody>
+          <a:bodyPr lIns="91425" tIns="91425" rIns="91425" bIns="91425" anchor="t" anchorCtr="0">
+            <a:noAutofit/>
+          </a:bodyPr>
+          <a:lstStyle/>
+          <a:p>
+            <a:pPr marL="38100" lvl="0" indent="0" rtl="0">
+              <a:spcBef>
+                <a:spcPts val="0"/>
+              </a:spcBef>
+              <a:buClr>
+                <a:schemeClr val="dk1"/>
+              </a:buClr>
+              <a:buSzPct val="100000"/>
+              <a:buNone/>
+            </a:pPr>
+            <a:r>
+              <a:rPr lang="en" dirty="0" smtClean="0"/>
+              <a:t>For the rest of the lesson we have given an experiment </a:t>
+            </a:r>
+            <a:r>
+              <a:rPr lang="en-US" dirty="0"/>
+              <a:t>s</a:t>
+            </a:r>
+            <a:r>
+              <a:rPr lang="en" dirty="0" smtClean="0"/>
+              <a:t>pecification handout.</a:t>
+            </a:r>
+          </a:p>
+          <a:p>
+            <a:pPr marL="38100" lvl="0" indent="0" rtl="0">
+              <a:spcBef>
+                <a:spcPts val="0"/>
+              </a:spcBef>
+              <a:buClr>
+                <a:schemeClr val="dk1"/>
+              </a:buClr>
+              <a:buSzPct val="100000"/>
+              <a:buNone/>
+            </a:pPr>
+            <a:endParaRPr lang="en" dirty="0"/>
+          </a:p>
+          <a:p>
+            <a:pPr marL="38100" lvl="0" indent="0" rtl="0">
+              <a:spcBef>
+                <a:spcPts val="0"/>
+              </a:spcBef>
+              <a:buClr>
+                <a:schemeClr val="dk1"/>
+              </a:buClr>
+              <a:buSzPct val="100000"/>
+              <a:buNone/>
+            </a:pPr>
+            <a:r>
+              <a:rPr lang="en" dirty="0" smtClean="0"/>
+              <a:t>See (or via print out):</a:t>
+            </a:r>
+            <a:endParaRPr lang="en" dirty="0"/>
+          </a:p>
+          <a:p>
+            <a:pPr marL="38100" lvl="0" indent="0" rtl="0">
+              <a:spcBef>
+                <a:spcPts val="0"/>
+              </a:spcBef>
+              <a:buClr>
+                <a:schemeClr val="dk1"/>
+              </a:buClr>
+              <a:buSzPct val="100000"/>
+              <a:buNone/>
+            </a:pPr>
+            <a:r>
+              <a:rPr lang="en-US" dirty="0" smtClean="0">
+                <a:latin typeface="Courier New" panose="02070309020205020404" pitchFamily="49" charset="0"/>
+                <a:cs typeface="Courier New" panose="02070309020205020404" pitchFamily="49" charset="0"/>
+              </a:rPr>
+              <a:t>e</a:t>
+            </a:r>
+            <a:r>
+              <a:rPr lang="en" dirty="0" smtClean="0">
+                <a:latin typeface="Courier New" panose="02070309020205020404" pitchFamily="49" charset="0"/>
+                <a:cs typeface="Courier New" panose="02070309020205020404" pitchFamily="49" charset="0"/>
+              </a:rPr>
+              <a:t>x5-image-ratings/Exercise-docs.docx</a:t>
+            </a:r>
+          </a:p>
+          <a:p>
+            <a:pPr marL="38100" lvl="0" indent="0" rtl="0">
+              <a:spcBef>
+                <a:spcPts val="0"/>
+              </a:spcBef>
+              <a:buClr>
+                <a:schemeClr val="dk1"/>
+              </a:buClr>
+              <a:buSzPct val="100000"/>
+              <a:buNone/>
+            </a:pPr>
+            <a:endParaRPr lang="en" dirty="0"/>
+          </a:p>
+          <a:p>
+            <a:pPr marL="38100" lvl="0" indent="0" rtl="0">
+              <a:spcBef>
+                <a:spcPts val="0"/>
+              </a:spcBef>
+              <a:buClr>
+                <a:schemeClr val="dk1"/>
+              </a:buClr>
+              <a:buSzPct val="100000"/>
+              <a:buNone/>
+            </a:pPr>
+            <a:r>
+              <a:rPr lang="en" dirty="0" smtClean="0"/>
+              <a:t>We are going to let you build a complete experiment from this, </a:t>
+            </a:r>
+          </a:p>
+          <a:p>
+            <a:pPr marL="38100" lvl="0" indent="0" rtl="0">
+              <a:spcBef>
+                <a:spcPts val="0"/>
+              </a:spcBef>
+              <a:buClr>
+                <a:schemeClr val="dk1"/>
+              </a:buClr>
+              <a:buSzPct val="100000"/>
+              <a:buNone/>
+            </a:pPr>
+            <a:r>
+              <a:rPr lang="en-GB" dirty="0" smtClean="0"/>
+              <a:t>with deliberately vague instructions to test what you have learnt</a:t>
+            </a:r>
+          </a:p>
+          <a:p>
+            <a:pPr marL="38100" lvl="0" indent="0" rtl="0">
+              <a:spcBef>
+                <a:spcPts val="0"/>
+              </a:spcBef>
+              <a:buClr>
+                <a:schemeClr val="dk1"/>
+              </a:buClr>
+              <a:buSzPct val="100000"/>
+              <a:buNone/>
+            </a:pPr>
+            <a:r>
+              <a:rPr lang="en-GB" dirty="0" smtClean="0"/>
+              <a:t>so far.</a:t>
+            </a:r>
+            <a:endParaRPr lang="en" dirty="0" smtClean="0"/>
+          </a:p>
+          <a:p>
+            <a:pPr marL="38100" lvl="0" indent="0" rtl="0">
+              <a:spcBef>
+                <a:spcPts val="0"/>
+              </a:spcBef>
+              <a:buClr>
+                <a:schemeClr val="dk1"/>
+              </a:buClr>
+              <a:buSzPct val="100000"/>
+              <a:buNone/>
+            </a:pPr>
+            <a:endParaRPr lang="en" dirty="0"/>
+          </a:p>
+          <a:p>
+            <a:pPr marL="38100" indent="0">
+              <a:buClr>
+                <a:schemeClr val="dk1"/>
+              </a:buClr>
+              <a:buSzPct val="100000"/>
+              <a:buNone/>
+            </a:pPr>
+            <a:r>
+              <a:rPr lang="en" dirty="0" smtClean="0"/>
+              <a:t>Follow the instructions and we </a:t>
+            </a:r>
+            <a:r>
+              <a:rPr lang="en" dirty="0"/>
+              <a:t>will come round and help and </a:t>
+            </a:r>
+            <a:endParaRPr lang="en" dirty="0" smtClean="0"/>
+          </a:p>
+          <a:p>
+            <a:pPr marL="38100" indent="0">
+              <a:buClr>
+                <a:schemeClr val="dk1"/>
+              </a:buClr>
+              <a:buSzPct val="100000"/>
+              <a:buNone/>
+            </a:pPr>
+            <a:r>
+              <a:rPr lang="en" dirty="0" smtClean="0"/>
+              <a:t>periodically </a:t>
+            </a:r>
+            <a:r>
+              <a:rPr lang="en" dirty="0"/>
+              <a:t>demonstrate on the main screen. </a:t>
+            </a:r>
+            <a:r>
+              <a:rPr lang="en" dirty="0" smtClean="0"/>
+              <a:t>  If you don’t manage</a:t>
+            </a:r>
+          </a:p>
+          <a:p>
+            <a:pPr marL="38100" indent="0">
+              <a:buClr>
+                <a:schemeClr val="dk1"/>
+              </a:buClr>
+              <a:buSzPct val="100000"/>
+              <a:buNone/>
+            </a:pPr>
+            <a:r>
+              <a:rPr lang="en-GB" dirty="0" smtClean="0"/>
+              <a:t>to start or finish, then try having a go at home!</a:t>
+            </a:r>
+          </a:p>
+          <a:p>
+            <a:pPr marL="38100" indent="0">
+              <a:buClr>
+                <a:schemeClr val="dk1"/>
+              </a:buClr>
+              <a:buSzPct val="100000"/>
+              <a:buNone/>
+            </a:pPr>
+            <a:endParaRPr lang="en-GB" dirty="0"/>
+          </a:p>
+          <a:p>
+            <a:pPr marL="38100" indent="0">
+              <a:buClr>
+                <a:schemeClr val="dk1"/>
+              </a:buClr>
+              <a:buSzPct val="100000"/>
+              <a:buNone/>
+            </a:pPr>
             <a:r>
               <a:rPr lang="en-GB" b="1" dirty="0" smtClean="0"/>
-              <a:t>Python:</a:t>
-            </a:r>
-          </a:p>
-          <a:p>
-            <a:pPr lvl="1">
-              <a:buFont typeface="Courier New" panose="02070309020205020404" pitchFamily="49" charset="0"/>
-              <a:buChar char="o"/>
-            </a:pPr>
-            <a:r>
-              <a:rPr lang="en-GB" sz="1800" u="sng" dirty="0" smtClean="0">
-                <a:solidFill>
-                  <a:schemeClr val="accent1">
-                    <a:lumMod val="60000"/>
-                    <a:lumOff val="40000"/>
-                  </a:schemeClr>
-                </a:solidFill>
-              </a:rPr>
-              <a:t>http://www.python.org/doc/</a:t>
-            </a:r>
-          </a:p>
-          <a:p>
-            <a:pPr lvl="1">
-              <a:buFont typeface="Courier New" panose="02070309020205020404" pitchFamily="49" charset="0"/>
-              <a:buChar char="o"/>
-            </a:pPr>
-            <a:r>
-              <a:rPr lang="en-GB" sz="1800" dirty="0" smtClean="0"/>
-              <a:t>Google is your friend!</a:t>
-            </a:r>
-          </a:p>
-          <a:p>
-            <a:r>
-              <a:rPr lang="en-GB" sz="2000" dirty="0" smtClean="0"/>
-              <a:t>Check out FAQ handout in the directory</a:t>
-            </a:r>
+              <a:t>We will upload the solution onto Moodle later on.</a:t>
+            </a:r>
+            <a:endParaRPr lang="en" b="1" dirty="0"/>
           </a:p>
         </p:txBody>
       </p:sp>
     </p:spTree>
     <p:extLst>
       <p:ext uri="{BB962C8B-B14F-4D97-AF65-F5344CB8AC3E}">
-        <p14:creationId xmlns:p14="http://schemas.microsoft.com/office/powerpoint/2010/main" val="106666675"/>
+        <p14:creationId xmlns:p14="http://schemas.microsoft.com/office/powerpoint/2010/main" val="241983173"/>
       </p:ext>
     </p:extLst>
   </p:cSld>
@@ -11573,342 +11365,6 @@
   <p:cSld>
     <p:spTree>
       <p:nvGrpSpPr>
-        <p:cNvPr id="1" name="Shape 214"/>
-        <p:cNvGrpSpPr/>
-        <p:nvPr/>
-      </p:nvGrpSpPr>
-      <p:grpSpPr>
-        <a:xfrm>
-          <a:off x="0" y="0"/>
-          <a:ext cx="0" cy="0"/>
-          <a:chOff x="0" y="0"/>
-          <a:chExt cx="0" cy="0"/>
-        </a:xfrm>
-      </p:grpSpPr>
-      <p:sp>
-        <p:nvSpPr>
-          <p:cNvPr id="215" name="Shape 215"/>
-          <p:cNvSpPr txBox="1">
-            <a:spLocks noGrp="1"/>
-          </p:cNvSpPr>
-          <p:nvPr>
-            <p:ph type="title"/>
-          </p:nvPr>
-        </p:nvSpPr>
-        <p:spPr>
-          <a:prstGeom prst="rect">
-            <a:avLst/>
-          </a:prstGeom>
-        </p:spPr>
-        <p:txBody>
-          <a:bodyPr lIns="91425" tIns="91425" rIns="91425" bIns="91425" anchor="b" anchorCtr="0">
-            <a:noAutofit/>
-          </a:bodyPr>
-          <a:lstStyle/>
-          <a:p>
-            <a:r>
-              <a:rPr lang="en" dirty="0" smtClean="0"/>
-              <a:t>Final exercise:</a:t>
-            </a:r>
-            <a:br>
-              <a:rPr lang="en" dirty="0" smtClean="0"/>
-            </a:br>
-            <a:r>
-              <a:rPr lang="en-GB" dirty="0" smtClean="0">
-                <a:solidFill>
-                  <a:schemeClr val="accent1">
-                    <a:lumMod val="60000"/>
-                    <a:lumOff val="40000"/>
-                  </a:schemeClr>
-                </a:solidFill>
-              </a:rPr>
-              <a:t>Create an experiment</a:t>
-            </a:r>
-            <a:endParaRPr lang="en" dirty="0"/>
-          </a:p>
-        </p:txBody>
-      </p:sp>
-      <p:sp>
-        <p:nvSpPr>
-          <p:cNvPr id="216" name="Shape 216"/>
-          <p:cNvSpPr txBox="1">
-            <a:spLocks noGrp="1"/>
-          </p:cNvSpPr>
-          <p:nvPr>
-            <p:ph type="body" idx="1"/>
-          </p:nvPr>
-        </p:nvSpPr>
-        <p:spPr>
-          <a:prstGeom prst="rect">
-            <a:avLst/>
-          </a:prstGeom>
-        </p:spPr>
-        <p:txBody>
-          <a:bodyPr lIns="91425" tIns="91425" rIns="91425" bIns="91425" anchor="t" anchorCtr="0">
-            <a:noAutofit/>
-          </a:bodyPr>
-          <a:lstStyle/>
-          <a:p>
-            <a:pPr marL="38100" lvl="0" indent="0" rtl="0">
-              <a:spcBef>
-                <a:spcPts val="0"/>
-              </a:spcBef>
-              <a:buClr>
-                <a:schemeClr val="dk1"/>
-              </a:buClr>
-              <a:buSzPct val="100000"/>
-              <a:buNone/>
-            </a:pPr>
-            <a:r>
-              <a:rPr lang="en" dirty="0" smtClean="0"/>
-              <a:t>For the rest of the lesson we have given an experiment </a:t>
-            </a:r>
-            <a:r>
-              <a:rPr lang="en-US" dirty="0"/>
-              <a:t>s</a:t>
-            </a:r>
-            <a:r>
-              <a:rPr lang="en" dirty="0" smtClean="0"/>
-              <a:t>pecification handout.</a:t>
-            </a:r>
-          </a:p>
-          <a:p>
-            <a:pPr marL="38100" lvl="0" indent="0" rtl="0">
-              <a:spcBef>
-                <a:spcPts val="0"/>
-              </a:spcBef>
-              <a:buClr>
-                <a:schemeClr val="dk1"/>
-              </a:buClr>
-              <a:buSzPct val="100000"/>
-              <a:buNone/>
-            </a:pPr>
-            <a:endParaRPr lang="en" dirty="0"/>
-          </a:p>
-          <a:p>
-            <a:pPr marL="38100" lvl="0" indent="0" rtl="0">
-              <a:spcBef>
-                <a:spcPts val="0"/>
-              </a:spcBef>
-              <a:buClr>
-                <a:schemeClr val="dk1"/>
-              </a:buClr>
-              <a:buSzPct val="100000"/>
-              <a:buNone/>
-            </a:pPr>
-            <a:r>
-              <a:rPr lang="en" dirty="0" smtClean="0"/>
-              <a:t>See (or via print out):</a:t>
-            </a:r>
-            <a:endParaRPr lang="en" dirty="0"/>
-          </a:p>
-          <a:p>
-            <a:pPr marL="38100" lvl="0" indent="0" rtl="0">
-              <a:spcBef>
-                <a:spcPts val="0"/>
-              </a:spcBef>
-              <a:buClr>
-                <a:schemeClr val="dk1"/>
-              </a:buClr>
-              <a:buSzPct val="100000"/>
-              <a:buNone/>
-            </a:pPr>
-            <a:r>
-              <a:rPr lang="en-US" dirty="0" smtClean="0">
-                <a:latin typeface="Courier New" panose="02070309020205020404" pitchFamily="49" charset="0"/>
-                <a:cs typeface="Courier New" panose="02070309020205020404" pitchFamily="49" charset="0"/>
-              </a:rPr>
-              <a:t>e</a:t>
-            </a:r>
-            <a:r>
-              <a:rPr lang="en" dirty="0" smtClean="0">
-                <a:latin typeface="Courier New" panose="02070309020205020404" pitchFamily="49" charset="0"/>
-                <a:cs typeface="Courier New" panose="02070309020205020404" pitchFamily="49" charset="0"/>
-              </a:rPr>
-              <a:t>x5-image-ratings/Exercise-docs.docx</a:t>
-            </a:r>
-          </a:p>
-          <a:p>
-            <a:pPr marL="38100" lvl="0" indent="0" rtl="0">
-              <a:spcBef>
-                <a:spcPts val="0"/>
-              </a:spcBef>
-              <a:buClr>
-                <a:schemeClr val="dk1"/>
-              </a:buClr>
-              <a:buSzPct val="100000"/>
-              <a:buNone/>
-            </a:pPr>
-            <a:endParaRPr lang="en" dirty="0"/>
-          </a:p>
-          <a:p>
-            <a:pPr marL="38100" lvl="0" indent="0" rtl="0">
-              <a:spcBef>
-                <a:spcPts val="0"/>
-              </a:spcBef>
-              <a:buClr>
-                <a:schemeClr val="dk1"/>
-              </a:buClr>
-              <a:buSzPct val="100000"/>
-              <a:buNone/>
-            </a:pPr>
-            <a:r>
-              <a:rPr lang="en" dirty="0" smtClean="0"/>
-              <a:t>We are going to let you build a complete experiment from this, </a:t>
-            </a:r>
-          </a:p>
-          <a:p>
-            <a:pPr marL="38100" lvl="0" indent="0" rtl="0">
-              <a:spcBef>
-                <a:spcPts val="0"/>
-              </a:spcBef>
-              <a:buClr>
-                <a:schemeClr val="dk1"/>
-              </a:buClr>
-              <a:buSzPct val="100000"/>
-              <a:buNone/>
-            </a:pPr>
-            <a:r>
-              <a:rPr lang="en-GB" dirty="0" smtClean="0"/>
-              <a:t>with deliberately vague instructions to test what you have learnt</a:t>
-            </a:r>
-          </a:p>
-          <a:p>
-            <a:pPr marL="38100" lvl="0" indent="0" rtl="0">
-              <a:spcBef>
-                <a:spcPts val="0"/>
-              </a:spcBef>
-              <a:buClr>
-                <a:schemeClr val="dk1"/>
-              </a:buClr>
-              <a:buSzPct val="100000"/>
-              <a:buNone/>
-            </a:pPr>
-            <a:r>
-              <a:rPr lang="en-GB" dirty="0" smtClean="0"/>
-              <a:t>so far.</a:t>
-            </a:r>
-            <a:endParaRPr lang="en" dirty="0" smtClean="0"/>
-          </a:p>
-          <a:p>
-            <a:pPr marL="38100" lvl="0" indent="0" rtl="0">
-              <a:spcBef>
-                <a:spcPts val="0"/>
-              </a:spcBef>
-              <a:buClr>
-                <a:schemeClr val="dk1"/>
-              </a:buClr>
-              <a:buSzPct val="100000"/>
-              <a:buNone/>
-            </a:pPr>
-            <a:endParaRPr lang="en" dirty="0"/>
-          </a:p>
-          <a:p>
-            <a:pPr marL="38100" indent="0">
-              <a:buClr>
-                <a:schemeClr val="dk1"/>
-              </a:buClr>
-              <a:buSzPct val="100000"/>
-              <a:buNone/>
-            </a:pPr>
-            <a:r>
-              <a:rPr lang="en" dirty="0" smtClean="0"/>
-              <a:t>Follow the instructions and we </a:t>
-            </a:r>
-            <a:r>
-              <a:rPr lang="en" dirty="0"/>
-              <a:t>will come round and help and </a:t>
-            </a:r>
-            <a:endParaRPr lang="en" dirty="0" smtClean="0"/>
-          </a:p>
-          <a:p>
-            <a:pPr marL="38100" indent="0">
-              <a:buClr>
-                <a:schemeClr val="dk1"/>
-              </a:buClr>
-              <a:buSzPct val="100000"/>
-              <a:buNone/>
-            </a:pPr>
-            <a:r>
-              <a:rPr lang="en" dirty="0" smtClean="0"/>
-              <a:t>periodically </a:t>
-            </a:r>
-            <a:r>
-              <a:rPr lang="en" dirty="0"/>
-              <a:t>demonstrate on the main screen. </a:t>
-            </a:r>
-            <a:r>
-              <a:rPr lang="en" dirty="0" smtClean="0"/>
-              <a:t>  If you don’t manage</a:t>
-            </a:r>
-          </a:p>
-          <a:p>
-            <a:pPr marL="38100" indent="0">
-              <a:buClr>
-                <a:schemeClr val="dk1"/>
-              </a:buClr>
-              <a:buSzPct val="100000"/>
-              <a:buNone/>
-            </a:pPr>
-            <a:r>
-              <a:rPr lang="en-GB" dirty="0" smtClean="0"/>
-              <a:t>to start or finish, then try having a go at home!</a:t>
-            </a:r>
-          </a:p>
-          <a:p>
-            <a:pPr marL="38100" indent="0">
-              <a:buClr>
-                <a:schemeClr val="dk1"/>
-              </a:buClr>
-              <a:buSzPct val="100000"/>
-              <a:buNone/>
-            </a:pPr>
-            <a:endParaRPr lang="en-GB" dirty="0"/>
-          </a:p>
-          <a:p>
-            <a:pPr marL="38100" indent="0">
-              <a:buClr>
-                <a:schemeClr val="dk1"/>
-              </a:buClr>
-              <a:buSzPct val="100000"/>
-              <a:buNone/>
-            </a:pPr>
-            <a:r>
-              <a:rPr lang="en-GB" b="1" dirty="0" smtClean="0"/>
-              <a:t>We will upload the solution onto Moodle later on.</a:t>
-            </a:r>
-            <a:endParaRPr lang="en" b="1" dirty="0"/>
-          </a:p>
-        </p:txBody>
-      </p:sp>
-    </p:spTree>
-    <p:extLst>
-      <p:ext uri="{BB962C8B-B14F-4D97-AF65-F5344CB8AC3E}">
-        <p14:creationId xmlns:p14="http://schemas.microsoft.com/office/powerpoint/2010/main" val="241983173"/>
-      </p:ext>
-    </p:extLst>
-  </p:cSld>
-  <p:clrMapOvr>
-    <a:masterClrMapping/>
-  </p:clrMapOvr>
-  <p:transition spd="slow">
-    <p:cut/>
-  </p:transition>
-  <p:timing>
-    <p:tnLst>
-      <p:par>
-        <p:cTn id="1" dur="indefinite" restart="never" nodeType="tmRoot"/>
-      </p:par>
-    </p:tnLst>
-  </p:timing>
-</p:sld>
-</file>
-
-<file path=ppt/slides/slide23.xml><?xml version="1.0" encoding="utf-8"?>
-<p:sld xmlns:a="http://schemas.openxmlformats.org/drawingml/2006/main" xmlns:r="http://schemas.openxmlformats.org/officeDocument/2006/relationships" xmlns:p="http://schemas.openxmlformats.org/presentationml/2006/main">
-  <p:cSld>
-    <p:spTree>
-      <p:nvGrpSpPr>
         <p:cNvPr id="1" name="Shape 262"/>
         <p:cNvGrpSpPr/>
         <p:nvPr/>
@@ -12116,7 +11572,7 @@
 </p:sld>
 </file>
 
-<file path=ppt/slides/slide24.xml><?xml version="1.0" encoding="utf-8"?>
+<file path=ppt/slides/slide23.xml><?xml version="1.0" encoding="utf-8"?>
 <p:sld xmlns:a="http://schemas.openxmlformats.org/drawingml/2006/main" xmlns:r="http://schemas.openxmlformats.org/officeDocument/2006/relationships" xmlns:p="http://schemas.openxmlformats.org/presentationml/2006/main">
   <p:cSld>
     <p:spTree>
@@ -12201,7 +11657,7 @@
 </p:sld>
 </file>
 
-<file path=ppt/slides/slide25.xml><?xml version="1.0" encoding="utf-8"?>
+<file path=ppt/slides/slide24.xml><?xml version="1.0" encoding="utf-8"?>
 <p:sld xmlns:a="http://schemas.openxmlformats.org/drawingml/2006/main" xmlns:r="http://schemas.openxmlformats.org/officeDocument/2006/relationships" xmlns:p="http://schemas.openxmlformats.org/presentationml/2006/main">
   <p:cSld>
     <p:spTree>
@@ -12564,7 +12020,7 @@
 </p:sld>
 </file>
 
-<file path=ppt/slides/slide26.xml><?xml version="1.0" encoding="utf-8"?>
+<file path=ppt/slides/slide25.xml><?xml version="1.0" encoding="utf-8"?>
 <p:sld xmlns:a="http://schemas.openxmlformats.org/drawingml/2006/main" xmlns:r="http://schemas.openxmlformats.org/officeDocument/2006/relationships" xmlns:p="http://schemas.openxmlformats.org/presentationml/2006/main">
   <p:cSld>
     <p:spTree>
@@ -12780,7 +12236,7 @@
 </p:sld>
 </file>
 
-<file path=ppt/slides/slide27.xml><?xml version="1.0" encoding="utf-8"?>
+<file path=ppt/slides/slide26.xml><?xml version="1.0" encoding="utf-8"?>
 <p:sld xmlns:a="http://schemas.openxmlformats.org/drawingml/2006/main" xmlns:r="http://schemas.openxmlformats.org/officeDocument/2006/relationships" xmlns:p="http://schemas.openxmlformats.org/presentationml/2006/main">
   <p:cSld>
     <p:spTree>
@@ -13182,260 +12638,6 @@
 </file>
 
 <file path=ppt/slides/slide4.xml><?xml version="1.0" encoding="utf-8"?>
-<p:sld xmlns:a="http://schemas.openxmlformats.org/drawingml/2006/main" xmlns:r="http://schemas.openxmlformats.org/officeDocument/2006/relationships" xmlns:p="http://schemas.openxmlformats.org/presentationml/2006/main">
-  <p:cSld>
-    <p:spTree>
-      <p:nvGrpSpPr>
-        <p:cNvPr id="1" name=""/>
-        <p:cNvGrpSpPr/>
-        <p:nvPr/>
-      </p:nvGrpSpPr>
-      <p:grpSpPr>
-        <a:xfrm>
-          <a:off x="0" y="0"/>
-          <a:ext cx="0" cy="0"/>
-          <a:chOff x="0" y="0"/>
-          <a:chExt cx="0" cy="0"/>
-        </a:xfrm>
-      </p:grpSpPr>
-      <p:sp>
-        <p:nvSpPr>
-          <p:cNvPr id="2" name="Title 1"/>
-          <p:cNvSpPr>
-            <a:spLocks noGrp="1"/>
-          </p:cNvSpPr>
-          <p:nvPr>
-            <p:ph type="title"/>
-          </p:nvPr>
-        </p:nvSpPr>
-        <p:spPr/>
-        <p:txBody>
-          <a:bodyPr/>
-          <a:lstStyle/>
-          <a:p>
-            <a:r>
-              <a:rPr lang="en-GB" dirty="0" smtClean="0"/>
-              <a:t>Result files revisited!</a:t>
-            </a:r>
-            <a:endParaRPr lang="en-US" dirty="0"/>
-          </a:p>
-        </p:txBody>
-      </p:sp>
-      <p:sp>
-        <p:nvSpPr>
-          <p:cNvPr id="3" name="Text Placeholder 2"/>
-          <p:cNvSpPr>
-            <a:spLocks noGrp="1"/>
-          </p:cNvSpPr>
-          <p:nvPr>
-            <p:ph type="body" idx="1"/>
-          </p:nvPr>
-        </p:nvSpPr>
-        <p:spPr/>
-        <p:txBody>
-          <a:bodyPr>
-            <a:normAutofit/>
-          </a:bodyPr>
-          <a:lstStyle/>
-          <a:p>
-            <a:pPr marL="0" indent="0">
-              <a:buNone/>
-            </a:pPr>
-            <a:r>
-              <a:rPr lang="en-GB" sz="2400" dirty="0" smtClean="0"/>
-              <a:t>How do we add extra information to our data output?</a:t>
-            </a:r>
-          </a:p>
-          <a:p>
-            <a:pPr marL="0" indent="0">
-              <a:buNone/>
-            </a:pPr>
-            <a:endParaRPr lang="en-GB" dirty="0" smtClean="0"/>
-          </a:p>
-          <a:p>
-            <a:pPr marL="0" indent="0">
-              <a:buNone/>
-            </a:pPr>
-            <a:r>
-              <a:rPr lang="en-GB" b="1" dirty="0" smtClean="0"/>
-              <a:t>1. Start </a:t>
-            </a:r>
-            <a:r>
-              <a:rPr lang="en-GB" b="1" dirty="0" smtClean="0"/>
-              <a:t>up parameters</a:t>
-            </a:r>
-          </a:p>
-          <a:p>
-            <a:pPr marL="0" indent="0">
-              <a:buNone/>
-            </a:pPr>
-            <a:endParaRPr lang="en-GB" dirty="0" smtClean="0"/>
-          </a:p>
-          <a:p>
-            <a:r>
-              <a:rPr lang="en-GB" dirty="0" smtClean="0"/>
-              <a:t>By default – prompted at the start for </a:t>
-            </a:r>
-            <a:r>
-              <a:rPr lang="en-GB" b="1" dirty="0" smtClean="0"/>
-              <a:t>Participant</a:t>
-            </a:r>
-            <a:r>
-              <a:rPr lang="en-GB" dirty="0" smtClean="0"/>
-              <a:t> and </a:t>
-            </a:r>
-            <a:r>
-              <a:rPr lang="en-GB" b="1" dirty="0" smtClean="0"/>
-              <a:t>Session ID</a:t>
-            </a:r>
-          </a:p>
-          <a:p>
-            <a:r>
-              <a:rPr lang="en-GB" dirty="0" smtClean="0"/>
-              <a:t>To add your own, click the experiment settings </a:t>
-            </a:r>
-            <a:r>
-              <a:rPr lang="en-GB" dirty="0" smtClean="0"/>
-              <a:t>icon</a:t>
-            </a:r>
-          </a:p>
-          <a:p>
-            <a:pPr marL="0" indent="0">
-              <a:buNone/>
-            </a:pPr>
-            <a:endParaRPr lang="en-GB" dirty="0"/>
-          </a:p>
-          <a:p>
-            <a:pPr marL="0" indent="0">
-              <a:buNone/>
-            </a:pPr>
-            <a:r>
-              <a:rPr lang="en-GB" b="1" dirty="0" smtClean="0"/>
-              <a:t>2. Add </a:t>
-            </a:r>
-            <a:r>
-              <a:rPr lang="en-GB" b="1" dirty="0" smtClean="0"/>
-              <a:t>to Excel data file</a:t>
-            </a:r>
-            <a:endParaRPr lang="en-GB" b="1" dirty="0"/>
-          </a:p>
-          <a:p>
-            <a:pPr marL="0" indent="0">
-              <a:buNone/>
-            </a:pPr>
-            <a:endParaRPr lang="en-GB" dirty="0"/>
-          </a:p>
-          <a:p>
-            <a:r>
-              <a:rPr lang="en-GB" dirty="0" smtClean="0"/>
-              <a:t>You can add </a:t>
-            </a:r>
-            <a:r>
-              <a:rPr lang="en-GB" dirty="0" smtClean="0"/>
-              <a:t>a new column in your data file – that is it</a:t>
-            </a:r>
-            <a:r>
-              <a:rPr lang="en-GB" dirty="0" smtClean="0"/>
-              <a:t>!</a:t>
-            </a:r>
-          </a:p>
-          <a:p>
-            <a:r>
-              <a:rPr lang="en-GB" dirty="0" smtClean="0"/>
-              <a:t>It will appear in your output files automatically.</a:t>
-            </a:r>
-            <a:endParaRPr lang="en-GB" dirty="0" smtClean="0"/>
-          </a:p>
-          <a:p>
-            <a:endParaRPr lang="en-GB" dirty="0"/>
-          </a:p>
-          <a:p>
-            <a:pPr marL="0" indent="0">
-              <a:buNone/>
-            </a:pPr>
-            <a:r>
-              <a:rPr lang="en-GB" b="1" dirty="0" smtClean="0"/>
-              <a:t>3. Through </a:t>
-            </a:r>
-            <a:r>
-              <a:rPr lang="en-GB" b="1" dirty="0" smtClean="0"/>
-              <a:t>embedded Python code</a:t>
-            </a:r>
-            <a:endParaRPr lang="en-GB" b="1" dirty="0"/>
-          </a:p>
-          <a:p>
-            <a:pPr marL="0" indent="0">
-              <a:buNone/>
-            </a:pPr>
-            <a:endParaRPr lang="en-GB" dirty="0"/>
-          </a:p>
-          <a:p>
-            <a:r>
-              <a:rPr lang="en-GB" dirty="0" smtClean="0"/>
-              <a:t>Possible to run complex calculations and store into our data file</a:t>
-            </a:r>
-          </a:p>
-          <a:p>
-            <a:r>
-              <a:rPr lang="en-GB" dirty="0" smtClean="0"/>
-              <a:t>Outside the scope of this session, but it is possible!</a:t>
-            </a:r>
-            <a:endParaRPr lang="en-GB" dirty="0"/>
-          </a:p>
-          <a:p>
-            <a:endParaRPr lang="en-GB" dirty="0" smtClean="0"/>
-          </a:p>
-        </p:txBody>
-      </p:sp>
-      <p:pic>
-        <p:nvPicPr>
-          <p:cNvPr id="4" name="Shape 156"/>
-          <p:cNvPicPr preferRelativeResize="0"/>
-          <p:nvPr/>
-        </p:nvPicPr>
-        <p:blipFill>
-          <a:blip r:embed="rId2">
-            <a:alphaModFix/>
-          </a:blip>
-          <a:stretch>
-            <a:fillRect/>
-          </a:stretch>
-        </p:blipFill>
-        <p:spPr>
-          <a:xfrm>
-            <a:off x="6322112" y="3123158"/>
-            <a:ext cx="489731" cy="377851"/>
-          </a:xfrm>
-          <a:prstGeom prst="rect">
-            <a:avLst/>
-          </a:prstGeom>
-          <a:noFill/>
-          <a:ln>
-            <a:noFill/>
-          </a:ln>
-        </p:spPr>
-      </p:pic>
-    </p:spTree>
-    <p:extLst>
-      <p:ext uri="{BB962C8B-B14F-4D97-AF65-F5344CB8AC3E}">
-        <p14:creationId xmlns:p14="http://schemas.microsoft.com/office/powerpoint/2010/main" val="2535078006"/>
-      </p:ext>
-    </p:extLst>
-  </p:cSld>
-  <p:clrMapOvr>
-    <a:masterClrMapping/>
-  </p:clrMapOvr>
-  <p:timing>
-    <p:tnLst>
-      <p:par>
-        <p:cTn id="1" dur="indefinite" restart="never" nodeType="tmRoot"/>
-      </p:par>
-    </p:tnLst>
-  </p:timing>
-</p:sld>
-</file>
-
-<file path=ppt/slides/slide5.xml><?xml version="1.0" encoding="utf-8"?>
 <p:sld xmlns:a="http://schemas.openxmlformats.org/drawingml/2006/main" xmlns:r="http://schemas.openxmlformats.org/officeDocument/2006/relationships" xmlns:p="http://schemas.openxmlformats.org/presentationml/2006/main">
   <p:cSld>
     <p:spTree>
@@ -14262,7 +13464,7 @@
 </p:sld>
 </file>
 
-<file path=ppt/slides/slide6.xml><?xml version="1.0" encoding="utf-8"?>
+<file path=ppt/slides/slide5.xml><?xml version="1.0" encoding="utf-8"?>
 <p:sld xmlns:a="http://schemas.openxmlformats.org/drawingml/2006/main" xmlns:r="http://schemas.openxmlformats.org/officeDocument/2006/relationships" xmlns:p="http://schemas.openxmlformats.org/presentationml/2006/main">
   <p:cSld>
     <p:spTree>
@@ -14509,7 +13711,7 @@
 </p:sld>
 </file>
 
-<file path=ppt/slides/slide7.xml><?xml version="1.0" encoding="utf-8"?>
+<file path=ppt/slides/slide6.xml><?xml version="1.0" encoding="utf-8"?>
 <p:sld xmlns:a="http://schemas.openxmlformats.org/drawingml/2006/main" xmlns:r="http://schemas.openxmlformats.org/officeDocument/2006/relationships" xmlns:p="http://schemas.openxmlformats.org/presentationml/2006/main">
   <p:cSld>
     <p:spTree>
@@ -14910,7 +14112,7 @@
 </p:sld>
 </file>
 
-<file path=ppt/slides/slide8.xml><?xml version="1.0" encoding="utf-8"?>
+<file path=ppt/slides/slide7.xml><?xml version="1.0" encoding="utf-8"?>
 <p:sld xmlns:a="http://schemas.openxmlformats.org/drawingml/2006/main" xmlns:r="http://schemas.openxmlformats.org/officeDocument/2006/relationships" xmlns:p="http://schemas.openxmlformats.org/presentationml/2006/main">
   <p:cSld>
     <p:spTree>
@@ -15126,6 +14328,422 @@
 </p:sld>
 </file>
 
+<file path=ppt/slides/slide8.xml><?xml version="1.0" encoding="utf-8"?>
+<p:sld xmlns:a="http://schemas.openxmlformats.org/drawingml/2006/main" xmlns:r="http://schemas.openxmlformats.org/officeDocument/2006/relationships" xmlns:p="http://schemas.openxmlformats.org/presentationml/2006/main">
+  <p:cSld>
+    <p:spTree>
+      <p:nvGrpSpPr>
+        <p:cNvPr id="1" name=""/>
+        <p:cNvGrpSpPr/>
+        <p:nvPr/>
+      </p:nvGrpSpPr>
+      <p:grpSpPr>
+        <a:xfrm>
+          <a:off x="0" y="0"/>
+          <a:ext cx="0" cy="0"/>
+          <a:chOff x="0" y="0"/>
+          <a:chExt cx="0" cy="0"/>
+        </a:xfrm>
+      </p:grpSpPr>
+      <p:sp>
+        <p:nvSpPr>
+          <p:cNvPr id="2" name="Title 1"/>
+          <p:cNvSpPr>
+            <a:spLocks noGrp="1"/>
+          </p:cNvSpPr>
+          <p:nvPr>
+            <p:ph type="title"/>
+          </p:nvPr>
+        </p:nvSpPr>
+        <p:spPr/>
+        <p:txBody>
+          <a:bodyPr>
+            <a:normAutofit fontScale="90000"/>
+          </a:bodyPr>
+          <a:lstStyle/>
+          <a:p>
+            <a:r>
+              <a:rPr lang="en-GB" dirty="0" smtClean="0"/>
+              <a:t>Exercise 2:</a:t>
+            </a:r>
+            <a:br>
+              <a:rPr lang="en-GB" dirty="0" smtClean="0"/>
+            </a:br>
+            <a:r>
+              <a:rPr lang="en-GB" dirty="0" smtClean="0">
+                <a:solidFill>
+                  <a:schemeClr val="accent1">
+                    <a:lumMod val="60000"/>
+                    <a:lumOff val="40000"/>
+                  </a:schemeClr>
+                </a:solidFill>
+              </a:rPr>
+              <a:t>Using snippets of code in Builder</a:t>
+            </a:r>
+            <a:endParaRPr lang="en-US" dirty="0">
+              <a:solidFill>
+                <a:schemeClr val="accent1">
+                  <a:lumMod val="60000"/>
+                  <a:lumOff val="40000"/>
+                </a:schemeClr>
+              </a:solidFill>
+            </a:endParaRPr>
+          </a:p>
+        </p:txBody>
+      </p:sp>
+      <p:sp>
+        <p:nvSpPr>
+          <p:cNvPr id="3" name="Text Placeholder 2"/>
+          <p:cNvSpPr>
+            <a:spLocks noGrp="1"/>
+          </p:cNvSpPr>
+          <p:nvPr>
+            <p:ph type="body" idx="1"/>
+          </p:nvPr>
+        </p:nvSpPr>
+        <p:spPr/>
+        <p:txBody>
+          <a:bodyPr>
+            <a:normAutofit fontScale="92500" lnSpcReduction="20000"/>
+          </a:bodyPr>
+          <a:lstStyle/>
+          <a:p>
+            <a:pPr marL="0" indent="0">
+              <a:buNone/>
+            </a:pPr>
+            <a:r>
+              <a:rPr lang="en-GB" dirty="0" smtClean="0"/>
+              <a:t>Close any other </a:t>
+            </a:r>
+            <a:r>
+              <a:rPr lang="en-GB" dirty="0" err="1" smtClean="0"/>
+              <a:t>PsychoPy</a:t>
+            </a:r>
+            <a:r>
+              <a:rPr lang="en-GB" dirty="0" smtClean="0"/>
+              <a:t> windows you have open.</a:t>
+            </a:r>
+          </a:p>
+          <a:p>
+            <a:pPr marL="0" indent="0">
+              <a:buNone/>
+            </a:pPr>
+            <a:endParaRPr lang="en-GB" dirty="0" smtClean="0"/>
+          </a:p>
+          <a:p>
+            <a:pPr marL="0" indent="0">
+              <a:buNone/>
+            </a:pPr>
+            <a:r>
+              <a:rPr lang="en-GB" dirty="0" smtClean="0"/>
+              <a:t>Then open up </a:t>
+            </a:r>
+            <a:r>
+              <a:rPr lang="en-GB" dirty="0" smtClean="0">
+                <a:latin typeface="Courier New" panose="02070309020205020404" pitchFamily="49" charset="0"/>
+                <a:cs typeface="Courier New" panose="02070309020205020404" pitchFamily="49" charset="0"/>
+              </a:rPr>
+              <a:t>ex2-code-blocks/</a:t>
+            </a:r>
+            <a:r>
+              <a:rPr lang="en-GB" dirty="0" err="1" smtClean="0">
+                <a:latin typeface="Courier New" panose="02070309020205020404" pitchFamily="49" charset="0"/>
+                <a:cs typeface="Courier New" panose="02070309020205020404" pitchFamily="49" charset="0"/>
+              </a:rPr>
+              <a:t>experiment.psyexp</a:t>
+            </a:r>
+            <a:r>
+              <a:rPr lang="en-GB" dirty="0" smtClean="0"/>
+              <a:t> and spend </a:t>
+            </a:r>
+          </a:p>
+          <a:p>
+            <a:pPr marL="0" indent="0">
+              <a:buNone/>
+            </a:pPr>
+            <a:r>
+              <a:rPr lang="en-GB" dirty="0" smtClean="0">
+                <a:solidFill>
+                  <a:srgbClr val="FF0000"/>
+                </a:solidFill>
+              </a:rPr>
+              <a:t>5 minutes </a:t>
+            </a:r>
+            <a:r>
+              <a:rPr lang="en-GB" dirty="0" smtClean="0"/>
+              <a:t>by doing the following:</a:t>
+            </a:r>
+          </a:p>
+          <a:p>
+            <a:pPr marL="0" indent="0">
+              <a:buNone/>
+            </a:pPr>
+            <a:endParaRPr lang="en-GB" dirty="0"/>
+          </a:p>
+          <a:p>
+            <a:r>
+              <a:rPr lang="en-GB" dirty="0" smtClean="0"/>
+              <a:t>Run it first and see what happens – </a:t>
+            </a:r>
+            <a:r>
+              <a:rPr lang="en-GB" dirty="0" smtClean="0">
+                <a:solidFill>
+                  <a:srgbClr val="FF0000"/>
+                </a:solidFill>
+              </a:rPr>
+              <a:t>How does it work?</a:t>
+            </a:r>
+          </a:p>
+          <a:p>
+            <a:pPr marL="0" indent="0">
+              <a:buNone/>
+            </a:pPr>
+            <a:endParaRPr lang="en-GB" dirty="0" smtClean="0"/>
+          </a:p>
+          <a:p>
+            <a:pPr marL="0" indent="0">
+              <a:buNone/>
+            </a:pPr>
+            <a:r>
+              <a:rPr lang="en-GB" b="1" dirty="0" smtClean="0"/>
+              <a:t>Where are the numbers coming from for the calculation?</a:t>
+            </a:r>
+          </a:p>
+          <a:p>
+            <a:pPr marL="0" indent="0">
+              <a:buNone/>
+            </a:pPr>
+            <a:endParaRPr lang="en-GB" dirty="0" smtClean="0"/>
+          </a:p>
+          <a:p>
+            <a:r>
+              <a:rPr lang="en-GB" dirty="0" smtClean="0"/>
+              <a:t>Explore the </a:t>
+            </a:r>
+            <a:r>
+              <a:rPr lang="en-GB" dirty="0" smtClean="0">
+                <a:latin typeface="Courier New" panose="02070309020205020404" pitchFamily="49" charset="0"/>
+                <a:cs typeface="Courier New" panose="02070309020205020404" pitchFamily="49" charset="0"/>
+              </a:rPr>
+              <a:t>“trial” </a:t>
+            </a:r>
+            <a:r>
+              <a:rPr lang="en-GB" dirty="0" smtClean="0"/>
+              <a:t>routine</a:t>
+            </a:r>
+          </a:p>
+          <a:p>
+            <a:pPr lvl="1">
+              <a:buFont typeface="Courier New" panose="02070309020205020404" pitchFamily="49" charset="0"/>
+              <a:buChar char="o"/>
+            </a:pPr>
+            <a:r>
+              <a:rPr lang="en-GB" sz="1800" dirty="0" smtClean="0"/>
+              <a:t>Click onto the code block called </a:t>
+            </a:r>
+            <a:r>
+              <a:rPr lang="en-GB" sz="1800" dirty="0" smtClean="0">
+                <a:latin typeface="Courier New" panose="02070309020205020404" pitchFamily="49" charset="0"/>
+                <a:cs typeface="Courier New" panose="02070309020205020404" pitchFamily="49" charset="0"/>
+              </a:rPr>
+              <a:t>“calculation”</a:t>
+            </a:r>
+          </a:p>
+          <a:p>
+            <a:pPr lvl="1">
+              <a:buFont typeface="Courier New" panose="02070309020205020404" pitchFamily="49" charset="0"/>
+              <a:buChar char="o"/>
+            </a:pPr>
+            <a:r>
+              <a:rPr lang="en-GB" sz="1800" dirty="0"/>
+              <a:t>T</a:t>
+            </a:r>
+            <a:r>
+              <a:rPr lang="en-GB" sz="1800" dirty="0" smtClean="0"/>
+              <a:t>hen the </a:t>
+            </a:r>
+            <a:r>
+              <a:rPr lang="en-GB" sz="1800" dirty="0" smtClean="0">
+                <a:latin typeface="Courier New" panose="02070309020205020404" pitchFamily="49" charset="0"/>
+                <a:cs typeface="Courier New" panose="02070309020205020404" pitchFamily="49" charset="0"/>
+              </a:rPr>
+              <a:t>“Begin routine” </a:t>
+            </a:r>
+            <a:r>
+              <a:rPr lang="en-GB" sz="1800" dirty="0" smtClean="0"/>
+              <a:t>tab</a:t>
+            </a:r>
+          </a:p>
+          <a:p>
+            <a:pPr lvl="1">
+              <a:buFont typeface="Courier New" panose="02070309020205020404" pitchFamily="49" charset="0"/>
+              <a:buChar char="o"/>
+            </a:pPr>
+            <a:r>
+              <a:rPr lang="en-GB" sz="1800" dirty="0" smtClean="0"/>
+              <a:t>See how the calculation is being done</a:t>
+            </a:r>
+          </a:p>
+          <a:p>
+            <a:pPr lvl="1">
+              <a:buFont typeface="Courier New" panose="02070309020205020404" pitchFamily="49" charset="0"/>
+              <a:buChar char="o"/>
+            </a:pPr>
+            <a:r>
+              <a:rPr lang="en-GB" sz="1800" dirty="0" smtClean="0"/>
+              <a:t>What is </a:t>
+            </a:r>
+            <a:r>
+              <a:rPr lang="en-GB" sz="1800" dirty="0" err="1" smtClean="0">
+                <a:latin typeface="Courier New" panose="02070309020205020404" pitchFamily="49" charset="0"/>
+                <a:cs typeface="Courier New" panose="02070309020205020404" pitchFamily="49" charset="0"/>
+              </a:rPr>
+              <a:t>int</a:t>
+            </a:r>
+            <a:r>
+              <a:rPr lang="en-GB" sz="1800" dirty="0" smtClean="0">
+                <a:latin typeface="Courier New" panose="02070309020205020404" pitchFamily="49" charset="0"/>
+                <a:cs typeface="Courier New" panose="02070309020205020404" pitchFamily="49" charset="0"/>
+              </a:rPr>
+              <a:t>() </a:t>
+            </a:r>
+            <a:r>
+              <a:rPr lang="en-GB" sz="1800" dirty="0" smtClean="0"/>
+              <a:t>doing, and why do we use it?</a:t>
+            </a:r>
+          </a:p>
+          <a:p>
+            <a:r>
+              <a:rPr lang="en-GB" dirty="0" smtClean="0"/>
+              <a:t>How do we then print that calculation in the Text component?</a:t>
+            </a:r>
+          </a:p>
+          <a:p>
+            <a:pPr lvl="1">
+              <a:buFont typeface="Courier New" panose="02070309020205020404" pitchFamily="49" charset="0"/>
+              <a:buChar char="o"/>
+            </a:pPr>
+            <a:r>
+              <a:rPr lang="en-GB" sz="1800" dirty="0" smtClean="0"/>
+              <a:t>Open up the Text component - what is </a:t>
+            </a:r>
+            <a:r>
+              <a:rPr lang="en-GB" sz="1800" dirty="0" err="1" smtClean="0">
+                <a:latin typeface="Courier New" panose="02070309020205020404" pitchFamily="49" charset="0"/>
+                <a:cs typeface="Courier New" panose="02070309020205020404" pitchFamily="49" charset="0"/>
+              </a:rPr>
+              <a:t>str</a:t>
+            </a:r>
+            <a:r>
+              <a:rPr lang="en-GB" sz="1800" dirty="0" smtClean="0">
+                <a:latin typeface="Courier New" panose="02070309020205020404" pitchFamily="49" charset="0"/>
+                <a:cs typeface="Courier New" panose="02070309020205020404" pitchFamily="49" charset="0"/>
+              </a:rPr>
+              <a:t>() </a:t>
+            </a:r>
+            <a:r>
+              <a:rPr lang="en-GB" sz="1800" dirty="0" smtClean="0"/>
+              <a:t>doing?</a:t>
+            </a:r>
+          </a:p>
+          <a:p>
+            <a:pPr lvl="1">
+              <a:buFont typeface="Courier New" panose="02070309020205020404" pitchFamily="49" charset="0"/>
+              <a:buChar char="o"/>
+            </a:pPr>
+            <a:r>
+              <a:rPr lang="en-GB" sz="1800" dirty="0" smtClean="0"/>
+              <a:t>Remember why “text” is </a:t>
+            </a:r>
+            <a:r>
+              <a:rPr lang="en-GB" sz="1800" b="1" dirty="0" smtClean="0">
+                <a:cs typeface="Courier New" panose="02070309020205020404" pitchFamily="49" charset="0"/>
+              </a:rPr>
+              <a:t>“set every repeat”</a:t>
+            </a:r>
+            <a:r>
+              <a:rPr lang="en-GB" sz="1800" dirty="0" smtClean="0"/>
+              <a:t>?</a:t>
+            </a:r>
+          </a:p>
+          <a:p>
+            <a:pPr lvl="1"/>
+            <a:endParaRPr lang="en-GB" sz="1800" dirty="0"/>
+          </a:p>
+          <a:p>
+            <a:pPr marL="57150" indent="0">
+              <a:buNone/>
+            </a:pPr>
+            <a:r>
+              <a:rPr lang="en-GB" dirty="0" smtClean="0">
+                <a:solidFill>
+                  <a:srgbClr val="FF0000"/>
+                </a:solidFill>
+              </a:rPr>
+              <a:t>A number of new concepts we have just thrown at you there</a:t>
+            </a:r>
+          </a:p>
+          <a:p>
+            <a:pPr marL="57150" indent="0">
+              <a:buNone/>
+            </a:pPr>
+            <a:r>
+              <a:rPr lang="en-GB" dirty="0" smtClean="0">
+                <a:solidFill>
+                  <a:srgbClr val="FF0000"/>
+                </a:solidFill>
+              </a:rPr>
+              <a:t>- without warning!</a:t>
+            </a:r>
+          </a:p>
+          <a:p>
+            <a:pPr marL="57150" indent="0">
+              <a:buNone/>
+            </a:pPr>
+            <a:endParaRPr lang="en-GB" dirty="0" smtClean="0"/>
+          </a:p>
+          <a:p>
+            <a:pPr marL="57150" indent="0">
+              <a:buNone/>
+            </a:pPr>
+            <a:r>
+              <a:rPr lang="en-GB" b="1" dirty="0" smtClean="0"/>
+              <a:t>Lets cover them briefly and some more!....</a:t>
+            </a:r>
+            <a:endParaRPr lang="en-GB" b="1" dirty="0"/>
+          </a:p>
+          <a:p>
+            <a:pPr lvl="1"/>
+            <a:endParaRPr lang="en-GB" dirty="0" smtClean="0"/>
+          </a:p>
+          <a:p>
+            <a:pPr marL="0" indent="0">
+              <a:buNone/>
+            </a:pPr>
+            <a:endParaRPr lang="en-GB" dirty="0"/>
+          </a:p>
+        </p:txBody>
+      </p:sp>
+    </p:spTree>
+    <p:extLst>
+      <p:ext uri="{BB962C8B-B14F-4D97-AF65-F5344CB8AC3E}">
+        <p14:creationId xmlns:p14="http://schemas.microsoft.com/office/powerpoint/2010/main" val="3769705882"/>
+      </p:ext>
+    </p:extLst>
+  </p:cSld>
+  <p:clrMapOvr>
+    <a:masterClrMapping/>
+  </p:clrMapOvr>
+  <p:timing>
+    <p:tnLst>
+      <p:par>
+        <p:cTn id="1" dur="indefinite" restart="never" nodeType="tmRoot"/>
+      </p:par>
+    </p:tnLst>
+  </p:timing>
+</p:sld>
+</file>
+
 <file path=ppt/slides/slide9.xml><?xml version="1.0" encoding="utf-8"?>
 <p:sld xmlns:a="http://schemas.openxmlformats.org/drawingml/2006/main" xmlns:r="http://schemas.openxmlformats.org/officeDocument/2006/relationships" xmlns:p="http://schemas.openxmlformats.org/presentationml/2006/main">
   <p:cSld>
@@ -15155,37 +14773,14 @@
         </p:nvSpPr>
         <p:spPr/>
         <p:txBody>
-          <a:bodyPr>
-            <a:normAutofit fontScale="90000"/>
-          </a:bodyPr>
+          <a:bodyPr/>
           <a:lstStyle/>
           <a:p>
             <a:r>
               <a:rPr lang="en-GB" dirty="0" smtClean="0"/>
-              <a:t>Exercise 2:</a:t>
-            </a:r>
-            <a:br>
-              <a:rPr lang="en-GB" dirty="0" smtClean="0"/>
-            </a:br>
-            <a:r>
-              <a:rPr lang="en-GB" dirty="0" smtClean="0">
-                <a:solidFill>
-                  <a:schemeClr val="accent1">
-                    <a:lumMod val="60000"/>
-                    <a:lumOff val="40000"/>
-                  </a:schemeClr>
-                </a:solidFill>
-              </a:rPr>
-              <a:t>Using snippets of code in Builder</a:t>
-            </a:r>
-            <a:endParaRPr lang="en-US" dirty="0">
-              <a:solidFill>
-                <a:schemeClr val="accent1">
-                  <a:lumMod val="60000"/>
-                  <a:lumOff val="40000"/>
-                </a:schemeClr>
-              </a:solidFill>
-            </a:endParaRPr>
+              <a:t>Simple data types and variables</a:t>
+            </a:r>
+            <a:endParaRPr lang="en-US" dirty="0"/>
           </a:p>
         </p:txBody>
       </p:sp>
@@ -15202,7 +14797,7 @@
         <p:spPr/>
         <p:txBody>
           <a:bodyPr>
-            <a:normAutofit fontScale="92500" lnSpcReduction="20000"/>
+            <a:normAutofit fontScale="92500" lnSpcReduction="10000"/>
           </a:bodyPr>
           <a:lstStyle/>
           <a:p>
@@ -15210,128 +14805,58 @@
               <a:buNone/>
             </a:pPr>
             <a:r>
-              <a:rPr lang="en-GB" dirty="0" smtClean="0"/>
-              <a:t>Close any other </a:t>
-            </a:r>
-            <a:r>
-              <a:rPr lang="en-GB" dirty="0" err="1" smtClean="0"/>
-              <a:t>PsychoPy</a:t>
-            </a:r>
-            <a:r>
-              <a:rPr lang="en-GB" dirty="0" smtClean="0"/>
-              <a:t> windows you have open.</a:t>
-            </a:r>
+              <a:rPr lang="en-GB" sz="2400" dirty="0"/>
+              <a:t>Variables are Containers for data </a:t>
+            </a:r>
+            <a:endParaRPr lang="en-GB" sz="2400" dirty="0" smtClean="0"/>
           </a:p>
           <a:p>
             <a:pPr marL="0" indent="0">
               <a:buNone/>
             </a:pPr>
-            <a:endParaRPr lang="en-GB" dirty="0" smtClean="0"/>
-          </a:p>
-          <a:p>
-            <a:pPr marL="0" indent="0">
-              <a:buNone/>
-            </a:pPr>
-            <a:r>
-              <a:rPr lang="en-GB" dirty="0" smtClean="0"/>
-              <a:t>Then open </a:t>
-            </a:r>
-            <a:r>
-              <a:rPr lang="en-GB" dirty="0" smtClean="0"/>
-              <a:t>up </a:t>
-            </a:r>
-            <a:r>
-              <a:rPr lang="en-GB" dirty="0" smtClean="0">
+            <a:r>
+              <a:rPr lang="en-GB" sz="2400" dirty="0" smtClean="0"/>
+              <a:t>(</a:t>
+            </a:r>
+            <a:r>
+              <a:rPr lang="en-GB" sz="2400" dirty="0"/>
+              <a:t>i.e. </a:t>
+            </a:r>
+            <a:r>
+              <a:rPr lang="en-GB" sz="2400" dirty="0">
                 <a:latin typeface="Courier New" panose="02070309020205020404" pitchFamily="49" charset="0"/>
                 <a:cs typeface="Courier New" panose="02070309020205020404" pitchFamily="49" charset="0"/>
               </a:rPr>
-              <a:t>ex2-code-blocks/</a:t>
-            </a:r>
-            <a:r>
-              <a:rPr lang="en-GB" dirty="0" err="1" smtClean="0">
-                <a:latin typeface="Courier New" panose="02070309020205020404" pitchFamily="49" charset="0"/>
-                <a:cs typeface="Courier New" panose="02070309020205020404" pitchFamily="49" charset="0"/>
-              </a:rPr>
-              <a:t>experiment.psyexp</a:t>
-            </a:r>
-            <a:r>
-              <a:rPr lang="en-GB" dirty="0" smtClean="0"/>
-              <a:t> and spend </a:t>
-            </a:r>
+              <a:t>“answer” </a:t>
+            </a:r>
+            <a:r>
+              <a:rPr lang="en-GB" sz="2400" dirty="0"/>
+              <a:t>in the </a:t>
+            </a:r>
+            <a:r>
+              <a:rPr lang="en-GB" sz="2400" dirty="0" smtClean="0"/>
+              <a:t>previous </a:t>
+            </a:r>
+            <a:r>
+              <a:rPr lang="en-GB" sz="2400" dirty="0"/>
+              <a:t>exercise</a:t>
+            </a:r>
+            <a:r>
+              <a:rPr lang="en-GB" sz="2400" dirty="0" smtClean="0"/>
+              <a:t>)</a:t>
+            </a:r>
+            <a:endParaRPr lang="en-GB" sz="2400" dirty="0"/>
           </a:p>
           <a:p>
             <a:pPr marL="0" indent="0">
               <a:buNone/>
             </a:pPr>
-            <a:r>
-              <a:rPr lang="en-GB" dirty="0" smtClean="0">
-                <a:solidFill>
-                  <a:srgbClr val="FF0000"/>
-                </a:solidFill>
-              </a:rPr>
-              <a:t>5 minutes </a:t>
-            </a:r>
-            <a:r>
-              <a:rPr lang="en-GB" dirty="0" smtClean="0"/>
-              <a:t>by doing the following:</a:t>
-            </a:r>
-          </a:p>
-          <a:p>
-            <a:pPr marL="0" indent="0">
-              <a:buNone/>
-            </a:pPr>
-            <a:endParaRPr lang="en-GB" dirty="0"/>
-          </a:p>
-          <a:p>
-            <a:r>
-              <a:rPr lang="en-GB" dirty="0" smtClean="0"/>
-              <a:t>Run it first and see what happens – </a:t>
-            </a:r>
-            <a:r>
-              <a:rPr lang="en-GB" dirty="0" smtClean="0">
-                <a:solidFill>
-                  <a:srgbClr val="FF0000"/>
-                </a:solidFill>
-              </a:rPr>
-              <a:t>How does it work?</a:t>
-            </a:r>
-          </a:p>
-          <a:p>
-            <a:pPr marL="0" indent="0">
-              <a:buNone/>
-            </a:pPr>
-            <a:endParaRPr lang="en-GB" dirty="0" smtClean="0"/>
-          </a:p>
-          <a:p>
-            <a:pPr marL="0" indent="0">
-              <a:buNone/>
-            </a:pPr>
-            <a:r>
-              <a:rPr lang="en-GB" b="1" dirty="0" smtClean="0"/>
-              <a:t>Where are the numbers coming from for the calculation?</a:t>
-            </a:r>
-          </a:p>
-          <a:p>
-            <a:pPr marL="0" indent="0">
-              <a:buNone/>
-            </a:pPr>
-            <a:endParaRPr lang="en-GB" dirty="0" smtClean="0"/>
-          </a:p>
-          <a:p>
-            <a:r>
-              <a:rPr lang="en-GB" dirty="0" smtClean="0"/>
-              <a:t>Explore the </a:t>
-            </a:r>
-            <a:r>
-              <a:rPr lang="en-GB" dirty="0" smtClean="0">
-                <a:latin typeface="Courier New" panose="02070309020205020404" pitchFamily="49" charset="0"/>
-                <a:cs typeface="Courier New" panose="02070309020205020404" pitchFamily="49" charset="0"/>
-              </a:rPr>
-              <a:t>“trial” </a:t>
-            </a:r>
-            <a:r>
-              <a:rPr lang="en-GB" dirty="0" smtClean="0"/>
-              <a:t>routine</a:t>
+            <a:endParaRPr lang="en" sz="2400" b="1" dirty="0" smtClean="0"/>
+          </a:p>
+          <a:p>
+            <a:r>
+              <a:rPr lang="en" sz="2400" b="1" dirty="0" smtClean="0"/>
+              <a:t>Integer</a:t>
             </a:r>
           </a:p>
           <a:p>
@@ -15340,15 +14865,31 @@
               <a:buChar char="o"/>
             </a:pPr>
             <a:r>
-              <a:rPr lang="en-GB" sz="1800" dirty="0" smtClean="0"/>
-              <a:t>Click onto the code block called </a:t>
-            </a:r>
-            <a:r>
-              <a:rPr lang="en-GB" sz="1800" dirty="0" smtClean="0">
+              <a:rPr lang="en-US" sz="2400" dirty="0">
                 <a:latin typeface="Courier New" panose="02070309020205020404" pitchFamily="49" charset="0"/>
                 <a:cs typeface="Courier New" panose="02070309020205020404" pitchFamily="49" charset="0"/>
               </a:rPr>
-              <a:t>“calculation”</a:t>
+              <a:t>a</a:t>
+            </a:r>
+            <a:r>
+              <a:rPr lang="en" sz="2400" dirty="0" smtClean="0">
+                <a:latin typeface="Courier New" panose="02070309020205020404" pitchFamily="49" charset="0"/>
+                <a:cs typeface="Courier New" panose="02070309020205020404" pitchFamily="49" charset="0"/>
+              </a:rPr>
+              <a:t>ge = </a:t>
+            </a:r>
+            <a:r>
+              <a:rPr lang="en" sz="2400" b="1" dirty="0" smtClean="0">
+                <a:latin typeface="Courier New" panose="02070309020205020404" pitchFamily="49" charset="0"/>
+                <a:cs typeface="Courier New" panose="02070309020205020404" pitchFamily="49" charset="0"/>
+              </a:rPr>
+              <a:t>10</a:t>
+            </a:r>
+          </a:p>
+          <a:p>
+            <a:r>
+              <a:rPr lang="en" sz="2400" b="1" dirty="0" smtClean="0"/>
+              <a:t>Float</a:t>
             </a:r>
           </a:p>
           <a:p>
@@ -15357,23 +14898,31 @@
               <a:buChar char="o"/>
             </a:pPr>
             <a:r>
-              <a:rPr lang="en-GB" sz="1800" dirty="0"/>
-              <a:t>T</a:t>
-            </a:r>
-            <a:r>
-              <a:rPr lang="en-GB" sz="1800" dirty="0" smtClean="0"/>
-              <a:t>hen the </a:t>
-            </a:r>
-            <a:r>
-              <a:rPr lang="en-GB" sz="1800" dirty="0" smtClean="0">
+              <a:rPr lang="en-US" sz="2400" dirty="0">
                 <a:latin typeface="Courier New" panose="02070309020205020404" pitchFamily="49" charset="0"/>
                 <a:cs typeface="Courier New" panose="02070309020205020404" pitchFamily="49" charset="0"/>
               </a:rPr>
-              <a:t>“Begin routine” </a:t>
-            </a:r>
-            <a:r>
-              <a:rPr lang="en-GB" sz="1800" dirty="0" smtClean="0"/>
-              <a:t>tab</a:t>
+              <a:t>p</a:t>
+            </a:r>
+            <a:r>
+              <a:rPr lang="en" sz="2400" dirty="0" smtClean="0">
+                <a:latin typeface="Courier New" panose="02070309020205020404" pitchFamily="49" charset="0"/>
+                <a:cs typeface="Courier New" panose="02070309020205020404" pitchFamily="49" charset="0"/>
+              </a:rPr>
+              <a:t>i = </a:t>
+            </a:r>
+            <a:r>
+              <a:rPr lang="en" sz="2400" b="1" dirty="0" smtClean="0">
+                <a:latin typeface="Courier New" panose="02070309020205020404" pitchFamily="49" charset="0"/>
+                <a:cs typeface="Courier New" panose="02070309020205020404" pitchFamily="49" charset="0"/>
+              </a:rPr>
+              <a:t>3.14</a:t>
+            </a:r>
+          </a:p>
+          <a:p>
+            <a:r>
+              <a:rPr lang="en" sz="2400" b="1" dirty="0" smtClean="0"/>
+              <a:t>Boolean</a:t>
             </a:r>
           </a:p>
           <a:p>
@@ -15382,8 +14931,25 @@
               <a:buChar char="o"/>
             </a:pPr>
             <a:r>
-              <a:rPr lang="en-GB" sz="1800" dirty="0" smtClean="0"/>
-              <a:t>See how the calculation is being done</a:t>
+              <a:rPr lang="en-US" sz="2400" dirty="0" smtClean="0">
+                <a:latin typeface="Courier New" panose="02070309020205020404" pitchFamily="49" charset="0"/>
+                <a:cs typeface="Courier New" panose="02070309020205020404" pitchFamily="49" charset="0"/>
+              </a:rPr>
+              <a:t>b</a:t>
+            </a:r>
+            <a:r>
+              <a:rPr lang="en" sz="2400" dirty="0" smtClean="0">
+                <a:latin typeface="Courier New" panose="02070309020205020404" pitchFamily="49" charset="0"/>
+                <a:cs typeface="Courier New" panose="02070309020205020404" pitchFamily="49" charset="0"/>
+              </a:rPr>
+              <a:t>ilingual = </a:t>
+            </a:r>
+            <a:r>
+              <a:rPr lang="en" sz="2400" b="1" dirty="0" smtClean="0">
+                <a:latin typeface="Courier New" panose="02070309020205020404" pitchFamily="49" charset="0"/>
+                <a:cs typeface="Courier New" panose="02070309020205020404" pitchFamily="49" charset="0"/>
+              </a:rPr>
+              <a:t>True</a:t>
             </a:r>
           </a:p>
           <a:p>
@@ -15392,32 +14958,39 @@
               <a:buChar char="o"/>
             </a:pPr>
             <a:r>
-              <a:rPr lang="en-GB" sz="1800" dirty="0" smtClean="0"/>
-              <a:t>What is </a:t>
-            </a:r>
-            <a:r>
-              <a:rPr lang="en-GB" sz="1800" dirty="0" err="1" smtClean="0">
+              <a:rPr lang="en" sz="2400" dirty="0" smtClean="0">
                 <a:latin typeface="Courier New" panose="02070309020205020404" pitchFamily="49" charset="0"/>
                 <a:cs typeface="Courier New" panose="02070309020205020404" pitchFamily="49" charset="0"/>
               </a:rPr>
-              <a:t>int</a:t>
-            </a:r>
-            <a:r>
-              <a:rPr lang="en-GB" sz="1800" dirty="0" smtClean="0">
+              <a:t>or bilingual = </a:t>
+            </a:r>
+            <a:r>
+              <a:rPr lang="en" sz="2400" b="1" dirty="0" smtClean="0">
                 <a:latin typeface="Courier New" panose="02070309020205020404" pitchFamily="49" charset="0"/>
                 <a:cs typeface="Courier New" panose="02070309020205020404" pitchFamily="49" charset="0"/>
               </a:rPr>
-              <a:t>() </a:t>
-            </a:r>
-            <a:r>
-              <a:rPr lang="en-GB" sz="1800" dirty="0" smtClean="0"/>
-              <a:t>doing, and why do we use it?</a:t>
-            </a:r>
-          </a:p>
-          <a:p>
-            <a:r>
-              <a:rPr lang="en-GB" dirty="0" smtClean="0"/>
-              <a:t>How do we then print that calculation in the Text component?</a:t>
+              <a:t>1</a:t>
+            </a:r>
+            <a:r>
+              <a:rPr lang="en" sz="2400" dirty="0" smtClean="0">
+                <a:latin typeface="Courier New" panose="02070309020205020404" pitchFamily="49" charset="0"/>
+                <a:cs typeface="Courier New" panose="02070309020205020404" pitchFamily="49" charset="0"/>
+              </a:rPr>
+              <a:t> </a:t>
+            </a:r>
+            <a:r>
+              <a:rPr lang="en" sz="2400" dirty="0" smtClean="0"/>
+              <a:t>(in some languages </a:t>
+            </a:r>
+            <a:r>
+              <a:rPr lang="en-US" sz="2400" dirty="0" smtClean="0"/>
+              <a:t>is valid)</a:t>
+            </a:r>
+          </a:p>
+          <a:p>
+            <a:r>
+              <a:rPr lang="en-GB" sz="2400" b="1" dirty="0" smtClean="0"/>
+              <a:t>Char</a:t>
             </a:r>
           </a:p>
           <a:p>
@@ -15426,26 +14999,106 @@
               <a:buChar char="o"/>
             </a:pPr>
             <a:r>
-              <a:rPr lang="en-GB" sz="1800" dirty="0" smtClean="0"/>
-              <a:t>Open up the Text component - what is </a:t>
-            </a:r>
-            <a:r>
-              <a:rPr lang="en-GB" sz="1800" dirty="0" err="1" smtClean="0">
+              <a:rPr lang="en" sz="2400" dirty="0" smtClean="0">
                 <a:latin typeface="Courier New" panose="02070309020205020404" pitchFamily="49" charset="0"/>
+                <a:ea typeface="Courier New"/>
                 <a:cs typeface="Courier New" panose="02070309020205020404" pitchFamily="49" charset="0"/>
-              </a:rPr>
-              <a:t>str</a:t>
-            </a:r>
-            <a:r>
-              <a:rPr lang="en-GB" sz="1800" dirty="0" smtClean="0">
+                <a:sym typeface="Courier New"/>
+              </a:rPr>
+              <a:t>initial </a:t>
+            </a:r>
+            <a:r>
+              <a:rPr lang="en" sz="2400" dirty="0">
                 <a:latin typeface="Courier New" panose="02070309020205020404" pitchFamily="49" charset="0"/>
+                <a:ea typeface="Courier New"/>
                 <a:cs typeface="Courier New" panose="02070309020205020404" pitchFamily="49" charset="0"/>
-              </a:rPr>
-              <a:t>() </a:t>
-            </a:r>
-            <a:r>
-              <a:rPr lang="en-GB" sz="1800" dirty="0" smtClean="0"/>
-              <a:t>doing?</a:t>
+                <a:sym typeface="Courier New"/>
+              </a:rPr>
+              <a:t>= </a:t>
+            </a:r>
+            <a:r>
+              <a:rPr lang="en" sz="2400" b="1" dirty="0">
+                <a:latin typeface="Courier New"/>
+                <a:ea typeface="Courier New"/>
+                <a:cs typeface="Courier New"/>
+                <a:sym typeface="Courier New"/>
+              </a:rPr>
+              <a:t>"</a:t>
+            </a:r>
+            <a:r>
+              <a:rPr lang="en" sz="2400" b="1" dirty="0" smtClean="0">
+                <a:latin typeface="Courier New" panose="02070309020205020404" pitchFamily="49" charset="0"/>
+                <a:ea typeface="Courier New"/>
+                <a:cs typeface="Courier New" panose="02070309020205020404" pitchFamily="49" charset="0"/>
+                <a:sym typeface="Courier New"/>
+              </a:rPr>
+              <a:t>M</a:t>
+            </a:r>
+            <a:r>
+              <a:rPr lang="en" sz="2400" b="1" dirty="0">
+                <a:latin typeface="Courier New"/>
+                <a:ea typeface="Courier New"/>
+                <a:cs typeface="Courier New"/>
+                <a:sym typeface="Courier New"/>
+              </a:rPr>
+              <a:t>"</a:t>
+            </a:r>
+            <a:r>
+              <a:rPr lang="en" sz="2400" b="1" dirty="0" smtClean="0">
+                <a:latin typeface="Courier New" panose="02070309020205020404" pitchFamily="49" charset="0"/>
+                <a:ea typeface="Courier New"/>
+                <a:cs typeface="Courier New" panose="02070309020205020404" pitchFamily="49" charset="0"/>
+                <a:sym typeface="Courier New"/>
+              </a:rPr>
+              <a:t>  </a:t>
+            </a:r>
+            <a:r>
+              <a:rPr lang="en" sz="2400" dirty="0">
+                <a:latin typeface="Courier New" panose="02070309020205020404" pitchFamily="49" charset="0"/>
+                <a:ea typeface="Courier New"/>
+                <a:cs typeface="Courier New" panose="02070309020205020404" pitchFamily="49" charset="0"/>
+                <a:sym typeface="Courier New"/>
+              </a:rPr>
+              <a:t>… number = </a:t>
+            </a:r>
+            <a:r>
+              <a:rPr lang="en" sz="2400" b="1" dirty="0">
+                <a:latin typeface="Courier New"/>
+                <a:ea typeface="Courier New"/>
+                <a:cs typeface="Courier New"/>
+                <a:sym typeface="Courier New"/>
+              </a:rPr>
+              <a:t>"</a:t>
+            </a:r>
+            <a:r>
+              <a:rPr lang="en" sz="2400" b="1" dirty="0" smtClean="0">
+                <a:latin typeface="Courier New" panose="02070309020205020404" pitchFamily="49" charset="0"/>
+                <a:ea typeface="Courier New"/>
+                <a:cs typeface="Courier New" panose="02070309020205020404" pitchFamily="49" charset="0"/>
+                <a:sym typeface="Courier New"/>
+              </a:rPr>
+              <a:t>1</a:t>
+            </a:r>
+            <a:r>
+              <a:rPr lang="en" sz="2400" b="1" dirty="0">
+                <a:latin typeface="Courier New"/>
+                <a:ea typeface="Courier New"/>
+                <a:cs typeface="Courier New"/>
+                <a:sym typeface="Courier New"/>
+              </a:rPr>
+              <a:t>"</a:t>
+            </a:r>
+            <a:endParaRPr lang="en" sz="2400" b="1" dirty="0" smtClean="0">
+              <a:latin typeface="Courier New" panose="02070309020205020404" pitchFamily="49" charset="0"/>
+              <a:ea typeface="Courier New"/>
+              <a:cs typeface="Courier New" panose="02070309020205020404" pitchFamily="49" charset="0"/>
+              <a:sym typeface="Courier New"/>
+            </a:endParaRPr>
+          </a:p>
+          <a:p>
+            <a:r>
+              <a:rPr lang="en-GB" sz="2400" b="1" dirty="0" smtClean="0"/>
+              <a:t>String</a:t>
             </a:r>
           </a:p>
           <a:p>
@@ -15454,82 +15107,147 @@
               <a:buChar char="o"/>
             </a:pPr>
             <a:r>
-              <a:rPr lang="en-GB" sz="1800" dirty="0" smtClean="0"/>
-              <a:t>Remember why “text” is </a:t>
-            </a:r>
-            <a:r>
-              <a:rPr lang="en-GB" sz="1800" b="1" dirty="0" smtClean="0">
+              <a:rPr lang="en" sz="2400" dirty="0" smtClean="0">
+                <a:latin typeface="Courier New" panose="02070309020205020404" pitchFamily="49" charset="0"/>
+                <a:ea typeface="Courier New"/>
                 <a:cs typeface="Courier New" panose="02070309020205020404" pitchFamily="49" charset="0"/>
-              </a:rPr>
-              <a:t>“set every repeat”</a:t>
-            </a:r>
-            <a:r>
-              <a:rPr lang="en-GB" sz="1800" dirty="0" smtClean="0"/>
-              <a:t>?</a:t>
-            </a:r>
-          </a:p>
-          <a:p>
-            <a:pPr lvl="1"/>
-            <a:endParaRPr lang="en-GB" sz="1800" dirty="0"/>
-          </a:p>
-          <a:p>
-            <a:pPr marL="57150" indent="0">
-              <a:buNone/>
-            </a:pPr>
-            <a:r>
-              <a:rPr lang="en-GB" dirty="0" smtClean="0">
-                <a:solidFill>
-                  <a:srgbClr val="FF0000"/>
-                </a:solidFill>
-              </a:rPr>
-              <a:t>A number of new concepts we have just thrown at you there</a:t>
-            </a:r>
-          </a:p>
-          <a:p>
-            <a:pPr marL="57150" indent="0">
-              <a:buNone/>
-            </a:pPr>
-            <a:r>
-              <a:rPr lang="en-GB" dirty="0" smtClean="0">
-                <a:solidFill>
-                  <a:srgbClr val="FF0000"/>
-                </a:solidFill>
-              </a:rPr>
-              <a:t>- without warning!</a:t>
-            </a:r>
-          </a:p>
-          <a:p>
-            <a:pPr marL="57150" indent="0">
-              <a:buNone/>
-            </a:pPr>
-            <a:endParaRPr lang="en-GB" dirty="0" smtClean="0"/>
-          </a:p>
-          <a:p>
-            <a:pPr marL="57150" indent="0">
-              <a:buNone/>
-            </a:pPr>
-            <a:r>
-              <a:rPr lang="en-GB" b="1" dirty="0" smtClean="0"/>
-              <a:t>Lets cover them briefly and some more!....</a:t>
-            </a:r>
-            <a:endParaRPr lang="en-GB" b="1" dirty="0"/>
-          </a:p>
-          <a:p>
-            <a:pPr lvl="1"/>
-            <a:endParaRPr lang="en-GB" dirty="0" smtClean="0"/>
-          </a:p>
-          <a:p>
-            <a:pPr marL="0" indent="0">
-              <a:buNone/>
-            </a:pPr>
-            <a:endParaRPr lang="en-GB" dirty="0"/>
+                <a:sym typeface="Courier New"/>
+              </a:rPr>
+              <a:t>first_name </a:t>
+            </a:r>
+            <a:r>
+              <a:rPr lang="en" sz="2400" dirty="0">
+                <a:latin typeface="Courier New" panose="02070309020205020404" pitchFamily="49" charset="0"/>
+                <a:ea typeface="Courier New"/>
+                <a:cs typeface="Courier New" panose="02070309020205020404" pitchFamily="49" charset="0"/>
+                <a:sym typeface="Courier New"/>
+              </a:rPr>
+              <a:t>= </a:t>
+            </a:r>
+            <a:r>
+              <a:rPr lang="en" sz="2400" b="1" dirty="0">
+                <a:latin typeface="Courier New"/>
+                <a:ea typeface="Courier New"/>
+                <a:cs typeface="Courier New"/>
+                <a:sym typeface="Courier New"/>
+              </a:rPr>
+              <a:t>"</a:t>
+            </a:r>
+            <a:r>
+              <a:rPr lang="en" sz="2400" b="1" dirty="0" smtClean="0">
+                <a:latin typeface="Courier New" panose="02070309020205020404" pitchFamily="49" charset="0"/>
+                <a:ea typeface="Courier New"/>
+                <a:cs typeface="Courier New" panose="02070309020205020404" pitchFamily="49" charset="0"/>
+                <a:sym typeface="Courier New"/>
+              </a:rPr>
+              <a:t>John</a:t>
+            </a:r>
+            <a:r>
+              <a:rPr lang="en" sz="2400" b="1" dirty="0">
+                <a:latin typeface="Courier New"/>
+                <a:ea typeface="Courier New"/>
+                <a:cs typeface="Courier New"/>
+                <a:sym typeface="Courier New"/>
+              </a:rPr>
+              <a:t>"</a:t>
+            </a:r>
+            <a:endParaRPr lang="en" sz="2400" b="1" dirty="0" smtClean="0">
+              <a:latin typeface="Courier New" panose="02070309020205020404" pitchFamily="49" charset="0"/>
+              <a:ea typeface="Courier New"/>
+              <a:cs typeface="Courier New" panose="02070309020205020404" pitchFamily="49" charset="0"/>
+              <a:sym typeface="Courier New"/>
+            </a:endParaRPr>
+          </a:p>
+          <a:p>
+            <a:pPr lvl="1">
+              <a:buFont typeface="Courier New" panose="02070309020205020404" pitchFamily="49" charset="0"/>
+              <a:buChar char="o"/>
+            </a:pPr>
+            <a:r>
+              <a:rPr lang="en" sz="2400" dirty="0" smtClean="0">
+                <a:latin typeface="Courier New" panose="02070309020205020404" pitchFamily="49" charset="0"/>
+                <a:ea typeface="Courier New"/>
+                <a:cs typeface="Courier New" panose="02070309020205020404" pitchFamily="49" charset="0"/>
+                <a:sym typeface="Courier New"/>
+              </a:rPr>
+              <a:t>phone_number </a:t>
+            </a:r>
+            <a:r>
+              <a:rPr lang="en" sz="2400" dirty="0">
+                <a:latin typeface="Courier New" panose="02070309020205020404" pitchFamily="49" charset="0"/>
+                <a:ea typeface="Courier New"/>
+                <a:cs typeface="Courier New" panose="02070309020205020404" pitchFamily="49" charset="0"/>
+                <a:sym typeface="Courier New"/>
+              </a:rPr>
+              <a:t>= </a:t>
+            </a:r>
+            <a:r>
+              <a:rPr lang="en" sz="2400" b="1" dirty="0">
+                <a:latin typeface="Courier New"/>
+                <a:ea typeface="Courier New"/>
+                <a:cs typeface="Courier New"/>
+                <a:sym typeface="Courier New"/>
+              </a:rPr>
+              <a:t>"</a:t>
+            </a:r>
+            <a:r>
+              <a:rPr lang="en" sz="2400" b="1" dirty="0" smtClean="0">
+                <a:latin typeface="Courier New" panose="02070309020205020404" pitchFamily="49" charset="0"/>
+                <a:ea typeface="Courier New"/>
+                <a:cs typeface="Courier New" panose="02070309020205020404" pitchFamily="49" charset="0"/>
+                <a:sym typeface="Courier New"/>
+              </a:rPr>
+              <a:t>+</a:t>
+            </a:r>
+            <a:r>
+              <a:rPr lang="en" sz="2400" b="1" dirty="0">
+                <a:latin typeface="Courier New" panose="02070309020205020404" pitchFamily="49" charset="0"/>
+                <a:ea typeface="Courier New"/>
+                <a:cs typeface="Courier New" panose="02070309020205020404" pitchFamily="49" charset="0"/>
+                <a:sym typeface="Courier New"/>
+              </a:rPr>
+              <a:t>44 01227 </a:t>
+            </a:r>
+            <a:r>
+              <a:rPr lang="en" sz="2400" b="1" dirty="0" smtClean="0">
+                <a:latin typeface="Courier New" panose="02070309020205020404" pitchFamily="49" charset="0"/>
+                <a:ea typeface="Courier New"/>
+                <a:cs typeface="Courier New" panose="02070309020205020404" pitchFamily="49" charset="0"/>
+                <a:sym typeface="Courier New"/>
+              </a:rPr>
+              <a:t>888999</a:t>
+            </a:r>
+            <a:r>
+              <a:rPr lang="en" sz="2400" b="1" dirty="0">
+                <a:latin typeface="Courier New"/>
+                <a:ea typeface="Courier New"/>
+                <a:cs typeface="Courier New"/>
+                <a:sym typeface="Courier New"/>
+              </a:rPr>
+              <a:t>"</a:t>
+            </a:r>
+            <a:r>
+              <a:rPr lang="en" sz="2400" b="1" dirty="0" smtClean="0">
+                <a:latin typeface="Courier New" panose="02070309020205020404" pitchFamily="49" charset="0"/>
+                <a:ea typeface="Courier New"/>
+                <a:cs typeface="Courier New" panose="02070309020205020404" pitchFamily="49" charset="0"/>
+                <a:sym typeface="Courier New"/>
+              </a:rPr>
+              <a:t> </a:t>
+            </a:r>
+            <a:endParaRPr lang="en" sz="2400" b="1" dirty="0">
+              <a:latin typeface="Courier New" panose="02070309020205020404" pitchFamily="49" charset="0"/>
+              <a:ea typeface="Courier New"/>
+              <a:cs typeface="Courier New" panose="02070309020205020404" pitchFamily="49" charset="0"/>
+              <a:sym typeface="Courier New"/>
+            </a:endParaRPr>
           </a:p>
         </p:txBody>
       </p:sp>
     </p:spTree>
     <p:extLst>
       <p:ext uri="{BB962C8B-B14F-4D97-AF65-F5344CB8AC3E}">
-        <p14:creationId xmlns:p14="http://schemas.microsoft.com/office/powerpoint/2010/main" val="3769705882"/>
+        <p14:creationId xmlns:p14="http://schemas.microsoft.com/office/powerpoint/2010/main" val="1563197427"/>
       </p:ext>
     </p:extLst>
   </p:cSld>

--- a/PsychoPy-Part2/PsychoPy-part2.pptx
+++ b/PsychoPy-Part2/PsychoPy-part2.pptx
@@ -222,7 +222,7 @@
           <a:p>
             <a:fld id="{A71BFCC6-2EC9-4EC2-A3C4-9B645E93EB78}" type="datetimeFigureOut">
               <a:rPr lang="en-US" smtClean="0"/>
-              <a:t>10/2/2019</a:t>
+              <a:t>10/10/2019</a:t>
             </a:fld>
             <a:endParaRPr lang="en-US"/>
           </a:p>
@@ -1982,7 +1982,7 @@
             <a:fld id="{B61BEF0D-F0BB-DE4B-95CE-6DB70DBA9567}" type="datetimeFigureOut">
               <a:rPr lang="en-US" smtClean="0"/>
               <a:pPr/>
-              <a:t>10/2/2019</a:t>
+              <a:t>10/10/2019</a:t>
             </a:fld>
             <a:endParaRPr lang="en-US" dirty="0"/>
           </a:p>
@@ -2235,7 +2235,7 @@
             <a:fld id="{B61BEF0D-F0BB-DE4B-95CE-6DB70DBA9567}" type="datetimeFigureOut">
               <a:rPr lang="en-US" smtClean="0"/>
               <a:pPr/>
-              <a:t>10/2/2019</a:t>
+              <a:t>10/10/2019</a:t>
             </a:fld>
             <a:endParaRPr lang="en-US" dirty="0"/>
           </a:p>
@@ -2551,7 +2551,7 @@
             <a:fld id="{B61BEF0D-F0BB-DE4B-95CE-6DB70DBA9567}" type="datetimeFigureOut">
               <a:rPr lang="en-US" smtClean="0"/>
               <a:pPr/>
-              <a:t>10/2/2019</a:t>
+              <a:t>10/10/2019</a:t>
             </a:fld>
             <a:endParaRPr lang="en-US" dirty="0"/>
           </a:p>
@@ -2886,7 +2886,7 @@
             <a:fld id="{B61BEF0D-F0BB-DE4B-95CE-6DB70DBA9567}" type="datetimeFigureOut">
               <a:rPr lang="en-US" smtClean="0"/>
               <a:pPr/>
-              <a:t>10/2/2019</a:t>
+              <a:t>10/10/2019</a:t>
             </a:fld>
             <a:endParaRPr lang="en-US" dirty="0"/>
           </a:p>
@@ -3202,7 +3202,7 @@
             <a:fld id="{B61BEF0D-F0BB-DE4B-95CE-6DB70DBA9567}" type="datetimeFigureOut">
               <a:rPr lang="en-US" smtClean="0"/>
               <a:pPr/>
-              <a:t>10/2/2019</a:t>
+              <a:t>10/10/2019</a:t>
             </a:fld>
             <a:endParaRPr lang="en-US" dirty="0"/>
           </a:p>
@@ -3597,7 +3597,7 @@
             <a:fld id="{B61BEF0D-F0BB-DE4B-95CE-6DB70DBA9567}" type="datetimeFigureOut">
               <a:rPr lang="en-US" smtClean="0"/>
               <a:pPr/>
-              <a:t>10/2/2019</a:t>
+              <a:t>10/10/2019</a:t>
             </a:fld>
             <a:endParaRPr lang="en-US" dirty="0"/>
           </a:p>
@@ -3768,7 +3768,7 @@
           <a:p>
             <a:fld id="{55C6B4A9-1611-4792-9094-5F34BCA07E0B}" type="datetimeFigureOut">
               <a:rPr lang="en-US" smtClean="0"/>
-              <a:t>10/2/2019</a:t>
+              <a:t>10/10/2019</a:t>
             </a:fld>
             <a:endParaRPr lang="en-US" dirty="0"/>
           </a:p>
@@ -3949,7 +3949,7 @@
             <a:fld id="{B61BEF0D-F0BB-DE4B-95CE-6DB70DBA9567}" type="datetimeFigureOut">
               <a:rPr lang="en-US" smtClean="0"/>
               <a:pPr/>
-              <a:t>10/2/2019</a:t>
+              <a:t>10/10/2019</a:t>
             </a:fld>
             <a:endParaRPr lang="en-US" dirty="0"/>
           </a:p>
@@ -4321,7 +4321,7 @@
             <a:fld id="{B61BEF0D-F0BB-DE4B-95CE-6DB70DBA9567}" type="datetimeFigureOut">
               <a:rPr lang="en-US" smtClean="0"/>
               <a:pPr/>
-              <a:t>10/2/2019</a:t>
+              <a:t>10/10/2019</a:t>
             </a:fld>
             <a:endParaRPr lang="en-US" dirty="0"/>
           </a:p>
@@ -4570,7 +4570,7 @@
             <a:fld id="{B61BEF0D-F0BB-DE4B-95CE-6DB70DBA9567}" type="datetimeFigureOut">
               <a:rPr lang="en-US" smtClean="0"/>
               <a:pPr/>
-              <a:t>10/2/2019</a:t>
+              <a:t>10/10/2019</a:t>
             </a:fld>
             <a:endParaRPr lang="en-US" dirty="0"/>
           </a:p>
@@ -4868,7 +4868,7 @@
           <a:p>
             <a:fld id="{EB712588-04B1-427B-82EE-E8DB90309F08}" type="datetimeFigureOut">
               <a:rPr lang="en-US" smtClean="0"/>
-              <a:t>10/2/2019</a:t>
+              <a:t>10/10/2019</a:t>
             </a:fld>
             <a:endParaRPr lang="en-US" dirty="0"/>
           </a:p>
@@ -5248,7 +5248,7 @@
             <a:fld id="{B61BEF0D-F0BB-DE4B-95CE-6DB70DBA9567}" type="datetimeFigureOut">
               <a:rPr lang="en-US" smtClean="0"/>
               <a:pPr/>
-              <a:t>10/2/2019</a:t>
+              <a:t>10/10/2019</a:t>
             </a:fld>
             <a:endParaRPr lang="en-US" dirty="0"/>
           </a:p>
@@ -5373,7 +5373,7 @@
             <a:fld id="{B61BEF0D-F0BB-DE4B-95CE-6DB70DBA9567}" type="datetimeFigureOut">
               <a:rPr lang="en-US" smtClean="0"/>
               <a:pPr/>
-              <a:t>10/2/2019</a:t>
+              <a:t>10/10/2019</a:t>
             </a:fld>
             <a:endParaRPr lang="en-US" dirty="0"/>
           </a:p>
@@ -5470,7 +5470,7 @@
             <a:fld id="{B61BEF0D-F0BB-DE4B-95CE-6DB70DBA9567}" type="datetimeFigureOut">
               <a:rPr lang="en-US" smtClean="0"/>
               <a:pPr/>
-              <a:t>10/2/2019</a:t>
+              <a:t>10/10/2019</a:t>
             </a:fld>
             <a:endParaRPr lang="en-US" dirty="0"/>
           </a:p>
@@ -5726,7 +5726,7 @@
           <a:p>
             <a:fld id="{42A54C80-263E-416B-A8E0-580EDEADCBDC}" type="datetimeFigureOut">
               <a:rPr lang="en-US" smtClean="0"/>
-              <a:t>10/2/2019</a:t>
+              <a:t>10/10/2019</a:t>
             </a:fld>
             <a:endParaRPr lang="en-US" dirty="0"/>
           </a:p>
@@ -5990,7 +5990,7 @@
             <a:fld id="{B61BEF0D-F0BB-DE4B-95CE-6DB70DBA9567}" type="datetimeFigureOut">
               <a:rPr lang="en-US" smtClean="0"/>
               <a:pPr/>
-              <a:t>10/2/2019</a:t>
+              <a:t>10/10/2019</a:t>
             </a:fld>
             <a:endParaRPr lang="en-US" dirty="0"/>
           </a:p>
@@ -6807,7 +6807,7 @@
             <a:fld id="{B61BEF0D-F0BB-DE4B-95CE-6DB70DBA9567}" type="datetimeFigureOut">
               <a:rPr lang="en-US" smtClean="0"/>
               <a:pPr/>
-              <a:t>10/2/2019</a:t>
+              <a:t>10/10/2019</a:t>
             </a:fld>
             <a:endParaRPr lang="en-US" dirty="0"/>
           </a:p>
@@ -7876,12 +7876,33 @@
                 <a:latin typeface="Courier New" panose="02070309020205020404" pitchFamily="49" charset="0"/>
                 <a:cs typeface="Courier New" panose="02070309020205020404" pitchFamily="49" charset="0"/>
               </a:rPr>
-              <a:t>===</a:t>
+              <a:t>is</a:t>
             </a:r>
             <a:r>
               <a:rPr lang="en" sz="2000" dirty="0" smtClean="0"/>
-              <a:t> (exact equivalence)</a:t>
-            </a:r>
+              <a:t> </a:t>
+            </a:r>
+            <a:r>
+              <a:rPr lang="en" sz="2000" dirty="0" smtClean="0"/>
+              <a:t>(exact </a:t>
+            </a:r>
+            <a:r>
+              <a:rPr lang="en" sz="2000" dirty="0" smtClean="0"/>
+              <a:t>equivalence in Python – </a:t>
+            </a:r>
+            <a:r>
+              <a:rPr lang="en" sz="2000" dirty="0" smtClean="0">
+                <a:solidFill>
+                  <a:srgbClr val="FF0000"/>
+                </a:solidFill>
+              </a:rPr>
+              <a:t>DON’T USE THIS!)</a:t>
+            </a:r>
+            <a:endParaRPr lang="en" sz="2000" dirty="0" smtClean="0">
+              <a:solidFill>
+                <a:srgbClr val="FF0000"/>
+              </a:solidFill>
+            </a:endParaRPr>
           </a:p>
           <a:p>
             <a:pPr lvl="1">
@@ -10627,13 +10648,21 @@
           <a:p>
             <a:r>
               <a:rPr lang="en-GB" dirty="0"/>
-              <a:t>Download the materials from SP850 (zip file)</a:t>
-            </a:r>
-          </a:p>
-          <a:p>
+              <a:t>Download the materials from SP850 (zip </a:t>
+            </a:r>
+            <a:r>
+              <a:rPr lang="en-GB" dirty="0" smtClean="0"/>
+              <a:t>file)</a:t>
+            </a:r>
+          </a:p>
+          <a:p>
+            <a:r>
+              <a:rPr lang="en-GB" dirty="0" smtClean="0"/>
+              <a:t>Or </a:t>
+            </a:r>
             <a:r>
               <a:rPr lang="en-GB" dirty="0"/>
-              <a:t>Or for those not on SP850 from here:</a:t>
+              <a:t>for those not on SP850 from here:</a:t>
             </a:r>
           </a:p>
           <a:p>
@@ -10643,32 +10672,24 @@
             <a:endParaRPr lang="en-US" dirty="0" smtClean="0"/>
           </a:p>
           <a:p>
-            <a:pPr marL="457200" lvl="1" indent="0">
-              <a:buNone/>
-            </a:pPr>
+            <a:pPr marL="0" indent="0">
+              <a:buNone/>
+            </a:pPr>
+            <a:r>
+              <a:rPr lang="en-US" sz="2000" dirty="0">
+                <a:solidFill>
+                  <a:schemeClr val="tx1"/>
+                </a:solidFill>
+              </a:rPr>
+              <a:t>http://</a:t>
+            </a:r>
             <a:r>
               <a:rPr lang="en-US" sz="2000" dirty="0" smtClean="0">
                 <a:solidFill>
                   <a:schemeClr val="tx1"/>
                 </a:solidFill>
               </a:rPr>
-              <a:t>http</a:t>
-            </a:r>
-            <a:r>
-              <a:rPr lang="en-US" sz="2000" dirty="0">
-                <a:solidFill>
-                  <a:schemeClr val="tx1"/>
-                </a:solidFill>
-              </a:rPr>
-              <a:t>://</a:t>
-            </a:r>
-            <a:r>
-              <a:rPr lang="en-US" sz="2000" dirty="0" smtClean="0">
-                <a:solidFill>
-                  <a:schemeClr val="tx1"/>
-                </a:solidFill>
-              </a:rPr>
-              <a:t>www.kent.ac.uk/psychology/technical/part2.zip</a:t>
+              <a:t>www.kent.ac.uk/school-of-psychology/downloads/part2.zip</a:t>
             </a:r>
             <a:endParaRPr lang="en-GB" sz="2000" dirty="0">
               <a:solidFill>
@@ -10696,15 +10717,30 @@
             </a:r>
             <a:r>
               <a:rPr lang="en-GB" sz="2800" dirty="0" smtClean="0"/>
-              <a:t>Then </a:t>
+              <a:t>First unzip by </a:t>
             </a:r>
             <a:r>
               <a:rPr lang="en-GB" sz="2800" dirty="0"/>
-              <a:t>unzip by right clicking and selecting “Extract all</a:t>
+              <a:t>right clicking and selecting “Extract all</a:t>
             </a:r>
             <a:r>
               <a:rPr lang="en-GB" sz="2800" dirty="0" smtClean="0"/>
-              <a:t>”.</a:t>
+              <a:t>”.  Go to the extracted folder.</a:t>
+            </a:r>
+          </a:p>
+          <a:p>
+            <a:pPr marL="57150" indent="0">
+              <a:buNone/>
+            </a:pPr>
+            <a:endParaRPr lang="en-GB" sz="2800" dirty="0"/>
+          </a:p>
+          <a:p>
+            <a:pPr marL="57150" indent="0">
+              <a:buNone/>
+            </a:pPr>
+            <a:r>
+              <a:rPr lang="en-GB" sz="2800" dirty="0" smtClean="0"/>
+              <a:t>Do not double click the zip!</a:t>
             </a:r>
           </a:p>
           <a:p>
@@ -12602,7 +12638,7 @@
                   <a:srgbClr val="FF0000"/>
                 </a:solidFill>
               </a:rPr>
-              <a:t>(QUICK DEMO)</a:t>
+              <a:t>(VERY QUICK DEMO)</a:t>
             </a:r>
           </a:p>
           <a:p>
